--- a/Tranning_Android.pptx
+++ b/Tranning_Android.pptx
@@ -4,8 +4,110 @@
   <p:sldMasterIdLst>
     <p:sldMasterId id="2147483648" r:id="rId1"/>
   </p:sldMasterIdLst>
+  <p:notesMasterIdLst>
+    <p:notesMasterId r:id="rId102"/>
+  </p:notesMasterIdLst>
   <p:sldIdLst>
     <p:sldId id="256" r:id="rId2"/>
+    <p:sldId id="257" r:id="rId3"/>
+    <p:sldId id="258" r:id="rId4"/>
+    <p:sldId id="259" r:id="rId5"/>
+    <p:sldId id="260" r:id="rId6"/>
+    <p:sldId id="261" r:id="rId7"/>
+    <p:sldId id="262" r:id="rId8"/>
+    <p:sldId id="263" r:id="rId9"/>
+    <p:sldId id="264" r:id="rId10"/>
+    <p:sldId id="265" r:id="rId11"/>
+    <p:sldId id="266" r:id="rId12"/>
+    <p:sldId id="267" r:id="rId13"/>
+    <p:sldId id="268" r:id="rId14"/>
+    <p:sldId id="269" r:id="rId15"/>
+    <p:sldId id="270" r:id="rId16"/>
+    <p:sldId id="271" r:id="rId17"/>
+    <p:sldId id="272" r:id="rId18"/>
+    <p:sldId id="273" r:id="rId19"/>
+    <p:sldId id="274" r:id="rId20"/>
+    <p:sldId id="275" r:id="rId21"/>
+    <p:sldId id="276" r:id="rId22"/>
+    <p:sldId id="277" r:id="rId23"/>
+    <p:sldId id="278" r:id="rId24"/>
+    <p:sldId id="279" r:id="rId25"/>
+    <p:sldId id="280" r:id="rId26"/>
+    <p:sldId id="281" r:id="rId27"/>
+    <p:sldId id="282" r:id="rId28"/>
+    <p:sldId id="283" r:id="rId29"/>
+    <p:sldId id="284" r:id="rId30"/>
+    <p:sldId id="285" r:id="rId31"/>
+    <p:sldId id="286" r:id="rId32"/>
+    <p:sldId id="287" r:id="rId33"/>
+    <p:sldId id="288" r:id="rId34"/>
+    <p:sldId id="289" r:id="rId35"/>
+    <p:sldId id="290" r:id="rId36"/>
+    <p:sldId id="291" r:id="rId37"/>
+    <p:sldId id="292" r:id="rId38"/>
+    <p:sldId id="293" r:id="rId39"/>
+    <p:sldId id="294" r:id="rId40"/>
+    <p:sldId id="295" r:id="rId41"/>
+    <p:sldId id="296" r:id="rId42"/>
+    <p:sldId id="297" r:id="rId43"/>
+    <p:sldId id="298" r:id="rId44"/>
+    <p:sldId id="299" r:id="rId45"/>
+    <p:sldId id="300" r:id="rId46"/>
+    <p:sldId id="301" r:id="rId47"/>
+    <p:sldId id="302" r:id="rId48"/>
+    <p:sldId id="303" r:id="rId49"/>
+    <p:sldId id="304" r:id="rId50"/>
+    <p:sldId id="305" r:id="rId51"/>
+    <p:sldId id="306" r:id="rId52"/>
+    <p:sldId id="307" r:id="rId53"/>
+    <p:sldId id="308" r:id="rId54"/>
+    <p:sldId id="309" r:id="rId55"/>
+    <p:sldId id="310" r:id="rId56"/>
+    <p:sldId id="311" r:id="rId57"/>
+    <p:sldId id="312" r:id="rId58"/>
+    <p:sldId id="313" r:id="rId59"/>
+    <p:sldId id="314" r:id="rId60"/>
+    <p:sldId id="315" r:id="rId61"/>
+    <p:sldId id="316" r:id="rId62"/>
+    <p:sldId id="317" r:id="rId63"/>
+    <p:sldId id="318" r:id="rId64"/>
+    <p:sldId id="319" r:id="rId65"/>
+    <p:sldId id="320" r:id="rId66"/>
+    <p:sldId id="321" r:id="rId67"/>
+    <p:sldId id="322" r:id="rId68"/>
+    <p:sldId id="323" r:id="rId69"/>
+    <p:sldId id="324" r:id="rId70"/>
+    <p:sldId id="325" r:id="rId71"/>
+    <p:sldId id="326" r:id="rId72"/>
+    <p:sldId id="327" r:id="rId73"/>
+    <p:sldId id="328" r:id="rId74"/>
+    <p:sldId id="329" r:id="rId75"/>
+    <p:sldId id="330" r:id="rId76"/>
+    <p:sldId id="331" r:id="rId77"/>
+    <p:sldId id="332" r:id="rId78"/>
+    <p:sldId id="333" r:id="rId79"/>
+    <p:sldId id="334" r:id="rId80"/>
+    <p:sldId id="335" r:id="rId81"/>
+    <p:sldId id="336" r:id="rId82"/>
+    <p:sldId id="337" r:id="rId83"/>
+    <p:sldId id="338" r:id="rId84"/>
+    <p:sldId id="339" r:id="rId85"/>
+    <p:sldId id="340" r:id="rId86"/>
+    <p:sldId id="341" r:id="rId87"/>
+    <p:sldId id="342" r:id="rId88"/>
+    <p:sldId id="343" r:id="rId89"/>
+    <p:sldId id="344" r:id="rId90"/>
+    <p:sldId id="345" r:id="rId91"/>
+    <p:sldId id="346" r:id="rId92"/>
+    <p:sldId id="347" r:id="rId93"/>
+    <p:sldId id="348" r:id="rId94"/>
+    <p:sldId id="349" r:id="rId95"/>
+    <p:sldId id="350" r:id="rId96"/>
+    <p:sldId id="351" r:id="rId97"/>
+    <p:sldId id="352" r:id="rId98"/>
+    <p:sldId id="353" r:id="rId99"/>
+    <p:sldId id="354" r:id="rId100"/>
+    <p:sldId id="355" r:id="rId101"/>
   </p:sldIdLst>
   <p:sldSz cx="9144000" cy="6858000" type="screen4x3"/>
   <p:notesSz cx="6858000" cy="9144000"/>
@@ -105,6 +207,356 @@
     </a:lvl9pPr>
   </p:defaultTextStyle>
 </p:presentation>
+</file>
+
+<file path=ppt/notesMasters/notesMaster1.xml><?xml version="1.0" encoding="utf-8"?>
+<p:notesMaster xmlns:a="http://schemas.openxmlformats.org/drawingml/2006/main" xmlns:r="http://schemas.openxmlformats.org/officeDocument/2006/relationships" xmlns:p="http://schemas.openxmlformats.org/presentationml/2006/main">
+  <p:cSld>
+    <p:bg>
+      <p:bgRef idx="1001">
+        <a:schemeClr val="bg1"/>
+      </p:bgRef>
+    </p:bg>
+    <p:spTree>
+      <p:nvGrpSpPr>
+        <p:cNvPr id="1" name=""/>
+        <p:cNvGrpSpPr/>
+        <p:nvPr/>
+      </p:nvGrpSpPr>
+      <p:grpSpPr>
+        <a:xfrm>
+          <a:off x="0" y="0"/>
+          <a:ext cx="0" cy="0"/>
+          <a:chOff x="0" y="0"/>
+          <a:chExt cx="0" cy="0"/>
+        </a:xfrm>
+      </p:grpSpPr>
+      <p:sp>
+        <p:nvSpPr>
+          <p:cNvPr id="2" name="Header Placeholder 1"/>
+          <p:cNvSpPr>
+            <a:spLocks noGrp="1"/>
+          </p:cNvSpPr>
+          <p:nvPr>
+            <p:ph type="hdr" sz="quarter"/>
+          </p:nvPr>
+        </p:nvSpPr>
+        <p:spPr>
+          <a:xfrm>
+            <a:off x="0" y="0"/>
+            <a:ext cx="2971800" cy="457200"/>
+          </a:xfrm>
+          <a:prstGeom prst="rect">
+            <a:avLst/>
+          </a:prstGeom>
+        </p:spPr>
+        <p:txBody>
+          <a:bodyPr vert="horz" lIns="91440" tIns="45720" rIns="91440" bIns="45720" rtlCol="0"/>
+          <a:lstStyle>
+            <a:lvl1pPr algn="l">
+              <a:defRPr sz="1200"/>
+            </a:lvl1pPr>
+          </a:lstStyle>
+          <a:p>
+            <a:endParaRPr lang="en-US"/>
+          </a:p>
+        </p:txBody>
+      </p:sp>
+      <p:sp>
+        <p:nvSpPr>
+          <p:cNvPr id="3" name="Date Placeholder 2"/>
+          <p:cNvSpPr>
+            <a:spLocks noGrp="1"/>
+          </p:cNvSpPr>
+          <p:nvPr>
+            <p:ph type="dt" idx="1"/>
+          </p:nvPr>
+        </p:nvSpPr>
+        <p:spPr>
+          <a:xfrm>
+            <a:off x="3884613" y="0"/>
+            <a:ext cx="2971800" cy="457200"/>
+          </a:xfrm>
+          <a:prstGeom prst="rect">
+            <a:avLst/>
+          </a:prstGeom>
+        </p:spPr>
+        <p:txBody>
+          <a:bodyPr vert="horz" lIns="91440" tIns="45720" rIns="91440" bIns="45720" rtlCol="0"/>
+          <a:lstStyle>
+            <a:lvl1pPr algn="r">
+              <a:defRPr sz="1200"/>
+            </a:lvl1pPr>
+          </a:lstStyle>
+          <a:p>
+            <a:fld id="{18509BFD-B96D-412E-820D-DE171C89E32E}" type="datetimeFigureOut">
+              <a:rPr lang="en-US" smtClean="0"/>
+              <a:t>2/11/2014</a:t>
+            </a:fld>
+            <a:endParaRPr lang="en-US"/>
+          </a:p>
+        </p:txBody>
+      </p:sp>
+      <p:sp>
+        <p:nvSpPr>
+          <p:cNvPr id="4" name="Slide Image Placeholder 3"/>
+          <p:cNvSpPr>
+            <a:spLocks noGrp="1" noRot="1" noChangeAspect="1"/>
+          </p:cNvSpPr>
+          <p:nvPr>
+            <p:ph type="sldImg" idx="2"/>
+          </p:nvPr>
+        </p:nvSpPr>
+        <p:spPr>
+          <a:xfrm>
+            <a:off x="1143000" y="685800"/>
+            <a:ext cx="4572000" cy="3429000"/>
+          </a:xfrm>
+          <a:prstGeom prst="rect">
+            <a:avLst/>
+          </a:prstGeom>
+          <a:noFill/>
+          <a:ln w="12700">
+            <a:solidFill>
+              <a:prstClr val="black"/>
+            </a:solidFill>
+          </a:ln>
+        </p:spPr>
+        <p:txBody>
+          <a:bodyPr vert="horz" lIns="91440" tIns="45720" rIns="91440" bIns="45720" rtlCol="0" anchor="ctr"/>
+          <a:lstStyle/>
+          <a:p>
+            <a:endParaRPr lang="en-US"/>
+          </a:p>
+        </p:txBody>
+      </p:sp>
+      <p:sp>
+        <p:nvSpPr>
+          <p:cNvPr id="5" name="Notes Placeholder 4"/>
+          <p:cNvSpPr>
+            <a:spLocks noGrp="1"/>
+          </p:cNvSpPr>
+          <p:nvPr>
+            <p:ph type="body" sz="quarter" idx="3"/>
+          </p:nvPr>
+        </p:nvSpPr>
+        <p:spPr>
+          <a:xfrm>
+            <a:off x="685800" y="4343400"/>
+            <a:ext cx="5486400" cy="4114800"/>
+          </a:xfrm>
+          <a:prstGeom prst="rect">
+            <a:avLst/>
+          </a:prstGeom>
+        </p:spPr>
+        <p:txBody>
+          <a:bodyPr vert="horz" lIns="91440" tIns="45720" rIns="91440" bIns="45720" rtlCol="0"/>
+          <a:lstStyle/>
+          <a:p>
+            <a:pPr lvl="0"/>
+            <a:r>
+              <a:rPr lang="en-US" smtClean="0"/>
+              <a:t>Click to edit Master text styles</a:t>
+            </a:r>
+          </a:p>
+          <a:p>
+            <a:pPr lvl="1"/>
+            <a:r>
+              <a:rPr lang="en-US" smtClean="0"/>
+              <a:t>Second level</a:t>
+            </a:r>
+          </a:p>
+          <a:p>
+            <a:pPr lvl="2"/>
+            <a:r>
+              <a:rPr lang="en-US" smtClean="0"/>
+              <a:t>Third level</a:t>
+            </a:r>
+          </a:p>
+          <a:p>
+            <a:pPr lvl="3"/>
+            <a:r>
+              <a:rPr lang="en-US" smtClean="0"/>
+              <a:t>Fourth level</a:t>
+            </a:r>
+          </a:p>
+          <a:p>
+            <a:pPr lvl="4"/>
+            <a:r>
+              <a:rPr lang="en-US" smtClean="0"/>
+              <a:t>Fifth level</a:t>
+            </a:r>
+            <a:endParaRPr lang="en-US"/>
+          </a:p>
+        </p:txBody>
+      </p:sp>
+      <p:sp>
+        <p:nvSpPr>
+          <p:cNvPr id="6" name="Footer Placeholder 5"/>
+          <p:cNvSpPr>
+            <a:spLocks noGrp="1"/>
+          </p:cNvSpPr>
+          <p:nvPr>
+            <p:ph type="ftr" sz="quarter" idx="4"/>
+          </p:nvPr>
+        </p:nvSpPr>
+        <p:spPr>
+          <a:xfrm>
+            <a:off x="0" y="8685213"/>
+            <a:ext cx="2971800" cy="457200"/>
+          </a:xfrm>
+          <a:prstGeom prst="rect">
+            <a:avLst/>
+          </a:prstGeom>
+        </p:spPr>
+        <p:txBody>
+          <a:bodyPr vert="horz" lIns="91440" tIns="45720" rIns="91440" bIns="45720" rtlCol="0" anchor="b"/>
+          <a:lstStyle>
+            <a:lvl1pPr algn="l">
+              <a:defRPr sz="1200"/>
+            </a:lvl1pPr>
+          </a:lstStyle>
+          <a:p>
+            <a:endParaRPr lang="en-US"/>
+          </a:p>
+        </p:txBody>
+      </p:sp>
+      <p:sp>
+        <p:nvSpPr>
+          <p:cNvPr id="7" name="Slide Number Placeholder 6"/>
+          <p:cNvSpPr>
+            <a:spLocks noGrp="1"/>
+          </p:cNvSpPr>
+          <p:nvPr>
+            <p:ph type="sldNum" sz="quarter" idx="5"/>
+          </p:nvPr>
+        </p:nvSpPr>
+        <p:spPr>
+          <a:xfrm>
+            <a:off x="3884613" y="8685213"/>
+            <a:ext cx="2971800" cy="457200"/>
+          </a:xfrm>
+          <a:prstGeom prst="rect">
+            <a:avLst/>
+          </a:prstGeom>
+        </p:spPr>
+        <p:txBody>
+          <a:bodyPr vert="horz" lIns="91440" tIns="45720" rIns="91440" bIns="45720" rtlCol="0" anchor="b"/>
+          <a:lstStyle>
+            <a:lvl1pPr algn="r">
+              <a:defRPr sz="1200"/>
+            </a:lvl1pPr>
+          </a:lstStyle>
+          <a:p>
+            <a:fld id="{2B6CAAF1-DFF7-41A8-A6A2-28F1CEB20CDB}" type="slidenum">
+              <a:rPr lang="en-US" smtClean="0"/>
+              <a:t>‹#›</a:t>
+            </a:fld>
+            <a:endParaRPr lang="en-US"/>
+          </a:p>
+        </p:txBody>
+      </p:sp>
+    </p:spTree>
+    <p:extLst>
+      <p:ext uri="{BB962C8B-B14F-4D97-AF65-F5344CB8AC3E}">
+        <p14:creationId xmlns:p14="http://schemas.microsoft.com/office/powerpoint/2010/main" val="3256202392"/>
+      </p:ext>
+    </p:extLst>
+  </p:cSld>
+  <p:clrMap bg1="lt1" tx1="dk1" bg2="lt2" tx2="dk2" accent1="accent1" accent2="accent2" accent3="accent3" accent4="accent4" accent5="accent5" accent6="accent6" hlink="hlink" folHlink="folHlink"/>
+  <p:notesStyle>
+    <a:lvl1pPr marL="0" algn="l" defTabSz="914400" rtl="0" eaLnBrk="1" latinLnBrk="0" hangingPunct="1">
+      <a:defRPr sz="1200" kern="1200">
+        <a:solidFill>
+          <a:schemeClr val="tx1"/>
+        </a:solidFill>
+        <a:latin typeface="+mn-lt"/>
+        <a:ea typeface="+mn-ea"/>
+        <a:cs typeface="+mn-cs"/>
+      </a:defRPr>
+    </a:lvl1pPr>
+    <a:lvl2pPr marL="457200" algn="l" defTabSz="914400" rtl="0" eaLnBrk="1" latinLnBrk="0" hangingPunct="1">
+      <a:defRPr sz="1200" kern="1200">
+        <a:solidFill>
+          <a:schemeClr val="tx1"/>
+        </a:solidFill>
+        <a:latin typeface="+mn-lt"/>
+        <a:ea typeface="+mn-ea"/>
+        <a:cs typeface="+mn-cs"/>
+      </a:defRPr>
+    </a:lvl2pPr>
+    <a:lvl3pPr marL="914400" algn="l" defTabSz="914400" rtl="0" eaLnBrk="1" latinLnBrk="0" hangingPunct="1">
+      <a:defRPr sz="1200" kern="1200">
+        <a:solidFill>
+          <a:schemeClr val="tx1"/>
+        </a:solidFill>
+        <a:latin typeface="+mn-lt"/>
+        <a:ea typeface="+mn-ea"/>
+        <a:cs typeface="+mn-cs"/>
+      </a:defRPr>
+    </a:lvl3pPr>
+    <a:lvl4pPr marL="1371600" algn="l" defTabSz="914400" rtl="0" eaLnBrk="1" latinLnBrk="0" hangingPunct="1">
+      <a:defRPr sz="1200" kern="1200">
+        <a:solidFill>
+          <a:schemeClr val="tx1"/>
+        </a:solidFill>
+        <a:latin typeface="+mn-lt"/>
+        <a:ea typeface="+mn-ea"/>
+        <a:cs typeface="+mn-cs"/>
+      </a:defRPr>
+    </a:lvl4pPr>
+    <a:lvl5pPr marL="1828800" algn="l" defTabSz="914400" rtl="0" eaLnBrk="1" latinLnBrk="0" hangingPunct="1">
+      <a:defRPr sz="1200" kern="1200">
+        <a:solidFill>
+          <a:schemeClr val="tx1"/>
+        </a:solidFill>
+        <a:latin typeface="+mn-lt"/>
+        <a:ea typeface="+mn-ea"/>
+        <a:cs typeface="+mn-cs"/>
+      </a:defRPr>
+    </a:lvl5pPr>
+    <a:lvl6pPr marL="2286000" algn="l" defTabSz="914400" rtl="0" eaLnBrk="1" latinLnBrk="0" hangingPunct="1">
+      <a:defRPr sz="1200" kern="1200">
+        <a:solidFill>
+          <a:schemeClr val="tx1"/>
+        </a:solidFill>
+        <a:latin typeface="+mn-lt"/>
+        <a:ea typeface="+mn-ea"/>
+        <a:cs typeface="+mn-cs"/>
+      </a:defRPr>
+    </a:lvl6pPr>
+    <a:lvl7pPr marL="2743200" algn="l" defTabSz="914400" rtl="0" eaLnBrk="1" latinLnBrk="0" hangingPunct="1">
+      <a:defRPr sz="1200" kern="1200">
+        <a:solidFill>
+          <a:schemeClr val="tx1"/>
+        </a:solidFill>
+        <a:latin typeface="+mn-lt"/>
+        <a:ea typeface="+mn-ea"/>
+        <a:cs typeface="+mn-cs"/>
+      </a:defRPr>
+    </a:lvl7pPr>
+    <a:lvl8pPr marL="3200400" algn="l" defTabSz="914400" rtl="0" eaLnBrk="1" latinLnBrk="0" hangingPunct="1">
+      <a:defRPr sz="1200" kern="1200">
+        <a:solidFill>
+          <a:schemeClr val="tx1"/>
+        </a:solidFill>
+        <a:latin typeface="+mn-lt"/>
+        <a:ea typeface="+mn-ea"/>
+        <a:cs typeface="+mn-cs"/>
+      </a:defRPr>
+    </a:lvl8pPr>
+    <a:lvl9pPr marL="3657600" algn="l" defTabSz="914400" rtl="0" eaLnBrk="1" latinLnBrk="0" hangingPunct="1">
+      <a:defRPr sz="1200" kern="1200">
+        <a:solidFill>
+          <a:schemeClr val="tx1"/>
+        </a:solidFill>
+        <a:latin typeface="+mn-lt"/>
+        <a:ea typeface="+mn-ea"/>
+        <a:cs typeface="+mn-cs"/>
+      </a:defRPr>
+    </a:lvl9pPr>
+  </p:notesStyle>
+</p:notesMaster>
 </file>
 
 <file path=ppt/slideLayouts/slideLayout1.xml><?xml version="1.0" encoding="utf-8"?>
@@ -286,7 +738,7 @@
           <a:bodyPr/>
           <a:lstStyle/>
           <a:p>
-            <a:fld id="{095D5131-AA49-462C-ABFA-A979E7E5B94B}" type="datetimeFigureOut">
+            <a:fld id="{4F01A4EF-0934-4D83-BC0B-0CA90A45FF16}" type="datetime1">
               <a:rPr lang="en-US" smtClean="0"/>
               <a:t>2/11/2014</a:t>
             </a:fld>
@@ -309,6 +761,10 @@
           <a:bodyPr/>
           <a:lstStyle/>
           <a:p>
+            <a:r>
+              <a:rPr lang="en-US" smtClean="0"/>
+              <a:t>DangLC</a:t>
+            </a:r>
             <a:endParaRPr lang="en-US"/>
           </a:p>
         </p:txBody>
@@ -456,7 +912,7 @@
           <a:bodyPr/>
           <a:lstStyle/>
           <a:p>
-            <a:fld id="{095D5131-AA49-462C-ABFA-A979E7E5B94B}" type="datetimeFigureOut">
+            <a:fld id="{FDF368F7-42A1-46B9-B2B3-7349076B3935}" type="datetime1">
               <a:rPr lang="en-US" smtClean="0"/>
               <a:t>2/11/2014</a:t>
             </a:fld>
@@ -479,6 +935,10 @@
           <a:bodyPr/>
           <a:lstStyle/>
           <a:p>
+            <a:r>
+              <a:rPr lang="en-US" smtClean="0"/>
+              <a:t>DangLC</a:t>
+            </a:r>
             <a:endParaRPr lang="en-US"/>
           </a:p>
         </p:txBody>
@@ -636,7 +1096,7 @@
           <a:bodyPr/>
           <a:lstStyle/>
           <a:p>
-            <a:fld id="{095D5131-AA49-462C-ABFA-A979E7E5B94B}" type="datetimeFigureOut">
+            <a:fld id="{6EC6CB5C-2197-420D-B2BF-FD8137DF7B45}" type="datetime1">
               <a:rPr lang="en-US" smtClean="0"/>
               <a:t>2/11/2014</a:t>
             </a:fld>
@@ -659,6 +1119,10 @@
           <a:bodyPr/>
           <a:lstStyle/>
           <a:p>
+            <a:r>
+              <a:rPr lang="en-US" smtClean="0"/>
+              <a:t>DangLC</a:t>
+            </a:r>
             <a:endParaRPr lang="en-US"/>
           </a:p>
         </p:txBody>
@@ -806,7 +1270,7 @@
           <a:bodyPr/>
           <a:lstStyle/>
           <a:p>
-            <a:fld id="{095D5131-AA49-462C-ABFA-A979E7E5B94B}" type="datetimeFigureOut">
+            <a:fld id="{2D33C4F6-1F40-42E2-B6B3-EA1F070F6634}" type="datetime1">
               <a:rPr lang="en-US" smtClean="0"/>
               <a:t>2/11/2014</a:t>
             </a:fld>
@@ -829,6 +1293,10 @@
           <a:bodyPr/>
           <a:lstStyle/>
           <a:p>
+            <a:r>
+              <a:rPr lang="en-US" smtClean="0"/>
+              <a:t>DangLC</a:t>
+            </a:r>
             <a:endParaRPr lang="en-US"/>
           </a:p>
         </p:txBody>
@@ -1052,7 +1520,7 @@
           <a:bodyPr/>
           <a:lstStyle/>
           <a:p>
-            <a:fld id="{095D5131-AA49-462C-ABFA-A979E7E5B94B}" type="datetimeFigureOut">
+            <a:fld id="{34D97E28-59F7-4EE5-97A0-3630DB4DDC65}" type="datetime1">
               <a:rPr lang="en-US" smtClean="0"/>
               <a:t>2/11/2014</a:t>
             </a:fld>
@@ -1075,6 +1543,10 @@
           <a:bodyPr/>
           <a:lstStyle/>
           <a:p>
+            <a:r>
+              <a:rPr lang="en-US" smtClean="0"/>
+              <a:t>DangLC</a:t>
+            </a:r>
             <a:endParaRPr lang="en-US"/>
           </a:p>
         </p:txBody>
@@ -1340,7 +1812,7 @@
           <a:bodyPr/>
           <a:lstStyle/>
           <a:p>
-            <a:fld id="{095D5131-AA49-462C-ABFA-A979E7E5B94B}" type="datetimeFigureOut">
+            <a:fld id="{430931C6-C817-4DE8-B01F-B24B9D18A62E}" type="datetime1">
               <a:rPr lang="en-US" smtClean="0"/>
               <a:t>2/11/2014</a:t>
             </a:fld>
@@ -1363,6 +1835,10 @@
           <a:bodyPr/>
           <a:lstStyle/>
           <a:p>
+            <a:r>
+              <a:rPr lang="en-US" smtClean="0"/>
+              <a:t>DangLC</a:t>
+            </a:r>
             <a:endParaRPr lang="en-US"/>
           </a:p>
         </p:txBody>
@@ -1762,7 +2238,7 @@
           <a:bodyPr/>
           <a:lstStyle/>
           <a:p>
-            <a:fld id="{095D5131-AA49-462C-ABFA-A979E7E5B94B}" type="datetimeFigureOut">
+            <a:fld id="{F2193BD3-8FDC-418E-8F1A-1A88DEEBD453}" type="datetime1">
               <a:rPr lang="en-US" smtClean="0"/>
               <a:t>2/11/2014</a:t>
             </a:fld>
@@ -1785,6 +2261,10 @@
           <a:bodyPr/>
           <a:lstStyle/>
           <a:p>
+            <a:r>
+              <a:rPr lang="en-US" smtClean="0"/>
+              <a:t>DangLC</a:t>
+            </a:r>
             <a:endParaRPr lang="en-US"/>
           </a:p>
         </p:txBody>
@@ -1880,7 +2360,7 @@
           <a:bodyPr/>
           <a:lstStyle/>
           <a:p>
-            <a:fld id="{095D5131-AA49-462C-ABFA-A979E7E5B94B}" type="datetimeFigureOut">
+            <a:fld id="{5B5257AF-7730-45D8-836A-6942887598B0}" type="datetime1">
               <a:rPr lang="en-US" smtClean="0"/>
               <a:t>2/11/2014</a:t>
             </a:fld>
@@ -1903,6 +2383,10 @@
           <a:bodyPr/>
           <a:lstStyle/>
           <a:p>
+            <a:r>
+              <a:rPr lang="en-US" smtClean="0"/>
+              <a:t>DangLC</a:t>
+            </a:r>
             <a:endParaRPr lang="en-US"/>
           </a:p>
         </p:txBody>
@@ -1975,7 +2459,7 @@
           <a:bodyPr/>
           <a:lstStyle/>
           <a:p>
-            <a:fld id="{095D5131-AA49-462C-ABFA-A979E7E5B94B}" type="datetimeFigureOut">
+            <a:fld id="{4ACB5B8F-8073-4F43-89A4-2EC3F1FA7513}" type="datetime1">
               <a:rPr lang="en-US" smtClean="0"/>
               <a:t>2/11/2014</a:t>
             </a:fld>
@@ -1998,6 +2482,10 @@
           <a:bodyPr/>
           <a:lstStyle/>
           <a:p>
+            <a:r>
+              <a:rPr lang="en-US" smtClean="0"/>
+              <a:t>DangLC</a:t>
+            </a:r>
             <a:endParaRPr lang="en-US"/>
           </a:p>
         </p:txBody>
@@ -2252,7 +2740,7 @@
           <a:bodyPr/>
           <a:lstStyle/>
           <a:p>
-            <a:fld id="{095D5131-AA49-462C-ABFA-A979E7E5B94B}" type="datetimeFigureOut">
+            <a:fld id="{ECE974A5-585A-4B97-8368-086125513EAD}" type="datetime1">
               <a:rPr lang="en-US" smtClean="0"/>
               <a:t>2/11/2014</a:t>
             </a:fld>
@@ -2275,6 +2763,10 @@
           <a:bodyPr/>
           <a:lstStyle/>
           <a:p>
+            <a:r>
+              <a:rPr lang="en-US" smtClean="0"/>
+              <a:t>DangLC</a:t>
+            </a:r>
             <a:endParaRPr lang="en-US"/>
           </a:p>
         </p:txBody>
@@ -2505,7 +2997,7 @@
           <a:bodyPr/>
           <a:lstStyle/>
           <a:p>
-            <a:fld id="{095D5131-AA49-462C-ABFA-A979E7E5B94B}" type="datetimeFigureOut">
+            <a:fld id="{142A7184-D188-4C8C-9697-F9B47889B684}" type="datetime1">
               <a:rPr lang="en-US" smtClean="0"/>
               <a:t>2/11/2014</a:t>
             </a:fld>
@@ -2528,6 +3020,10 @@
           <a:bodyPr/>
           <a:lstStyle/>
           <a:p>
+            <a:r>
+              <a:rPr lang="en-US" smtClean="0"/>
+              <a:t>DangLC</a:t>
+            </a:r>
             <a:endParaRPr lang="en-US"/>
           </a:p>
         </p:txBody>
@@ -2718,7 +3214,7 @@
             </a:lvl1pPr>
           </a:lstStyle>
           <a:p>
-            <a:fld id="{095D5131-AA49-462C-ABFA-A979E7E5B94B}" type="datetimeFigureOut">
+            <a:fld id="{798F23E0-D36E-4950-ABD2-8B0943A74115}" type="datetime1">
               <a:rPr lang="en-US" smtClean="0"/>
               <a:t>2/11/2014</a:t>
             </a:fld>
@@ -2759,6 +3255,10 @@
             </a:lvl1pPr>
           </a:lstStyle>
           <a:p>
+            <a:r>
+              <a:rPr lang="en-US" smtClean="0"/>
+              <a:t>DangLC</a:t>
+            </a:r>
             <a:endParaRPr lang="en-US"/>
           </a:p>
         </p:txBody>
@@ -2825,6 +3325,7 @@
     <p:sldLayoutId id="2147483658" r:id="rId10"/>
     <p:sldLayoutId id="2147483659" r:id="rId11"/>
   </p:sldLayoutIdLst>
+  <p:hf sldNum="0" hdr="0" ftr="0" dt="0"/>
   <p:txStyles>
     <p:titleStyle>
       <a:lvl1pPr algn="ctr" defTabSz="914400" rtl="0" eaLnBrk="1" latinLnBrk="0" hangingPunct="1">
@@ -3095,41 +3596,84 @@
           <a:chExt cx="0" cy="0"/>
         </a:xfrm>
       </p:grpSpPr>
+      <p:pic>
+        <p:nvPicPr>
+          <p:cNvPr id="1026" name="Picture 2" descr="https://encrypted-tbn2.gstatic.com/images?q=tbn:ANd9GcQPtEpzgOb0-wDfomyFZkK63cvzwZhkIO7sFWYapaqZjUKKVXsEwg"/>
+          <p:cNvPicPr>
+            <a:picLocks noChangeAspect="1" noChangeArrowheads="1"/>
+          </p:cNvPicPr>
+          <p:nvPr/>
+        </p:nvPicPr>
+        <p:blipFill>
+          <a:blip r:embed="rId2">
+            <a:extLst>
+              <a:ext uri="{28A0092B-C50C-407E-A947-70E740481C1C}">
+                <a14:useLocalDpi xmlns:a14="http://schemas.microsoft.com/office/drawing/2010/main" val="0"/>
+              </a:ext>
+            </a:extLst>
+          </a:blip>
+          <a:srcRect/>
+          <a:stretch>
+            <a:fillRect/>
+          </a:stretch>
+        </p:blipFill>
+        <p:spPr bwMode="auto">
+          <a:xfrm>
+            <a:off x="457200" y="1904999"/>
+            <a:ext cx="2143125" cy="2133601"/>
+          </a:xfrm>
+          <a:prstGeom prst="rect">
+            <a:avLst/>
+          </a:prstGeom>
+          <a:noFill/>
+          <a:extLst>
+            <a:ext uri="{909E8E84-426E-40DD-AFC4-6F175D3DCCD1}">
+              <a14:hiddenFill xmlns:a14="http://schemas.microsoft.com/office/drawing/2010/main">
+                <a:solidFill>
+                  <a:srgbClr val="FFFFFF"/>
+                </a:solidFill>
+              </a14:hiddenFill>
+            </a:ext>
+          </a:extLst>
+        </p:spPr>
+      </p:pic>
       <p:sp>
         <p:nvSpPr>
-          <p:cNvPr id="2" name="Title 1"/>
-          <p:cNvSpPr>
-            <a:spLocks noGrp="1"/>
-          </p:cNvSpPr>
-          <p:nvPr>
-            <p:ph type="ctrTitle"/>
-          </p:nvPr>
+          <p:cNvPr id="2" name="TextBox 1"/>
+          <p:cNvSpPr txBox="1"/>
+          <p:nvPr/>
         </p:nvSpPr>
-        <p:spPr/>
+        <p:spPr>
+          <a:xfrm>
+            <a:off x="2807616" y="2456571"/>
+            <a:ext cx="6128601" cy="523220"/>
+          </a:xfrm>
+          <a:prstGeom prst="rect">
+            <a:avLst/>
+          </a:prstGeom>
+          <a:noFill/>
+        </p:spPr>
         <p:txBody>
-          <a:bodyPr/>
+          <a:bodyPr wrap="none" rtlCol="0">
+            <a:spAutoFit/>
+          </a:bodyPr>
           <a:lstStyle/>
           <a:p>
-            <a:endParaRPr lang="en-US"/>
-          </a:p>
-        </p:txBody>
-      </p:sp>
-      <p:sp>
-        <p:nvSpPr>
-          <p:cNvPr id="3" name="Subtitle 2"/>
-          <p:cNvSpPr>
-            <a:spLocks noGrp="1"/>
-          </p:cNvSpPr>
-          <p:nvPr>
-            <p:ph type="subTitle" idx="1"/>
-          </p:nvPr>
-        </p:nvSpPr>
-        <p:spPr/>
-        <p:txBody>
-          <a:bodyPr/>
-          <a:lstStyle/>
-          <a:p>
-            <a:endParaRPr lang="en-US"/>
+            <a:r>
+              <a:rPr lang="en-US" sz="2800" b="1" dirty="0" smtClean="0">
+                <a:solidFill>
+                  <a:srgbClr val="0000CC"/>
+                </a:solidFill>
+                <a:latin typeface="Arno Pro Caption" pitchFamily="18" charset="0"/>
+              </a:rPr>
+              <a:t>CĂN BẢN VỀ LẬP TRÌNH ANDROID</a:t>
+            </a:r>
+            <a:endParaRPr lang="en-US" sz="2800" b="1" dirty="0">
+              <a:solidFill>
+                <a:srgbClr val="0000CC"/>
+              </a:solidFill>
+              <a:latin typeface="Arno Pro Caption" pitchFamily="18" charset="0"/>
+            </a:endParaRPr>
           </a:p>
         </p:txBody>
       </p:sp>
@@ -3137,6 +3681,7227 @@
     <p:extLst>
       <p:ext uri="{BB962C8B-B14F-4D97-AF65-F5344CB8AC3E}">
         <p14:creationId xmlns:p14="http://schemas.microsoft.com/office/powerpoint/2010/main" val="568741202"/>
+      </p:ext>
+    </p:extLst>
+  </p:cSld>
+  <p:clrMapOvr>
+    <a:masterClrMapping/>
+  </p:clrMapOvr>
+  <p:timing>
+    <p:tnLst>
+      <p:par>
+        <p:cTn id="1" dur="indefinite" restart="never" nodeType="tmRoot"/>
+      </p:par>
+    </p:tnLst>
+  </p:timing>
+</p:sld>
+</file>
+
+<file path=ppt/slides/slide10.xml><?xml version="1.0" encoding="utf-8"?>
+<p:sld xmlns:a="http://schemas.openxmlformats.org/drawingml/2006/main" xmlns:r="http://schemas.openxmlformats.org/officeDocument/2006/relationships" xmlns:p="http://schemas.openxmlformats.org/presentationml/2006/main">
+  <p:cSld>
+    <p:spTree>
+      <p:nvGrpSpPr>
+        <p:cNvPr id="1" name=""/>
+        <p:cNvGrpSpPr/>
+        <p:nvPr/>
+      </p:nvGrpSpPr>
+      <p:grpSpPr>
+        <a:xfrm>
+          <a:off x="0" y="0"/>
+          <a:ext cx="0" cy="0"/>
+          <a:chOff x="0" y="0"/>
+          <a:chExt cx="0" cy="0"/>
+        </a:xfrm>
+      </p:grpSpPr>
+      <p:sp>
+        <p:nvSpPr>
+          <p:cNvPr id="4" name="Rectangle 3"/>
+          <p:cNvSpPr/>
+          <p:nvPr/>
+        </p:nvSpPr>
+        <p:spPr>
+          <a:xfrm>
+            <a:off x="76200" y="474345"/>
+            <a:ext cx="8915400" cy="5509200"/>
+          </a:xfrm>
+          <a:prstGeom prst="rect">
+            <a:avLst/>
+          </a:prstGeom>
+        </p:spPr>
+        <p:txBody>
+          <a:bodyPr wrap="square">
+            <a:spAutoFit/>
+          </a:bodyPr>
+          <a:lstStyle/>
+          <a:p>
+            <a:pPr algn="just"/>
+            <a:r>
+              <a:rPr lang="vi-VN" sz="2200" b="1" dirty="0" smtClean="0">
+                <a:latin typeface="Times New Roman" pitchFamily="18" charset="0"/>
+                <a:cs typeface="Times New Roman" pitchFamily="18" charset="0"/>
+              </a:rPr>
+              <a:t>Tạo </a:t>
+            </a:r>
+            <a:r>
+              <a:rPr lang="vi-VN" sz="2200" b="1" dirty="0">
+                <a:latin typeface="Times New Roman" pitchFamily="18" charset="0"/>
+                <a:cs typeface="Times New Roman" pitchFamily="18" charset="0"/>
+              </a:rPr>
+              <a:t>giao diện</a:t>
+            </a:r>
+            <a:r>
+              <a:rPr lang="vi-VN" sz="2200" b="1" dirty="0" smtClean="0">
+                <a:latin typeface="Times New Roman" pitchFamily="18" charset="0"/>
+                <a:cs typeface="Times New Roman" pitchFamily="18" charset="0"/>
+              </a:rPr>
+              <a:t>:</a:t>
+            </a:r>
+            <a:endParaRPr lang="en-US" sz="2200" b="1" dirty="0" smtClean="0">
+              <a:latin typeface="Times New Roman" pitchFamily="18" charset="0"/>
+              <a:cs typeface="Times New Roman" pitchFamily="18" charset="0"/>
+            </a:endParaRPr>
+          </a:p>
+          <a:p>
+            <a:pPr algn="just"/>
+            <a:endParaRPr lang="vi-VN" sz="2200" dirty="0">
+              <a:latin typeface="Times New Roman" pitchFamily="18" charset="0"/>
+              <a:cs typeface="Times New Roman" pitchFamily="18" charset="0"/>
+            </a:endParaRPr>
+          </a:p>
+          <a:p>
+            <a:pPr algn="just"/>
+            <a:r>
+              <a:rPr lang="vi-VN" sz="2200" dirty="0">
+                <a:latin typeface="Times New Roman" pitchFamily="18" charset="0"/>
+                <a:cs typeface="Times New Roman" pitchFamily="18" charset="0"/>
+              </a:rPr>
+              <a:t>– Đối tượng View còn được gọi là UI widgets, ví dụ: buttons, </a:t>
+            </a:r>
+            <a:r>
+              <a:rPr lang="vi-VN" sz="2200" dirty="0" smtClean="0">
+                <a:latin typeface="Times New Roman" pitchFamily="18" charset="0"/>
+                <a:cs typeface="Times New Roman" pitchFamily="18" charset="0"/>
+              </a:rPr>
+              <a:t>text </a:t>
+            </a:r>
+            <a:r>
+              <a:rPr lang="vi-VN" sz="2200" dirty="0">
+                <a:latin typeface="Times New Roman" pitchFamily="18" charset="0"/>
+                <a:cs typeface="Times New Roman" pitchFamily="18" charset="0"/>
+              </a:rPr>
+              <a:t>fields, …</a:t>
+            </a:r>
+          </a:p>
+          <a:p>
+            <a:pPr algn="just"/>
+            <a:r>
+              <a:rPr lang="vi-VN" sz="2200" dirty="0">
+                <a:latin typeface="Times New Roman" pitchFamily="18" charset="0"/>
+                <a:cs typeface="Times New Roman" pitchFamily="18" charset="0"/>
+              </a:rPr>
+              <a:t>– Đối tượng Group View là các containers, thường không </a:t>
+            </a:r>
+            <a:r>
+              <a:rPr lang="vi-VN" sz="2200" dirty="0" smtClean="0">
+                <a:latin typeface="Times New Roman" pitchFamily="18" charset="0"/>
+                <a:cs typeface="Times New Roman" pitchFamily="18" charset="0"/>
+              </a:rPr>
+              <a:t>nhìn </a:t>
+            </a:r>
+            <a:r>
+              <a:rPr lang="vi-VN" sz="2200" dirty="0">
+                <a:latin typeface="Times New Roman" pitchFamily="18" charset="0"/>
+                <a:cs typeface="Times New Roman" pitchFamily="18" charset="0"/>
+              </a:rPr>
+              <a:t>thấy. </a:t>
+            </a:r>
+          </a:p>
+          <a:p>
+            <a:pPr algn="just"/>
+            <a:r>
+              <a:rPr lang="vi-VN" sz="2200" dirty="0">
+                <a:latin typeface="Times New Roman" pitchFamily="18" charset="0"/>
+                <a:cs typeface="Times New Roman" pitchFamily="18" charset="0"/>
+              </a:rPr>
+              <a:t>– Android cung cấp các thẻ XML tương ứng với các View và </a:t>
+            </a:r>
+            <a:r>
+              <a:rPr lang="vi-VN" sz="2200" dirty="0" smtClean="0">
+                <a:latin typeface="Times New Roman" pitchFamily="18" charset="0"/>
+                <a:cs typeface="Times New Roman" pitchFamily="18" charset="0"/>
+              </a:rPr>
+              <a:t>Group </a:t>
+            </a:r>
+            <a:r>
+              <a:rPr lang="vi-VN" sz="2200" dirty="0">
+                <a:latin typeface="Times New Roman" pitchFamily="18" charset="0"/>
+                <a:cs typeface="Times New Roman" pitchFamily="18" charset="0"/>
+              </a:rPr>
+              <a:t>View để có thể định nghĩa 1 UI trên 1 file XML</a:t>
+            </a:r>
+            <a:r>
+              <a:rPr lang="vi-VN" sz="2200" dirty="0" smtClean="0">
+                <a:latin typeface="Times New Roman" pitchFamily="18" charset="0"/>
+                <a:cs typeface="Times New Roman" pitchFamily="18" charset="0"/>
+              </a:rPr>
+              <a:t>.</a:t>
+            </a:r>
+            <a:endParaRPr lang="en-US" sz="2200" dirty="0" smtClean="0">
+              <a:latin typeface="Times New Roman" pitchFamily="18" charset="0"/>
+              <a:cs typeface="Times New Roman" pitchFamily="18" charset="0"/>
+            </a:endParaRPr>
+          </a:p>
+          <a:p>
+            <a:pPr algn="just"/>
+            <a:endParaRPr lang="en-US" sz="2200" dirty="0">
+              <a:latin typeface="Times New Roman" pitchFamily="18" charset="0"/>
+              <a:cs typeface="Times New Roman" pitchFamily="18" charset="0"/>
+            </a:endParaRPr>
+          </a:p>
+          <a:p>
+            <a:pPr algn="just"/>
+            <a:endParaRPr lang="vi-VN" sz="2200" dirty="0">
+              <a:latin typeface="Times New Roman" pitchFamily="18" charset="0"/>
+              <a:cs typeface="Times New Roman" pitchFamily="18" charset="0"/>
+            </a:endParaRPr>
+          </a:p>
+          <a:p>
+            <a:pPr algn="just"/>
+            <a:r>
+              <a:rPr lang="vi-VN" sz="2200" dirty="0">
+                <a:latin typeface="Times New Roman" pitchFamily="18" charset="0"/>
+                <a:cs typeface="Times New Roman" pitchFamily="18" charset="0"/>
+              </a:rPr>
+              <a:t>&lt;?xml version="1.0" encoding="utf-8"?&gt;</a:t>
+            </a:r>
+          </a:p>
+          <a:p>
+            <a:pPr algn="just"/>
+            <a:r>
+              <a:rPr lang="vi-VN" sz="2200" dirty="0">
+                <a:latin typeface="Times New Roman" pitchFamily="18" charset="0"/>
+                <a:cs typeface="Times New Roman" pitchFamily="18" charset="0"/>
+              </a:rPr>
+              <a:t>&lt;LinearLayout</a:t>
+            </a:r>
+          </a:p>
+          <a:p>
+            <a:pPr lvl="1" algn="just"/>
+            <a:r>
+              <a:rPr lang="vi-VN" sz="2200" dirty="0">
+                <a:latin typeface="Times New Roman" pitchFamily="18" charset="0"/>
+                <a:cs typeface="Times New Roman" pitchFamily="18" charset="0"/>
+              </a:rPr>
+              <a:t>xmlns:android="http://schemas.android.com/apk/res/android"</a:t>
+            </a:r>
+          </a:p>
+          <a:p>
+            <a:pPr lvl="1" algn="just"/>
+            <a:r>
+              <a:rPr lang="vi-VN" sz="2200" dirty="0" smtClean="0">
+                <a:latin typeface="Times New Roman" pitchFamily="18" charset="0"/>
+                <a:cs typeface="Times New Roman" pitchFamily="18" charset="0"/>
+              </a:rPr>
+              <a:t>xmlns:tools</a:t>
+            </a:r>
+            <a:r>
+              <a:rPr lang="vi-VN" sz="2200" dirty="0">
+                <a:latin typeface="Times New Roman" pitchFamily="18" charset="0"/>
+                <a:cs typeface="Times New Roman" pitchFamily="18" charset="0"/>
+              </a:rPr>
+              <a:t>="http://schemas.android.com/tools"</a:t>
+            </a:r>
+          </a:p>
+          <a:p>
+            <a:pPr lvl="1" algn="just"/>
+            <a:r>
+              <a:rPr lang="vi-VN" sz="2200" dirty="0">
+                <a:latin typeface="Times New Roman" pitchFamily="18" charset="0"/>
+                <a:cs typeface="Times New Roman" pitchFamily="18" charset="0"/>
+              </a:rPr>
+              <a:t>android:layout_width="match_parent"</a:t>
+            </a:r>
+          </a:p>
+          <a:p>
+            <a:pPr lvl="1" algn="just"/>
+            <a:r>
+              <a:rPr lang="vi-VN" sz="2200" dirty="0">
+                <a:latin typeface="Times New Roman" pitchFamily="18" charset="0"/>
+                <a:cs typeface="Times New Roman" pitchFamily="18" charset="0"/>
+              </a:rPr>
+              <a:t>android:layout_height="match_parent"</a:t>
+            </a:r>
+          </a:p>
+          <a:p>
+            <a:pPr lvl="1" algn="just"/>
+            <a:r>
+              <a:rPr lang="vi-VN" sz="2200" dirty="0">
+                <a:latin typeface="Times New Roman" pitchFamily="18" charset="0"/>
+                <a:cs typeface="Times New Roman" pitchFamily="18" charset="0"/>
+              </a:rPr>
+              <a:t>android:orientation="horizontal" &gt;</a:t>
+            </a:r>
+          </a:p>
+          <a:p>
+            <a:pPr algn="just"/>
+            <a:r>
+              <a:rPr lang="vi-VN" sz="2200" dirty="0">
+                <a:latin typeface="Times New Roman" pitchFamily="18" charset="0"/>
+                <a:cs typeface="Times New Roman" pitchFamily="18" charset="0"/>
+              </a:rPr>
+              <a:t>&lt;/LinearLayout&gt;</a:t>
+            </a:r>
+            <a:endParaRPr lang="en-US" sz="2200" dirty="0">
+              <a:latin typeface="Times New Roman" pitchFamily="18" charset="0"/>
+              <a:cs typeface="Times New Roman" pitchFamily="18" charset="0"/>
+            </a:endParaRPr>
+          </a:p>
+        </p:txBody>
+      </p:sp>
+    </p:spTree>
+    <p:extLst>
+      <p:ext uri="{BB962C8B-B14F-4D97-AF65-F5344CB8AC3E}">
+        <p14:creationId xmlns:p14="http://schemas.microsoft.com/office/powerpoint/2010/main" val="3868555463"/>
+      </p:ext>
+    </p:extLst>
+  </p:cSld>
+  <p:clrMapOvr>
+    <a:masterClrMapping/>
+  </p:clrMapOvr>
+  <p:timing>
+    <p:tnLst>
+      <p:par>
+        <p:cTn id="1" dur="indefinite" restart="never" nodeType="tmRoot"/>
+      </p:par>
+    </p:tnLst>
+  </p:timing>
+</p:sld>
+</file>
+
+<file path=ppt/slides/slide100.xml><?xml version="1.0" encoding="utf-8"?>
+<p:sld xmlns:a="http://schemas.openxmlformats.org/drawingml/2006/main" xmlns:r="http://schemas.openxmlformats.org/officeDocument/2006/relationships" xmlns:p="http://schemas.openxmlformats.org/presentationml/2006/main">
+  <p:cSld>
+    <p:spTree>
+      <p:nvGrpSpPr>
+        <p:cNvPr id="1" name=""/>
+        <p:cNvGrpSpPr/>
+        <p:nvPr/>
+      </p:nvGrpSpPr>
+      <p:grpSpPr>
+        <a:xfrm>
+          <a:off x="0" y="0"/>
+          <a:ext cx="0" cy="0"/>
+          <a:chOff x="0" y="0"/>
+          <a:chExt cx="0" cy="0"/>
+        </a:xfrm>
+      </p:grpSpPr>
+    </p:spTree>
+    <p:extLst>
+      <p:ext uri="{BB962C8B-B14F-4D97-AF65-F5344CB8AC3E}">
+        <p14:creationId xmlns:p14="http://schemas.microsoft.com/office/powerpoint/2010/main" val="4022498903"/>
+      </p:ext>
+    </p:extLst>
+  </p:cSld>
+  <p:clrMapOvr>
+    <a:masterClrMapping/>
+  </p:clrMapOvr>
+</p:sld>
+</file>
+
+<file path=ppt/slides/slide11.xml><?xml version="1.0" encoding="utf-8"?>
+<p:sld xmlns:a="http://schemas.openxmlformats.org/drawingml/2006/main" xmlns:r="http://schemas.openxmlformats.org/officeDocument/2006/relationships" xmlns:p="http://schemas.openxmlformats.org/presentationml/2006/main">
+  <p:cSld>
+    <p:spTree>
+      <p:nvGrpSpPr>
+        <p:cNvPr id="1" name=""/>
+        <p:cNvGrpSpPr/>
+        <p:nvPr/>
+      </p:nvGrpSpPr>
+      <p:grpSpPr>
+        <a:xfrm>
+          <a:off x="0" y="0"/>
+          <a:ext cx="0" cy="0"/>
+          <a:chOff x="0" y="0"/>
+          <a:chExt cx="0" cy="0"/>
+        </a:xfrm>
+      </p:grpSpPr>
+      <p:sp>
+        <p:nvSpPr>
+          <p:cNvPr id="4" name="Rectangle 3"/>
+          <p:cNvSpPr/>
+          <p:nvPr/>
+        </p:nvSpPr>
+        <p:spPr>
+          <a:xfrm>
+            <a:off x="0" y="16497"/>
+            <a:ext cx="9067800" cy="4154984"/>
+          </a:xfrm>
+          <a:prstGeom prst="rect">
+            <a:avLst/>
+          </a:prstGeom>
+        </p:spPr>
+        <p:txBody>
+          <a:bodyPr wrap="square">
+            <a:spAutoFit/>
+          </a:bodyPr>
+          <a:lstStyle/>
+          <a:p>
+            <a:pPr algn="just"/>
+            <a:r>
+              <a:rPr lang="vi-VN" sz="2200" b="1" dirty="0" smtClean="0">
+                <a:latin typeface="Times New Roman" pitchFamily="18" charset="0"/>
+                <a:cs typeface="Times New Roman" pitchFamily="18" charset="0"/>
+              </a:rPr>
+              <a:t>Activity:</a:t>
+            </a:r>
+            <a:endParaRPr lang="en-US" sz="2200" b="1" dirty="0" smtClean="0">
+              <a:latin typeface="Times New Roman" pitchFamily="18" charset="0"/>
+              <a:cs typeface="Times New Roman" pitchFamily="18" charset="0"/>
+            </a:endParaRPr>
+          </a:p>
+          <a:p>
+            <a:pPr algn="just"/>
+            <a:endParaRPr lang="vi-VN" sz="2200" dirty="0">
+              <a:latin typeface="Times New Roman" pitchFamily="18" charset="0"/>
+              <a:cs typeface="Times New Roman" pitchFamily="18" charset="0"/>
+            </a:endParaRPr>
+          </a:p>
+          <a:p>
+            <a:pPr marL="342900" indent="-342900" algn="just">
+              <a:buFont typeface="Wingdings" pitchFamily="2" charset="2"/>
+              <a:buChar char="§"/>
+            </a:pPr>
+            <a:r>
+              <a:rPr lang="vi-VN" sz="2200" dirty="0" smtClean="0">
+                <a:latin typeface="Times New Roman" pitchFamily="18" charset="0"/>
+                <a:cs typeface="Times New Roman" pitchFamily="18" charset="0"/>
+              </a:rPr>
+              <a:t>Là </a:t>
+            </a:r>
+            <a:r>
+              <a:rPr lang="vi-VN" sz="2200" dirty="0">
+                <a:latin typeface="Times New Roman" pitchFamily="18" charset="0"/>
+                <a:cs typeface="Times New Roman" pitchFamily="18" charset="0"/>
+              </a:rPr>
+              <a:t>1 màn hình, hay có thể gọi là 1 form.</a:t>
+            </a:r>
+          </a:p>
+          <a:p>
+            <a:pPr marL="342900" indent="-342900" algn="just">
+              <a:buFont typeface="Wingdings" pitchFamily="2" charset="2"/>
+              <a:buChar char="§"/>
+            </a:pPr>
+            <a:r>
+              <a:rPr lang="vi-VN" sz="2200" dirty="0" smtClean="0">
+                <a:latin typeface="Times New Roman" pitchFamily="18" charset="0"/>
+                <a:cs typeface="Times New Roman" pitchFamily="18" charset="0"/>
+              </a:rPr>
+              <a:t>Khi </a:t>
+            </a:r>
+            <a:r>
+              <a:rPr lang="vi-VN" sz="2200" dirty="0">
+                <a:latin typeface="Times New Roman" pitchFamily="18" charset="0"/>
+                <a:cs typeface="Times New Roman" pitchFamily="18" charset="0"/>
+              </a:rPr>
+              <a:t>tao project chúng ta có 1 activity mặc định.</a:t>
+            </a:r>
+          </a:p>
+          <a:p>
+            <a:pPr algn="just"/>
+            <a:endParaRPr lang="en-US" sz="2200" dirty="0">
+              <a:latin typeface="Times New Roman" pitchFamily="18" charset="0"/>
+              <a:cs typeface="Times New Roman" pitchFamily="18" charset="0"/>
+            </a:endParaRPr>
+          </a:p>
+          <a:p>
+            <a:pPr algn="just"/>
+            <a:r>
+              <a:rPr lang="vi-VN" sz="2200" b="1" dirty="0" smtClean="0">
+                <a:latin typeface="Times New Roman" pitchFamily="18" charset="0"/>
+                <a:cs typeface="Times New Roman" pitchFamily="18" charset="0"/>
+              </a:rPr>
+              <a:t>Intent</a:t>
+            </a:r>
+            <a:r>
+              <a:rPr lang="vi-VN" sz="2200" b="1" dirty="0">
+                <a:latin typeface="Times New Roman" pitchFamily="18" charset="0"/>
+                <a:cs typeface="Times New Roman" pitchFamily="18" charset="0"/>
+              </a:rPr>
+              <a:t>: </a:t>
+            </a:r>
+            <a:endParaRPr lang="en-US" sz="2200" b="1" dirty="0" smtClean="0">
+              <a:latin typeface="Times New Roman" pitchFamily="18" charset="0"/>
+              <a:cs typeface="Times New Roman" pitchFamily="18" charset="0"/>
+            </a:endParaRPr>
+          </a:p>
+          <a:p>
+            <a:pPr algn="just"/>
+            <a:endParaRPr lang="vi-VN" sz="2200" dirty="0">
+              <a:latin typeface="Times New Roman" pitchFamily="18" charset="0"/>
+              <a:cs typeface="Times New Roman" pitchFamily="18" charset="0"/>
+            </a:endParaRPr>
+          </a:p>
+          <a:p>
+            <a:pPr marL="342900" indent="-342900" algn="just">
+              <a:buFont typeface="Wingdings" pitchFamily="2" charset="2"/>
+              <a:buChar char="§"/>
+            </a:pPr>
+            <a:r>
+              <a:rPr lang="vi-VN" sz="2200" dirty="0" smtClean="0">
+                <a:latin typeface="Times New Roman" pitchFamily="18" charset="0"/>
+                <a:cs typeface="Times New Roman" pitchFamily="18" charset="0"/>
+              </a:rPr>
+              <a:t>Là </a:t>
+            </a:r>
+            <a:r>
+              <a:rPr lang="vi-VN" sz="2200" dirty="0">
+                <a:latin typeface="Times New Roman" pitchFamily="18" charset="0"/>
+                <a:cs typeface="Times New Roman" pitchFamily="18" charset="0"/>
+              </a:rPr>
+              <a:t>1 đối tượng cung cấp sự liên kết giữa 2 phần phần trên </a:t>
+            </a:r>
+            <a:r>
+              <a:rPr lang="vi-VN" sz="2200" dirty="0" smtClean="0">
+                <a:latin typeface="Times New Roman" pitchFamily="18" charset="0"/>
+                <a:cs typeface="Times New Roman" pitchFamily="18" charset="0"/>
+              </a:rPr>
+              <a:t>Android</a:t>
+            </a:r>
+            <a:r>
+              <a:rPr lang="vi-VN" sz="2200" dirty="0">
+                <a:latin typeface="Times New Roman" pitchFamily="18" charset="0"/>
+                <a:cs typeface="Times New Roman" pitchFamily="18" charset="0"/>
+              </a:rPr>
+              <a:t>. (ví dụ: 2 Activity)</a:t>
+            </a:r>
+          </a:p>
+          <a:p>
+            <a:pPr marL="342900" indent="-342900" algn="just">
+              <a:buFont typeface="Wingdings" pitchFamily="2" charset="2"/>
+              <a:buChar char="§"/>
+            </a:pPr>
+            <a:r>
+              <a:rPr lang="vi-VN" sz="2200" dirty="0" smtClean="0">
+                <a:latin typeface="Times New Roman" pitchFamily="18" charset="0"/>
+                <a:cs typeface="Times New Roman" pitchFamily="18" charset="0"/>
+              </a:rPr>
+              <a:t>“</a:t>
+            </a:r>
+            <a:r>
+              <a:rPr lang="vi-VN" sz="2200" dirty="0">
+                <a:latin typeface="Times New Roman" pitchFamily="18" charset="0"/>
+                <a:cs typeface="Times New Roman" pitchFamily="18" charset="0"/>
+              </a:rPr>
+              <a:t>Intent to do something”.</a:t>
+            </a:r>
+          </a:p>
+          <a:p>
+            <a:pPr marL="342900" indent="-342900" algn="just">
+              <a:buFont typeface="Wingdings" pitchFamily="2" charset="2"/>
+              <a:buChar char="§"/>
+            </a:pPr>
+            <a:r>
+              <a:rPr lang="vi-VN" sz="2200" dirty="0" smtClean="0">
+                <a:latin typeface="Times New Roman" pitchFamily="18" charset="0"/>
+                <a:cs typeface="Times New Roman" pitchFamily="18" charset="0"/>
+              </a:rPr>
+              <a:t>Có </a:t>
+            </a:r>
+            <a:r>
+              <a:rPr lang="vi-VN" sz="2200" dirty="0">
+                <a:latin typeface="Times New Roman" pitchFamily="18" charset="0"/>
+                <a:cs typeface="Times New Roman" pitchFamily="18" charset="0"/>
+              </a:rPr>
+              <a:t>thể sử dụng Intent để chuyển đổi dữ liệu giữa 2 Activity </a:t>
+            </a:r>
+            <a:r>
+              <a:rPr lang="vi-VN" sz="2200" dirty="0" smtClean="0">
+                <a:latin typeface="Times New Roman" pitchFamily="18" charset="0"/>
+                <a:cs typeface="Times New Roman" pitchFamily="18" charset="0"/>
+              </a:rPr>
+              <a:t>với </a:t>
+            </a:r>
+            <a:r>
+              <a:rPr lang="vi-VN" sz="2200" dirty="0">
+                <a:latin typeface="Times New Roman" pitchFamily="18" charset="0"/>
+                <a:cs typeface="Times New Roman" pitchFamily="18" charset="0"/>
+              </a:rPr>
+              <a:t>nhau, gọi 1 Activity từ 1 Activity khác.</a:t>
+            </a:r>
+            <a:endParaRPr lang="en-US" sz="2200" dirty="0">
+              <a:latin typeface="Times New Roman" pitchFamily="18" charset="0"/>
+              <a:cs typeface="Times New Roman" pitchFamily="18" charset="0"/>
+            </a:endParaRPr>
+          </a:p>
+        </p:txBody>
+      </p:sp>
+      <p:sp>
+        <p:nvSpPr>
+          <p:cNvPr id="5" name="Rectangle 4"/>
+          <p:cNvSpPr/>
+          <p:nvPr/>
+        </p:nvSpPr>
+        <p:spPr>
+          <a:xfrm>
+            <a:off x="27495" y="4171481"/>
+            <a:ext cx="4572000" cy="430887"/>
+          </a:xfrm>
+          <a:prstGeom prst="rect">
+            <a:avLst/>
+          </a:prstGeom>
+        </p:spPr>
+        <p:txBody>
+          <a:bodyPr>
+            <a:spAutoFit/>
+          </a:bodyPr>
+          <a:lstStyle/>
+          <a:p>
+            <a:r>
+              <a:rPr lang="en-US" sz="2200" b="1" dirty="0" err="1" smtClean="0">
+                <a:latin typeface="Times New Roman" pitchFamily="18" charset="0"/>
+                <a:cs typeface="Times New Roman" pitchFamily="18" charset="0"/>
+              </a:rPr>
+              <a:t>Ví</a:t>
+            </a:r>
+            <a:r>
+              <a:rPr lang="en-US" sz="2200" b="1" dirty="0" smtClean="0">
+                <a:latin typeface="Times New Roman" pitchFamily="18" charset="0"/>
+                <a:cs typeface="Times New Roman" pitchFamily="18" charset="0"/>
+              </a:rPr>
+              <a:t> </a:t>
+            </a:r>
+            <a:r>
+              <a:rPr lang="en-US" sz="2200" b="1" dirty="0" err="1">
+                <a:latin typeface="Times New Roman" pitchFamily="18" charset="0"/>
+                <a:cs typeface="Times New Roman" pitchFamily="18" charset="0"/>
+              </a:rPr>
+              <a:t>dụ</a:t>
+            </a:r>
+            <a:r>
+              <a:rPr lang="en-US" sz="2200" b="1" dirty="0" smtClean="0">
+                <a:latin typeface="Times New Roman" pitchFamily="18" charset="0"/>
+                <a:cs typeface="Times New Roman" pitchFamily="18" charset="0"/>
+              </a:rPr>
+              <a:t>: Intent </a:t>
+            </a:r>
+            <a:endParaRPr lang="en-US" sz="2200" b="1" dirty="0">
+              <a:latin typeface="Times New Roman" pitchFamily="18" charset="0"/>
+              <a:cs typeface="Times New Roman" pitchFamily="18" charset="0"/>
+            </a:endParaRPr>
+          </a:p>
+        </p:txBody>
+      </p:sp>
+      <p:pic>
+        <p:nvPicPr>
+          <p:cNvPr id="5122" name="Picture 2"/>
+          <p:cNvPicPr>
+            <a:picLocks noChangeAspect="1" noChangeArrowheads="1"/>
+          </p:cNvPicPr>
+          <p:nvPr/>
+        </p:nvPicPr>
+        <p:blipFill>
+          <a:blip r:embed="rId2">
+            <a:extLst>
+              <a:ext uri="{28A0092B-C50C-407E-A947-70E740481C1C}">
+                <a14:useLocalDpi xmlns:a14="http://schemas.microsoft.com/office/drawing/2010/main" val="0"/>
+              </a:ext>
+            </a:extLst>
+          </a:blip>
+          <a:srcRect/>
+          <a:stretch>
+            <a:fillRect/>
+          </a:stretch>
+        </p:blipFill>
+        <p:spPr bwMode="auto">
+          <a:xfrm>
+            <a:off x="0" y="4724399"/>
+            <a:ext cx="9067800" cy="2133601"/>
+          </a:xfrm>
+          <a:prstGeom prst="rect">
+            <a:avLst/>
+          </a:prstGeom>
+          <a:noFill/>
+          <a:ln>
+            <a:noFill/>
+          </a:ln>
+          <a:effectLst/>
+          <a:extLst>
+            <a:ext uri="{909E8E84-426E-40DD-AFC4-6F175D3DCCD1}">
+              <a14:hiddenFill xmlns:a14="http://schemas.microsoft.com/office/drawing/2010/main">
+                <a:solidFill>
+                  <a:schemeClr val="accent1"/>
+                </a:solidFill>
+              </a14:hiddenFill>
+            </a:ext>
+            <a:ext uri="{91240B29-F687-4F45-9708-019B960494DF}">
+              <a14:hiddenLine xmlns:a14="http://schemas.microsoft.com/office/drawing/2010/main" w="9525">
+                <a:solidFill>
+                  <a:schemeClr val="tx1"/>
+                </a:solidFill>
+                <a:miter lim="800000"/>
+                <a:headEnd/>
+                <a:tailEnd/>
+              </a14:hiddenLine>
+            </a:ext>
+            <a:ext uri="{AF507438-7753-43E0-B8FC-AC1667EBCBE1}">
+              <a14:hiddenEffects xmlns:a14="http://schemas.microsoft.com/office/drawing/2010/main">
+                <a:effectLst>
+                  <a:outerShdw dist="35921" dir="2700000" algn="ctr" rotWithShape="0">
+                    <a:schemeClr val="bg2"/>
+                  </a:outerShdw>
+                </a:effectLst>
+              </a14:hiddenEffects>
+            </a:ext>
+          </a:extLst>
+        </p:spPr>
+      </p:pic>
+    </p:spTree>
+    <p:extLst>
+      <p:ext uri="{BB962C8B-B14F-4D97-AF65-F5344CB8AC3E}">
+        <p14:creationId xmlns:p14="http://schemas.microsoft.com/office/powerpoint/2010/main" val="666654628"/>
+      </p:ext>
+    </p:extLst>
+  </p:cSld>
+  <p:clrMapOvr>
+    <a:masterClrMapping/>
+  </p:clrMapOvr>
+  <p:timing>
+    <p:tnLst>
+      <p:par>
+        <p:cTn id="1" dur="indefinite" restart="never" nodeType="tmRoot"/>
+      </p:par>
+    </p:tnLst>
+  </p:timing>
+</p:sld>
+</file>
+
+<file path=ppt/slides/slide12.xml><?xml version="1.0" encoding="utf-8"?>
+<p:sld xmlns:a="http://schemas.openxmlformats.org/drawingml/2006/main" xmlns:r="http://schemas.openxmlformats.org/officeDocument/2006/relationships" xmlns:p="http://schemas.openxmlformats.org/presentationml/2006/main">
+  <p:cSld>
+    <p:spTree>
+      <p:nvGrpSpPr>
+        <p:cNvPr id="1" name=""/>
+        <p:cNvGrpSpPr/>
+        <p:nvPr/>
+      </p:nvGrpSpPr>
+      <p:grpSpPr>
+        <a:xfrm>
+          <a:off x="0" y="0"/>
+          <a:ext cx="0" cy="0"/>
+          <a:chOff x="0" y="0"/>
+          <a:chExt cx="0" cy="0"/>
+        </a:xfrm>
+      </p:grpSpPr>
+      <p:sp>
+        <p:nvSpPr>
+          <p:cNvPr id="4" name="Rectangle 3"/>
+          <p:cNvSpPr/>
+          <p:nvPr/>
+        </p:nvSpPr>
+        <p:spPr>
+          <a:xfrm>
+            <a:off x="21210" y="125691"/>
+            <a:ext cx="3256469" cy="430887"/>
+          </a:xfrm>
+          <a:prstGeom prst="rect">
+            <a:avLst/>
+          </a:prstGeom>
+        </p:spPr>
+        <p:txBody>
+          <a:bodyPr wrap="none">
+            <a:spAutoFit/>
+          </a:bodyPr>
+          <a:lstStyle/>
+          <a:p>
+            <a:r>
+              <a:rPr lang="vi-VN" sz="2200" dirty="0" smtClean="0">
+                <a:solidFill>
+                  <a:srgbClr val="FF0000"/>
+                </a:solidFill>
+                <a:latin typeface="Times New Roman" pitchFamily="18" charset="0"/>
+                <a:cs typeface="Times New Roman" pitchFamily="18" charset="0"/>
+              </a:rPr>
+              <a:t>Quản </a:t>
+            </a:r>
+            <a:r>
+              <a:rPr lang="vi-VN" sz="2200" dirty="0">
+                <a:solidFill>
+                  <a:srgbClr val="FF0000"/>
+                </a:solidFill>
+                <a:latin typeface="Times New Roman" pitchFamily="18" charset="0"/>
+                <a:cs typeface="Times New Roman" pitchFamily="18" charset="0"/>
+              </a:rPr>
+              <a:t>lý hoạt động Activity</a:t>
+            </a:r>
+            <a:endParaRPr lang="en-US" sz="2200" dirty="0">
+              <a:solidFill>
+                <a:srgbClr val="FF0000"/>
+              </a:solidFill>
+              <a:latin typeface="Times New Roman" pitchFamily="18" charset="0"/>
+              <a:cs typeface="Times New Roman" pitchFamily="18" charset="0"/>
+            </a:endParaRPr>
+          </a:p>
+        </p:txBody>
+      </p:sp>
+      <p:pic>
+        <p:nvPicPr>
+          <p:cNvPr id="6146" name="Picture 2"/>
+          <p:cNvPicPr>
+            <a:picLocks noChangeAspect="1" noChangeArrowheads="1"/>
+          </p:cNvPicPr>
+          <p:nvPr/>
+        </p:nvPicPr>
+        <p:blipFill>
+          <a:blip r:embed="rId2">
+            <a:extLst>
+              <a:ext uri="{28A0092B-C50C-407E-A947-70E740481C1C}">
+                <a14:useLocalDpi xmlns:a14="http://schemas.microsoft.com/office/drawing/2010/main" val="0"/>
+              </a:ext>
+            </a:extLst>
+          </a:blip>
+          <a:srcRect/>
+          <a:stretch>
+            <a:fillRect/>
+          </a:stretch>
+        </p:blipFill>
+        <p:spPr bwMode="auto">
+          <a:xfrm>
+            <a:off x="55774" y="1066800"/>
+            <a:ext cx="9083156" cy="4267200"/>
+          </a:xfrm>
+          <a:prstGeom prst="rect">
+            <a:avLst/>
+          </a:prstGeom>
+          <a:noFill/>
+          <a:ln>
+            <a:noFill/>
+          </a:ln>
+          <a:effectLst/>
+          <a:extLst>
+            <a:ext uri="{909E8E84-426E-40DD-AFC4-6F175D3DCCD1}">
+              <a14:hiddenFill xmlns:a14="http://schemas.microsoft.com/office/drawing/2010/main">
+                <a:solidFill>
+                  <a:schemeClr val="accent1"/>
+                </a:solidFill>
+              </a14:hiddenFill>
+            </a:ext>
+            <a:ext uri="{91240B29-F687-4F45-9708-019B960494DF}">
+              <a14:hiddenLine xmlns:a14="http://schemas.microsoft.com/office/drawing/2010/main" w="9525">
+                <a:solidFill>
+                  <a:schemeClr val="tx1"/>
+                </a:solidFill>
+                <a:miter lim="800000"/>
+                <a:headEnd/>
+                <a:tailEnd/>
+              </a14:hiddenLine>
+            </a:ext>
+            <a:ext uri="{AF507438-7753-43E0-B8FC-AC1667EBCBE1}">
+              <a14:hiddenEffects xmlns:a14="http://schemas.microsoft.com/office/drawing/2010/main">
+                <a:effectLst>
+                  <a:outerShdw dist="35921" dir="2700000" algn="ctr" rotWithShape="0">
+                    <a:schemeClr val="bg2"/>
+                  </a:outerShdw>
+                </a:effectLst>
+              </a14:hiddenEffects>
+            </a:ext>
+          </a:extLst>
+        </p:spPr>
+      </p:pic>
+    </p:spTree>
+    <p:extLst>
+      <p:ext uri="{BB962C8B-B14F-4D97-AF65-F5344CB8AC3E}">
+        <p14:creationId xmlns:p14="http://schemas.microsoft.com/office/powerpoint/2010/main" val="4131895655"/>
+      </p:ext>
+    </p:extLst>
+  </p:cSld>
+  <p:clrMapOvr>
+    <a:masterClrMapping/>
+  </p:clrMapOvr>
+  <p:timing>
+    <p:tnLst>
+      <p:par>
+        <p:cTn id="1" dur="indefinite" restart="never" nodeType="tmRoot"/>
+      </p:par>
+    </p:tnLst>
+  </p:timing>
+</p:sld>
+</file>
+
+<file path=ppt/slides/slide13.xml><?xml version="1.0" encoding="utf-8"?>
+<p:sld xmlns:a="http://schemas.openxmlformats.org/drawingml/2006/main" xmlns:r="http://schemas.openxmlformats.org/officeDocument/2006/relationships" xmlns:p="http://schemas.openxmlformats.org/presentationml/2006/main">
+  <p:cSld>
+    <p:spTree>
+      <p:nvGrpSpPr>
+        <p:cNvPr id="1" name=""/>
+        <p:cNvGrpSpPr/>
+        <p:nvPr/>
+      </p:nvGrpSpPr>
+      <p:grpSpPr>
+        <a:xfrm>
+          <a:off x="0" y="0"/>
+          <a:ext cx="0" cy="0"/>
+          <a:chOff x="0" y="0"/>
+          <a:chExt cx="0" cy="0"/>
+        </a:xfrm>
+      </p:grpSpPr>
+      <p:pic>
+        <p:nvPicPr>
+          <p:cNvPr id="7170" name="Picture 2"/>
+          <p:cNvPicPr>
+            <a:picLocks noChangeAspect="1" noChangeArrowheads="1"/>
+          </p:cNvPicPr>
+          <p:nvPr/>
+        </p:nvPicPr>
+        <p:blipFill>
+          <a:blip r:embed="rId2">
+            <a:extLst>
+              <a:ext uri="{28A0092B-C50C-407E-A947-70E740481C1C}">
+                <a14:useLocalDpi xmlns:a14="http://schemas.microsoft.com/office/drawing/2010/main" val="0"/>
+              </a:ext>
+            </a:extLst>
+          </a:blip>
+          <a:srcRect/>
+          <a:stretch>
+            <a:fillRect/>
+          </a:stretch>
+        </p:blipFill>
+        <p:spPr bwMode="auto">
+          <a:xfrm>
+            <a:off x="1066799" y="1828800"/>
+            <a:ext cx="6696075" cy="1362075"/>
+          </a:xfrm>
+          <a:prstGeom prst="rect">
+            <a:avLst/>
+          </a:prstGeom>
+          <a:noFill/>
+          <a:ln>
+            <a:noFill/>
+          </a:ln>
+          <a:effectLst/>
+          <a:extLst>
+            <a:ext uri="{909E8E84-426E-40DD-AFC4-6F175D3DCCD1}">
+              <a14:hiddenFill xmlns:a14="http://schemas.microsoft.com/office/drawing/2010/main">
+                <a:solidFill>
+                  <a:schemeClr val="accent1"/>
+                </a:solidFill>
+              </a14:hiddenFill>
+            </a:ext>
+            <a:ext uri="{91240B29-F687-4F45-9708-019B960494DF}">
+              <a14:hiddenLine xmlns:a14="http://schemas.microsoft.com/office/drawing/2010/main" w="9525">
+                <a:solidFill>
+                  <a:schemeClr val="tx1"/>
+                </a:solidFill>
+                <a:miter lim="800000"/>
+                <a:headEnd/>
+                <a:tailEnd/>
+              </a14:hiddenLine>
+            </a:ext>
+            <a:ext uri="{AF507438-7753-43E0-B8FC-AC1667EBCBE1}">
+              <a14:hiddenEffects xmlns:a14="http://schemas.microsoft.com/office/drawing/2010/main">
+                <a:effectLst>
+                  <a:outerShdw dist="35921" dir="2700000" algn="ctr" rotWithShape="0">
+                    <a:schemeClr val="bg2"/>
+                  </a:outerShdw>
+                </a:effectLst>
+              </a14:hiddenEffects>
+            </a:ext>
+          </a:extLst>
+        </p:spPr>
+      </p:pic>
+      <p:pic>
+        <p:nvPicPr>
+          <p:cNvPr id="7171" name="Picture 3"/>
+          <p:cNvPicPr>
+            <a:picLocks noChangeAspect="1" noChangeArrowheads="1"/>
+          </p:cNvPicPr>
+          <p:nvPr/>
+        </p:nvPicPr>
+        <p:blipFill>
+          <a:blip r:embed="rId3">
+            <a:extLst>
+              <a:ext uri="{28A0092B-C50C-407E-A947-70E740481C1C}">
+                <a14:useLocalDpi xmlns:a14="http://schemas.microsoft.com/office/drawing/2010/main" val="0"/>
+              </a:ext>
+            </a:extLst>
+          </a:blip>
+          <a:srcRect/>
+          <a:stretch>
+            <a:fillRect/>
+          </a:stretch>
+        </p:blipFill>
+        <p:spPr bwMode="auto">
+          <a:xfrm>
+            <a:off x="838200" y="4038600"/>
+            <a:ext cx="7905750" cy="1914525"/>
+          </a:xfrm>
+          <a:prstGeom prst="rect">
+            <a:avLst/>
+          </a:prstGeom>
+          <a:noFill/>
+          <a:ln>
+            <a:noFill/>
+          </a:ln>
+          <a:effectLst/>
+          <a:extLst>
+            <a:ext uri="{909E8E84-426E-40DD-AFC4-6F175D3DCCD1}">
+              <a14:hiddenFill xmlns:a14="http://schemas.microsoft.com/office/drawing/2010/main">
+                <a:solidFill>
+                  <a:schemeClr val="accent1"/>
+                </a:solidFill>
+              </a14:hiddenFill>
+            </a:ext>
+            <a:ext uri="{91240B29-F687-4F45-9708-019B960494DF}">
+              <a14:hiddenLine xmlns:a14="http://schemas.microsoft.com/office/drawing/2010/main" w="9525">
+                <a:solidFill>
+                  <a:schemeClr val="tx1"/>
+                </a:solidFill>
+                <a:miter lim="800000"/>
+                <a:headEnd/>
+                <a:tailEnd/>
+              </a14:hiddenLine>
+            </a:ext>
+            <a:ext uri="{AF507438-7753-43E0-B8FC-AC1667EBCBE1}">
+              <a14:hiddenEffects xmlns:a14="http://schemas.microsoft.com/office/drawing/2010/main">
+                <a:effectLst>
+                  <a:outerShdw dist="35921" dir="2700000" algn="ctr" rotWithShape="0">
+                    <a:schemeClr val="bg2"/>
+                  </a:outerShdw>
+                </a:effectLst>
+              </a14:hiddenEffects>
+            </a:ext>
+          </a:extLst>
+        </p:spPr>
+      </p:pic>
+      <p:sp>
+        <p:nvSpPr>
+          <p:cNvPr id="4" name="Rectangle 3"/>
+          <p:cNvSpPr/>
+          <p:nvPr/>
+        </p:nvSpPr>
+        <p:spPr>
+          <a:xfrm>
+            <a:off x="76200" y="76200"/>
+            <a:ext cx="2662908" cy="430887"/>
+          </a:xfrm>
+          <a:prstGeom prst="rect">
+            <a:avLst/>
+          </a:prstGeom>
+        </p:spPr>
+        <p:txBody>
+          <a:bodyPr wrap="none">
+            <a:spAutoFit/>
+          </a:bodyPr>
+          <a:lstStyle/>
+          <a:p>
+            <a:r>
+              <a:rPr lang="en-US" sz="2200" b="1" dirty="0" err="1">
+                <a:solidFill>
+                  <a:srgbClr val="FF0000"/>
+                </a:solidFill>
+                <a:latin typeface="Times New Roman" pitchFamily="18" charset="0"/>
+                <a:cs typeface="Times New Roman" pitchFamily="18" charset="0"/>
+              </a:rPr>
+              <a:t>Hỗ</a:t>
+            </a:r>
+            <a:r>
+              <a:rPr lang="en-US" sz="2200" b="1" dirty="0">
+                <a:solidFill>
+                  <a:srgbClr val="FF0000"/>
+                </a:solidFill>
+                <a:latin typeface="Times New Roman" pitchFamily="18" charset="0"/>
+                <a:cs typeface="Times New Roman" pitchFamily="18" charset="0"/>
+              </a:rPr>
+              <a:t> </a:t>
+            </a:r>
+            <a:r>
+              <a:rPr lang="en-US" sz="2200" b="1" dirty="0" err="1">
+                <a:solidFill>
+                  <a:srgbClr val="FF0000"/>
+                </a:solidFill>
+                <a:latin typeface="Times New Roman" pitchFamily="18" charset="0"/>
+                <a:cs typeface="Times New Roman" pitchFamily="18" charset="0"/>
+              </a:rPr>
+              <a:t>trợ</a:t>
+            </a:r>
+            <a:r>
+              <a:rPr lang="en-US" sz="2200" b="1" dirty="0">
+                <a:solidFill>
+                  <a:srgbClr val="FF0000"/>
+                </a:solidFill>
+                <a:latin typeface="Times New Roman" pitchFamily="18" charset="0"/>
+                <a:cs typeface="Times New Roman" pitchFamily="18" charset="0"/>
+              </a:rPr>
+              <a:t> </a:t>
+            </a:r>
+            <a:r>
+              <a:rPr lang="en-US" sz="2200" b="1" dirty="0" err="1">
+                <a:solidFill>
+                  <a:srgbClr val="FF0000"/>
+                </a:solidFill>
+                <a:latin typeface="Times New Roman" pitchFamily="18" charset="0"/>
+                <a:cs typeface="Times New Roman" pitchFamily="18" charset="0"/>
+              </a:rPr>
+              <a:t>nhiều</a:t>
+            </a:r>
+            <a:r>
+              <a:rPr lang="en-US" sz="2200" b="1" dirty="0">
+                <a:solidFill>
+                  <a:srgbClr val="FF0000"/>
+                </a:solidFill>
+                <a:latin typeface="Times New Roman" pitchFamily="18" charset="0"/>
+                <a:cs typeface="Times New Roman" pitchFamily="18" charset="0"/>
+              </a:rPr>
+              <a:t> </a:t>
+            </a:r>
+            <a:r>
+              <a:rPr lang="en-US" sz="2200" b="1" dirty="0" err="1">
+                <a:solidFill>
+                  <a:srgbClr val="FF0000"/>
+                </a:solidFill>
+                <a:latin typeface="Times New Roman" pitchFamily="18" charset="0"/>
+                <a:cs typeface="Times New Roman" pitchFamily="18" charset="0"/>
+              </a:rPr>
+              <a:t>thiết</a:t>
+            </a:r>
+            <a:r>
+              <a:rPr lang="en-US" sz="2200" b="1" dirty="0">
+                <a:solidFill>
+                  <a:srgbClr val="FF0000"/>
+                </a:solidFill>
+                <a:latin typeface="Times New Roman" pitchFamily="18" charset="0"/>
+                <a:cs typeface="Times New Roman" pitchFamily="18" charset="0"/>
+              </a:rPr>
+              <a:t> </a:t>
+            </a:r>
+            <a:r>
+              <a:rPr lang="en-US" sz="2200" b="1" dirty="0" err="1">
+                <a:solidFill>
+                  <a:srgbClr val="FF0000"/>
+                </a:solidFill>
+                <a:latin typeface="Times New Roman" pitchFamily="18" charset="0"/>
+                <a:cs typeface="Times New Roman" pitchFamily="18" charset="0"/>
+              </a:rPr>
+              <a:t>bị</a:t>
+            </a:r>
+            <a:endParaRPr lang="en-US" sz="2200" b="1" dirty="0">
+              <a:solidFill>
+                <a:srgbClr val="FF0000"/>
+              </a:solidFill>
+              <a:latin typeface="Times New Roman" pitchFamily="18" charset="0"/>
+              <a:cs typeface="Times New Roman" pitchFamily="18" charset="0"/>
+            </a:endParaRPr>
+          </a:p>
+        </p:txBody>
+      </p:sp>
+      <p:sp>
+        <p:nvSpPr>
+          <p:cNvPr id="5" name="Rectangle 4"/>
+          <p:cNvSpPr/>
+          <p:nvPr/>
+        </p:nvSpPr>
+        <p:spPr>
+          <a:xfrm>
+            <a:off x="-1" y="720804"/>
+            <a:ext cx="9144000" cy="1107996"/>
+          </a:xfrm>
+          <a:prstGeom prst="rect">
+            <a:avLst/>
+          </a:prstGeom>
+        </p:spPr>
+        <p:txBody>
+          <a:bodyPr wrap="square">
+            <a:spAutoFit/>
+          </a:bodyPr>
+          <a:lstStyle/>
+          <a:p>
+            <a:pPr marL="342900" indent="-342900" algn="just">
+              <a:buFont typeface="Wingdings" pitchFamily="2" charset="2"/>
+              <a:buChar char="§"/>
+            </a:pPr>
+            <a:r>
+              <a:rPr lang="vi-VN" sz="2200" dirty="0" smtClean="0">
+                <a:latin typeface="Times New Roman" pitchFamily="18" charset="0"/>
+                <a:cs typeface="Times New Roman" pitchFamily="18" charset="0"/>
+              </a:rPr>
+              <a:t>Thiết </a:t>
+            </a:r>
+            <a:r>
+              <a:rPr lang="vi-VN" sz="2200" dirty="0">
+                <a:latin typeface="Times New Roman" pitchFamily="18" charset="0"/>
+                <a:cs typeface="Times New Roman" pitchFamily="18" charset="0"/>
+              </a:rPr>
+              <a:t>bị của Android có nhiều kích thước và cấu hình khác </a:t>
+            </a:r>
+            <a:r>
+              <a:rPr lang="vi-VN" sz="2200" dirty="0" smtClean="0">
+                <a:latin typeface="Times New Roman" pitchFamily="18" charset="0"/>
+                <a:cs typeface="Times New Roman" pitchFamily="18" charset="0"/>
+              </a:rPr>
+              <a:t>nhau</a:t>
+            </a:r>
+            <a:r>
+              <a:rPr lang="vi-VN" sz="2200" dirty="0">
+                <a:latin typeface="Times New Roman" pitchFamily="18" charset="0"/>
+                <a:cs typeface="Times New Roman" pitchFamily="18" charset="0"/>
+              </a:rPr>
+              <a:t>.</a:t>
+            </a:r>
+          </a:p>
+          <a:p>
+            <a:pPr marL="342900" indent="-342900" algn="just">
+              <a:buFont typeface="Wingdings" pitchFamily="2" charset="2"/>
+              <a:buChar char="§"/>
+            </a:pPr>
+            <a:r>
+              <a:rPr lang="vi-VN" sz="2200" dirty="0" smtClean="0">
+                <a:latin typeface="Times New Roman" pitchFamily="18" charset="0"/>
+                <a:cs typeface="Times New Roman" pitchFamily="18" charset="0"/>
+              </a:rPr>
+              <a:t>Hỗ </a:t>
+            </a:r>
+            <a:r>
+              <a:rPr lang="vi-VN" sz="2200" dirty="0">
+                <a:latin typeface="Times New Roman" pitchFamily="18" charset="0"/>
+                <a:cs typeface="Times New Roman" pitchFamily="18" charset="0"/>
+              </a:rPr>
+              <a:t>trợ đan ngôn ngữ:</a:t>
+            </a:r>
+          </a:p>
+          <a:p>
+            <a:pPr marL="800100" lvl="1" indent="-342900" algn="just">
+              <a:buFont typeface="Wingdings" pitchFamily="2" charset="2"/>
+              <a:buChar char="Ø"/>
+            </a:pPr>
+            <a:r>
+              <a:rPr lang="en-US" sz="2200" i="1" dirty="0">
+                <a:latin typeface="Times New Roman" pitchFamily="18" charset="0"/>
+                <a:cs typeface="Times New Roman" pitchFamily="18" charset="0"/>
+              </a:rPr>
+              <a:t>	</a:t>
+            </a:r>
+            <a:r>
+              <a:rPr lang="vi-VN" sz="2200" i="1" dirty="0" smtClean="0">
+                <a:latin typeface="Times New Roman" pitchFamily="18" charset="0"/>
+                <a:cs typeface="Times New Roman" pitchFamily="18" charset="0"/>
+              </a:rPr>
+              <a:t>Sử </a:t>
+            </a:r>
+            <a:r>
+              <a:rPr lang="vi-VN" sz="2200" i="1" dirty="0">
+                <a:latin typeface="Times New Roman" pitchFamily="18" charset="0"/>
+                <a:cs typeface="Times New Roman" pitchFamily="18" charset="0"/>
+              </a:rPr>
+              <a:t>dụng nguồn tài nguyên: res/values/strings.xml</a:t>
+            </a:r>
+            <a:endParaRPr lang="en-US" sz="2200" i="1" dirty="0">
+              <a:latin typeface="Times New Roman" pitchFamily="18" charset="0"/>
+              <a:cs typeface="Times New Roman" pitchFamily="18" charset="0"/>
+            </a:endParaRPr>
+          </a:p>
+        </p:txBody>
+      </p:sp>
+      <p:sp>
+        <p:nvSpPr>
+          <p:cNvPr id="6" name="Rectangle 5"/>
+          <p:cNvSpPr/>
+          <p:nvPr/>
+        </p:nvSpPr>
+        <p:spPr>
+          <a:xfrm>
+            <a:off x="609600" y="3401390"/>
+            <a:ext cx="2484976" cy="430887"/>
+          </a:xfrm>
+          <a:prstGeom prst="rect">
+            <a:avLst/>
+          </a:prstGeom>
+        </p:spPr>
+        <p:txBody>
+          <a:bodyPr wrap="none">
+            <a:spAutoFit/>
+          </a:bodyPr>
+          <a:lstStyle/>
+          <a:p>
+            <a:pPr marL="285750" indent="-285750">
+              <a:buFont typeface="Wingdings" pitchFamily="2" charset="2"/>
+              <a:buChar char="Ø"/>
+            </a:pPr>
+            <a:r>
+              <a:rPr lang="en-US" sz="2200" dirty="0" err="1">
+                <a:latin typeface="Times New Roman" pitchFamily="18" charset="0"/>
+                <a:cs typeface="Times New Roman" pitchFamily="18" charset="0"/>
+              </a:rPr>
+              <a:t>Gán</a:t>
+            </a:r>
+            <a:r>
+              <a:rPr lang="en-US" sz="2200" dirty="0">
+                <a:latin typeface="Times New Roman" pitchFamily="18" charset="0"/>
+                <a:cs typeface="Times New Roman" pitchFamily="18" charset="0"/>
+              </a:rPr>
+              <a:t> </a:t>
+            </a:r>
+            <a:r>
+              <a:rPr lang="en-US" sz="2200" dirty="0" err="1">
+                <a:latin typeface="Times New Roman" pitchFamily="18" charset="0"/>
+                <a:cs typeface="Times New Roman" pitchFamily="18" charset="0"/>
+              </a:rPr>
+              <a:t>cho</a:t>
+            </a:r>
+            <a:r>
+              <a:rPr lang="en-US" sz="2200" dirty="0">
+                <a:latin typeface="Times New Roman" pitchFamily="18" charset="0"/>
+                <a:cs typeface="Times New Roman" pitchFamily="18" charset="0"/>
+              </a:rPr>
+              <a:t> </a:t>
+            </a:r>
+            <a:r>
+              <a:rPr lang="en-US" sz="2200" dirty="0" err="1">
+                <a:latin typeface="Times New Roman" pitchFamily="18" charset="0"/>
+                <a:cs typeface="Times New Roman" pitchFamily="18" charset="0"/>
+              </a:rPr>
+              <a:t>các</a:t>
+            </a:r>
+            <a:r>
+              <a:rPr lang="en-US" sz="2200" dirty="0">
+                <a:latin typeface="Times New Roman" pitchFamily="18" charset="0"/>
+                <a:cs typeface="Times New Roman" pitchFamily="18" charset="0"/>
+              </a:rPr>
+              <a:t> view</a:t>
+            </a:r>
+          </a:p>
+        </p:txBody>
+      </p:sp>
+    </p:spTree>
+    <p:extLst>
+      <p:ext uri="{BB962C8B-B14F-4D97-AF65-F5344CB8AC3E}">
+        <p14:creationId xmlns:p14="http://schemas.microsoft.com/office/powerpoint/2010/main" val="1186749469"/>
+      </p:ext>
+    </p:extLst>
+  </p:cSld>
+  <p:clrMapOvr>
+    <a:masterClrMapping/>
+  </p:clrMapOvr>
+  <p:timing>
+    <p:tnLst>
+      <p:par>
+        <p:cTn id="1" dur="indefinite" restart="never" nodeType="tmRoot"/>
+      </p:par>
+    </p:tnLst>
+  </p:timing>
+</p:sld>
+</file>
+
+<file path=ppt/slides/slide14.xml><?xml version="1.0" encoding="utf-8"?>
+<p:sld xmlns:a="http://schemas.openxmlformats.org/drawingml/2006/main" xmlns:r="http://schemas.openxmlformats.org/officeDocument/2006/relationships" xmlns:p="http://schemas.openxmlformats.org/presentationml/2006/main">
+  <p:cSld>
+    <p:spTree>
+      <p:nvGrpSpPr>
+        <p:cNvPr id="1" name=""/>
+        <p:cNvGrpSpPr/>
+        <p:nvPr/>
+      </p:nvGrpSpPr>
+      <p:grpSpPr>
+        <a:xfrm>
+          <a:off x="0" y="0"/>
+          <a:ext cx="0" cy="0"/>
+          <a:chOff x="0" y="0"/>
+          <a:chExt cx="0" cy="0"/>
+        </a:xfrm>
+      </p:grpSpPr>
+      <p:sp>
+        <p:nvSpPr>
+          <p:cNvPr id="4" name="Rectangle 3"/>
+          <p:cNvSpPr/>
+          <p:nvPr/>
+        </p:nvSpPr>
+        <p:spPr>
+          <a:xfrm>
+            <a:off x="76200" y="76200"/>
+            <a:ext cx="2662908" cy="430887"/>
+          </a:xfrm>
+          <a:prstGeom prst="rect">
+            <a:avLst/>
+          </a:prstGeom>
+        </p:spPr>
+        <p:txBody>
+          <a:bodyPr wrap="none">
+            <a:spAutoFit/>
+          </a:bodyPr>
+          <a:lstStyle/>
+          <a:p>
+            <a:r>
+              <a:rPr lang="en-US" sz="2200" b="1" dirty="0" err="1">
+                <a:solidFill>
+                  <a:srgbClr val="FF0000"/>
+                </a:solidFill>
+                <a:latin typeface="Times New Roman" pitchFamily="18" charset="0"/>
+                <a:cs typeface="Times New Roman" pitchFamily="18" charset="0"/>
+              </a:rPr>
+              <a:t>Hỗ</a:t>
+            </a:r>
+            <a:r>
+              <a:rPr lang="en-US" sz="2200" b="1" dirty="0">
+                <a:solidFill>
+                  <a:srgbClr val="FF0000"/>
+                </a:solidFill>
+                <a:latin typeface="Times New Roman" pitchFamily="18" charset="0"/>
+                <a:cs typeface="Times New Roman" pitchFamily="18" charset="0"/>
+              </a:rPr>
+              <a:t> </a:t>
+            </a:r>
+            <a:r>
+              <a:rPr lang="en-US" sz="2200" b="1" dirty="0" err="1">
+                <a:solidFill>
+                  <a:srgbClr val="FF0000"/>
+                </a:solidFill>
+                <a:latin typeface="Times New Roman" pitchFamily="18" charset="0"/>
+                <a:cs typeface="Times New Roman" pitchFamily="18" charset="0"/>
+              </a:rPr>
+              <a:t>trợ</a:t>
+            </a:r>
+            <a:r>
+              <a:rPr lang="en-US" sz="2200" b="1" dirty="0">
+                <a:solidFill>
+                  <a:srgbClr val="FF0000"/>
+                </a:solidFill>
+                <a:latin typeface="Times New Roman" pitchFamily="18" charset="0"/>
+                <a:cs typeface="Times New Roman" pitchFamily="18" charset="0"/>
+              </a:rPr>
+              <a:t> </a:t>
+            </a:r>
+            <a:r>
+              <a:rPr lang="en-US" sz="2200" b="1" dirty="0" err="1">
+                <a:solidFill>
+                  <a:srgbClr val="FF0000"/>
+                </a:solidFill>
+                <a:latin typeface="Times New Roman" pitchFamily="18" charset="0"/>
+                <a:cs typeface="Times New Roman" pitchFamily="18" charset="0"/>
+              </a:rPr>
+              <a:t>nhiều</a:t>
+            </a:r>
+            <a:r>
+              <a:rPr lang="en-US" sz="2200" b="1" dirty="0">
+                <a:solidFill>
+                  <a:srgbClr val="FF0000"/>
+                </a:solidFill>
+                <a:latin typeface="Times New Roman" pitchFamily="18" charset="0"/>
+                <a:cs typeface="Times New Roman" pitchFamily="18" charset="0"/>
+              </a:rPr>
+              <a:t> </a:t>
+            </a:r>
+            <a:r>
+              <a:rPr lang="en-US" sz="2200" b="1" dirty="0" err="1">
+                <a:solidFill>
+                  <a:srgbClr val="FF0000"/>
+                </a:solidFill>
+                <a:latin typeface="Times New Roman" pitchFamily="18" charset="0"/>
+                <a:cs typeface="Times New Roman" pitchFamily="18" charset="0"/>
+              </a:rPr>
+              <a:t>thiết</a:t>
+            </a:r>
+            <a:r>
+              <a:rPr lang="en-US" sz="2200" b="1" dirty="0">
+                <a:solidFill>
+                  <a:srgbClr val="FF0000"/>
+                </a:solidFill>
+                <a:latin typeface="Times New Roman" pitchFamily="18" charset="0"/>
+                <a:cs typeface="Times New Roman" pitchFamily="18" charset="0"/>
+              </a:rPr>
+              <a:t> </a:t>
+            </a:r>
+            <a:r>
+              <a:rPr lang="en-US" sz="2200" b="1" dirty="0" err="1">
+                <a:solidFill>
+                  <a:srgbClr val="FF0000"/>
+                </a:solidFill>
+                <a:latin typeface="Times New Roman" pitchFamily="18" charset="0"/>
+                <a:cs typeface="Times New Roman" pitchFamily="18" charset="0"/>
+              </a:rPr>
+              <a:t>bị</a:t>
+            </a:r>
+            <a:endParaRPr lang="en-US" sz="2200" b="1" dirty="0">
+              <a:solidFill>
+                <a:srgbClr val="FF0000"/>
+              </a:solidFill>
+              <a:latin typeface="Times New Roman" pitchFamily="18" charset="0"/>
+              <a:cs typeface="Times New Roman" pitchFamily="18" charset="0"/>
+            </a:endParaRPr>
+          </a:p>
+        </p:txBody>
+      </p:sp>
+      <p:sp>
+        <p:nvSpPr>
+          <p:cNvPr id="5" name="Rectangle 4"/>
+          <p:cNvSpPr/>
+          <p:nvPr/>
+        </p:nvSpPr>
+        <p:spPr>
+          <a:xfrm>
+            <a:off x="453108" y="685800"/>
+            <a:ext cx="8614692" cy="1446550"/>
+          </a:xfrm>
+          <a:prstGeom prst="rect">
+            <a:avLst/>
+          </a:prstGeom>
+        </p:spPr>
+        <p:txBody>
+          <a:bodyPr wrap="square">
+            <a:spAutoFit/>
+          </a:bodyPr>
+          <a:lstStyle/>
+          <a:p>
+            <a:pPr marL="342900" indent="-342900">
+              <a:buFont typeface="Wingdings" pitchFamily="2" charset="2"/>
+              <a:buChar char="§"/>
+            </a:pPr>
+            <a:r>
+              <a:rPr lang="vi-VN" sz="2200" dirty="0" smtClean="0">
+                <a:latin typeface="+mj-lt"/>
+              </a:rPr>
+              <a:t>Hỗ </a:t>
+            </a:r>
+            <a:r>
+              <a:rPr lang="vi-VN" sz="2200" dirty="0">
+                <a:latin typeface="+mj-lt"/>
+              </a:rPr>
+              <a:t>trợ nhiều kích thước màn hình</a:t>
+            </a:r>
+          </a:p>
+          <a:p>
+            <a:pPr marL="800100" lvl="1" indent="-342900">
+              <a:buFont typeface="Wingdings" pitchFamily="2" charset="2"/>
+              <a:buChar char="Ø"/>
+            </a:pPr>
+            <a:r>
+              <a:rPr lang="vi-VN" sz="2200" dirty="0" smtClean="0">
+                <a:latin typeface="+mj-lt"/>
+              </a:rPr>
+              <a:t>Có </a:t>
+            </a:r>
+            <a:r>
+              <a:rPr lang="vi-VN" sz="2200" dirty="0">
+                <a:latin typeface="+mj-lt"/>
+              </a:rPr>
+              <a:t>4 dạng kịch thước: small, normal, large, xlarge</a:t>
+            </a:r>
+          </a:p>
+          <a:p>
+            <a:pPr marL="800100" lvl="1" indent="-342900">
+              <a:buFont typeface="Wingdings" pitchFamily="2" charset="2"/>
+              <a:buChar char="Ø"/>
+            </a:pPr>
+            <a:r>
+              <a:rPr lang="vi-VN" sz="2200" dirty="0" smtClean="0">
+                <a:latin typeface="+mj-lt"/>
+              </a:rPr>
+              <a:t>Có </a:t>
+            </a:r>
+            <a:r>
+              <a:rPr lang="vi-VN" sz="2200" dirty="0">
+                <a:latin typeface="+mj-lt"/>
+              </a:rPr>
+              <a:t>4 cấp độ phân giải:  low (ldpi), medium (mdpi), high </a:t>
+            </a:r>
+            <a:r>
+              <a:rPr lang="vi-VN" sz="2200" dirty="0" smtClean="0">
+                <a:latin typeface="+mj-lt"/>
+              </a:rPr>
+              <a:t>(</a:t>
+            </a:r>
+            <a:r>
+              <a:rPr lang="vi-VN" sz="2200" dirty="0">
+                <a:latin typeface="+mj-lt"/>
+              </a:rPr>
+              <a:t>hdpi), extra high (xhdpi).</a:t>
+            </a:r>
+            <a:endParaRPr lang="en-US" sz="2200" dirty="0">
+              <a:latin typeface="+mj-lt"/>
+            </a:endParaRPr>
+          </a:p>
+        </p:txBody>
+      </p:sp>
+      <p:pic>
+        <p:nvPicPr>
+          <p:cNvPr id="8194" name="Picture 2"/>
+          <p:cNvPicPr>
+            <a:picLocks noChangeAspect="1" noChangeArrowheads="1"/>
+          </p:cNvPicPr>
+          <p:nvPr/>
+        </p:nvPicPr>
+        <p:blipFill>
+          <a:blip r:embed="rId2">
+            <a:extLst>
+              <a:ext uri="{28A0092B-C50C-407E-A947-70E740481C1C}">
+                <a14:useLocalDpi xmlns:a14="http://schemas.microsoft.com/office/drawing/2010/main" val="0"/>
+              </a:ext>
+            </a:extLst>
+          </a:blip>
+          <a:srcRect/>
+          <a:stretch>
+            <a:fillRect/>
+          </a:stretch>
+        </p:blipFill>
+        <p:spPr bwMode="auto">
+          <a:xfrm>
+            <a:off x="1524000" y="2305050"/>
+            <a:ext cx="4895850" cy="1123950"/>
+          </a:xfrm>
+          <a:prstGeom prst="rect">
+            <a:avLst/>
+          </a:prstGeom>
+          <a:noFill/>
+          <a:ln>
+            <a:noFill/>
+          </a:ln>
+          <a:effectLst/>
+          <a:extLst>
+            <a:ext uri="{909E8E84-426E-40DD-AFC4-6F175D3DCCD1}">
+              <a14:hiddenFill xmlns:a14="http://schemas.microsoft.com/office/drawing/2010/main">
+                <a:solidFill>
+                  <a:schemeClr val="accent1"/>
+                </a:solidFill>
+              </a14:hiddenFill>
+            </a:ext>
+            <a:ext uri="{91240B29-F687-4F45-9708-019B960494DF}">
+              <a14:hiddenLine xmlns:a14="http://schemas.microsoft.com/office/drawing/2010/main" w="9525">
+                <a:solidFill>
+                  <a:schemeClr val="tx1"/>
+                </a:solidFill>
+                <a:miter lim="800000"/>
+                <a:headEnd/>
+                <a:tailEnd/>
+              </a14:hiddenLine>
+            </a:ext>
+            <a:ext uri="{AF507438-7753-43E0-B8FC-AC1667EBCBE1}">
+              <a14:hiddenEffects xmlns:a14="http://schemas.microsoft.com/office/drawing/2010/main">
+                <a:effectLst>
+                  <a:outerShdw dist="35921" dir="2700000" algn="ctr" rotWithShape="0">
+                    <a:schemeClr val="bg2"/>
+                  </a:outerShdw>
+                </a:effectLst>
+              </a14:hiddenEffects>
+            </a:ext>
+          </a:extLst>
+        </p:spPr>
+      </p:pic>
+      <p:pic>
+        <p:nvPicPr>
+          <p:cNvPr id="8195" name="Picture 3"/>
+          <p:cNvPicPr>
+            <a:picLocks noChangeAspect="1" noChangeArrowheads="1"/>
+          </p:cNvPicPr>
+          <p:nvPr/>
+        </p:nvPicPr>
+        <p:blipFill>
+          <a:blip r:embed="rId3">
+            <a:extLst>
+              <a:ext uri="{28A0092B-C50C-407E-A947-70E740481C1C}">
+                <a14:useLocalDpi xmlns:a14="http://schemas.microsoft.com/office/drawing/2010/main" val="0"/>
+              </a:ext>
+            </a:extLst>
+          </a:blip>
+          <a:srcRect/>
+          <a:stretch>
+            <a:fillRect/>
+          </a:stretch>
+        </p:blipFill>
+        <p:spPr bwMode="auto">
+          <a:xfrm>
+            <a:off x="2752725" y="3705520"/>
+            <a:ext cx="6315075" cy="2619375"/>
+          </a:xfrm>
+          <a:prstGeom prst="rect">
+            <a:avLst/>
+          </a:prstGeom>
+          <a:noFill/>
+          <a:ln>
+            <a:noFill/>
+          </a:ln>
+          <a:effectLst/>
+          <a:extLst>
+            <a:ext uri="{909E8E84-426E-40DD-AFC4-6F175D3DCCD1}">
+              <a14:hiddenFill xmlns:a14="http://schemas.microsoft.com/office/drawing/2010/main">
+                <a:solidFill>
+                  <a:schemeClr val="accent1"/>
+                </a:solidFill>
+              </a14:hiddenFill>
+            </a:ext>
+            <a:ext uri="{91240B29-F687-4F45-9708-019B960494DF}">
+              <a14:hiddenLine xmlns:a14="http://schemas.microsoft.com/office/drawing/2010/main" w="9525">
+                <a:solidFill>
+                  <a:schemeClr val="tx1"/>
+                </a:solidFill>
+                <a:miter lim="800000"/>
+                <a:headEnd/>
+                <a:tailEnd/>
+              </a14:hiddenLine>
+            </a:ext>
+            <a:ext uri="{AF507438-7753-43E0-B8FC-AC1667EBCBE1}">
+              <a14:hiddenEffects xmlns:a14="http://schemas.microsoft.com/office/drawing/2010/main">
+                <a:effectLst>
+                  <a:outerShdw dist="35921" dir="2700000" algn="ctr" rotWithShape="0">
+                    <a:schemeClr val="bg2"/>
+                  </a:outerShdw>
+                </a:effectLst>
+              </a14:hiddenEffects>
+            </a:ext>
+          </a:extLst>
+        </p:spPr>
+      </p:pic>
+    </p:spTree>
+    <p:extLst>
+      <p:ext uri="{BB962C8B-B14F-4D97-AF65-F5344CB8AC3E}">
+        <p14:creationId xmlns:p14="http://schemas.microsoft.com/office/powerpoint/2010/main" val="3714915744"/>
+      </p:ext>
+    </p:extLst>
+  </p:cSld>
+  <p:clrMapOvr>
+    <a:masterClrMapping/>
+  </p:clrMapOvr>
+  <p:timing>
+    <p:tnLst>
+      <p:par>
+        <p:cTn id="1" dur="indefinite" restart="never" nodeType="tmRoot"/>
+      </p:par>
+    </p:tnLst>
+  </p:timing>
+</p:sld>
+</file>
+
+<file path=ppt/slides/slide15.xml><?xml version="1.0" encoding="utf-8"?>
+<p:sld xmlns:a="http://schemas.openxmlformats.org/drawingml/2006/main" xmlns:r="http://schemas.openxmlformats.org/officeDocument/2006/relationships" xmlns:p="http://schemas.openxmlformats.org/presentationml/2006/main">
+  <p:cSld>
+    <p:spTree>
+      <p:nvGrpSpPr>
+        <p:cNvPr id="1" name=""/>
+        <p:cNvGrpSpPr/>
+        <p:nvPr/>
+      </p:nvGrpSpPr>
+      <p:grpSpPr>
+        <a:xfrm>
+          <a:off x="0" y="0"/>
+          <a:ext cx="0" cy="0"/>
+          <a:chOff x="0" y="0"/>
+          <a:chExt cx="0" cy="0"/>
+        </a:xfrm>
+      </p:grpSpPr>
+      <p:sp>
+        <p:nvSpPr>
+          <p:cNvPr id="4" name="Rectangle 3"/>
+          <p:cNvSpPr/>
+          <p:nvPr/>
+        </p:nvSpPr>
+        <p:spPr>
+          <a:xfrm>
+            <a:off x="18854" y="18930"/>
+            <a:ext cx="9125146" cy="1785104"/>
+          </a:xfrm>
+          <a:prstGeom prst="rect">
+            <a:avLst/>
+          </a:prstGeom>
+        </p:spPr>
+        <p:txBody>
+          <a:bodyPr wrap="square">
+            <a:spAutoFit/>
+          </a:bodyPr>
+          <a:lstStyle/>
+          <a:p>
+            <a:r>
+              <a:rPr lang="vi-VN" sz="2200" b="1" dirty="0" smtClean="0">
+                <a:latin typeface="Times New Roman" pitchFamily="18" charset="0"/>
+                <a:cs typeface="Times New Roman" pitchFamily="18" charset="0"/>
+              </a:rPr>
+              <a:t>Hỗ </a:t>
+            </a:r>
+            <a:r>
+              <a:rPr lang="vi-VN" sz="2200" b="1" dirty="0">
+                <a:latin typeface="Times New Roman" pitchFamily="18" charset="0"/>
+                <a:cs typeface="Times New Roman" pitchFamily="18" charset="0"/>
+              </a:rPr>
+              <a:t>trợ nhiều phiên </a:t>
+            </a:r>
+            <a:r>
+              <a:rPr lang="vi-VN" sz="2200" b="1" dirty="0" smtClean="0">
+                <a:latin typeface="Times New Roman" pitchFamily="18" charset="0"/>
+                <a:cs typeface="Times New Roman" pitchFamily="18" charset="0"/>
+              </a:rPr>
+              <a:t>bản</a:t>
+            </a:r>
+            <a:endParaRPr lang="en-US" sz="2200" b="1" dirty="0" smtClean="0">
+              <a:latin typeface="Times New Roman" pitchFamily="18" charset="0"/>
+              <a:cs typeface="Times New Roman" pitchFamily="18" charset="0"/>
+            </a:endParaRPr>
+          </a:p>
+          <a:p>
+            <a:endParaRPr lang="vi-VN" sz="2200" dirty="0">
+              <a:latin typeface="Times New Roman" pitchFamily="18" charset="0"/>
+              <a:cs typeface="Times New Roman" pitchFamily="18" charset="0"/>
+            </a:endParaRPr>
+          </a:p>
+          <a:p>
+            <a:pPr marL="342900" indent="-342900">
+              <a:buFont typeface="Wingdings" pitchFamily="2" charset="2"/>
+              <a:buChar char="§"/>
+            </a:pPr>
+            <a:r>
+              <a:rPr lang="vi-VN" sz="2200" dirty="0" smtClean="0">
+                <a:latin typeface="Times New Roman" pitchFamily="18" charset="0"/>
+                <a:cs typeface="Times New Roman" pitchFamily="18" charset="0"/>
+              </a:rPr>
+              <a:t>Trên </a:t>
+            </a:r>
+            <a:r>
+              <a:rPr lang="vi-VN" sz="2200" dirty="0">
+                <a:latin typeface="Times New Roman" pitchFamily="18" charset="0"/>
+                <a:cs typeface="Times New Roman" pitchFamily="18" charset="0"/>
+              </a:rPr>
+              <a:t>Android có sự kế thừa nhau qua các phiên bản</a:t>
+            </a:r>
+          </a:p>
+          <a:p>
+            <a:pPr marL="342900" indent="-342900" algn="just">
+              <a:buFont typeface="Wingdings" pitchFamily="2" charset="2"/>
+              <a:buChar char="§"/>
+            </a:pPr>
+            <a:r>
+              <a:rPr lang="vi-VN" sz="2200" dirty="0" smtClean="0">
+                <a:latin typeface="Times New Roman" pitchFamily="18" charset="0"/>
+                <a:cs typeface="Times New Roman" pitchFamily="18" charset="0"/>
+              </a:rPr>
+              <a:t>Nên </a:t>
+            </a:r>
+            <a:r>
+              <a:rPr lang="vi-VN" sz="2200" dirty="0">
+                <a:latin typeface="Times New Roman" pitchFamily="18" charset="0"/>
+                <a:cs typeface="Times New Roman" pitchFamily="18" charset="0"/>
+              </a:rPr>
+              <a:t>khi xây dựn ứng dụng chúng ta phải định nghĩa </a:t>
+            </a:r>
+            <a:r>
+              <a:rPr lang="vi-VN" sz="2200" dirty="0" smtClean="0">
+                <a:latin typeface="Times New Roman" pitchFamily="18" charset="0"/>
+                <a:cs typeface="Times New Roman" pitchFamily="18" charset="0"/>
+              </a:rPr>
+              <a:t>2</a:t>
+            </a:r>
+            <a:r>
+              <a:rPr lang="en-US" sz="2200" dirty="0" smtClean="0">
+                <a:latin typeface="Times New Roman" pitchFamily="18" charset="0"/>
+                <a:cs typeface="Times New Roman" pitchFamily="18" charset="0"/>
+              </a:rPr>
+              <a:t> </a:t>
+            </a:r>
+            <a:r>
+              <a:rPr lang="vi-VN" sz="2200" dirty="0" smtClean="0">
+                <a:latin typeface="Times New Roman" pitchFamily="18" charset="0"/>
+                <a:cs typeface="Times New Roman" pitchFamily="18" charset="0"/>
+              </a:rPr>
+              <a:t>thuộc </a:t>
+            </a:r>
+            <a:r>
+              <a:rPr lang="vi-VN" sz="2200" dirty="0">
+                <a:latin typeface="Times New Roman" pitchFamily="18" charset="0"/>
+                <a:cs typeface="Times New Roman" pitchFamily="18" charset="0"/>
+              </a:rPr>
+              <a:t>tinh  </a:t>
+            </a:r>
+            <a:r>
+              <a:rPr lang="vi-VN" sz="2200" i="1" dirty="0">
+                <a:latin typeface="Times New Roman" pitchFamily="18" charset="0"/>
+                <a:cs typeface="Times New Roman" pitchFamily="18" charset="0"/>
+              </a:rPr>
+              <a:t>minSdkVersion</a:t>
+            </a:r>
+            <a:r>
+              <a:rPr lang="vi-VN" sz="2200" dirty="0">
+                <a:latin typeface="Times New Roman" pitchFamily="18" charset="0"/>
+                <a:cs typeface="Times New Roman" pitchFamily="18" charset="0"/>
+              </a:rPr>
+              <a:t> và </a:t>
+            </a:r>
+            <a:r>
+              <a:rPr lang="vi-VN" sz="2200" i="1" dirty="0">
+                <a:latin typeface="Times New Roman" pitchFamily="18" charset="0"/>
+                <a:cs typeface="Times New Roman" pitchFamily="18" charset="0"/>
+              </a:rPr>
+              <a:t>targetSdkVersion</a:t>
+            </a:r>
+            <a:endParaRPr lang="en-US" sz="2200" i="1" dirty="0">
+              <a:latin typeface="Times New Roman" pitchFamily="18" charset="0"/>
+              <a:cs typeface="Times New Roman" pitchFamily="18" charset="0"/>
+            </a:endParaRPr>
+          </a:p>
+        </p:txBody>
+      </p:sp>
+      <p:pic>
+        <p:nvPicPr>
+          <p:cNvPr id="9218" name="Picture 2"/>
+          <p:cNvPicPr>
+            <a:picLocks noChangeAspect="1" noChangeArrowheads="1"/>
+          </p:cNvPicPr>
+          <p:nvPr/>
+        </p:nvPicPr>
+        <p:blipFill>
+          <a:blip r:embed="rId2">
+            <a:extLst>
+              <a:ext uri="{28A0092B-C50C-407E-A947-70E740481C1C}">
+                <a14:useLocalDpi xmlns:a14="http://schemas.microsoft.com/office/drawing/2010/main" val="0"/>
+              </a:ext>
+            </a:extLst>
+          </a:blip>
+          <a:srcRect/>
+          <a:stretch>
+            <a:fillRect/>
+          </a:stretch>
+        </p:blipFill>
+        <p:spPr bwMode="auto">
+          <a:xfrm>
+            <a:off x="1" y="2476500"/>
+            <a:ext cx="9144000" cy="1905000"/>
+          </a:xfrm>
+          <a:prstGeom prst="rect">
+            <a:avLst/>
+          </a:prstGeom>
+          <a:noFill/>
+          <a:ln>
+            <a:noFill/>
+          </a:ln>
+          <a:effectLst/>
+          <a:extLst>
+            <a:ext uri="{909E8E84-426E-40DD-AFC4-6F175D3DCCD1}">
+              <a14:hiddenFill xmlns:a14="http://schemas.microsoft.com/office/drawing/2010/main">
+                <a:solidFill>
+                  <a:schemeClr val="accent1"/>
+                </a:solidFill>
+              </a14:hiddenFill>
+            </a:ext>
+            <a:ext uri="{91240B29-F687-4F45-9708-019B960494DF}">
+              <a14:hiddenLine xmlns:a14="http://schemas.microsoft.com/office/drawing/2010/main" w="9525">
+                <a:solidFill>
+                  <a:schemeClr val="tx1"/>
+                </a:solidFill>
+                <a:miter lim="800000"/>
+                <a:headEnd/>
+                <a:tailEnd/>
+              </a14:hiddenLine>
+            </a:ext>
+            <a:ext uri="{AF507438-7753-43E0-B8FC-AC1667EBCBE1}">
+              <a14:hiddenEffects xmlns:a14="http://schemas.microsoft.com/office/drawing/2010/main">
+                <a:effectLst>
+                  <a:outerShdw dist="35921" dir="2700000" algn="ctr" rotWithShape="0">
+                    <a:schemeClr val="bg2"/>
+                  </a:outerShdw>
+                </a:effectLst>
+              </a14:hiddenEffects>
+            </a:ext>
+          </a:extLst>
+        </p:spPr>
+      </p:pic>
+    </p:spTree>
+    <p:extLst>
+      <p:ext uri="{BB962C8B-B14F-4D97-AF65-F5344CB8AC3E}">
+        <p14:creationId xmlns:p14="http://schemas.microsoft.com/office/powerpoint/2010/main" val="1925101231"/>
+      </p:ext>
+    </p:extLst>
+  </p:cSld>
+  <p:clrMapOvr>
+    <a:masterClrMapping/>
+  </p:clrMapOvr>
+  <p:timing>
+    <p:tnLst>
+      <p:par>
+        <p:cTn id="1" dur="indefinite" restart="never" nodeType="tmRoot"/>
+      </p:par>
+    </p:tnLst>
+  </p:timing>
+</p:sld>
+</file>
+
+<file path=ppt/slides/slide16.xml><?xml version="1.0" encoding="utf-8"?>
+<p:sld xmlns:a="http://schemas.openxmlformats.org/drawingml/2006/main" xmlns:r="http://schemas.openxmlformats.org/officeDocument/2006/relationships" xmlns:p="http://schemas.openxmlformats.org/presentationml/2006/main">
+  <p:cSld>
+    <p:spTree>
+      <p:nvGrpSpPr>
+        <p:cNvPr id="1" name=""/>
+        <p:cNvGrpSpPr/>
+        <p:nvPr/>
+      </p:nvGrpSpPr>
+      <p:grpSpPr>
+        <a:xfrm>
+          <a:off x="0" y="0"/>
+          <a:ext cx="0" cy="0"/>
+          <a:chOff x="0" y="0"/>
+          <a:chExt cx="0" cy="0"/>
+        </a:xfrm>
+      </p:grpSpPr>
+      <p:sp>
+        <p:nvSpPr>
+          <p:cNvPr id="4" name="Rectangle 3"/>
+          <p:cNvSpPr/>
+          <p:nvPr/>
+        </p:nvSpPr>
+        <p:spPr>
+          <a:xfrm>
+            <a:off x="12569" y="76200"/>
+            <a:ext cx="2481770" cy="430887"/>
+          </a:xfrm>
+          <a:prstGeom prst="rect">
+            <a:avLst/>
+          </a:prstGeom>
+        </p:spPr>
+        <p:txBody>
+          <a:bodyPr wrap="none">
+            <a:spAutoFit/>
+          </a:bodyPr>
+          <a:lstStyle/>
+          <a:p>
+            <a:r>
+              <a:rPr lang="vi-VN" sz="2200" b="1" dirty="0">
+                <a:solidFill>
+                  <a:srgbClr val="FF0000"/>
+                </a:solidFill>
+                <a:latin typeface="Times New Roman" pitchFamily="18" charset="0"/>
+                <a:cs typeface="Times New Roman" pitchFamily="18" charset="0"/>
+              </a:rPr>
+              <a:t>Tạo giao diên động</a:t>
+            </a:r>
+            <a:endParaRPr lang="en-US" sz="2200" b="1" dirty="0">
+              <a:solidFill>
+                <a:srgbClr val="FF0000"/>
+              </a:solidFill>
+              <a:latin typeface="Times New Roman" pitchFamily="18" charset="0"/>
+              <a:cs typeface="Times New Roman" pitchFamily="18" charset="0"/>
+            </a:endParaRPr>
+          </a:p>
+        </p:txBody>
+      </p:sp>
+      <p:sp>
+        <p:nvSpPr>
+          <p:cNvPr id="6" name="Rectangle 5"/>
+          <p:cNvSpPr/>
+          <p:nvPr/>
+        </p:nvSpPr>
+        <p:spPr>
+          <a:xfrm>
+            <a:off x="600174" y="563251"/>
+            <a:ext cx="2749471" cy="430887"/>
+          </a:xfrm>
+          <a:prstGeom prst="rect">
+            <a:avLst/>
+          </a:prstGeom>
+        </p:spPr>
+        <p:txBody>
+          <a:bodyPr wrap="none">
+            <a:spAutoFit/>
+          </a:bodyPr>
+          <a:lstStyle/>
+          <a:p>
+            <a:pPr marL="285750" indent="-285750">
+              <a:buFont typeface="Wingdings" pitchFamily="2" charset="2"/>
+              <a:buChar char="§"/>
+            </a:pPr>
+            <a:r>
+              <a:rPr lang="en-US" sz="2200" dirty="0" err="1">
+                <a:latin typeface="Times New Roman" pitchFamily="18" charset="0"/>
+                <a:cs typeface="Times New Roman" pitchFamily="18" charset="0"/>
+              </a:rPr>
+              <a:t>Sử</a:t>
+            </a:r>
+            <a:r>
+              <a:rPr lang="en-US" sz="2200" dirty="0">
+                <a:latin typeface="Times New Roman" pitchFamily="18" charset="0"/>
+                <a:cs typeface="Times New Roman" pitchFamily="18" charset="0"/>
+              </a:rPr>
+              <a:t> </a:t>
+            </a:r>
+            <a:r>
+              <a:rPr lang="en-US" sz="2200" dirty="0" err="1">
+                <a:latin typeface="Times New Roman" pitchFamily="18" charset="0"/>
+                <a:cs typeface="Times New Roman" pitchFamily="18" charset="0"/>
+              </a:rPr>
+              <a:t>dụng</a:t>
+            </a:r>
+            <a:r>
+              <a:rPr lang="en-US" sz="2200" dirty="0">
+                <a:latin typeface="Times New Roman" pitchFamily="18" charset="0"/>
+                <a:cs typeface="Times New Roman" pitchFamily="18" charset="0"/>
+              </a:rPr>
+              <a:t> Fragments.</a:t>
+            </a:r>
+          </a:p>
+        </p:txBody>
+      </p:sp>
+      <p:pic>
+        <p:nvPicPr>
+          <p:cNvPr id="10242" name="Picture 2"/>
+          <p:cNvPicPr>
+            <a:picLocks noChangeAspect="1" noChangeArrowheads="1"/>
+          </p:cNvPicPr>
+          <p:nvPr/>
+        </p:nvPicPr>
+        <p:blipFill>
+          <a:blip r:embed="rId2">
+            <a:extLst>
+              <a:ext uri="{28A0092B-C50C-407E-A947-70E740481C1C}">
+                <a14:useLocalDpi xmlns:a14="http://schemas.microsoft.com/office/drawing/2010/main" val="0"/>
+              </a:ext>
+            </a:extLst>
+          </a:blip>
+          <a:srcRect/>
+          <a:stretch>
+            <a:fillRect/>
+          </a:stretch>
+        </p:blipFill>
+        <p:spPr bwMode="auto">
+          <a:xfrm>
+            <a:off x="0" y="1066801"/>
+            <a:ext cx="9144000" cy="4343400"/>
+          </a:xfrm>
+          <a:prstGeom prst="rect">
+            <a:avLst/>
+          </a:prstGeom>
+          <a:noFill/>
+          <a:ln>
+            <a:noFill/>
+          </a:ln>
+          <a:effectLst/>
+          <a:extLst>
+            <a:ext uri="{909E8E84-426E-40DD-AFC4-6F175D3DCCD1}">
+              <a14:hiddenFill xmlns:a14="http://schemas.microsoft.com/office/drawing/2010/main">
+                <a:solidFill>
+                  <a:schemeClr val="accent1"/>
+                </a:solidFill>
+              </a14:hiddenFill>
+            </a:ext>
+            <a:ext uri="{91240B29-F687-4F45-9708-019B960494DF}">
+              <a14:hiddenLine xmlns:a14="http://schemas.microsoft.com/office/drawing/2010/main" w="9525">
+                <a:solidFill>
+                  <a:schemeClr val="tx1"/>
+                </a:solidFill>
+                <a:miter lim="800000"/>
+                <a:headEnd/>
+                <a:tailEnd/>
+              </a14:hiddenLine>
+            </a:ext>
+            <a:ext uri="{AF507438-7753-43E0-B8FC-AC1667EBCBE1}">
+              <a14:hiddenEffects xmlns:a14="http://schemas.microsoft.com/office/drawing/2010/main">
+                <a:effectLst>
+                  <a:outerShdw dist="35921" dir="2700000" algn="ctr" rotWithShape="0">
+                    <a:schemeClr val="bg2"/>
+                  </a:outerShdw>
+                </a:effectLst>
+              </a14:hiddenEffects>
+            </a:ext>
+          </a:extLst>
+        </p:spPr>
+      </p:pic>
+      <p:pic>
+        <p:nvPicPr>
+          <p:cNvPr id="10243" name="Picture 3"/>
+          <p:cNvPicPr>
+            <a:picLocks noChangeAspect="1" noChangeArrowheads="1"/>
+          </p:cNvPicPr>
+          <p:nvPr/>
+        </p:nvPicPr>
+        <p:blipFill>
+          <a:blip r:embed="rId3">
+            <a:extLst>
+              <a:ext uri="{28A0092B-C50C-407E-A947-70E740481C1C}">
+                <a14:useLocalDpi xmlns:a14="http://schemas.microsoft.com/office/drawing/2010/main" val="0"/>
+              </a:ext>
+            </a:extLst>
+          </a:blip>
+          <a:srcRect/>
+          <a:stretch>
+            <a:fillRect/>
+          </a:stretch>
+        </p:blipFill>
+        <p:spPr bwMode="auto">
+          <a:xfrm>
+            <a:off x="1371600" y="5426698"/>
+            <a:ext cx="5835228" cy="1700212"/>
+          </a:xfrm>
+          <a:prstGeom prst="rect">
+            <a:avLst/>
+          </a:prstGeom>
+          <a:noFill/>
+          <a:ln>
+            <a:noFill/>
+          </a:ln>
+          <a:effectLst/>
+          <a:extLst>
+            <a:ext uri="{909E8E84-426E-40DD-AFC4-6F175D3DCCD1}">
+              <a14:hiddenFill xmlns:a14="http://schemas.microsoft.com/office/drawing/2010/main">
+                <a:solidFill>
+                  <a:schemeClr val="accent1"/>
+                </a:solidFill>
+              </a14:hiddenFill>
+            </a:ext>
+            <a:ext uri="{91240B29-F687-4F45-9708-019B960494DF}">
+              <a14:hiddenLine xmlns:a14="http://schemas.microsoft.com/office/drawing/2010/main" w="9525">
+                <a:solidFill>
+                  <a:schemeClr val="tx1"/>
+                </a:solidFill>
+                <a:miter lim="800000"/>
+                <a:headEnd/>
+                <a:tailEnd/>
+              </a14:hiddenLine>
+            </a:ext>
+            <a:ext uri="{AF507438-7753-43E0-B8FC-AC1667EBCBE1}">
+              <a14:hiddenEffects xmlns:a14="http://schemas.microsoft.com/office/drawing/2010/main">
+                <a:effectLst>
+                  <a:outerShdw dist="35921" dir="2700000" algn="ctr" rotWithShape="0">
+                    <a:schemeClr val="bg2"/>
+                  </a:outerShdw>
+                </a:effectLst>
+              </a14:hiddenEffects>
+            </a:ext>
+          </a:extLst>
+        </p:spPr>
+      </p:pic>
+    </p:spTree>
+    <p:extLst>
+      <p:ext uri="{BB962C8B-B14F-4D97-AF65-F5344CB8AC3E}">
+        <p14:creationId xmlns:p14="http://schemas.microsoft.com/office/powerpoint/2010/main" val="4113641961"/>
+      </p:ext>
+    </p:extLst>
+  </p:cSld>
+  <p:clrMapOvr>
+    <a:masterClrMapping/>
+  </p:clrMapOvr>
+  <p:timing>
+    <p:tnLst>
+      <p:par>
+        <p:cTn id="1" dur="indefinite" restart="never" nodeType="tmRoot"/>
+      </p:par>
+    </p:tnLst>
+  </p:timing>
+</p:sld>
+</file>
+
+<file path=ppt/slides/slide17.xml><?xml version="1.0" encoding="utf-8"?>
+<p:sld xmlns:a="http://schemas.openxmlformats.org/drawingml/2006/main" xmlns:r="http://schemas.openxmlformats.org/officeDocument/2006/relationships" xmlns:p="http://schemas.openxmlformats.org/presentationml/2006/main">
+  <p:cSld>
+    <p:spTree>
+      <p:nvGrpSpPr>
+        <p:cNvPr id="1" name=""/>
+        <p:cNvGrpSpPr/>
+        <p:nvPr/>
+      </p:nvGrpSpPr>
+      <p:grpSpPr>
+        <a:xfrm>
+          <a:off x="0" y="0"/>
+          <a:ext cx="0" cy="0"/>
+          <a:chOff x="0" y="0"/>
+          <a:chExt cx="0" cy="0"/>
+        </a:xfrm>
+      </p:grpSpPr>
+    </p:spTree>
+    <p:extLst>
+      <p:ext uri="{BB962C8B-B14F-4D97-AF65-F5344CB8AC3E}">
+        <p14:creationId xmlns:p14="http://schemas.microsoft.com/office/powerpoint/2010/main" val="3027889405"/>
+      </p:ext>
+    </p:extLst>
+  </p:cSld>
+  <p:clrMapOvr>
+    <a:masterClrMapping/>
+  </p:clrMapOvr>
+  <p:timing>
+    <p:tnLst>
+      <p:par>
+        <p:cTn id="1" dur="indefinite" restart="never" nodeType="tmRoot"/>
+      </p:par>
+    </p:tnLst>
+  </p:timing>
+</p:sld>
+</file>
+
+<file path=ppt/slides/slide18.xml><?xml version="1.0" encoding="utf-8"?>
+<p:sld xmlns:a="http://schemas.openxmlformats.org/drawingml/2006/main" xmlns:r="http://schemas.openxmlformats.org/officeDocument/2006/relationships" xmlns:p="http://schemas.openxmlformats.org/presentationml/2006/main">
+  <p:cSld>
+    <p:spTree>
+      <p:nvGrpSpPr>
+        <p:cNvPr id="1" name=""/>
+        <p:cNvGrpSpPr/>
+        <p:nvPr/>
+      </p:nvGrpSpPr>
+      <p:grpSpPr>
+        <a:xfrm>
+          <a:off x="0" y="0"/>
+          <a:ext cx="0" cy="0"/>
+          <a:chOff x="0" y="0"/>
+          <a:chExt cx="0" cy="0"/>
+        </a:xfrm>
+      </p:grpSpPr>
+    </p:spTree>
+    <p:extLst>
+      <p:ext uri="{BB962C8B-B14F-4D97-AF65-F5344CB8AC3E}">
+        <p14:creationId xmlns:p14="http://schemas.microsoft.com/office/powerpoint/2010/main" val="3598052098"/>
+      </p:ext>
+    </p:extLst>
+  </p:cSld>
+  <p:clrMapOvr>
+    <a:masterClrMapping/>
+  </p:clrMapOvr>
+  <p:timing>
+    <p:tnLst>
+      <p:par>
+        <p:cTn id="1" dur="indefinite" restart="never" nodeType="tmRoot"/>
+      </p:par>
+    </p:tnLst>
+  </p:timing>
+</p:sld>
+</file>
+
+<file path=ppt/slides/slide19.xml><?xml version="1.0" encoding="utf-8"?>
+<p:sld xmlns:a="http://schemas.openxmlformats.org/drawingml/2006/main" xmlns:r="http://schemas.openxmlformats.org/officeDocument/2006/relationships" xmlns:p="http://schemas.openxmlformats.org/presentationml/2006/main">
+  <p:cSld>
+    <p:spTree>
+      <p:nvGrpSpPr>
+        <p:cNvPr id="1" name=""/>
+        <p:cNvGrpSpPr/>
+        <p:nvPr/>
+      </p:nvGrpSpPr>
+      <p:grpSpPr>
+        <a:xfrm>
+          <a:off x="0" y="0"/>
+          <a:ext cx="0" cy="0"/>
+          <a:chOff x="0" y="0"/>
+          <a:chExt cx="0" cy="0"/>
+        </a:xfrm>
+      </p:grpSpPr>
+    </p:spTree>
+    <p:extLst>
+      <p:ext uri="{BB962C8B-B14F-4D97-AF65-F5344CB8AC3E}">
+        <p14:creationId xmlns:p14="http://schemas.microsoft.com/office/powerpoint/2010/main" val="413268785"/>
+      </p:ext>
+    </p:extLst>
+  </p:cSld>
+  <p:clrMapOvr>
+    <a:masterClrMapping/>
+  </p:clrMapOvr>
+</p:sld>
+</file>
+
+<file path=ppt/slides/slide2.xml><?xml version="1.0" encoding="utf-8"?>
+<p:sld xmlns:a="http://schemas.openxmlformats.org/drawingml/2006/main" xmlns:r="http://schemas.openxmlformats.org/officeDocument/2006/relationships" xmlns:p="http://schemas.openxmlformats.org/presentationml/2006/main">
+  <p:cSld>
+    <p:spTree>
+      <p:nvGrpSpPr>
+        <p:cNvPr id="1" name=""/>
+        <p:cNvGrpSpPr/>
+        <p:nvPr/>
+      </p:nvGrpSpPr>
+      <p:grpSpPr>
+        <a:xfrm>
+          <a:off x="0" y="0"/>
+          <a:ext cx="0" cy="0"/>
+          <a:chOff x="0" y="0"/>
+          <a:chExt cx="0" cy="0"/>
+        </a:xfrm>
+      </p:grpSpPr>
+      <p:sp>
+        <p:nvSpPr>
+          <p:cNvPr id="4" name="TextBox 3"/>
+          <p:cNvSpPr txBox="1"/>
+          <p:nvPr/>
+        </p:nvSpPr>
+        <p:spPr>
+          <a:xfrm>
+            <a:off x="17282" y="355234"/>
+            <a:ext cx="4237891" cy="369332"/>
+          </a:xfrm>
+          <a:prstGeom prst="rect">
+            <a:avLst/>
+          </a:prstGeom>
+          <a:noFill/>
+        </p:spPr>
+        <p:txBody>
+          <a:bodyPr wrap="none" rtlCol="0">
+            <a:spAutoFit/>
+          </a:bodyPr>
+          <a:lstStyle/>
+          <a:p>
+            <a:r>
+              <a:rPr lang="en-US" dirty="0" smtClean="0">
+                <a:solidFill>
+                  <a:srgbClr val="FF0000"/>
+                </a:solidFill>
+                <a:latin typeface="Times New Roman" pitchFamily="18" charset="0"/>
+                <a:cs typeface="Times New Roman" pitchFamily="18" charset="0"/>
+              </a:rPr>
+              <a:t>PHẦN A: </a:t>
+            </a:r>
+            <a:r>
+              <a:rPr lang="en-US" dirty="0" err="1" smtClean="0">
+                <a:solidFill>
+                  <a:srgbClr val="FF0000"/>
+                </a:solidFill>
+                <a:latin typeface="Times New Roman" pitchFamily="18" charset="0"/>
+                <a:cs typeface="Times New Roman" pitchFamily="18" charset="0"/>
+              </a:rPr>
+              <a:t>HelloWord</a:t>
+            </a:r>
+            <a:r>
+              <a:rPr lang="en-US" dirty="0" smtClean="0">
+                <a:solidFill>
+                  <a:srgbClr val="FF0000"/>
+                </a:solidFill>
+                <a:latin typeface="Times New Roman" pitchFamily="18" charset="0"/>
+                <a:cs typeface="Times New Roman" pitchFamily="18" charset="0"/>
+              </a:rPr>
+              <a:t>- </a:t>
+            </a:r>
+            <a:r>
+              <a:rPr lang="en-US" dirty="0" err="1" smtClean="0">
+                <a:solidFill>
+                  <a:srgbClr val="FF0000"/>
+                </a:solidFill>
+                <a:latin typeface="Times New Roman" pitchFamily="18" charset="0"/>
+                <a:cs typeface="Times New Roman" pitchFamily="18" charset="0"/>
+              </a:rPr>
+              <a:t>Các</a:t>
+            </a:r>
+            <a:r>
+              <a:rPr lang="en-US" dirty="0" smtClean="0">
+                <a:solidFill>
+                  <a:srgbClr val="FF0000"/>
+                </a:solidFill>
+                <a:latin typeface="Times New Roman" pitchFamily="18" charset="0"/>
+                <a:cs typeface="Times New Roman" pitchFamily="18" charset="0"/>
+              </a:rPr>
+              <a:t> </a:t>
+            </a:r>
+            <a:r>
+              <a:rPr lang="en-US" dirty="0" err="1" smtClean="0">
+                <a:solidFill>
+                  <a:srgbClr val="FF0000"/>
+                </a:solidFill>
+                <a:latin typeface="Times New Roman" pitchFamily="18" charset="0"/>
+                <a:cs typeface="Times New Roman" pitchFamily="18" charset="0"/>
+              </a:rPr>
+              <a:t>vấn</a:t>
+            </a:r>
+            <a:r>
+              <a:rPr lang="en-US" dirty="0" smtClean="0">
+                <a:solidFill>
+                  <a:srgbClr val="FF0000"/>
+                </a:solidFill>
+                <a:latin typeface="Times New Roman" pitchFamily="18" charset="0"/>
+                <a:cs typeface="Times New Roman" pitchFamily="18" charset="0"/>
+              </a:rPr>
+              <a:t> </a:t>
+            </a:r>
+            <a:r>
+              <a:rPr lang="en-US" dirty="0" err="1" smtClean="0">
+                <a:solidFill>
+                  <a:srgbClr val="FF0000"/>
+                </a:solidFill>
+                <a:latin typeface="Times New Roman" pitchFamily="18" charset="0"/>
+                <a:cs typeface="Times New Roman" pitchFamily="18" charset="0"/>
+              </a:rPr>
+              <a:t>đề</a:t>
+            </a:r>
+            <a:r>
+              <a:rPr lang="en-US" dirty="0" smtClean="0">
+                <a:solidFill>
+                  <a:srgbClr val="FF0000"/>
+                </a:solidFill>
+                <a:latin typeface="Times New Roman" pitchFamily="18" charset="0"/>
+                <a:cs typeface="Times New Roman" pitchFamily="18" charset="0"/>
+              </a:rPr>
+              <a:t> </a:t>
+            </a:r>
+            <a:r>
+              <a:rPr lang="en-US" dirty="0" err="1" smtClean="0">
+                <a:solidFill>
+                  <a:srgbClr val="FF0000"/>
+                </a:solidFill>
+                <a:latin typeface="Times New Roman" pitchFamily="18" charset="0"/>
+                <a:cs typeface="Times New Roman" pitchFamily="18" charset="0"/>
+              </a:rPr>
+              <a:t>liên</a:t>
+            </a:r>
+            <a:r>
+              <a:rPr lang="en-US" dirty="0" smtClean="0">
+                <a:solidFill>
+                  <a:srgbClr val="FF0000"/>
+                </a:solidFill>
+                <a:latin typeface="Times New Roman" pitchFamily="18" charset="0"/>
+                <a:cs typeface="Times New Roman" pitchFamily="18" charset="0"/>
+              </a:rPr>
+              <a:t> </a:t>
+            </a:r>
+            <a:r>
+              <a:rPr lang="en-US" dirty="0" err="1" smtClean="0">
+                <a:solidFill>
+                  <a:srgbClr val="FF0000"/>
+                </a:solidFill>
+                <a:latin typeface="Times New Roman" pitchFamily="18" charset="0"/>
+                <a:cs typeface="Times New Roman" pitchFamily="18" charset="0"/>
+              </a:rPr>
+              <a:t>quan</a:t>
+            </a:r>
+            <a:endParaRPr lang="en-US" dirty="0">
+              <a:solidFill>
+                <a:srgbClr val="FF0000"/>
+              </a:solidFill>
+              <a:latin typeface="Times New Roman" pitchFamily="18" charset="0"/>
+              <a:cs typeface="Times New Roman" pitchFamily="18" charset="0"/>
+            </a:endParaRPr>
+          </a:p>
+        </p:txBody>
+      </p:sp>
+      <p:sp>
+        <p:nvSpPr>
+          <p:cNvPr id="5" name="Rectangle 4"/>
+          <p:cNvSpPr/>
+          <p:nvPr/>
+        </p:nvSpPr>
+        <p:spPr>
+          <a:xfrm>
+            <a:off x="228600" y="1547244"/>
+            <a:ext cx="1189749" cy="400110"/>
+          </a:xfrm>
+          <a:prstGeom prst="rect">
+            <a:avLst/>
+          </a:prstGeom>
+        </p:spPr>
+        <p:txBody>
+          <a:bodyPr wrap="none">
+            <a:spAutoFit/>
+          </a:bodyPr>
+          <a:lstStyle/>
+          <a:p>
+            <a:r>
+              <a:rPr lang="en-US" sz="2000" b="1" dirty="0" err="1">
+                <a:latin typeface="Times New Roman" pitchFamily="18" charset="0"/>
+                <a:cs typeface="Times New Roman" pitchFamily="18" charset="0"/>
+              </a:rPr>
+              <a:t>Nội</a:t>
+            </a:r>
+            <a:r>
+              <a:rPr lang="en-US" sz="2000" b="1" dirty="0">
+                <a:latin typeface="Times New Roman" pitchFamily="18" charset="0"/>
+                <a:cs typeface="Times New Roman" pitchFamily="18" charset="0"/>
+              </a:rPr>
+              <a:t> dung</a:t>
+            </a:r>
+          </a:p>
+        </p:txBody>
+      </p:sp>
+      <p:sp>
+        <p:nvSpPr>
+          <p:cNvPr id="6" name="Rectangle 5"/>
+          <p:cNvSpPr/>
+          <p:nvPr/>
+        </p:nvSpPr>
+        <p:spPr>
+          <a:xfrm>
+            <a:off x="1066800" y="2198074"/>
+            <a:ext cx="3568862" cy="400110"/>
+          </a:xfrm>
+          <a:prstGeom prst="rect">
+            <a:avLst/>
+          </a:prstGeom>
+        </p:spPr>
+        <p:txBody>
+          <a:bodyPr wrap="none">
+            <a:spAutoFit/>
+          </a:bodyPr>
+          <a:lstStyle/>
+          <a:p>
+            <a:pPr marL="285750" indent="-285750">
+              <a:buFont typeface="Wingdings" pitchFamily="2" charset="2"/>
+              <a:buChar char="v"/>
+            </a:pPr>
+            <a:r>
+              <a:rPr lang="vi-VN" sz="2000" dirty="0">
+                <a:latin typeface="Times New Roman" pitchFamily="18" charset="0"/>
+                <a:cs typeface="Times New Roman" pitchFamily="18" charset="0"/>
+              </a:rPr>
+              <a:t>Căn bản về ứng dụng Android</a:t>
+            </a:r>
+            <a:endParaRPr lang="en-US" sz="2000" dirty="0">
+              <a:latin typeface="Times New Roman" pitchFamily="18" charset="0"/>
+              <a:cs typeface="Times New Roman" pitchFamily="18" charset="0"/>
+            </a:endParaRPr>
+          </a:p>
+        </p:txBody>
+      </p:sp>
+      <p:sp>
+        <p:nvSpPr>
+          <p:cNvPr id="7" name="Rectangle 6"/>
+          <p:cNvSpPr/>
+          <p:nvPr/>
+        </p:nvSpPr>
+        <p:spPr>
+          <a:xfrm>
+            <a:off x="1066800" y="2911195"/>
+            <a:ext cx="3435812" cy="400110"/>
+          </a:xfrm>
+          <a:prstGeom prst="rect">
+            <a:avLst/>
+          </a:prstGeom>
+        </p:spPr>
+        <p:txBody>
+          <a:bodyPr wrap="none">
+            <a:spAutoFit/>
+          </a:bodyPr>
+          <a:lstStyle/>
+          <a:p>
+            <a:pPr marL="285750" indent="-285750">
+              <a:buFont typeface="Wingdings" pitchFamily="2" charset="2"/>
+              <a:buChar char="v"/>
+            </a:pPr>
+            <a:r>
+              <a:rPr lang="vi-VN" sz="2000" dirty="0">
+                <a:latin typeface="Times New Roman" pitchFamily="18" charset="0"/>
+                <a:cs typeface="Times New Roman" pitchFamily="18" charset="0"/>
+              </a:rPr>
+              <a:t>Ứng dụng Android đơn giản.</a:t>
+            </a:r>
+            <a:endParaRPr lang="en-US" sz="2000" dirty="0">
+              <a:latin typeface="Times New Roman" pitchFamily="18" charset="0"/>
+              <a:cs typeface="Times New Roman" pitchFamily="18" charset="0"/>
+            </a:endParaRPr>
+          </a:p>
+        </p:txBody>
+      </p:sp>
+    </p:spTree>
+    <p:extLst>
+      <p:ext uri="{BB962C8B-B14F-4D97-AF65-F5344CB8AC3E}">
+        <p14:creationId xmlns:p14="http://schemas.microsoft.com/office/powerpoint/2010/main" val="215996622"/>
+      </p:ext>
+    </p:extLst>
+  </p:cSld>
+  <p:clrMapOvr>
+    <a:masterClrMapping/>
+  </p:clrMapOvr>
+  <p:timing>
+    <p:tnLst>
+      <p:par>
+        <p:cTn id="1" dur="indefinite" restart="never" nodeType="tmRoot"/>
+      </p:par>
+    </p:tnLst>
+  </p:timing>
+</p:sld>
+</file>
+
+<file path=ppt/slides/slide20.xml><?xml version="1.0" encoding="utf-8"?>
+<p:sld xmlns:a="http://schemas.openxmlformats.org/drawingml/2006/main" xmlns:r="http://schemas.openxmlformats.org/officeDocument/2006/relationships" xmlns:p="http://schemas.openxmlformats.org/presentationml/2006/main">
+  <p:cSld>
+    <p:spTree>
+      <p:nvGrpSpPr>
+        <p:cNvPr id="1" name=""/>
+        <p:cNvGrpSpPr/>
+        <p:nvPr/>
+      </p:nvGrpSpPr>
+      <p:grpSpPr>
+        <a:xfrm>
+          <a:off x="0" y="0"/>
+          <a:ext cx="0" cy="0"/>
+          <a:chOff x="0" y="0"/>
+          <a:chExt cx="0" cy="0"/>
+        </a:xfrm>
+      </p:grpSpPr>
+    </p:spTree>
+    <p:extLst>
+      <p:ext uri="{BB962C8B-B14F-4D97-AF65-F5344CB8AC3E}">
+        <p14:creationId xmlns:p14="http://schemas.microsoft.com/office/powerpoint/2010/main" val="2853518453"/>
+      </p:ext>
+    </p:extLst>
+  </p:cSld>
+  <p:clrMapOvr>
+    <a:masterClrMapping/>
+  </p:clrMapOvr>
+</p:sld>
+</file>
+
+<file path=ppt/slides/slide21.xml><?xml version="1.0" encoding="utf-8"?>
+<p:sld xmlns:a="http://schemas.openxmlformats.org/drawingml/2006/main" xmlns:r="http://schemas.openxmlformats.org/officeDocument/2006/relationships" xmlns:p="http://schemas.openxmlformats.org/presentationml/2006/main">
+  <p:cSld>
+    <p:spTree>
+      <p:nvGrpSpPr>
+        <p:cNvPr id="1" name=""/>
+        <p:cNvGrpSpPr/>
+        <p:nvPr/>
+      </p:nvGrpSpPr>
+      <p:grpSpPr>
+        <a:xfrm>
+          <a:off x="0" y="0"/>
+          <a:ext cx="0" cy="0"/>
+          <a:chOff x="0" y="0"/>
+          <a:chExt cx="0" cy="0"/>
+        </a:xfrm>
+      </p:grpSpPr>
+    </p:spTree>
+    <p:extLst>
+      <p:ext uri="{BB962C8B-B14F-4D97-AF65-F5344CB8AC3E}">
+        <p14:creationId xmlns:p14="http://schemas.microsoft.com/office/powerpoint/2010/main" val="1362313330"/>
+      </p:ext>
+    </p:extLst>
+  </p:cSld>
+  <p:clrMapOvr>
+    <a:masterClrMapping/>
+  </p:clrMapOvr>
+</p:sld>
+</file>
+
+<file path=ppt/slides/slide22.xml><?xml version="1.0" encoding="utf-8"?>
+<p:sld xmlns:a="http://schemas.openxmlformats.org/drawingml/2006/main" xmlns:r="http://schemas.openxmlformats.org/officeDocument/2006/relationships" xmlns:p="http://schemas.openxmlformats.org/presentationml/2006/main">
+  <p:cSld>
+    <p:spTree>
+      <p:nvGrpSpPr>
+        <p:cNvPr id="1" name=""/>
+        <p:cNvGrpSpPr/>
+        <p:nvPr/>
+      </p:nvGrpSpPr>
+      <p:grpSpPr>
+        <a:xfrm>
+          <a:off x="0" y="0"/>
+          <a:ext cx="0" cy="0"/>
+          <a:chOff x="0" y="0"/>
+          <a:chExt cx="0" cy="0"/>
+        </a:xfrm>
+      </p:grpSpPr>
+    </p:spTree>
+    <p:extLst>
+      <p:ext uri="{BB962C8B-B14F-4D97-AF65-F5344CB8AC3E}">
+        <p14:creationId xmlns:p14="http://schemas.microsoft.com/office/powerpoint/2010/main" val="2765079386"/>
+      </p:ext>
+    </p:extLst>
+  </p:cSld>
+  <p:clrMapOvr>
+    <a:masterClrMapping/>
+  </p:clrMapOvr>
+</p:sld>
+</file>
+
+<file path=ppt/slides/slide23.xml><?xml version="1.0" encoding="utf-8"?>
+<p:sld xmlns:a="http://schemas.openxmlformats.org/drawingml/2006/main" xmlns:r="http://schemas.openxmlformats.org/officeDocument/2006/relationships" xmlns:p="http://schemas.openxmlformats.org/presentationml/2006/main">
+  <p:cSld>
+    <p:spTree>
+      <p:nvGrpSpPr>
+        <p:cNvPr id="1" name=""/>
+        <p:cNvGrpSpPr/>
+        <p:nvPr/>
+      </p:nvGrpSpPr>
+      <p:grpSpPr>
+        <a:xfrm>
+          <a:off x="0" y="0"/>
+          <a:ext cx="0" cy="0"/>
+          <a:chOff x="0" y="0"/>
+          <a:chExt cx="0" cy="0"/>
+        </a:xfrm>
+      </p:grpSpPr>
+    </p:spTree>
+    <p:extLst>
+      <p:ext uri="{BB962C8B-B14F-4D97-AF65-F5344CB8AC3E}">
+        <p14:creationId xmlns:p14="http://schemas.microsoft.com/office/powerpoint/2010/main" val="2958174846"/>
+      </p:ext>
+    </p:extLst>
+  </p:cSld>
+  <p:clrMapOvr>
+    <a:masterClrMapping/>
+  </p:clrMapOvr>
+</p:sld>
+</file>
+
+<file path=ppt/slides/slide24.xml><?xml version="1.0" encoding="utf-8"?>
+<p:sld xmlns:a="http://schemas.openxmlformats.org/drawingml/2006/main" xmlns:r="http://schemas.openxmlformats.org/officeDocument/2006/relationships" xmlns:p="http://schemas.openxmlformats.org/presentationml/2006/main">
+  <p:cSld>
+    <p:spTree>
+      <p:nvGrpSpPr>
+        <p:cNvPr id="1" name=""/>
+        <p:cNvGrpSpPr/>
+        <p:nvPr/>
+      </p:nvGrpSpPr>
+      <p:grpSpPr>
+        <a:xfrm>
+          <a:off x="0" y="0"/>
+          <a:ext cx="0" cy="0"/>
+          <a:chOff x="0" y="0"/>
+          <a:chExt cx="0" cy="0"/>
+        </a:xfrm>
+      </p:grpSpPr>
+    </p:spTree>
+    <p:extLst>
+      <p:ext uri="{BB962C8B-B14F-4D97-AF65-F5344CB8AC3E}">
+        <p14:creationId xmlns:p14="http://schemas.microsoft.com/office/powerpoint/2010/main" val="3779629"/>
+      </p:ext>
+    </p:extLst>
+  </p:cSld>
+  <p:clrMapOvr>
+    <a:masterClrMapping/>
+  </p:clrMapOvr>
+</p:sld>
+</file>
+
+<file path=ppt/slides/slide25.xml><?xml version="1.0" encoding="utf-8"?>
+<p:sld xmlns:a="http://schemas.openxmlformats.org/drawingml/2006/main" xmlns:r="http://schemas.openxmlformats.org/officeDocument/2006/relationships" xmlns:p="http://schemas.openxmlformats.org/presentationml/2006/main">
+  <p:cSld>
+    <p:spTree>
+      <p:nvGrpSpPr>
+        <p:cNvPr id="1" name=""/>
+        <p:cNvGrpSpPr/>
+        <p:nvPr/>
+      </p:nvGrpSpPr>
+      <p:grpSpPr>
+        <a:xfrm>
+          <a:off x="0" y="0"/>
+          <a:ext cx="0" cy="0"/>
+          <a:chOff x="0" y="0"/>
+          <a:chExt cx="0" cy="0"/>
+        </a:xfrm>
+      </p:grpSpPr>
+    </p:spTree>
+    <p:extLst>
+      <p:ext uri="{BB962C8B-B14F-4D97-AF65-F5344CB8AC3E}">
+        <p14:creationId xmlns:p14="http://schemas.microsoft.com/office/powerpoint/2010/main" val="2004744060"/>
+      </p:ext>
+    </p:extLst>
+  </p:cSld>
+  <p:clrMapOvr>
+    <a:masterClrMapping/>
+  </p:clrMapOvr>
+</p:sld>
+</file>
+
+<file path=ppt/slides/slide26.xml><?xml version="1.0" encoding="utf-8"?>
+<p:sld xmlns:a="http://schemas.openxmlformats.org/drawingml/2006/main" xmlns:r="http://schemas.openxmlformats.org/officeDocument/2006/relationships" xmlns:p="http://schemas.openxmlformats.org/presentationml/2006/main">
+  <p:cSld>
+    <p:spTree>
+      <p:nvGrpSpPr>
+        <p:cNvPr id="1" name=""/>
+        <p:cNvGrpSpPr/>
+        <p:nvPr/>
+      </p:nvGrpSpPr>
+      <p:grpSpPr>
+        <a:xfrm>
+          <a:off x="0" y="0"/>
+          <a:ext cx="0" cy="0"/>
+          <a:chOff x="0" y="0"/>
+          <a:chExt cx="0" cy="0"/>
+        </a:xfrm>
+      </p:grpSpPr>
+    </p:spTree>
+    <p:extLst>
+      <p:ext uri="{BB962C8B-B14F-4D97-AF65-F5344CB8AC3E}">
+        <p14:creationId xmlns:p14="http://schemas.microsoft.com/office/powerpoint/2010/main" val="205873441"/>
+      </p:ext>
+    </p:extLst>
+  </p:cSld>
+  <p:clrMapOvr>
+    <a:masterClrMapping/>
+  </p:clrMapOvr>
+</p:sld>
+</file>
+
+<file path=ppt/slides/slide27.xml><?xml version="1.0" encoding="utf-8"?>
+<p:sld xmlns:a="http://schemas.openxmlformats.org/drawingml/2006/main" xmlns:r="http://schemas.openxmlformats.org/officeDocument/2006/relationships" xmlns:p="http://schemas.openxmlformats.org/presentationml/2006/main">
+  <p:cSld>
+    <p:spTree>
+      <p:nvGrpSpPr>
+        <p:cNvPr id="1" name=""/>
+        <p:cNvGrpSpPr/>
+        <p:nvPr/>
+      </p:nvGrpSpPr>
+      <p:grpSpPr>
+        <a:xfrm>
+          <a:off x="0" y="0"/>
+          <a:ext cx="0" cy="0"/>
+          <a:chOff x="0" y="0"/>
+          <a:chExt cx="0" cy="0"/>
+        </a:xfrm>
+      </p:grpSpPr>
+    </p:spTree>
+    <p:extLst>
+      <p:ext uri="{BB962C8B-B14F-4D97-AF65-F5344CB8AC3E}">
+        <p14:creationId xmlns:p14="http://schemas.microsoft.com/office/powerpoint/2010/main" val="3048959057"/>
+      </p:ext>
+    </p:extLst>
+  </p:cSld>
+  <p:clrMapOvr>
+    <a:masterClrMapping/>
+  </p:clrMapOvr>
+</p:sld>
+</file>
+
+<file path=ppt/slides/slide28.xml><?xml version="1.0" encoding="utf-8"?>
+<p:sld xmlns:a="http://schemas.openxmlformats.org/drawingml/2006/main" xmlns:r="http://schemas.openxmlformats.org/officeDocument/2006/relationships" xmlns:p="http://schemas.openxmlformats.org/presentationml/2006/main">
+  <p:cSld>
+    <p:spTree>
+      <p:nvGrpSpPr>
+        <p:cNvPr id="1" name=""/>
+        <p:cNvGrpSpPr/>
+        <p:nvPr/>
+      </p:nvGrpSpPr>
+      <p:grpSpPr>
+        <a:xfrm>
+          <a:off x="0" y="0"/>
+          <a:ext cx="0" cy="0"/>
+          <a:chOff x="0" y="0"/>
+          <a:chExt cx="0" cy="0"/>
+        </a:xfrm>
+      </p:grpSpPr>
+    </p:spTree>
+    <p:extLst>
+      <p:ext uri="{BB962C8B-B14F-4D97-AF65-F5344CB8AC3E}">
+        <p14:creationId xmlns:p14="http://schemas.microsoft.com/office/powerpoint/2010/main" val="2490398894"/>
+      </p:ext>
+    </p:extLst>
+  </p:cSld>
+  <p:clrMapOvr>
+    <a:masterClrMapping/>
+  </p:clrMapOvr>
+</p:sld>
+</file>
+
+<file path=ppt/slides/slide29.xml><?xml version="1.0" encoding="utf-8"?>
+<p:sld xmlns:a="http://schemas.openxmlformats.org/drawingml/2006/main" xmlns:r="http://schemas.openxmlformats.org/officeDocument/2006/relationships" xmlns:p="http://schemas.openxmlformats.org/presentationml/2006/main">
+  <p:cSld>
+    <p:spTree>
+      <p:nvGrpSpPr>
+        <p:cNvPr id="1" name=""/>
+        <p:cNvGrpSpPr/>
+        <p:nvPr/>
+      </p:nvGrpSpPr>
+      <p:grpSpPr>
+        <a:xfrm>
+          <a:off x="0" y="0"/>
+          <a:ext cx="0" cy="0"/>
+          <a:chOff x="0" y="0"/>
+          <a:chExt cx="0" cy="0"/>
+        </a:xfrm>
+      </p:grpSpPr>
+    </p:spTree>
+    <p:extLst>
+      <p:ext uri="{BB962C8B-B14F-4D97-AF65-F5344CB8AC3E}">
+        <p14:creationId xmlns:p14="http://schemas.microsoft.com/office/powerpoint/2010/main" val="1995056849"/>
+      </p:ext>
+    </p:extLst>
+  </p:cSld>
+  <p:clrMapOvr>
+    <a:masterClrMapping/>
+  </p:clrMapOvr>
+</p:sld>
+</file>
+
+<file path=ppt/slides/slide3.xml><?xml version="1.0" encoding="utf-8"?>
+<p:sld xmlns:a="http://schemas.openxmlformats.org/drawingml/2006/main" xmlns:r="http://schemas.openxmlformats.org/officeDocument/2006/relationships" xmlns:p="http://schemas.openxmlformats.org/presentationml/2006/main">
+  <p:cSld>
+    <p:spTree>
+      <p:nvGrpSpPr>
+        <p:cNvPr id="1" name=""/>
+        <p:cNvGrpSpPr/>
+        <p:nvPr/>
+      </p:nvGrpSpPr>
+      <p:grpSpPr>
+        <a:xfrm>
+          <a:off x="0" y="0"/>
+          <a:ext cx="0" cy="0"/>
+          <a:chOff x="0" y="0"/>
+          <a:chExt cx="0" cy="0"/>
+        </a:xfrm>
+      </p:grpSpPr>
+      <p:sp>
+        <p:nvSpPr>
+          <p:cNvPr id="4" name="Rectangle 3"/>
+          <p:cNvSpPr/>
+          <p:nvPr/>
+        </p:nvSpPr>
+        <p:spPr>
+          <a:xfrm>
+            <a:off x="76200" y="152400"/>
+            <a:ext cx="4186402" cy="461665"/>
+          </a:xfrm>
+          <a:prstGeom prst="rect">
+            <a:avLst/>
+          </a:prstGeom>
+        </p:spPr>
+        <p:txBody>
+          <a:bodyPr wrap="none">
+            <a:spAutoFit/>
+          </a:bodyPr>
+          <a:lstStyle/>
+          <a:p>
+            <a:pPr marL="285750" indent="-285750">
+              <a:buFont typeface="Wingdings" pitchFamily="2" charset="2"/>
+              <a:buChar char="v"/>
+            </a:pPr>
+            <a:r>
+              <a:rPr lang="vi-VN" sz="2400" dirty="0">
+                <a:solidFill>
+                  <a:srgbClr val="FF0000"/>
+                </a:solidFill>
+                <a:latin typeface="Times New Roman" pitchFamily="18" charset="0"/>
+                <a:cs typeface="Times New Roman" pitchFamily="18" charset="0"/>
+              </a:rPr>
+              <a:t>Căn bản về ứng dụng Android</a:t>
+            </a:r>
+            <a:endParaRPr lang="en-US" sz="2400" dirty="0">
+              <a:solidFill>
+                <a:srgbClr val="FF0000"/>
+              </a:solidFill>
+              <a:latin typeface="Times New Roman" pitchFamily="18" charset="0"/>
+              <a:cs typeface="Times New Roman" pitchFamily="18" charset="0"/>
+            </a:endParaRPr>
+          </a:p>
+        </p:txBody>
+      </p:sp>
+      <p:sp>
+        <p:nvSpPr>
+          <p:cNvPr id="5" name="Rectangle 4"/>
+          <p:cNvSpPr/>
+          <p:nvPr/>
+        </p:nvSpPr>
+        <p:spPr>
+          <a:xfrm>
+            <a:off x="304800" y="1443841"/>
+            <a:ext cx="8686800" cy="3139321"/>
+          </a:xfrm>
+          <a:prstGeom prst="rect">
+            <a:avLst/>
+          </a:prstGeom>
+        </p:spPr>
+        <p:txBody>
+          <a:bodyPr wrap="square">
+            <a:spAutoFit/>
+          </a:bodyPr>
+          <a:lstStyle/>
+          <a:p>
+            <a:r>
+              <a:rPr lang="vi-VN" sz="2200" b="1" dirty="0" smtClean="0">
+                <a:latin typeface="Times New Roman" pitchFamily="18" charset="0"/>
+                <a:cs typeface="Times New Roman" pitchFamily="18" charset="0"/>
+              </a:rPr>
+              <a:t>Giới </a:t>
+            </a:r>
+            <a:r>
+              <a:rPr lang="vi-VN" sz="2200" b="1" dirty="0">
+                <a:latin typeface="Times New Roman" pitchFamily="18" charset="0"/>
+                <a:cs typeface="Times New Roman" pitchFamily="18" charset="0"/>
+              </a:rPr>
+              <a:t>thiệu</a:t>
+            </a:r>
+            <a:r>
+              <a:rPr lang="vi-VN" sz="2200" b="1" dirty="0" smtClean="0">
+                <a:latin typeface="Times New Roman" pitchFamily="18" charset="0"/>
+                <a:cs typeface="Times New Roman" pitchFamily="18" charset="0"/>
+              </a:rPr>
+              <a:t>:</a:t>
+            </a:r>
+            <a:endParaRPr lang="en-US" sz="2200" b="1" dirty="0" smtClean="0">
+              <a:latin typeface="Times New Roman" pitchFamily="18" charset="0"/>
+              <a:cs typeface="Times New Roman" pitchFamily="18" charset="0"/>
+            </a:endParaRPr>
+          </a:p>
+          <a:p>
+            <a:endParaRPr lang="vi-VN" sz="2200" dirty="0">
+              <a:latin typeface="Times New Roman" pitchFamily="18" charset="0"/>
+              <a:cs typeface="Times New Roman" pitchFamily="18" charset="0"/>
+            </a:endParaRPr>
+          </a:p>
+          <a:p>
+            <a:r>
+              <a:rPr lang="vi-VN" sz="2200" dirty="0">
+                <a:latin typeface="Times New Roman" pitchFamily="18" charset="0"/>
+                <a:cs typeface="Times New Roman" pitchFamily="18" charset="0"/>
+              </a:rPr>
+              <a:t>– Ứng dụng android được viết bằng ngôn ngữ java</a:t>
+            </a:r>
+          </a:p>
+          <a:p>
+            <a:r>
+              <a:rPr lang="vi-VN" sz="2200" dirty="0">
+                <a:latin typeface="Times New Roman" pitchFamily="18" charset="0"/>
+                <a:cs typeface="Times New Roman" pitchFamily="18" charset="0"/>
+              </a:rPr>
+              <a:t>– Android SDK là công cụ để biên dịch</a:t>
+            </a:r>
+          </a:p>
+          <a:p>
+            <a:r>
+              <a:rPr lang="vi-VN" sz="2200" dirty="0">
+                <a:latin typeface="Times New Roman" pitchFamily="18" charset="0"/>
+                <a:cs typeface="Times New Roman" pitchFamily="18" charset="0"/>
+              </a:rPr>
+              <a:t>– Ứng dụng được biên dịch thành 1 file *.apk</a:t>
+            </a:r>
+          </a:p>
+          <a:p>
+            <a:r>
+              <a:rPr lang="vi-VN" sz="2200" dirty="0">
+                <a:latin typeface="Times New Roman" pitchFamily="18" charset="0"/>
+                <a:cs typeface="Times New Roman" pitchFamily="18" charset="0"/>
+              </a:rPr>
+              <a:t>– Mỗi ứng dụng sử dụng cơ chế bảo mật sandbox của </a:t>
+            </a:r>
+            <a:r>
+              <a:rPr lang="vi-VN" sz="2200" dirty="0" smtClean="0">
+                <a:latin typeface="Times New Roman" pitchFamily="18" charset="0"/>
+                <a:cs typeface="Times New Roman" pitchFamily="18" charset="0"/>
+              </a:rPr>
+              <a:t>chính</a:t>
+            </a:r>
+          </a:p>
+          <a:p>
+            <a:r>
+              <a:rPr lang="vi-VN" sz="2200" dirty="0" smtClean="0">
+                <a:latin typeface="Times New Roman" pitchFamily="18" charset="0"/>
+                <a:cs typeface="Times New Roman" pitchFamily="18" charset="0"/>
+              </a:rPr>
+              <a:t>nó:</a:t>
+            </a:r>
+          </a:p>
+          <a:p>
+            <a:pPr marL="342900" indent="-342900">
+              <a:buFont typeface="Wingdings" pitchFamily="2" charset="2"/>
+              <a:buChar char="§"/>
+            </a:pPr>
+            <a:r>
+              <a:rPr lang="vi-VN" sz="2200" dirty="0" smtClean="0">
+                <a:latin typeface="Times New Roman" pitchFamily="18" charset="0"/>
+                <a:cs typeface="Times New Roman" pitchFamily="18" charset="0"/>
+              </a:rPr>
+              <a:t>Android là hệ thống đa user, mỗi ứng dụng là 1 user.</a:t>
+            </a:r>
+          </a:p>
+          <a:p>
+            <a:pPr marL="342900" indent="-342900">
+              <a:buFont typeface="Wingdings" pitchFamily="2" charset="2"/>
+              <a:buChar char="§"/>
+            </a:pPr>
+            <a:r>
+              <a:rPr lang="vi-VN" sz="2200" dirty="0" smtClean="0">
+                <a:latin typeface="Times New Roman" pitchFamily="18" charset="0"/>
+                <a:cs typeface="Times New Roman" pitchFamily="18" charset="0"/>
+              </a:rPr>
+              <a:t>Mỗi ứng dụng có 1 user ID, Android cấp quyền cho từng user ID</a:t>
+            </a:r>
+            <a:endParaRPr lang="en-US" sz="2200" dirty="0">
+              <a:latin typeface="Times New Roman" pitchFamily="18" charset="0"/>
+              <a:cs typeface="Times New Roman" pitchFamily="18" charset="0"/>
+            </a:endParaRPr>
+          </a:p>
+        </p:txBody>
+      </p:sp>
+    </p:spTree>
+    <p:extLst>
+      <p:ext uri="{BB962C8B-B14F-4D97-AF65-F5344CB8AC3E}">
+        <p14:creationId xmlns:p14="http://schemas.microsoft.com/office/powerpoint/2010/main" val="2991305053"/>
+      </p:ext>
+    </p:extLst>
+  </p:cSld>
+  <p:clrMapOvr>
+    <a:masterClrMapping/>
+  </p:clrMapOvr>
+  <p:timing>
+    <p:tnLst>
+      <p:par>
+        <p:cTn id="1" dur="indefinite" restart="never" nodeType="tmRoot"/>
+      </p:par>
+    </p:tnLst>
+  </p:timing>
+</p:sld>
+</file>
+
+<file path=ppt/slides/slide30.xml><?xml version="1.0" encoding="utf-8"?>
+<p:sld xmlns:a="http://schemas.openxmlformats.org/drawingml/2006/main" xmlns:r="http://schemas.openxmlformats.org/officeDocument/2006/relationships" xmlns:p="http://schemas.openxmlformats.org/presentationml/2006/main">
+  <p:cSld>
+    <p:spTree>
+      <p:nvGrpSpPr>
+        <p:cNvPr id="1" name=""/>
+        <p:cNvGrpSpPr/>
+        <p:nvPr/>
+      </p:nvGrpSpPr>
+      <p:grpSpPr>
+        <a:xfrm>
+          <a:off x="0" y="0"/>
+          <a:ext cx="0" cy="0"/>
+          <a:chOff x="0" y="0"/>
+          <a:chExt cx="0" cy="0"/>
+        </a:xfrm>
+      </p:grpSpPr>
+    </p:spTree>
+    <p:extLst>
+      <p:ext uri="{BB962C8B-B14F-4D97-AF65-F5344CB8AC3E}">
+        <p14:creationId xmlns:p14="http://schemas.microsoft.com/office/powerpoint/2010/main" val="4188717183"/>
+      </p:ext>
+    </p:extLst>
+  </p:cSld>
+  <p:clrMapOvr>
+    <a:masterClrMapping/>
+  </p:clrMapOvr>
+</p:sld>
+</file>
+
+<file path=ppt/slides/slide31.xml><?xml version="1.0" encoding="utf-8"?>
+<p:sld xmlns:a="http://schemas.openxmlformats.org/drawingml/2006/main" xmlns:r="http://schemas.openxmlformats.org/officeDocument/2006/relationships" xmlns:p="http://schemas.openxmlformats.org/presentationml/2006/main">
+  <p:cSld>
+    <p:spTree>
+      <p:nvGrpSpPr>
+        <p:cNvPr id="1" name=""/>
+        <p:cNvGrpSpPr/>
+        <p:nvPr/>
+      </p:nvGrpSpPr>
+      <p:grpSpPr>
+        <a:xfrm>
+          <a:off x="0" y="0"/>
+          <a:ext cx="0" cy="0"/>
+          <a:chOff x="0" y="0"/>
+          <a:chExt cx="0" cy="0"/>
+        </a:xfrm>
+      </p:grpSpPr>
+    </p:spTree>
+    <p:extLst>
+      <p:ext uri="{BB962C8B-B14F-4D97-AF65-F5344CB8AC3E}">
+        <p14:creationId xmlns:p14="http://schemas.microsoft.com/office/powerpoint/2010/main" val="795016437"/>
+      </p:ext>
+    </p:extLst>
+  </p:cSld>
+  <p:clrMapOvr>
+    <a:masterClrMapping/>
+  </p:clrMapOvr>
+</p:sld>
+</file>
+
+<file path=ppt/slides/slide32.xml><?xml version="1.0" encoding="utf-8"?>
+<p:sld xmlns:a="http://schemas.openxmlformats.org/drawingml/2006/main" xmlns:r="http://schemas.openxmlformats.org/officeDocument/2006/relationships" xmlns:p="http://schemas.openxmlformats.org/presentationml/2006/main">
+  <p:cSld>
+    <p:spTree>
+      <p:nvGrpSpPr>
+        <p:cNvPr id="1" name=""/>
+        <p:cNvGrpSpPr/>
+        <p:nvPr/>
+      </p:nvGrpSpPr>
+      <p:grpSpPr>
+        <a:xfrm>
+          <a:off x="0" y="0"/>
+          <a:ext cx="0" cy="0"/>
+          <a:chOff x="0" y="0"/>
+          <a:chExt cx="0" cy="0"/>
+        </a:xfrm>
+      </p:grpSpPr>
+    </p:spTree>
+    <p:extLst>
+      <p:ext uri="{BB962C8B-B14F-4D97-AF65-F5344CB8AC3E}">
+        <p14:creationId xmlns:p14="http://schemas.microsoft.com/office/powerpoint/2010/main" val="4035861222"/>
+      </p:ext>
+    </p:extLst>
+  </p:cSld>
+  <p:clrMapOvr>
+    <a:masterClrMapping/>
+  </p:clrMapOvr>
+</p:sld>
+</file>
+
+<file path=ppt/slides/slide33.xml><?xml version="1.0" encoding="utf-8"?>
+<p:sld xmlns:a="http://schemas.openxmlformats.org/drawingml/2006/main" xmlns:r="http://schemas.openxmlformats.org/officeDocument/2006/relationships" xmlns:p="http://schemas.openxmlformats.org/presentationml/2006/main">
+  <p:cSld>
+    <p:spTree>
+      <p:nvGrpSpPr>
+        <p:cNvPr id="1" name=""/>
+        <p:cNvGrpSpPr/>
+        <p:nvPr/>
+      </p:nvGrpSpPr>
+      <p:grpSpPr>
+        <a:xfrm>
+          <a:off x="0" y="0"/>
+          <a:ext cx="0" cy="0"/>
+          <a:chOff x="0" y="0"/>
+          <a:chExt cx="0" cy="0"/>
+        </a:xfrm>
+      </p:grpSpPr>
+    </p:spTree>
+    <p:extLst>
+      <p:ext uri="{BB962C8B-B14F-4D97-AF65-F5344CB8AC3E}">
+        <p14:creationId xmlns:p14="http://schemas.microsoft.com/office/powerpoint/2010/main" val="3253421375"/>
+      </p:ext>
+    </p:extLst>
+  </p:cSld>
+  <p:clrMapOvr>
+    <a:masterClrMapping/>
+  </p:clrMapOvr>
+</p:sld>
+</file>
+
+<file path=ppt/slides/slide34.xml><?xml version="1.0" encoding="utf-8"?>
+<p:sld xmlns:a="http://schemas.openxmlformats.org/drawingml/2006/main" xmlns:r="http://schemas.openxmlformats.org/officeDocument/2006/relationships" xmlns:p="http://schemas.openxmlformats.org/presentationml/2006/main">
+  <p:cSld>
+    <p:spTree>
+      <p:nvGrpSpPr>
+        <p:cNvPr id="1" name=""/>
+        <p:cNvGrpSpPr/>
+        <p:nvPr/>
+      </p:nvGrpSpPr>
+      <p:grpSpPr>
+        <a:xfrm>
+          <a:off x="0" y="0"/>
+          <a:ext cx="0" cy="0"/>
+          <a:chOff x="0" y="0"/>
+          <a:chExt cx="0" cy="0"/>
+        </a:xfrm>
+      </p:grpSpPr>
+    </p:spTree>
+    <p:extLst>
+      <p:ext uri="{BB962C8B-B14F-4D97-AF65-F5344CB8AC3E}">
+        <p14:creationId xmlns:p14="http://schemas.microsoft.com/office/powerpoint/2010/main" val="2016209208"/>
+      </p:ext>
+    </p:extLst>
+  </p:cSld>
+  <p:clrMapOvr>
+    <a:masterClrMapping/>
+  </p:clrMapOvr>
+</p:sld>
+</file>
+
+<file path=ppt/slides/slide35.xml><?xml version="1.0" encoding="utf-8"?>
+<p:sld xmlns:a="http://schemas.openxmlformats.org/drawingml/2006/main" xmlns:r="http://schemas.openxmlformats.org/officeDocument/2006/relationships" xmlns:p="http://schemas.openxmlformats.org/presentationml/2006/main">
+  <p:cSld>
+    <p:spTree>
+      <p:nvGrpSpPr>
+        <p:cNvPr id="1" name=""/>
+        <p:cNvGrpSpPr/>
+        <p:nvPr/>
+      </p:nvGrpSpPr>
+      <p:grpSpPr>
+        <a:xfrm>
+          <a:off x="0" y="0"/>
+          <a:ext cx="0" cy="0"/>
+          <a:chOff x="0" y="0"/>
+          <a:chExt cx="0" cy="0"/>
+        </a:xfrm>
+      </p:grpSpPr>
+    </p:spTree>
+    <p:extLst>
+      <p:ext uri="{BB962C8B-B14F-4D97-AF65-F5344CB8AC3E}">
+        <p14:creationId xmlns:p14="http://schemas.microsoft.com/office/powerpoint/2010/main" val="3414587081"/>
+      </p:ext>
+    </p:extLst>
+  </p:cSld>
+  <p:clrMapOvr>
+    <a:masterClrMapping/>
+  </p:clrMapOvr>
+</p:sld>
+</file>
+
+<file path=ppt/slides/slide36.xml><?xml version="1.0" encoding="utf-8"?>
+<p:sld xmlns:a="http://schemas.openxmlformats.org/drawingml/2006/main" xmlns:r="http://schemas.openxmlformats.org/officeDocument/2006/relationships" xmlns:p="http://schemas.openxmlformats.org/presentationml/2006/main">
+  <p:cSld>
+    <p:spTree>
+      <p:nvGrpSpPr>
+        <p:cNvPr id="1" name=""/>
+        <p:cNvGrpSpPr/>
+        <p:nvPr/>
+      </p:nvGrpSpPr>
+      <p:grpSpPr>
+        <a:xfrm>
+          <a:off x="0" y="0"/>
+          <a:ext cx="0" cy="0"/>
+          <a:chOff x="0" y="0"/>
+          <a:chExt cx="0" cy="0"/>
+        </a:xfrm>
+      </p:grpSpPr>
+    </p:spTree>
+    <p:extLst>
+      <p:ext uri="{BB962C8B-B14F-4D97-AF65-F5344CB8AC3E}">
+        <p14:creationId xmlns:p14="http://schemas.microsoft.com/office/powerpoint/2010/main" val="442540829"/>
+      </p:ext>
+    </p:extLst>
+  </p:cSld>
+  <p:clrMapOvr>
+    <a:masterClrMapping/>
+  </p:clrMapOvr>
+</p:sld>
+</file>
+
+<file path=ppt/slides/slide37.xml><?xml version="1.0" encoding="utf-8"?>
+<p:sld xmlns:a="http://schemas.openxmlformats.org/drawingml/2006/main" xmlns:r="http://schemas.openxmlformats.org/officeDocument/2006/relationships" xmlns:p="http://schemas.openxmlformats.org/presentationml/2006/main">
+  <p:cSld>
+    <p:spTree>
+      <p:nvGrpSpPr>
+        <p:cNvPr id="1" name=""/>
+        <p:cNvGrpSpPr/>
+        <p:nvPr/>
+      </p:nvGrpSpPr>
+      <p:grpSpPr>
+        <a:xfrm>
+          <a:off x="0" y="0"/>
+          <a:ext cx="0" cy="0"/>
+          <a:chOff x="0" y="0"/>
+          <a:chExt cx="0" cy="0"/>
+        </a:xfrm>
+      </p:grpSpPr>
+    </p:spTree>
+    <p:extLst>
+      <p:ext uri="{BB962C8B-B14F-4D97-AF65-F5344CB8AC3E}">
+        <p14:creationId xmlns:p14="http://schemas.microsoft.com/office/powerpoint/2010/main" val="1420470643"/>
+      </p:ext>
+    </p:extLst>
+  </p:cSld>
+  <p:clrMapOvr>
+    <a:masterClrMapping/>
+  </p:clrMapOvr>
+</p:sld>
+</file>
+
+<file path=ppt/slides/slide38.xml><?xml version="1.0" encoding="utf-8"?>
+<p:sld xmlns:a="http://schemas.openxmlformats.org/drawingml/2006/main" xmlns:r="http://schemas.openxmlformats.org/officeDocument/2006/relationships" xmlns:p="http://schemas.openxmlformats.org/presentationml/2006/main">
+  <p:cSld>
+    <p:spTree>
+      <p:nvGrpSpPr>
+        <p:cNvPr id="1" name=""/>
+        <p:cNvGrpSpPr/>
+        <p:nvPr/>
+      </p:nvGrpSpPr>
+      <p:grpSpPr>
+        <a:xfrm>
+          <a:off x="0" y="0"/>
+          <a:ext cx="0" cy="0"/>
+          <a:chOff x="0" y="0"/>
+          <a:chExt cx="0" cy="0"/>
+        </a:xfrm>
+      </p:grpSpPr>
+    </p:spTree>
+    <p:extLst>
+      <p:ext uri="{BB962C8B-B14F-4D97-AF65-F5344CB8AC3E}">
+        <p14:creationId xmlns:p14="http://schemas.microsoft.com/office/powerpoint/2010/main" val="3894202841"/>
+      </p:ext>
+    </p:extLst>
+  </p:cSld>
+  <p:clrMapOvr>
+    <a:masterClrMapping/>
+  </p:clrMapOvr>
+</p:sld>
+</file>
+
+<file path=ppt/slides/slide39.xml><?xml version="1.0" encoding="utf-8"?>
+<p:sld xmlns:a="http://schemas.openxmlformats.org/drawingml/2006/main" xmlns:r="http://schemas.openxmlformats.org/officeDocument/2006/relationships" xmlns:p="http://schemas.openxmlformats.org/presentationml/2006/main">
+  <p:cSld>
+    <p:spTree>
+      <p:nvGrpSpPr>
+        <p:cNvPr id="1" name=""/>
+        <p:cNvGrpSpPr/>
+        <p:nvPr/>
+      </p:nvGrpSpPr>
+      <p:grpSpPr>
+        <a:xfrm>
+          <a:off x="0" y="0"/>
+          <a:ext cx="0" cy="0"/>
+          <a:chOff x="0" y="0"/>
+          <a:chExt cx="0" cy="0"/>
+        </a:xfrm>
+      </p:grpSpPr>
+    </p:spTree>
+    <p:extLst>
+      <p:ext uri="{BB962C8B-B14F-4D97-AF65-F5344CB8AC3E}">
+        <p14:creationId xmlns:p14="http://schemas.microsoft.com/office/powerpoint/2010/main" val="823279161"/>
+      </p:ext>
+    </p:extLst>
+  </p:cSld>
+  <p:clrMapOvr>
+    <a:masterClrMapping/>
+  </p:clrMapOvr>
+</p:sld>
+</file>
+
+<file path=ppt/slides/slide4.xml><?xml version="1.0" encoding="utf-8"?>
+<p:sld xmlns:a="http://schemas.openxmlformats.org/drawingml/2006/main" xmlns:r="http://schemas.openxmlformats.org/officeDocument/2006/relationships" xmlns:p="http://schemas.openxmlformats.org/presentationml/2006/main">
+  <p:cSld>
+    <p:spTree>
+      <p:nvGrpSpPr>
+        <p:cNvPr id="1" name=""/>
+        <p:cNvGrpSpPr/>
+        <p:nvPr/>
+      </p:nvGrpSpPr>
+      <p:grpSpPr>
+        <a:xfrm>
+          <a:off x="0" y="0"/>
+          <a:ext cx="0" cy="0"/>
+          <a:chOff x="0" y="0"/>
+          <a:chExt cx="0" cy="0"/>
+        </a:xfrm>
+      </p:grpSpPr>
+      <p:sp>
+        <p:nvSpPr>
+          <p:cNvPr id="4" name="Rectangle 3"/>
+          <p:cNvSpPr/>
+          <p:nvPr/>
+        </p:nvSpPr>
+        <p:spPr>
+          <a:xfrm>
+            <a:off x="0" y="2357"/>
+            <a:ext cx="8305800" cy="4154984"/>
+          </a:xfrm>
+          <a:prstGeom prst="rect">
+            <a:avLst/>
+          </a:prstGeom>
+        </p:spPr>
+        <p:txBody>
+          <a:bodyPr wrap="square">
+            <a:spAutoFit/>
+          </a:bodyPr>
+          <a:lstStyle/>
+          <a:p>
+            <a:r>
+              <a:rPr lang="vi-VN" sz="2200" dirty="0" smtClean="0">
+                <a:solidFill>
+                  <a:srgbClr val="FF0000"/>
+                </a:solidFill>
+                <a:latin typeface="+mj-lt"/>
+              </a:rPr>
+              <a:t>Các </a:t>
+            </a:r>
+            <a:r>
+              <a:rPr lang="vi-VN" sz="2200" dirty="0">
+                <a:solidFill>
+                  <a:srgbClr val="FF0000"/>
+                </a:solidFill>
+                <a:latin typeface="+mj-lt"/>
+              </a:rPr>
+              <a:t>thành phần của ứng dụng</a:t>
+            </a:r>
+            <a:r>
+              <a:rPr lang="vi-VN" sz="2200" dirty="0" smtClean="0">
+                <a:solidFill>
+                  <a:srgbClr val="FF0000"/>
+                </a:solidFill>
+                <a:latin typeface="+mj-lt"/>
+              </a:rPr>
+              <a:t>:</a:t>
+            </a:r>
+            <a:endParaRPr lang="en-US" sz="2200" dirty="0">
+              <a:solidFill>
+                <a:srgbClr val="FF0000"/>
+              </a:solidFill>
+              <a:latin typeface="+mj-lt"/>
+            </a:endParaRPr>
+          </a:p>
+          <a:p>
+            <a:endParaRPr lang="vi-VN" sz="2200" dirty="0">
+              <a:latin typeface="+mj-lt"/>
+            </a:endParaRPr>
+          </a:p>
+          <a:p>
+            <a:r>
+              <a:rPr lang="vi-VN" sz="2200" b="1" dirty="0" smtClean="0">
+                <a:latin typeface="+mj-lt"/>
+              </a:rPr>
+              <a:t>Activities</a:t>
+            </a:r>
+            <a:r>
+              <a:rPr lang="vi-VN" sz="2200" b="1" dirty="0">
+                <a:latin typeface="+mj-lt"/>
+              </a:rPr>
+              <a:t>: </a:t>
+            </a:r>
+          </a:p>
+          <a:p>
+            <a:endParaRPr lang="en-US" sz="2200" dirty="0" smtClean="0">
+              <a:latin typeface="+mj-lt"/>
+            </a:endParaRPr>
+          </a:p>
+          <a:p>
+            <a:pPr marL="342900" indent="-342900">
+              <a:buFont typeface="Wingdings" pitchFamily="2" charset="2"/>
+              <a:buChar char="§"/>
+            </a:pPr>
+            <a:r>
+              <a:rPr lang="vi-VN" sz="2200" dirty="0" smtClean="0">
+                <a:latin typeface="+mj-lt"/>
+              </a:rPr>
+              <a:t>Là </a:t>
+            </a:r>
+            <a:r>
+              <a:rPr lang="vi-VN" sz="2200" dirty="0">
+                <a:latin typeface="+mj-lt"/>
+              </a:rPr>
+              <a:t>đại diện 1 màn hình, 1 giao diện người dùng</a:t>
+            </a:r>
+          </a:p>
+          <a:p>
+            <a:pPr marL="342900" indent="-342900">
+              <a:buFont typeface="Wingdings" pitchFamily="2" charset="2"/>
+              <a:buChar char="§"/>
+            </a:pPr>
+            <a:r>
+              <a:rPr lang="vi-VN" sz="2200" dirty="0" smtClean="0">
+                <a:latin typeface="+mj-lt"/>
+              </a:rPr>
+              <a:t>Tất </a:t>
+            </a:r>
+            <a:r>
+              <a:rPr lang="vi-VN" sz="2200" dirty="0">
+                <a:latin typeface="+mj-lt"/>
+              </a:rPr>
+              <a:t>cả các Activities đều được implemented từ class </a:t>
+            </a:r>
+            <a:r>
+              <a:rPr lang="vi-VN" sz="2200" dirty="0" smtClean="0">
+                <a:latin typeface="+mj-lt"/>
+              </a:rPr>
+              <a:t>Activity</a:t>
+            </a:r>
+            <a:endParaRPr lang="en-US" sz="2200" dirty="0" smtClean="0">
+              <a:latin typeface="+mj-lt"/>
+            </a:endParaRPr>
+          </a:p>
+          <a:p>
+            <a:endParaRPr lang="en-US" sz="2200" b="1" dirty="0" smtClean="0">
+              <a:latin typeface="+mj-lt"/>
+            </a:endParaRPr>
+          </a:p>
+          <a:p>
+            <a:r>
+              <a:rPr lang="vi-VN" sz="2200" b="1" dirty="0" smtClean="0">
+                <a:latin typeface="+mj-lt"/>
+              </a:rPr>
+              <a:t>Services:</a:t>
+            </a:r>
+            <a:endParaRPr lang="en-US" sz="2200" b="1" dirty="0" smtClean="0">
+              <a:latin typeface="+mj-lt"/>
+            </a:endParaRPr>
+          </a:p>
+          <a:p>
+            <a:endParaRPr lang="vi-VN" sz="2200" dirty="0">
+              <a:latin typeface="+mj-lt"/>
+            </a:endParaRPr>
+          </a:p>
+          <a:p>
+            <a:pPr marL="342900" indent="-342900">
+              <a:buFont typeface="Wingdings" pitchFamily="2" charset="2"/>
+              <a:buChar char="§"/>
+            </a:pPr>
+            <a:r>
+              <a:rPr lang="vi-VN" sz="2200" dirty="0" smtClean="0">
+                <a:latin typeface="+mj-lt"/>
+              </a:rPr>
+              <a:t>Là </a:t>
+            </a:r>
+            <a:r>
+              <a:rPr lang="vi-VN" sz="2200" dirty="0">
+                <a:latin typeface="+mj-lt"/>
+              </a:rPr>
+              <a:t>1 thành phần chạy nền cho các hoạt động.</a:t>
+            </a:r>
+          </a:p>
+          <a:p>
+            <a:pPr marL="342900" indent="-342900">
+              <a:buFont typeface="Wingdings" pitchFamily="2" charset="2"/>
+              <a:buChar char="§"/>
+            </a:pPr>
+            <a:r>
+              <a:rPr lang="vi-VN" sz="2200" dirty="0" smtClean="0">
+                <a:latin typeface="+mj-lt"/>
+              </a:rPr>
+              <a:t>Không </a:t>
+            </a:r>
+            <a:r>
+              <a:rPr lang="vi-VN" sz="2200" dirty="0">
+                <a:latin typeface="+mj-lt"/>
+              </a:rPr>
+              <a:t>cung cấp giao diện cho người dùng.</a:t>
+            </a:r>
+          </a:p>
+          <a:p>
+            <a:pPr marL="342900" indent="-342900">
+              <a:buFont typeface="Wingdings" pitchFamily="2" charset="2"/>
+              <a:buChar char="§"/>
+            </a:pPr>
+            <a:r>
+              <a:rPr lang="vi-VN" sz="2200" dirty="0" smtClean="0">
+                <a:latin typeface="+mj-lt"/>
+              </a:rPr>
+              <a:t>Tất </a:t>
+            </a:r>
+            <a:r>
+              <a:rPr lang="vi-VN" sz="2200" dirty="0">
+                <a:latin typeface="+mj-lt"/>
+              </a:rPr>
+              <a:t>cả các Services đều được implemented từ class Service</a:t>
+            </a:r>
+            <a:endParaRPr lang="en-US" sz="2200" dirty="0">
+              <a:latin typeface="+mj-lt"/>
+            </a:endParaRPr>
+          </a:p>
+        </p:txBody>
+      </p:sp>
+      <p:sp>
+        <p:nvSpPr>
+          <p:cNvPr id="5" name="Rectangle 4"/>
+          <p:cNvSpPr/>
+          <p:nvPr/>
+        </p:nvSpPr>
+        <p:spPr>
+          <a:xfrm>
+            <a:off x="29066" y="4343400"/>
+            <a:ext cx="9127503" cy="2123658"/>
+          </a:xfrm>
+          <a:prstGeom prst="rect">
+            <a:avLst/>
+          </a:prstGeom>
+        </p:spPr>
+        <p:txBody>
+          <a:bodyPr wrap="square">
+            <a:spAutoFit/>
+          </a:bodyPr>
+          <a:lstStyle/>
+          <a:p>
+            <a:r>
+              <a:rPr lang="vi-VN" sz="2200" b="1" dirty="0" smtClean="0">
+                <a:latin typeface="+mj-lt"/>
+              </a:rPr>
+              <a:t>Content </a:t>
+            </a:r>
+            <a:r>
+              <a:rPr lang="vi-VN" sz="2200" b="1" dirty="0">
+                <a:latin typeface="+mj-lt"/>
+              </a:rPr>
+              <a:t>providers: </a:t>
+            </a:r>
+          </a:p>
+          <a:p>
+            <a:endParaRPr lang="en-US" sz="2200" dirty="0" smtClean="0">
+              <a:latin typeface="+mj-lt"/>
+            </a:endParaRPr>
+          </a:p>
+          <a:p>
+            <a:pPr marL="342900" indent="-342900">
+              <a:buFont typeface="Wingdings" pitchFamily="2" charset="2"/>
+              <a:buChar char="§"/>
+            </a:pPr>
+            <a:r>
+              <a:rPr lang="vi-VN" sz="2200" dirty="0" smtClean="0">
+                <a:latin typeface="+mj-lt"/>
+              </a:rPr>
+              <a:t>Quản </a:t>
+            </a:r>
+            <a:r>
+              <a:rPr lang="vi-VN" sz="2200" dirty="0">
+                <a:latin typeface="+mj-lt"/>
+              </a:rPr>
+              <a:t>lý việc chia sẽ dữ liệu của ứng dụng </a:t>
+            </a:r>
+          </a:p>
+          <a:p>
+            <a:pPr marL="342900" indent="-342900">
+              <a:buFont typeface="Wingdings" pitchFamily="2" charset="2"/>
+              <a:buChar char="§"/>
+            </a:pPr>
+            <a:r>
+              <a:rPr lang="vi-VN" sz="2200" dirty="0" smtClean="0">
+                <a:latin typeface="+mj-lt"/>
+              </a:rPr>
+              <a:t>Ghi </a:t>
+            </a:r>
+            <a:r>
+              <a:rPr lang="vi-VN" sz="2200" dirty="0">
+                <a:latin typeface="+mj-lt"/>
+              </a:rPr>
+              <a:t>file, lưu dữ liệu vào SQLite, …</a:t>
+            </a:r>
+          </a:p>
+          <a:p>
+            <a:pPr marL="342900" indent="-342900">
+              <a:buFont typeface="Wingdings" pitchFamily="2" charset="2"/>
+              <a:buChar char="§"/>
+            </a:pPr>
+            <a:r>
+              <a:rPr lang="vi-VN" sz="2200" dirty="0" smtClean="0">
+                <a:latin typeface="+mj-lt"/>
+              </a:rPr>
+              <a:t>Thông </a:t>
+            </a:r>
+            <a:r>
+              <a:rPr lang="vi-VN" sz="2200" dirty="0">
+                <a:latin typeface="+mj-lt"/>
+              </a:rPr>
+              <a:t>qua Content providers ứng dụng có thể truy vấn, </a:t>
+            </a:r>
+            <a:r>
+              <a:rPr lang="vi-VN" sz="2200" dirty="0" smtClean="0">
+                <a:latin typeface="+mj-lt"/>
+              </a:rPr>
+              <a:t>chỉnh </a:t>
+            </a:r>
+            <a:r>
+              <a:rPr lang="vi-VN" sz="2200" dirty="0">
+                <a:latin typeface="+mj-lt"/>
+              </a:rPr>
+              <a:t>sửa dữ liệu.</a:t>
+            </a:r>
+          </a:p>
+          <a:p>
+            <a:pPr marL="342900" indent="-342900">
+              <a:buFont typeface="Wingdings" pitchFamily="2" charset="2"/>
+              <a:buChar char="§"/>
+            </a:pPr>
+            <a:r>
+              <a:rPr lang="vi-VN" sz="2200" dirty="0" smtClean="0">
+                <a:latin typeface="+mj-lt"/>
+              </a:rPr>
+              <a:t>Tất </a:t>
+            </a:r>
+            <a:r>
+              <a:rPr lang="vi-VN" sz="2200" dirty="0">
+                <a:latin typeface="+mj-lt"/>
+              </a:rPr>
+              <a:t>cả Content providers  đều được implemented từ class </a:t>
+            </a:r>
+            <a:r>
+              <a:rPr lang="vi-VN" sz="2200" dirty="0" smtClean="0">
+                <a:latin typeface="+mj-lt"/>
+              </a:rPr>
+              <a:t>ContentProvider</a:t>
+            </a:r>
+            <a:endParaRPr lang="en-US" sz="2200" dirty="0">
+              <a:latin typeface="+mj-lt"/>
+            </a:endParaRPr>
+          </a:p>
+        </p:txBody>
+      </p:sp>
+    </p:spTree>
+    <p:extLst>
+      <p:ext uri="{BB962C8B-B14F-4D97-AF65-F5344CB8AC3E}">
+        <p14:creationId xmlns:p14="http://schemas.microsoft.com/office/powerpoint/2010/main" val="3112822222"/>
+      </p:ext>
+    </p:extLst>
+  </p:cSld>
+  <p:clrMapOvr>
+    <a:masterClrMapping/>
+  </p:clrMapOvr>
+  <p:timing>
+    <p:tnLst>
+      <p:par>
+        <p:cTn id="1" dur="indefinite" restart="never" nodeType="tmRoot"/>
+      </p:par>
+    </p:tnLst>
+  </p:timing>
+</p:sld>
+</file>
+
+<file path=ppt/slides/slide40.xml><?xml version="1.0" encoding="utf-8"?>
+<p:sld xmlns:a="http://schemas.openxmlformats.org/drawingml/2006/main" xmlns:r="http://schemas.openxmlformats.org/officeDocument/2006/relationships" xmlns:p="http://schemas.openxmlformats.org/presentationml/2006/main">
+  <p:cSld>
+    <p:spTree>
+      <p:nvGrpSpPr>
+        <p:cNvPr id="1" name=""/>
+        <p:cNvGrpSpPr/>
+        <p:nvPr/>
+      </p:nvGrpSpPr>
+      <p:grpSpPr>
+        <a:xfrm>
+          <a:off x="0" y="0"/>
+          <a:ext cx="0" cy="0"/>
+          <a:chOff x="0" y="0"/>
+          <a:chExt cx="0" cy="0"/>
+        </a:xfrm>
+      </p:grpSpPr>
+    </p:spTree>
+    <p:extLst>
+      <p:ext uri="{BB962C8B-B14F-4D97-AF65-F5344CB8AC3E}">
+        <p14:creationId xmlns:p14="http://schemas.microsoft.com/office/powerpoint/2010/main" val="1903886768"/>
+      </p:ext>
+    </p:extLst>
+  </p:cSld>
+  <p:clrMapOvr>
+    <a:masterClrMapping/>
+  </p:clrMapOvr>
+</p:sld>
+</file>
+
+<file path=ppt/slides/slide41.xml><?xml version="1.0" encoding="utf-8"?>
+<p:sld xmlns:a="http://schemas.openxmlformats.org/drawingml/2006/main" xmlns:r="http://schemas.openxmlformats.org/officeDocument/2006/relationships" xmlns:p="http://schemas.openxmlformats.org/presentationml/2006/main">
+  <p:cSld>
+    <p:spTree>
+      <p:nvGrpSpPr>
+        <p:cNvPr id="1" name=""/>
+        <p:cNvGrpSpPr/>
+        <p:nvPr/>
+      </p:nvGrpSpPr>
+      <p:grpSpPr>
+        <a:xfrm>
+          <a:off x="0" y="0"/>
+          <a:ext cx="0" cy="0"/>
+          <a:chOff x="0" y="0"/>
+          <a:chExt cx="0" cy="0"/>
+        </a:xfrm>
+      </p:grpSpPr>
+    </p:spTree>
+    <p:extLst>
+      <p:ext uri="{BB962C8B-B14F-4D97-AF65-F5344CB8AC3E}">
+        <p14:creationId xmlns:p14="http://schemas.microsoft.com/office/powerpoint/2010/main" val="1362313330"/>
+      </p:ext>
+    </p:extLst>
+  </p:cSld>
+  <p:clrMapOvr>
+    <a:masterClrMapping/>
+  </p:clrMapOvr>
+</p:sld>
+</file>
+
+<file path=ppt/slides/slide42.xml><?xml version="1.0" encoding="utf-8"?>
+<p:sld xmlns:a="http://schemas.openxmlformats.org/drawingml/2006/main" xmlns:r="http://schemas.openxmlformats.org/officeDocument/2006/relationships" xmlns:p="http://schemas.openxmlformats.org/presentationml/2006/main">
+  <p:cSld>
+    <p:spTree>
+      <p:nvGrpSpPr>
+        <p:cNvPr id="1" name=""/>
+        <p:cNvGrpSpPr/>
+        <p:nvPr/>
+      </p:nvGrpSpPr>
+      <p:grpSpPr>
+        <a:xfrm>
+          <a:off x="0" y="0"/>
+          <a:ext cx="0" cy="0"/>
+          <a:chOff x="0" y="0"/>
+          <a:chExt cx="0" cy="0"/>
+        </a:xfrm>
+      </p:grpSpPr>
+    </p:spTree>
+    <p:extLst>
+      <p:ext uri="{BB962C8B-B14F-4D97-AF65-F5344CB8AC3E}">
+        <p14:creationId xmlns:p14="http://schemas.microsoft.com/office/powerpoint/2010/main" val="2765079386"/>
+      </p:ext>
+    </p:extLst>
+  </p:cSld>
+  <p:clrMapOvr>
+    <a:masterClrMapping/>
+  </p:clrMapOvr>
+</p:sld>
+</file>
+
+<file path=ppt/slides/slide43.xml><?xml version="1.0" encoding="utf-8"?>
+<p:sld xmlns:a="http://schemas.openxmlformats.org/drawingml/2006/main" xmlns:r="http://schemas.openxmlformats.org/officeDocument/2006/relationships" xmlns:p="http://schemas.openxmlformats.org/presentationml/2006/main">
+  <p:cSld>
+    <p:spTree>
+      <p:nvGrpSpPr>
+        <p:cNvPr id="1" name=""/>
+        <p:cNvGrpSpPr/>
+        <p:nvPr/>
+      </p:nvGrpSpPr>
+      <p:grpSpPr>
+        <a:xfrm>
+          <a:off x="0" y="0"/>
+          <a:ext cx="0" cy="0"/>
+          <a:chOff x="0" y="0"/>
+          <a:chExt cx="0" cy="0"/>
+        </a:xfrm>
+      </p:grpSpPr>
+    </p:spTree>
+    <p:extLst>
+      <p:ext uri="{BB962C8B-B14F-4D97-AF65-F5344CB8AC3E}">
+        <p14:creationId xmlns:p14="http://schemas.microsoft.com/office/powerpoint/2010/main" val="2958174846"/>
+      </p:ext>
+    </p:extLst>
+  </p:cSld>
+  <p:clrMapOvr>
+    <a:masterClrMapping/>
+  </p:clrMapOvr>
+</p:sld>
+</file>
+
+<file path=ppt/slides/slide44.xml><?xml version="1.0" encoding="utf-8"?>
+<p:sld xmlns:a="http://schemas.openxmlformats.org/drawingml/2006/main" xmlns:r="http://schemas.openxmlformats.org/officeDocument/2006/relationships" xmlns:p="http://schemas.openxmlformats.org/presentationml/2006/main">
+  <p:cSld>
+    <p:spTree>
+      <p:nvGrpSpPr>
+        <p:cNvPr id="1" name=""/>
+        <p:cNvGrpSpPr/>
+        <p:nvPr/>
+      </p:nvGrpSpPr>
+      <p:grpSpPr>
+        <a:xfrm>
+          <a:off x="0" y="0"/>
+          <a:ext cx="0" cy="0"/>
+          <a:chOff x="0" y="0"/>
+          <a:chExt cx="0" cy="0"/>
+        </a:xfrm>
+      </p:grpSpPr>
+    </p:spTree>
+    <p:extLst>
+      <p:ext uri="{BB962C8B-B14F-4D97-AF65-F5344CB8AC3E}">
+        <p14:creationId xmlns:p14="http://schemas.microsoft.com/office/powerpoint/2010/main" val="3779629"/>
+      </p:ext>
+    </p:extLst>
+  </p:cSld>
+  <p:clrMapOvr>
+    <a:masterClrMapping/>
+  </p:clrMapOvr>
+</p:sld>
+</file>
+
+<file path=ppt/slides/slide45.xml><?xml version="1.0" encoding="utf-8"?>
+<p:sld xmlns:a="http://schemas.openxmlformats.org/drawingml/2006/main" xmlns:r="http://schemas.openxmlformats.org/officeDocument/2006/relationships" xmlns:p="http://schemas.openxmlformats.org/presentationml/2006/main">
+  <p:cSld>
+    <p:spTree>
+      <p:nvGrpSpPr>
+        <p:cNvPr id="1" name=""/>
+        <p:cNvGrpSpPr/>
+        <p:nvPr/>
+      </p:nvGrpSpPr>
+      <p:grpSpPr>
+        <a:xfrm>
+          <a:off x="0" y="0"/>
+          <a:ext cx="0" cy="0"/>
+          <a:chOff x="0" y="0"/>
+          <a:chExt cx="0" cy="0"/>
+        </a:xfrm>
+      </p:grpSpPr>
+    </p:spTree>
+    <p:extLst>
+      <p:ext uri="{BB962C8B-B14F-4D97-AF65-F5344CB8AC3E}">
+        <p14:creationId xmlns:p14="http://schemas.microsoft.com/office/powerpoint/2010/main" val="2004744060"/>
+      </p:ext>
+    </p:extLst>
+  </p:cSld>
+  <p:clrMapOvr>
+    <a:masterClrMapping/>
+  </p:clrMapOvr>
+</p:sld>
+</file>
+
+<file path=ppt/slides/slide46.xml><?xml version="1.0" encoding="utf-8"?>
+<p:sld xmlns:a="http://schemas.openxmlformats.org/drawingml/2006/main" xmlns:r="http://schemas.openxmlformats.org/officeDocument/2006/relationships" xmlns:p="http://schemas.openxmlformats.org/presentationml/2006/main">
+  <p:cSld>
+    <p:spTree>
+      <p:nvGrpSpPr>
+        <p:cNvPr id="1" name=""/>
+        <p:cNvGrpSpPr/>
+        <p:nvPr/>
+      </p:nvGrpSpPr>
+      <p:grpSpPr>
+        <a:xfrm>
+          <a:off x="0" y="0"/>
+          <a:ext cx="0" cy="0"/>
+          <a:chOff x="0" y="0"/>
+          <a:chExt cx="0" cy="0"/>
+        </a:xfrm>
+      </p:grpSpPr>
+    </p:spTree>
+    <p:extLst>
+      <p:ext uri="{BB962C8B-B14F-4D97-AF65-F5344CB8AC3E}">
+        <p14:creationId xmlns:p14="http://schemas.microsoft.com/office/powerpoint/2010/main" val="205873441"/>
+      </p:ext>
+    </p:extLst>
+  </p:cSld>
+  <p:clrMapOvr>
+    <a:masterClrMapping/>
+  </p:clrMapOvr>
+</p:sld>
+</file>
+
+<file path=ppt/slides/slide47.xml><?xml version="1.0" encoding="utf-8"?>
+<p:sld xmlns:a="http://schemas.openxmlformats.org/drawingml/2006/main" xmlns:r="http://schemas.openxmlformats.org/officeDocument/2006/relationships" xmlns:p="http://schemas.openxmlformats.org/presentationml/2006/main">
+  <p:cSld>
+    <p:spTree>
+      <p:nvGrpSpPr>
+        <p:cNvPr id="1" name=""/>
+        <p:cNvGrpSpPr/>
+        <p:nvPr/>
+      </p:nvGrpSpPr>
+      <p:grpSpPr>
+        <a:xfrm>
+          <a:off x="0" y="0"/>
+          <a:ext cx="0" cy="0"/>
+          <a:chOff x="0" y="0"/>
+          <a:chExt cx="0" cy="0"/>
+        </a:xfrm>
+      </p:grpSpPr>
+    </p:spTree>
+    <p:extLst>
+      <p:ext uri="{BB962C8B-B14F-4D97-AF65-F5344CB8AC3E}">
+        <p14:creationId xmlns:p14="http://schemas.microsoft.com/office/powerpoint/2010/main" val="3048959057"/>
+      </p:ext>
+    </p:extLst>
+  </p:cSld>
+  <p:clrMapOvr>
+    <a:masterClrMapping/>
+  </p:clrMapOvr>
+</p:sld>
+</file>
+
+<file path=ppt/slides/slide48.xml><?xml version="1.0" encoding="utf-8"?>
+<p:sld xmlns:a="http://schemas.openxmlformats.org/drawingml/2006/main" xmlns:r="http://schemas.openxmlformats.org/officeDocument/2006/relationships" xmlns:p="http://schemas.openxmlformats.org/presentationml/2006/main">
+  <p:cSld>
+    <p:spTree>
+      <p:nvGrpSpPr>
+        <p:cNvPr id="1" name=""/>
+        <p:cNvGrpSpPr/>
+        <p:nvPr/>
+      </p:nvGrpSpPr>
+      <p:grpSpPr>
+        <a:xfrm>
+          <a:off x="0" y="0"/>
+          <a:ext cx="0" cy="0"/>
+          <a:chOff x="0" y="0"/>
+          <a:chExt cx="0" cy="0"/>
+        </a:xfrm>
+      </p:grpSpPr>
+    </p:spTree>
+    <p:extLst>
+      <p:ext uri="{BB962C8B-B14F-4D97-AF65-F5344CB8AC3E}">
+        <p14:creationId xmlns:p14="http://schemas.microsoft.com/office/powerpoint/2010/main" val="2490398894"/>
+      </p:ext>
+    </p:extLst>
+  </p:cSld>
+  <p:clrMapOvr>
+    <a:masterClrMapping/>
+  </p:clrMapOvr>
+</p:sld>
+</file>
+
+<file path=ppt/slides/slide49.xml><?xml version="1.0" encoding="utf-8"?>
+<p:sld xmlns:a="http://schemas.openxmlformats.org/drawingml/2006/main" xmlns:r="http://schemas.openxmlformats.org/officeDocument/2006/relationships" xmlns:p="http://schemas.openxmlformats.org/presentationml/2006/main">
+  <p:cSld>
+    <p:spTree>
+      <p:nvGrpSpPr>
+        <p:cNvPr id="1" name=""/>
+        <p:cNvGrpSpPr/>
+        <p:nvPr/>
+      </p:nvGrpSpPr>
+      <p:grpSpPr>
+        <a:xfrm>
+          <a:off x="0" y="0"/>
+          <a:ext cx="0" cy="0"/>
+          <a:chOff x="0" y="0"/>
+          <a:chExt cx="0" cy="0"/>
+        </a:xfrm>
+      </p:grpSpPr>
+    </p:spTree>
+    <p:extLst>
+      <p:ext uri="{BB962C8B-B14F-4D97-AF65-F5344CB8AC3E}">
+        <p14:creationId xmlns:p14="http://schemas.microsoft.com/office/powerpoint/2010/main" val="1995056849"/>
+      </p:ext>
+    </p:extLst>
+  </p:cSld>
+  <p:clrMapOvr>
+    <a:masterClrMapping/>
+  </p:clrMapOvr>
+</p:sld>
+</file>
+
+<file path=ppt/slides/slide5.xml><?xml version="1.0" encoding="utf-8"?>
+<p:sld xmlns:a="http://schemas.openxmlformats.org/drawingml/2006/main" xmlns:r="http://schemas.openxmlformats.org/officeDocument/2006/relationships" xmlns:p="http://schemas.openxmlformats.org/presentationml/2006/main">
+  <p:cSld>
+    <p:spTree>
+      <p:nvGrpSpPr>
+        <p:cNvPr id="1" name=""/>
+        <p:cNvGrpSpPr/>
+        <p:nvPr/>
+      </p:nvGrpSpPr>
+      <p:grpSpPr>
+        <a:xfrm>
+          <a:off x="0" y="0"/>
+          <a:ext cx="0" cy="0"/>
+          <a:chOff x="0" y="0"/>
+          <a:chExt cx="0" cy="0"/>
+        </a:xfrm>
+      </p:grpSpPr>
+      <p:sp>
+        <p:nvSpPr>
+          <p:cNvPr id="4" name="Rectangle 3"/>
+          <p:cNvSpPr/>
+          <p:nvPr/>
+        </p:nvSpPr>
+        <p:spPr>
+          <a:xfrm>
+            <a:off x="0" y="152400"/>
+            <a:ext cx="9144000" cy="2123658"/>
+          </a:xfrm>
+          <a:prstGeom prst="rect">
+            <a:avLst/>
+          </a:prstGeom>
+        </p:spPr>
+        <p:txBody>
+          <a:bodyPr wrap="square">
+            <a:spAutoFit/>
+          </a:bodyPr>
+          <a:lstStyle/>
+          <a:p>
+            <a:r>
+              <a:rPr lang="vi-VN" sz="2200" b="1" dirty="0" smtClean="0">
+                <a:latin typeface="Times New Roman" pitchFamily="18" charset="0"/>
+                <a:cs typeface="Times New Roman" pitchFamily="18" charset="0"/>
+              </a:rPr>
+              <a:t>Broadcast </a:t>
+            </a:r>
+            <a:r>
+              <a:rPr lang="vi-VN" sz="2200" b="1" dirty="0">
+                <a:latin typeface="Times New Roman" pitchFamily="18" charset="0"/>
+                <a:cs typeface="Times New Roman" pitchFamily="18" charset="0"/>
+              </a:rPr>
+              <a:t>receivers</a:t>
+            </a:r>
+            <a:r>
+              <a:rPr lang="vi-VN" sz="2200" b="1" dirty="0" smtClean="0">
+                <a:latin typeface="Times New Roman" pitchFamily="18" charset="0"/>
+                <a:cs typeface="Times New Roman" pitchFamily="18" charset="0"/>
+              </a:rPr>
+              <a:t>:</a:t>
+            </a:r>
+            <a:endParaRPr lang="en-US" sz="2200" b="1" dirty="0" smtClean="0">
+              <a:latin typeface="Times New Roman" pitchFamily="18" charset="0"/>
+              <a:cs typeface="Times New Roman" pitchFamily="18" charset="0"/>
+            </a:endParaRPr>
+          </a:p>
+          <a:p>
+            <a:endParaRPr lang="vi-VN" sz="2200" dirty="0">
+              <a:latin typeface="Times New Roman" pitchFamily="18" charset="0"/>
+              <a:cs typeface="Times New Roman" pitchFamily="18" charset="0"/>
+            </a:endParaRPr>
+          </a:p>
+          <a:p>
+            <a:pPr marL="342900" indent="-342900">
+              <a:buFont typeface="Wingdings" pitchFamily="2" charset="2"/>
+              <a:buChar char="§"/>
+            </a:pPr>
+            <a:r>
+              <a:rPr lang="vi-VN" sz="2200" dirty="0" smtClean="0">
+                <a:latin typeface="Times New Roman" pitchFamily="18" charset="0"/>
+                <a:cs typeface="Times New Roman" pitchFamily="18" charset="0"/>
+              </a:rPr>
+              <a:t>Là </a:t>
+            </a:r>
+            <a:r>
+              <a:rPr lang="vi-VN" sz="2200" dirty="0">
+                <a:latin typeface="Times New Roman" pitchFamily="18" charset="0"/>
+                <a:cs typeface="Times New Roman" pitchFamily="18" charset="0"/>
+              </a:rPr>
+              <a:t>1 thành phần cho phép ứng dụng khai thác các tài nguyên </a:t>
+            </a:r>
+            <a:r>
+              <a:rPr lang="vi-VN" sz="2200" dirty="0" smtClean="0">
+                <a:latin typeface="Times New Roman" pitchFamily="18" charset="0"/>
+                <a:cs typeface="Times New Roman" pitchFamily="18" charset="0"/>
+              </a:rPr>
+              <a:t>trên </a:t>
+            </a:r>
+            <a:r>
+              <a:rPr lang="vi-VN" sz="2200" dirty="0">
+                <a:latin typeface="Times New Roman" pitchFamily="18" charset="0"/>
+                <a:cs typeface="Times New Roman" pitchFamily="18" charset="0"/>
+              </a:rPr>
+              <a:t>hệ </a:t>
+            </a:r>
+            <a:r>
+              <a:rPr lang="vi-VN" sz="2200" dirty="0" smtClean="0">
+                <a:latin typeface="Times New Roman" pitchFamily="18" charset="0"/>
+                <a:cs typeface="Times New Roman" pitchFamily="18" charset="0"/>
+              </a:rPr>
+              <a:t>thống.</a:t>
+            </a:r>
+            <a:endParaRPr lang="en-US" sz="2200" dirty="0" smtClean="0">
+              <a:latin typeface="Times New Roman" pitchFamily="18" charset="0"/>
+              <a:cs typeface="Times New Roman" pitchFamily="18" charset="0"/>
+            </a:endParaRPr>
+          </a:p>
+          <a:p>
+            <a:pPr marL="342900" indent="-342900">
+              <a:buFont typeface="Wingdings" pitchFamily="2" charset="2"/>
+              <a:buChar char="§"/>
+            </a:pPr>
+            <a:r>
+              <a:rPr lang="vi-VN" sz="2200" dirty="0" smtClean="0">
+                <a:latin typeface="Times New Roman" pitchFamily="18" charset="0"/>
+                <a:cs typeface="Times New Roman" pitchFamily="18" charset="0"/>
+              </a:rPr>
+              <a:t>Tất </a:t>
+            </a:r>
+            <a:r>
+              <a:rPr lang="vi-VN" sz="2200" dirty="0">
+                <a:latin typeface="Times New Roman" pitchFamily="18" charset="0"/>
+                <a:cs typeface="Times New Roman" pitchFamily="18" charset="0"/>
+              </a:rPr>
+              <a:t>cả Broadcast receivers  đều được implemented từ </a:t>
+            </a:r>
+            <a:r>
+              <a:rPr lang="vi-VN" sz="2200" dirty="0" smtClean="0">
+                <a:latin typeface="Times New Roman" pitchFamily="18" charset="0"/>
+                <a:cs typeface="Times New Roman" pitchFamily="18" charset="0"/>
+              </a:rPr>
+              <a:t>class</a:t>
+            </a:r>
+            <a:r>
+              <a:rPr lang="en-US" sz="2200" dirty="0" smtClean="0">
+                <a:latin typeface="Times New Roman" pitchFamily="18" charset="0"/>
+                <a:cs typeface="Times New Roman" pitchFamily="18" charset="0"/>
+              </a:rPr>
+              <a:t> </a:t>
+            </a:r>
+            <a:r>
+              <a:rPr lang="vi-VN" sz="2200" dirty="0" smtClean="0">
+                <a:latin typeface="Times New Roman" pitchFamily="18" charset="0"/>
+                <a:cs typeface="Times New Roman" pitchFamily="18" charset="0"/>
+              </a:rPr>
+              <a:t>BroadcastReceiver</a:t>
+            </a:r>
+            <a:endParaRPr lang="vi-VN" sz="2200" dirty="0">
+              <a:latin typeface="Times New Roman" pitchFamily="18" charset="0"/>
+              <a:cs typeface="Times New Roman" pitchFamily="18" charset="0"/>
+            </a:endParaRPr>
+          </a:p>
+          <a:p>
+            <a:pPr marL="342900" indent="-342900">
+              <a:buFont typeface="Wingdings" pitchFamily="2" charset="2"/>
+              <a:buChar char="§"/>
+            </a:pPr>
+            <a:r>
+              <a:rPr lang="vi-VN" sz="2200" dirty="0" smtClean="0">
+                <a:latin typeface="Times New Roman" pitchFamily="18" charset="0"/>
+                <a:cs typeface="Times New Roman" pitchFamily="18" charset="0"/>
+              </a:rPr>
+              <a:t>Mỗi </a:t>
+            </a:r>
+            <a:r>
+              <a:rPr lang="vi-VN" sz="2200" dirty="0">
+                <a:latin typeface="Times New Roman" pitchFamily="18" charset="0"/>
+                <a:cs typeface="Times New Roman" pitchFamily="18" charset="0"/>
+              </a:rPr>
+              <a:t>Broadcast được xem như là 1 đối tượng Intent.</a:t>
+            </a:r>
+            <a:endParaRPr lang="en-US" sz="2200" dirty="0">
+              <a:latin typeface="Times New Roman" pitchFamily="18" charset="0"/>
+              <a:cs typeface="Times New Roman" pitchFamily="18" charset="0"/>
+            </a:endParaRPr>
+          </a:p>
+        </p:txBody>
+      </p:sp>
+      <p:sp>
+        <p:nvSpPr>
+          <p:cNvPr id="5" name="Rectangle 4"/>
+          <p:cNvSpPr/>
+          <p:nvPr/>
+        </p:nvSpPr>
+        <p:spPr>
+          <a:xfrm>
+            <a:off x="0" y="2743200"/>
+            <a:ext cx="8991600" cy="3139321"/>
+          </a:xfrm>
+          <a:prstGeom prst="rect">
+            <a:avLst/>
+          </a:prstGeom>
+        </p:spPr>
+        <p:txBody>
+          <a:bodyPr wrap="square">
+            <a:spAutoFit/>
+          </a:bodyPr>
+          <a:lstStyle/>
+          <a:p>
+            <a:pPr algn="just"/>
+            <a:r>
+              <a:rPr lang="vi-VN" sz="2200" b="1" dirty="0" smtClean="0">
+                <a:latin typeface="Times New Roman" pitchFamily="18" charset="0"/>
+                <a:cs typeface="Times New Roman" pitchFamily="18" charset="0"/>
+              </a:rPr>
+              <a:t>3 </a:t>
+            </a:r>
+            <a:r>
+              <a:rPr lang="vi-VN" sz="2200" b="1" dirty="0">
+                <a:latin typeface="Times New Roman" pitchFamily="18" charset="0"/>
+                <a:cs typeface="Times New Roman" pitchFamily="18" charset="0"/>
+              </a:rPr>
+              <a:t>thành phần</a:t>
+            </a:r>
+            <a:r>
+              <a:rPr lang="vi-VN" sz="2200" dirty="0">
+                <a:latin typeface="Times New Roman" pitchFamily="18" charset="0"/>
+                <a:cs typeface="Times New Roman" pitchFamily="18" charset="0"/>
+              </a:rPr>
+              <a:t>: activities, services, và broadcast </a:t>
+            </a:r>
+            <a:r>
+              <a:rPr lang="vi-VN" sz="2200" dirty="0" smtClean="0">
+                <a:latin typeface="Times New Roman" pitchFamily="18" charset="0"/>
+                <a:cs typeface="Times New Roman" pitchFamily="18" charset="0"/>
+              </a:rPr>
+              <a:t>receivers </a:t>
+            </a:r>
+            <a:r>
+              <a:rPr lang="vi-VN" sz="2200" dirty="0">
+                <a:latin typeface="Times New Roman" pitchFamily="18" charset="0"/>
+                <a:cs typeface="Times New Roman" pitchFamily="18" charset="0"/>
+              </a:rPr>
+              <a:t>đều có thể được đại diện bằng 1 đối tượng </a:t>
+            </a:r>
+            <a:r>
+              <a:rPr lang="vi-VN" sz="2200" dirty="0" smtClean="0">
+                <a:latin typeface="Times New Roman" pitchFamily="18" charset="0"/>
+                <a:cs typeface="Times New Roman" pitchFamily="18" charset="0"/>
+              </a:rPr>
+              <a:t>Intent.</a:t>
+            </a:r>
+            <a:endParaRPr lang="en-US" sz="2200" dirty="0" smtClean="0">
+              <a:latin typeface="Times New Roman" pitchFamily="18" charset="0"/>
+              <a:cs typeface="Times New Roman" pitchFamily="18" charset="0"/>
+            </a:endParaRPr>
+          </a:p>
+          <a:p>
+            <a:pPr algn="just"/>
+            <a:endParaRPr lang="vi-VN" sz="2200" dirty="0">
+              <a:latin typeface="Times New Roman" pitchFamily="18" charset="0"/>
+              <a:cs typeface="Times New Roman" pitchFamily="18" charset="0"/>
+            </a:endParaRPr>
+          </a:p>
+          <a:p>
+            <a:pPr algn="just"/>
+            <a:r>
+              <a:rPr lang="vi-VN" sz="2200" b="1" dirty="0" smtClean="0">
+                <a:latin typeface="Times New Roman" pitchFamily="18" charset="0"/>
+                <a:cs typeface="Times New Roman" pitchFamily="18" charset="0"/>
+              </a:rPr>
+              <a:t>Có </a:t>
+            </a:r>
+            <a:r>
+              <a:rPr lang="vi-VN" sz="2200" b="1" dirty="0">
+                <a:latin typeface="Times New Roman" pitchFamily="18" charset="0"/>
+                <a:cs typeface="Times New Roman" pitchFamily="18" charset="0"/>
+              </a:rPr>
+              <a:t>những phương thức riêng để kích hoạt mỗi loại</a:t>
+            </a:r>
+            <a:r>
+              <a:rPr lang="vi-VN" sz="2200" b="1" dirty="0" smtClean="0">
+                <a:latin typeface="Times New Roman" pitchFamily="18" charset="0"/>
+                <a:cs typeface="Times New Roman" pitchFamily="18" charset="0"/>
+              </a:rPr>
+              <a:t>:</a:t>
+            </a:r>
+            <a:endParaRPr lang="vi-VN" sz="2200" b="1" dirty="0">
+              <a:latin typeface="Times New Roman" pitchFamily="18" charset="0"/>
+              <a:cs typeface="Times New Roman" pitchFamily="18" charset="0"/>
+            </a:endParaRPr>
+          </a:p>
+          <a:p>
+            <a:pPr algn="just"/>
+            <a:r>
+              <a:rPr lang="vi-VN" sz="2200" dirty="0">
+                <a:latin typeface="Times New Roman" pitchFamily="18" charset="0"/>
+                <a:cs typeface="Times New Roman" pitchFamily="18" charset="0"/>
+              </a:rPr>
+              <a:t>– startActivity() hoặc startActivityForResult() để khởi động 1 </a:t>
+            </a:r>
+          </a:p>
+          <a:p>
+            <a:pPr algn="just"/>
+            <a:r>
+              <a:rPr lang="vi-VN" sz="2200" dirty="0">
+                <a:latin typeface="Times New Roman" pitchFamily="18" charset="0"/>
+                <a:cs typeface="Times New Roman" pitchFamily="18" charset="0"/>
+              </a:rPr>
+              <a:t>activities.</a:t>
+            </a:r>
+          </a:p>
+          <a:p>
+            <a:pPr algn="just"/>
+            <a:r>
+              <a:rPr lang="vi-VN" sz="2200" dirty="0">
+                <a:latin typeface="Times New Roman" pitchFamily="18" charset="0"/>
+                <a:cs typeface="Times New Roman" pitchFamily="18" charset="0"/>
+              </a:rPr>
+              <a:t>– startService() hoặc  bindService() để khởi động 1 services.</a:t>
+            </a:r>
+          </a:p>
+          <a:p>
+            <a:pPr algn="just"/>
+            <a:r>
+              <a:rPr lang="vi-VN" sz="2200" dirty="0">
+                <a:latin typeface="Times New Roman" pitchFamily="18" charset="0"/>
+                <a:cs typeface="Times New Roman" pitchFamily="18" charset="0"/>
+              </a:rPr>
+              <a:t>– sendBroadcast(), sendOrderedBroadcast(), </a:t>
+            </a:r>
+            <a:r>
+              <a:rPr lang="vi-VN" sz="2200" dirty="0" smtClean="0">
+                <a:latin typeface="Times New Roman" pitchFamily="18" charset="0"/>
+                <a:cs typeface="Times New Roman" pitchFamily="18" charset="0"/>
+              </a:rPr>
+              <a:t>hoặc</a:t>
+            </a:r>
+            <a:r>
+              <a:rPr lang="en-US" sz="2200" dirty="0" smtClean="0">
+                <a:latin typeface="Times New Roman" pitchFamily="18" charset="0"/>
+                <a:cs typeface="Times New Roman" pitchFamily="18" charset="0"/>
+              </a:rPr>
+              <a:t> </a:t>
+            </a:r>
+            <a:r>
+              <a:rPr lang="vi-VN" sz="2200" dirty="0" smtClean="0">
+                <a:latin typeface="Times New Roman" pitchFamily="18" charset="0"/>
+                <a:cs typeface="Times New Roman" pitchFamily="18" charset="0"/>
+              </a:rPr>
+              <a:t>sendStickyBroadcast</a:t>
+            </a:r>
+            <a:r>
+              <a:rPr lang="vi-VN" sz="2200" dirty="0">
+                <a:latin typeface="Times New Roman" pitchFamily="18" charset="0"/>
+                <a:cs typeface="Times New Roman" pitchFamily="18" charset="0"/>
+              </a:rPr>
+              <a:t>() để khởi tạo 1 broadcast.</a:t>
+            </a:r>
+            <a:endParaRPr lang="en-US" sz="2200" dirty="0">
+              <a:latin typeface="Times New Roman" pitchFamily="18" charset="0"/>
+              <a:cs typeface="Times New Roman" pitchFamily="18" charset="0"/>
+            </a:endParaRPr>
+          </a:p>
+        </p:txBody>
+      </p:sp>
+    </p:spTree>
+    <p:extLst>
+      <p:ext uri="{BB962C8B-B14F-4D97-AF65-F5344CB8AC3E}">
+        <p14:creationId xmlns:p14="http://schemas.microsoft.com/office/powerpoint/2010/main" val="2628344444"/>
+      </p:ext>
+    </p:extLst>
+  </p:cSld>
+  <p:clrMapOvr>
+    <a:masterClrMapping/>
+  </p:clrMapOvr>
+  <p:timing>
+    <p:tnLst>
+      <p:par>
+        <p:cTn id="1" dur="indefinite" restart="never" nodeType="tmRoot"/>
+      </p:par>
+    </p:tnLst>
+  </p:timing>
+</p:sld>
+</file>
+
+<file path=ppt/slides/slide50.xml><?xml version="1.0" encoding="utf-8"?>
+<p:sld xmlns:a="http://schemas.openxmlformats.org/drawingml/2006/main" xmlns:r="http://schemas.openxmlformats.org/officeDocument/2006/relationships" xmlns:p="http://schemas.openxmlformats.org/presentationml/2006/main">
+  <p:cSld>
+    <p:spTree>
+      <p:nvGrpSpPr>
+        <p:cNvPr id="1" name=""/>
+        <p:cNvGrpSpPr/>
+        <p:nvPr/>
+      </p:nvGrpSpPr>
+      <p:grpSpPr>
+        <a:xfrm>
+          <a:off x="0" y="0"/>
+          <a:ext cx="0" cy="0"/>
+          <a:chOff x="0" y="0"/>
+          <a:chExt cx="0" cy="0"/>
+        </a:xfrm>
+      </p:grpSpPr>
+    </p:spTree>
+    <p:extLst>
+      <p:ext uri="{BB962C8B-B14F-4D97-AF65-F5344CB8AC3E}">
+        <p14:creationId xmlns:p14="http://schemas.microsoft.com/office/powerpoint/2010/main" val="4188717183"/>
+      </p:ext>
+    </p:extLst>
+  </p:cSld>
+  <p:clrMapOvr>
+    <a:masterClrMapping/>
+  </p:clrMapOvr>
+</p:sld>
+</file>
+
+<file path=ppt/slides/slide51.xml><?xml version="1.0" encoding="utf-8"?>
+<p:sld xmlns:a="http://schemas.openxmlformats.org/drawingml/2006/main" xmlns:r="http://schemas.openxmlformats.org/officeDocument/2006/relationships" xmlns:p="http://schemas.openxmlformats.org/presentationml/2006/main">
+  <p:cSld>
+    <p:spTree>
+      <p:nvGrpSpPr>
+        <p:cNvPr id="1" name=""/>
+        <p:cNvGrpSpPr/>
+        <p:nvPr/>
+      </p:nvGrpSpPr>
+      <p:grpSpPr>
+        <a:xfrm>
+          <a:off x="0" y="0"/>
+          <a:ext cx="0" cy="0"/>
+          <a:chOff x="0" y="0"/>
+          <a:chExt cx="0" cy="0"/>
+        </a:xfrm>
+      </p:grpSpPr>
+    </p:spTree>
+    <p:extLst>
+      <p:ext uri="{BB962C8B-B14F-4D97-AF65-F5344CB8AC3E}">
+        <p14:creationId xmlns:p14="http://schemas.microsoft.com/office/powerpoint/2010/main" val="795016437"/>
+      </p:ext>
+    </p:extLst>
+  </p:cSld>
+  <p:clrMapOvr>
+    <a:masterClrMapping/>
+  </p:clrMapOvr>
+</p:sld>
+</file>
+
+<file path=ppt/slides/slide52.xml><?xml version="1.0" encoding="utf-8"?>
+<p:sld xmlns:a="http://schemas.openxmlformats.org/drawingml/2006/main" xmlns:r="http://schemas.openxmlformats.org/officeDocument/2006/relationships" xmlns:p="http://schemas.openxmlformats.org/presentationml/2006/main">
+  <p:cSld>
+    <p:spTree>
+      <p:nvGrpSpPr>
+        <p:cNvPr id="1" name=""/>
+        <p:cNvGrpSpPr/>
+        <p:nvPr/>
+      </p:nvGrpSpPr>
+      <p:grpSpPr>
+        <a:xfrm>
+          <a:off x="0" y="0"/>
+          <a:ext cx="0" cy="0"/>
+          <a:chOff x="0" y="0"/>
+          <a:chExt cx="0" cy="0"/>
+        </a:xfrm>
+      </p:grpSpPr>
+    </p:spTree>
+    <p:extLst>
+      <p:ext uri="{BB962C8B-B14F-4D97-AF65-F5344CB8AC3E}">
+        <p14:creationId xmlns:p14="http://schemas.microsoft.com/office/powerpoint/2010/main" val="4035861222"/>
+      </p:ext>
+    </p:extLst>
+  </p:cSld>
+  <p:clrMapOvr>
+    <a:masterClrMapping/>
+  </p:clrMapOvr>
+</p:sld>
+</file>
+
+<file path=ppt/slides/slide53.xml><?xml version="1.0" encoding="utf-8"?>
+<p:sld xmlns:a="http://schemas.openxmlformats.org/drawingml/2006/main" xmlns:r="http://schemas.openxmlformats.org/officeDocument/2006/relationships" xmlns:p="http://schemas.openxmlformats.org/presentationml/2006/main">
+  <p:cSld>
+    <p:spTree>
+      <p:nvGrpSpPr>
+        <p:cNvPr id="1" name=""/>
+        <p:cNvGrpSpPr/>
+        <p:nvPr/>
+      </p:nvGrpSpPr>
+      <p:grpSpPr>
+        <a:xfrm>
+          <a:off x="0" y="0"/>
+          <a:ext cx="0" cy="0"/>
+          <a:chOff x="0" y="0"/>
+          <a:chExt cx="0" cy="0"/>
+        </a:xfrm>
+      </p:grpSpPr>
+    </p:spTree>
+    <p:extLst>
+      <p:ext uri="{BB962C8B-B14F-4D97-AF65-F5344CB8AC3E}">
+        <p14:creationId xmlns:p14="http://schemas.microsoft.com/office/powerpoint/2010/main" val="3253421375"/>
+      </p:ext>
+    </p:extLst>
+  </p:cSld>
+  <p:clrMapOvr>
+    <a:masterClrMapping/>
+  </p:clrMapOvr>
+</p:sld>
+</file>
+
+<file path=ppt/slides/slide54.xml><?xml version="1.0" encoding="utf-8"?>
+<p:sld xmlns:a="http://schemas.openxmlformats.org/drawingml/2006/main" xmlns:r="http://schemas.openxmlformats.org/officeDocument/2006/relationships" xmlns:p="http://schemas.openxmlformats.org/presentationml/2006/main">
+  <p:cSld>
+    <p:spTree>
+      <p:nvGrpSpPr>
+        <p:cNvPr id="1" name=""/>
+        <p:cNvGrpSpPr/>
+        <p:nvPr/>
+      </p:nvGrpSpPr>
+      <p:grpSpPr>
+        <a:xfrm>
+          <a:off x="0" y="0"/>
+          <a:ext cx="0" cy="0"/>
+          <a:chOff x="0" y="0"/>
+          <a:chExt cx="0" cy="0"/>
+        </a:xfrm>
+      </p:grpSpPr>
+    </p:spTree>
+    <p:extLst>
+      <p:ext uri="{BB962C8B-B14F-4D97-AF65-F5344CB8AC3E}">
+        <p14:creationId xmlns:p14="http://schemas.microsoft.com/office/powerpoint/2010/main" val="2016209208"/>
+      </p:ext>
+    </p:extLst>
+  </p:cSld>
+  <p:clrMapOvr>
+    <a:masterClrMapping/>
+  </p:clrMapOvr>
+</p:sld>
+</file>
+
+<file path=ppt/slides/slide55.xml><?xml version="1.0" encoding="utf-8"?>
+<p:sld xmlns:a="http://schemas.openxmlformats.org/drawingml/2006/main" xmlns:r="http://schemas.openxmlformats.org/officeDocument/2006/relationships" xmlns:p="http://schemas.openxmlformats.org/presentationml/2006/main">
+  <p:cSld>
+    <p:spTree>
+      <p:nvGrpSpPr>
+        <p:cNvPr id="1" name=""/>
+        <p:cNvGrpSpPr/>
+        <p:nvPr/>
+      </p:nvGrpSpPr>
+      <p:grpSpPr>
+        <a:xfrm>
+          <a:off x="0" y="0"/>
+          <a:ext cx="0" cy="0"/>
+          <a:chOff x="0" y="0"/>
+          <a:chExt cx="0" cy="0"/>
+        </a:xfrm>
+      </p:grpSpPr>
+    </p:spTree>
+    <p:extLst>
+      <p:ext uri="{BB962C8B-B14F-4D97-AF65-F5344CB8AC3E}">
+        <p14:creationId xmlns:p14="http://schemas.microsoft.com/office/powerpoint/2010/main" val="3414587081"/>
+      </p:ext>
+    </p:extLst>
+  </p:cSld>
+  <p:clrMapOvr>
+    <a:masterClrMapping/>
+  </p:clrMapOvr>
+</p:sld>
+</file>
+
+<file path=ppt/slides/slide56.xml><?xml version="1.0" encoding="utf-8"?>
+<p:sld xmlns:a="http://schemas.openxmlformats.org/drawingml/2006/main" xmlns:r="http://schemas.openxmlformats.org/officeDocument/2006/relationships" xmlns:p="http://schemas.openxmlformats.org/presentationml/2006/main">
+  <p:cSld>
+    <p:spTree>
+      <p:nvGrpSpPr>
+        <p:cNvPr id="1" name=""/>
+        <p:cNvGrpSpPr/>
+        <p:nvPr/>
+      </p:nvGrpSpPr>
+      <p:grpSpPr>
+        <a:xfrm>
+          <a:off x="0" y="0"/>
+          <a:ext cx="0" cy="0"/>
+          <a:chOff x="0" y="0"/>
+          <a:chExt cx="0" cy="0"/>
+        </a:xfrm>
+      </p:grpSpPr>
+    </p:spTree>
+    <p:extLst>
+      <p:ext uri="{BB962C8B-B14F-4D97-AF65-F5344CB8AC3E}">
+        <p14:creationId xmlns:p14="http://schemas.microsoft.com/office/powerpoint/2010/main" val="442540829"/>
+      </p:ext>
+    </p:extLst>
+  </p:cSld>
+  <p:clrMapOvr>
+    <a:masterClrMapping/>
+  </p:clrMapOvr>
+</p:sld>
+</file>
+
+<file path=ppt/slides/slide57.xml><?xml version="1.0" encoding="utf-8"?>
+<p:sld xmlns:a="http://schemas.openxmlformats.org/drawingml/2006/main" xmlns:r="http://schemas.openxmlformats.org/officeDocument/2006/relationships" xmlns:p="http://schemas.openxmlformats.org/presentationml/2006/main">
+  <p:cSld>
+    <p:spTree>
+      <p:nvGrpSpPr>
+        <p:cNvPr id="1" name=""/>
+        <p:cNvGrpSpPr/>
+        <p:nvPr/>
+      </p:nvGrpSpPr>
+      <p:grpSpPr>
+        <a:xfrm>
+          <a:off x="0" y="0"/>
+          <a:ext cx="0" cy="0"/>
+          <a:chOff x="0" y="0"/>
+          <a:chExt cx="0" cy="0"/>
+        </a:xfrm>
+      </p:grpSpPr>
+    </p:spTree>
+    <p:extLst>
+      <p:ext uri="{BB962C8B-B14F-4D97-AF65-F5344CB8AC3E}">
+        <p14:creationId xmlns:p14="http://schemas.microsoft.com/office/powerpoint/2010/main" val="1420470643"/>
+      </p:ext>
+    </p:extLst>
+  </p:cSld>
+  <p:clrMapOvr>
+    <a:masterClrMapping/>
+  </p:clrMapOvr>
+</p:sld>
+</file>
+
+<file path=ppt/slides/slide58.xml><?xml version="1.0" encoding="utf-8"?>
+<p:sld xmlns:a="http://schemas.openxmlformats.org/drawingml/2006/main" xmlns:r="http://schemas.openxmlformats.org/officeDocument/2006/relationships" xmlns:p="http://schemas.openxmlformats.org/presentationml/2006/main">
+  <p:cSld>
+    <p:spTree>
+      <p:nvGrpSpPr>
+        <p:cNvPr id="1" name=""/>
+        <p:cNvGrpSpPr/>
+        <p:nvPr/>
+      </p:nvGrpSpPr>
+      <p:grpSpPr>
+        <a:xfrm>
+          <a:off x="0" y="0"/>
+          <a:ext cx="0" cy="0"/>
+          <a:chOff x="0" y="0"/>
+          <a:chExt cx="0" cy="0"/>
+        </a:xfrm>
+      </p:grpSpPr>
+    </p:spTree>
+    <p:extLst>
+      <p:ext uri="{BB962C8B-B14F-4D97-AF65-F5344CB8AC3E}">
+        <p14:creationId xmlns:p14="http://schemas.microsoft.com/office/powerpoint/2010/main" val="3894202841"/>
+      </p:ext>
+    </p:extLst>
+  </p:cSld>
+  <p:clrMapOvr>
+    <a:masterClrMapping/>
+  </p:clrMapOvr>
+</p:sld>
+</file>
+
+<file path=ppt/slides/slide59.xml><?xml version="1.0" encoding="utf-8"?>
+<p:sld xmlns:a="http://schemas.openxmlformats.org/drawingml/2006/main" xmlns:r="http://schemas.openxmlformats.org/officeDocument/2006/relationships" xmlns:p="http://schemas.openxmlformats.org/presentationml/2006/main">
+  <p:cSld>
+    <p:spTree>
+      <p:nvGrpSpPr>
+        <p:cNvPr id="1" name=""/>
+        <p:cNvGrpSpPr/>
+        <p:nvPr/>
+      </p:nvGrpSpPr>
+      <p:grpSpPr>
+        <a:xfrm>
+          <a:off x="0" y="0"/>
+          <a:ext cx="0" cy="0"/>
+          <a:chOff x="0" y="0"/>
+          <a:chExt cx="0" cy="0"/>
+        </a:xfrm>
+      </p:grpSpPr>
+    </p:spTree>
+    <p:extLst>
+      <p:ext uri="{BB962C8B-B14F-4D97-AF65-F5344CB8AC3E}">
+        <p14:creationId xmlns:p14="http://schemas.microsoft.com/office/powerpoint/2010/main" val="823279161"/>
+      </p:ext>
+    </p:extLst>
+  </p:cSld>
+  <p:clrMapOvr>
+    <a:masterClrMapping/>
+  </p:clrMapOvr>
+</p:sld>
+</file>
+
+<file path=ppt/slides/slide6.xml><?xml version="1.0" encoding="utf-8"?>
+<p:sld xmlns:a="http://schemas.openxmlformats.org/drawingml/2006/main" xmlns:r="http://schemas.openxmlformats.org/officeDocument/2006/relationships" xmlns:p="http://schemas.openxmlformats.org/presentationml/2006/main">
+  <p:cSld>
+    <p:spTree>
+      <p:nvGrpSpPr>
+        <p:cNvPr id="1" name=""/>
+        <p:cNvGrpSpPr/>
+        <p:nvPr/>
+      </p:nvGrpSpPr>
+      <p:grpSpPr>
+        <a:xfrm>
+          <a:off x="0" y="0"/>
+          <a:ext cx="0" cy="0"/>
+          <a:chOff x="0" y="0"/>
+          <a:chExt cx="0" cy="0"/>
+        </a:xfrm>
+      </p:grpSpPr>
+      <p:sp>
+        <p:nvSpPr>
+          <p:cNvPr id="4" name="Rectangle 3"/>
+          <p:cNvSpPr/>
+          <p:nvPr/>
+        </p:nvSpPr>
+        <p:spPr>
+          <a:xfrm>
+            <a:off x="0" y="381000"/>
+            <a:ext cx="9144000" cy="2800767"/>
+          </a:xfrm>
+          <a:prstGeom prst="rect">
+            <a:avLst/>
+          </a:prstGeom>
+        </p:spPr>
+        <p:txBody>
+          <a:bodyPr wrap="square">
+            <a:spAutoFit/>
+          </a:bodyPr>
+          <a:lstStyle/>
+          <a:p>
+            <a:r>
+              <a:rPr lang="vi-VN" sz="2200" b="1" dirty="0" smtClean="0">
+                <a:latin typeface="Times New Roman" pitchFamily="18" charset="0"/>
+                <a:cs typeface="Times New Roman" pitchFamily="18" charset="0"/>
+              </a:rPr>
+              <a:t>Manifest File</a:t>
+            </a:r>
+            <a:endParaRPr lang="en-US" sz="2200" b="1" dirty="0" smtClean="0">
+              <a:latin typeface="Times New Roman" pitchFamily="18" charset="0"/>
+              <a:cs typeface="Times New Roman" pitchFamily="18" charset="0"/>
+            </a:endParaRPr>
+          </a:p>
+          <a:p>
+            <a:endParaRPr lang="vi-VN" sz="2200" dirty="0">
+              <a:latin typeface="Times New Roman" pitchFamily="18" charset="0"/>
+              <a:cs typeface="Times New Roman" pitchFamily="18" charset="0"/>
+            </a:endParaRPr>
+          </a:p>
+          <a:p>
+            <a:pPr marL="342900" indent="-342900">
+              <a:buFont typeface="Wingdings" pitchFamily="2" charset="2"/>
+              <a:buChar char="§"/>
+            </a:pPr>
+            <a:r>
+              <a:rPr lang="vi-VN" sz="2200" dirty="0" smtClean="0">
+                <a:latin typeface="Times New Roman" pitchFamily="18" charset="0"/>
+                <a:cs typeface="Times New Roman" pitchFamily="18" charset="0"/>
+              </a:rPr>
+              <a:t>Trước </a:t>
+            </a:r>
+            <a:r>
+              <a:rPr lang="vi-VN" sz="2200" dirty="0">
+                <a:latin typeface="Times New Roman" pitchFamily="18" charset="0"/>
+                <a:cs typeface="Times New Roman" pitchFamily="18" charset="0"/>
+              </a:rPr>
+              <a:t>khi ứng dụng được khởi động thì hệ thống sẽ đọc </a:t>
+            </a:r>
+            <a:r>
+              <a:rPr lang="vi-VN" sz="2200" dirty="0" smtClean="0">
+                <a:latin typeface="Times New Roman" pitchFamily="18" charset="0"/>
+                <a:cs typeface="Times New Roman" pitchFamily="18" charset="0"/>
+              </a:rPr>
+              <a:t>file </a:t>
+            </a:r>
+            <a:r>
+              <a:rPr lang="vi-VN" sz="2200" dirty="0">
+                <a:latin typeface="Times New Roman" pitchFamily="18" charset="0"/>
+                <a:cs typeface="Times New Roman" pitchFamily="18" charset="0"/>
+              </a:rPr>
+              <a:t>Manifest của ứng dụng.</a:t>
+            </a:r>
+          </a:p>
+          <a:p>
+            <a:pPr marL="342900" indent="-342900">
+              <a:buFont typeface="Wingdings" pitchFamily="2" charset="2"/>
+              <a:buChar char="§"/>
+            </a:pPr>
+            <a:r>
+              <a:rPr lang="vi-VN" sz="2200" dirty="0" smtClean="0">
+                <a:latin typeface="Times New Roman" pitchFamily="18" charset="0"/>
+                <a:cs typeface="Times New Roman" pitchFamily="18" charset="0"/>
+              </a:rPr>
+              <a:t>Cung </a:t>
+            </a:r>
+            <a:r>
+              <a:rPr lang="vi-VN" sz="2200" dirty="0">
+                <a:latin typeface="Times New Roman" pitchFamily="18" charset="0"/>
+                <a:cs typeface="Times New Roman" pitchFamily="18" charset="0"/>
+              </a:rPr>
+              <a:t>cấp các thành phần có trong ứng </a:t>
+            </a:r>
+            <a:r>
+              <a:rPr lang="vi-VN" sz="2200" dirty="0" smtClean="0">
+                <a:latin typeface="Times New Roman" pitchFamily="18" charset="0"/>
+                <a:cs typeface="Times New Roman" pitchFamily="18" charset="0"/>
+              </a:rPr>
+              <a:t>dụng</a:t>
+            </a:r>
+          </a:p>
+          <a:p>
+            <a:pPr marL="342900" indent="-342900">
+              <a:buFont typeface="Wingdings" pitchFamily="2" charset="2"/>
+              <a:buChar char="§"/>
+            </a:pPr>
+            <a:r>
+              <a:rPr lang="vi-VN" sz="2200" dirty="0" smtClean="0">
+                <a:latin typeface="Times New Roman" pitchFamily="18" charset="0"/>
+                <a:cs typeface="Times New Roman" pitchFamily="18" charset="0"/>
+              </a:rPr>
+              <a:t>Cấp cấp các quyền của ứng dụng sử dụng tài nguyên hệ </a:t>
+            </a:r>
+          </a:p>
+          <a:p>
+            <a:pPr marL="342900" indent="-342900">
+              <a:buFont typeface="Wingdings" pitchFamily="2" charset="2"/>
+              <a:buChar char="§"/>
+            </a:pPr>
+            <a:r>
+              <a:rPr lang="vi-VN" sz="2200" dirty="0" smtClean="0">
+                <a:latin typeface="Times New Roman" pitchFamily="18" charset="0"/>
+                <a:cs typeface="Times New Roman" pitchFamily="18" charset="0"/>
+              </a:rPr>
+              <a:t>thống</a:t>
+            </a:r>
+            <a:r>
+              <a:rPr lang="vi-VN" sz="2200" dirty="0">
+                <a:latin typeface="Times New Roman" pitchFamily="18" charset="0"/>
+                <a:cs typeface="Times New Roman" pitchFamily="18" charset="0"/>
+              </a:rPr>
+              <a:t>.</a:t>
+            </a:r>
+          </a:p>
+          <a:p>
+            <a:pPr marL="342900" indent="-342900">
+              <a:buFont typeface="Wingdings" pitchFamily="2" charset="2"/>
+              <a:buChar char="§"/>
+            </a:pPr>
+            <a:r>
+              <a:rPr lang="vi-VN" sz="2200" dirty="0" smtClean="0">
+                <a:latin typeface="Times New Roman" pitchFamily="18" charset="0"/>
+                <a:cs typeface="Times New Roman" pitchFamily="18" charset="0"/>
+              </a:rPr>
+              <a:t>Khả </a:t>
+            </a:r>
+            <a:r>
+              <a:rPr lang="vi-VN" sz="2200" dirty="0">
+                <a:latin typeface="Times New Roman" pitchFamily="18" charset="0"/>
+                <a:cs typeface="Times New Roman" pitchFamily="18" charset="0"/>
+              </a:rPr>
+              <a:t>năng tương thích của ứng dụng đối với hệ thống.</a:t>
+            </a:r>
+            <a:endParaRPr lang="en-US" sz="2200" dirty="0">
+              <a:latin typeface="Times New Roman" pitchFamily="18" charset="0"/>
+              <a:cs typeface="Times New Roman" pitchFamily="18" charset="0"/>
+            </a:endParaRPr>
+          </a:p>
+        </p:txBody>
+      </p:sp>
+      <p:sp>
+        <p:nvSpPr>
+          <p:cNvPr id="5" name="Rectangle 4"/>
+          <p:cNvSpPr/>
+          <p:nvPr/>
+        </p:nvSpPr>
+        <p:spPr>
+          <a:xfrm>
+            <a:off x="15710" y="4189957"/>
+            <a:ext cx="9128289" cy="2123658"/>
+          </a:xfrm>
+          <a:prstGeom prst="rect">
+            <a:avLst/>
+          </a:prstGeom>
+        </p:spPr>
+        <p:txBody>
+          <a:bodyPr wrap="square">
+            <a:spAutoFit/>
+          </a:bodyPr>
+          <a:lstStyle/>
+          <a:p>
+            <a:r>
+              <a:rPr lang="vi-VN" sz="2200" b="1" dirty="0" smtClean="0">
+                <a:latin typeface="Times New Roman" pitchFamily="18" charset="0"/>
+                <a:cs typeface="Times New Roman" pitchFamily="18" charset="0"/>
+              </a:rPr>
+              <a:t>Tài </a:t>
+            </a:r>
+            <a:r>
+              <a:rPr lang="vi-VN" sz="2200" b="1" dirty="0">
+                <a:latin typeface="Times New Roman" pitchFamily="18" charset="0"/>
+                <a:cs typeface="Times New Roman" pitchFamily="18" charset="0"/>
+              </a:rPr>
+              <a:t>nguyên ứng dụng</a:t>
+            </a:r>
+            <a:r>
+              <a:rPr lang="vi-VN" sz="2200" b="1" dirty="0" smtClean="0">
+                <a:latin typeface="Times New Roman" pitchFamily="18" charset="0"/>
+                <a:cs typeface="Times New Roman" pitchFamily="18" charset="0"/>
+              </a:rPr>
+              <a:t>:</a:t>
+            </a:r>
+            <a:endParaRPr lang="en-US" sz="2200" b="1" dirty="0" smtClean="0">
+              <a:latin typeface="Times New Roman" pitchFamily="18" charset="0"/>
+              <a:cs typeface="Times New Roman" pitchFamily="18" charset="0"/>
+            </a:endParaRPr>
+          </a:p>
+          <a:p>
+            <a:endParaRPr lang="vi-VN" sz="2200" dirty="0">
+              <a:latin typeface="Times New Roman" pitchFamily="18" charset="0"/>
+              <a:cs typeface="Times New Roman" pitchFamily="18" charset="0"/>
+            </a:endParaRPr>
+          </a:p>
+          <a:p>
+            <a:pPr marL="342900" indent="-342900">
+              <a:buFont typeface="Wingdings" pitchFamily="2" charset="2"/>
+              <a:buChar char="§"/>
+            </a:pPr>
+            <a:r>
+              <a:rPr lang="vi-VN" sz="2200" dirty="0" smtClean="0">
+                <a:latin typeface="Times New Roman" pitchFamily="18" charset="0"/>
+                <a:cs typeface="Times New Roman" pitchFamily="18" charset="0"/>
+              </a:rPr>
+              <a:t>Là </a:t>
+            </a:r>
+            <a:r>
+              <a:rPr lang="vi-VN" sz="2200" dirty="0">
+                <a:latin typeface="Times New Roman" pitchFamily="18" charset="0"/>
+                <a:cs typeface="Times New Roman" pitchFamily="18" charset="0"/>
+              </a:rPr>
+              <a:t>tất cả những gì có trong project: code, image, audio, </a:t>
+            </a:r>
+            <a:r>
+              <a:rPr lang="vi-VN" sz="2200" dirty="0" smtClean="0">
+                <a:latin typeface="Times New Roman" pitchFamily="18" charset="0"/>
+                <a:cs typeface="Times New Roman" pitchFamily="18" charset="0"/>
+              </a:rPr>
+              <a:t>video</a:t>
+            </a:r>
+            <a:r>
+              <a:rPr lang="vi-VN" sz="2200" dirty="0">
+                <a:latin typeface="Times New Roman" pitchFamily="18" charset="0"/>
+                <a:cs typeface="Times New Roman" pitchFamily="18" charset="0"/>
+              </a:rPr>
+              <a:t>, …</a:t>
+            </a:r>
+          </a:p>
+          <a:p>
+            <a:pPr marL="342900" indent="-342900">
+              <a:buFont typeface="Wingdings" pitchFamily="2" charset="2"/>
+              <a:buChar char="§"/>
+            </a:pPr>
+            <a:r>
+              <a:rPr lang="vi-VN" sz="2200" dirty="0" smtClean="0">
+                <a:latin typeface="Times New Roman" pitchFamily="18" charset="0"/>
+                <a:cs typeface="Times New Roman" pitchFamily="18" charset="0"/>
+              </a:rPr>
+              <a:t>Mỗi </a:t>
+            </a:r>
+            <a:r>
+              <a:rPr lang="vi-VN" sz="2200" dirty="0">
+                <a:latin typeface="Times New Roman" pitchFamily="18" charset="0"/>
+                <a:cs typeface="Times New Roman" pitchFamily="18" charset="0"/>
+              </a:rPr>
+              <a:t>tài nguyên đều được định danh bằng 1 ID duy nhất </a:t>
+            </a:r>
+            <a:r>
+              <a:rPr lang="vi-VN" sz="2200" dirty="0" smtClean="0">
+                <a:latin typeface="Times New Roman" pitchFamily="18" charset="0"/>
+                <a:cs typeface="Times New Roman" pitchFamily="18" charset="0"/>
+              </a:rPr>
+              <a:t>trong </a:t>
+            </a:r>
+            <a:r>
+              <a:rPr lang="vi-VN" sz="2200" dirty="0">
+                <a:latin typeface="Times New Roman" pitchFamily="18" charset="0"/>
+                <a:cs typeface="Times New Roman" pitchFamily="18" charset="0"/>
+              </a:rPr>
+              <a:t>ứng dụng.</a:t>
+            </a:r>
+          </a:p>
+          <a:p>
+            <a:pPr marL="342900" indent="-342900">
+              <a:buFont typeface="Wingdings" pitchFamily="2" charset="2"/>
+              <a:buChar char="§"/>
+            </a:pPr>
+            <a:r>
+              <a:rPr lang="vi-VN" sz="2200" dirty="0" smtClean="0">
+                <a:latin typeface="Times New Roman" pitchFamily="18" charset="0"/>
+                <a:cs typeface="Times New Roman" pitchFamily="18" charset="0"/>
+              </a:rPr>
+              <a:t>Đặc </a:t>
+            </a:r>
+            <a:r>
+              <a:rPr lang="vi-VN" sz="2200" dirty="0">
+                <a:latin typeface="Times New Roman" pitchFamily="18" charset="0"/>
+                <a:cs typeface="Times New Roman" pitchFamily="18" charset="0"/>
+              </a:rPr>
+              <a:t>biệt là có thể thay thế tài nguyên theo từng cấu hình </a:t>
+            </a:r>
+            <a:r>
+              <a:rPr lang="vi-VN" sz="2200" dirty="0" smtClean="0">
+                <a:latin typeface="Times New Roman" pitchFamily="18" charset="0"/>
+                <a:cs typeface="Times New Roman" pitchFamily="18" charset="0"/>
+              </a:rPr>
+              <a:t>máy</a:t>
+            </a:r>
+            <a:r>
+              <a:rPr lang="vi-VN" sz="2200" dirty="0">
+                <a:latin typeface="Times New Roman" pitchFamily="18" charset="0"/>
+                <a:cs typeface="Times New Roman" pitchFamily="18" charset="0"/>
+              </a:rPr>
+              <a:t>.</a:t>
+            </a:r>
+          </a:p>
+          <a:p>
+            <a:pPr marL="342900" indent="-342900">
+              <a:buFont typeface="Wingdings" pitchFamily="2" charset="2"/>
+              <a:buChar char="§"/>
+            </a:pPr>
+            <a:r>
+              <a:rPr lang="vi-VN" sz="2200" dirty="0" smtClean="0">
+                <a:latin typeface="Times New Roman" pitchFamily="18" charset="0"/>
+                <a:cs typeface="Times New Roman" pitchFamily="18" charset="0"/>
+              </a:rPr>
+              <a:t>Thay </a:t>
+            </a:r>
+            <a:r>
+              <a:rPr lang="vi-VN" sz="2200" dirty="0">
+                <a:latin typeface="Times New Roman" pitchFamily="18" charset="0"/>
+                <a:cs typeface="Times New Roman" pitchFamily="18" charset="0"/>
+              </a:rPr>
+              <a:t>thế tài nguyên theo trạng thái của thiết bị.</a:t>
+            </a:r>
+            <a:endParaRPr lang="en-US" sz="2200" dirty="0">
+              <a:latin typeface="Times New Roman" pitchFamily="18" charset="0"/>
+              <a:cs typeface="Times New Roman" pitchFamily="18" charset="0"/>
+            </a:endParaRPr>
+          </a:p>
+        </p:txBody>
+      </p:sp>
+    </p:spTree>
+    <p:extLst>
+      <p:ext uri="{BB962C8B-B14F-4D97-AF65-F5344CB8AC3E}">
+        <p14:creationId xmlns:p14="http://schemas.microsoft.com/office/powerpoint/2010/main" val="3172526265"/>
+      </p:ext>
+    </p:extLst>
+  </p:cSld>
+  <p:clrMapOvr>
+    <a:masterClrMapping/>
+  </p:clrMapOvr>
+  <p:timing>
+    <p:tnLst>
+      <p:par>
+        <p:cTn id="1" dur="indefinite" restart="never" nodeType="tmRoot"/>
+      </p:par>
+    </p:tnLst>
+  </p:timing>
+</p:sld>
+</file>
+
+<file path=ppt/slides/slide60.xml><?xml version="1.0" encoding="utf-8"?>
+<p:sld xmlns:a="http://schemas.openxmlformats.org/drawingml/2006/main" xmlns:r="http://schemas.openxmlformats.org/officeDocument/2006/relationships" xmlns:p="http://schemas.openxmlformats.org/presentationml/2006/main">
+  <p:cSld>
+    <p:spTree>
+      <p:nvGrpSpPr>
+        <p:cNvPr id="1" name=""/>
+        <p:cNvGrpSpPr/>
+        <p:nvPr/>
+      </p:nvGrpSpPr>
+      <p:grpSpPr>
+        <a:xfrm>
+          <a:off x="0" y="0"/>
+          <a:ext cx="0" cy="0"/>
+          <a:chOff x="0" y="0"/>
+          <a:chExt cx="0" cy="0"/>
+        </a:xfrm>
+      </p:grpSpPr>
+    </p:spTree>
+    <p:extLst>
+      <p:ext uri="{BB962C8B-B14F-4D97-AF65-F5344CB8AC3E}">
+        <p14:creationId xmlns:p14="http://schemas.microsoft.com/office/powerpoint/2010/main" val="1903886768"/>
+      </p:ext>
+    </p:extLst>
+  </p:cSld>
+  <p:clrMapOvr>
+    <a:masterClrMapping/>
+  </p:clrMapOvr>
+</p:sld>
+</file>
+
+<file path=ppt/slides/slide61.xml><?xml version="1.0" encoding="utf-8"?>
+<p:sld xmlns:a="http://schemas.openxmlformats.org/drawingml/2006/main" xmlns:r="http://schemas.openxmlformats.org/officeDocument/2006/relationships" xmlns:p="http://schemas.openxmlformats.org/presentationml/2006/main">
+  <p:cSld>
+    <p:spTree>
+      <p:nvGrpSpPr>
+        <p:cNvPr id="1" name=""/>
+        <p:cNvGrpSpPr/>
+        <p:nvPr/>
+      </p:nvGrpSpPr>
+      <p:grpSpPr>
+        <a:xfrm>
+          <a:off x="0" y="0"/>
+          <a:ext cx="0" cy="0"/>
+          <a:chOff x="0" y="0"/>
+          <a:chExt cx="0" cy="0"/>
+        </a:xfrm>
+      </p:grpSpPr>
+    </p:spTree>
+    <p:extLst>
+      <p:ext uri="{BB962C8B-B14F-4D97-AF65-F5344CB8AC3E}">
+        <p14:creationId xmlns:p14="http://schemas.microsoft.com/office/powerpoint/2010/main" val="1362313330"/>
+      </p:ext>
+    </p:extLst>
+  </p:cSld>
+  <p:clrMapOvr>
+    <a:masterClrMapping/>
+  </p:clrMapOvr>
+</p:sld>
+</file>
+
+<file path=ppt/slides/slide62.xml><?xml version="1.0" encoding="utf-8"?>
+<p:sld xmlns:a="http://schemas.openxmlformats.org/drawingml/2006/main" xmlns:r="http://schemas.openxmlformats.org/officeDocument/2006/relationships" xmlns:p="http://schemas.openxmlformats.org/presentationml/2006/main">
+  <p:cSld>
+    <p:spTree>
+      <p:nvGrpSpPr>
+        <p:cNvPr id="1" name=""/>
+        <p:cNvGrpSpPr/>
+        <p:nvPr/>
+      </p:nvGrpSpPr>
+      <p:grpSpPr>
+        <a:xfrm>
+          <a:off x="0" y="0"/>
+          <a:ext cx="0" cy="0"/>
+          <a:chOff x="0" y="0"/>
+          <a:chExt cx="0" cy="0"/>
+        </a:xfrm>
+      </p:grpSpPr>
+    </p:spTree>
+    <p:extLst>
+      <p:ext uri="{BB962C8B-B14F-4D97-AF65-F5344CB8AC3E}">
+        <p14:creationId xmlns:p14="http://schemas.microsoft.com/office/powerpoint/2010/main" val="2765079386"/>
+      </p:ext>
+    </p:extLst>
+  </p:cSld>
+  <p:clrMapOvr>
+    <a:masterClrMapping/>
+  </p:clrMapOvr>
+</p:sld>
+</file>
+
+<file path=ppt/slides/slide63.xml><?xml version="1.0" encoding="utf-8"?>
+<p:sld xmlns:a="http://schemas.openxmlformats.org/drawingml/2006/main" xmlns:r="http://schemas.openxmlformats.org/officeDocument/2006/relationships" xmlns:p="http://schemas.openxmlformats.org/presentationml/2006/main">
+  <p:cSld>
+    <p:spTree>
+      <p:nvGrpSpPr>
+        <p:cNvPr id="1" name=""/>
+        <p:cNvGrpSpPr/>
+        <p:nvPr/>
+      </p:nvGrpSpPr>
+      <p:grpSpPr>
+        <a:xfrm>
+          <a:off x="0" y="0"/>
+          <a:ext cx="0" cy="0"/>
+          <a:chOff x="0" y="0"/>
+          <a:chExt cx="0" cy="0"/>
+        </a:xfrm>
+      </p:grpSpPr>
+    </p:spTree>
+    <p:extLst>
+      <p:ext uri="{BB962C8B-B14F-4D97-AF65-F5344CB8AC3E}">
+        <p14:creationId xmlns:p14="http://schemas.microsoft.com/office/powerpoint/2010/main" val="2958174846"/>
+      </p:ext>
+    </p:extLst>
+  </p:cSld>
+  <p:clrMapOvr>
+    <a:masterClrMapping/>
+  </p:clrMapOvr>
+</p:sld>
+</file>
+
+<file path=ppt/slides/slide64.xml><?xml version="1.0" encoding="utf-8"?>
+<p:sld xmlns:a="http://schemas.openxmlformats.org/drawingml/2006/main" xmlns:r="http://schemas.openxmlformats.org/officeDocument/2006/relationships" xmlns:p="http://schemas.openxmlformats.org/presentationml/2006/main">
+  <p:cSld>
+    <p:spTree>
+      <p:nvGrpSpPr>
+        <p:cNvPr id="1" name=""/>
+        <p:cNvGrpSpPr/>
+        <p:nvPr/>
+      </p:nvGrpSpPr>
+      <p:grpSpPr>
+        <a:xfrm>
+          <a:off x="0" y="0"/>
+          <a:ext cx="0" cy="0"/>
+          <a:chOff x="0" y="0"/>
+          <a:chExt cx="0" cy="0"/>
+        </a:xfrm>
+      </p:grpSpPr>
+    </p:spTree>
+    <p:extLst>
+      <p:ext uri="{BB962C8B-B14F-4D97-AF65-F5344CB8AC3E}">
+        <p14:creationId xmlns:p14="http://schemas.microsoft.com/office/powerpoint/2010/main" val="3779629"/>
+      </p:ext>
+    </p:extLst>
+  </p:cSld>
+  <p:clrMapOvr>
+    <a:masterClrMapping/>
+  </p:clrMapOvr>
+</p:sld>
+</file>
+
+<file path=ppt/slides/slide65.xml><?xml version="1.0" encoding="utf-8"?>
+<p:sld xmlns:a="http://schemas.openxmlformats.org/drawingml/2006/main" xmlns:r="http://schemas.openxmlformats.org/officeDocument/2006/relationships" xmlns:p="http://schemas.openxmlformats.org/presentationml/2006/main">
+  <p:cSld>
+    <p:spTree>
+      <p:nvGrpSpPr>
+        <p:cNvPr id="1" name=""/>
+        <p:cNvGrpSpPr/>
+        <p:nvPr/>
+      </p:nvGrpSpPr>
+      <p:grpSpPr>
+        <a:xfrm>
+          <a:off x="0" y="0"/>
+          <a:ext cx="0" cy="0"/>
+          <a:chOff x="0" y="0"/>
+          <a:chExt cx="0" cy="0"/>
+        </a:xfrm>
+      </p:grpSpPr>
+    </p:spTree>
+    <p:extLst>
+      <p:ext uri="{BB962C8B-B14F-4D97-AF65-F5344CB8AC3E}">
+        <p14:creationId xmlns:p14="http://schemas.microsoft.com/office/powerpoint/2010/main" val="2004744060"/>
+      </p:ext>
+    </p:extLst>
+  </p:cSld>
+  <p:clrMapOvr>
+    <a:masterClrMapping/>
+  </p:clrMapOvr>
+</p:sld>
+</file>
+
+<file path=ppt/slides/slide66.xml><?xml version="1.0" encoding="utf-8"?>
+<p:sld xmlns:a="http://schemas.openxmlformats.org/drawingml/2006/main" xmlns:r="http://schemas.openxmlformats.org/officeDocument/2006/relationships" xmlns:p="http://schemas.openxmlformats.org/presentationml/2006/main">
+  <p:cSld>
+    <p:spTree>
+      <p:nvGrpSpPr>
+        <p:cNvPr id="1" name=""/>
+        <p:cNvGrpSpPr/>
+        <p:nvPr/>
+      </p:nvGrpSpPr>
+      <p:grpSpPr>
+        <a:xfrm>
+          <a:off x="0" y="0"/>
+          <a:ext cx="0" cy="0"/>
+          <a:chOff x="0" y="0"/>
+          <a:chExt cx="0" cy="0"/>
+        </a:xfrm>
+      </p:grpSpPr>
+    </p:spTree>
+    <p:extLst>
+      <p:ext uri="{BB962C8B-B14F-4D97-AF65-F5344CB8AC3E}">
+        <p14:creationId xmlns:p14="http://schemas.microsoft.com/office/powerpoint/2010/main" val="205873441"/>
+      </p:ext>
+    </p:extLst>
+  </p:cSld>
+  <p:clrMapOvr>
+    <a:masterClrMapping/>
+  </p:clrMapOvr>
+</p:sld>
+</file>
+
+<file path=ppt/slides/slide67.xml><?xml version="1.0" encoding="utf-8"?>
+<p:sld xmlns:a="http://schemas.openxmlformats.org/drawingml/2006/main" xmlns:r="http://schemas.openxmlformats.org/officeDocument/2006/relationships" xmlns:p="http://schemas.openxmlformats.org/presentationml/2006/main">
+  <p:cSld>
+    <p:spTree>
+      <p:nvGrpSpPr>
+        <p:cNvPr id="1" name=""/>
+        <p:cNvGrpSpPr/>
+        <p:nvPr/>
+      </p:nvGrpSpPr>
+      <p:grpSpPr>
+        <a:xfrm>
+          <a:off x="0" y="0"/>
+          <a:ext cx="0" cy="0"/>
+          <a:chOff x="0" y="0"/>
+          <a:chExt cx="0" cy="0"/>
+        </a:xfrm>
+      </p:grpSpPr>
+    </p:spTree>
+    <p:extLst>
+      <p:ext uri="{BB962C8B-B14F-4D97-AF65-F5344CB8AC3E}">
+        <p14:creationId xmlns:p14="http://schemas.microsoft.com/office/powerpoint/2010/main" val="3048959057"/>
+      </p:ext>
+    </p:extLst>
+  </p:cSld>
+  <p:clrMapOvr>
+    <a:masterClrMapping/>
+  </p:clrMapOvr>
+</p:sld>
+</file>
+
+<file path=ppt/slides/slide68.xml><?xml version="1.0" encoding="utf-8"?>
+<p:sld xmlns:a="http://schemas.openxmlformats.org/drawingml/2006/main" xmlns:r="http://schemas.openxmlformats.org/officeDocument/2006/relationships" xmlns:p="http://schemas.openxmlformats.org/presentationml/2006/main">
+  <p:cSld>
+    <p:spTree>
+      <p:nvGrpSpPr>
+        <p:cNvPr id="1" name=""/>
+        <p:cNvGrpSpPr/>
+        <p:nvPr/>
+      </p:nvGrpSpPr>
+      <p:grpSpPr>
+        <a:xfrm>
+          <a:off x="0" y="0"/>
+          <a:ext cx="0" cy="0"/>
+          <a:chOff x="0" y="0"/>
+          <a:chExt cx="0" cy="0"/>
+        </a:xfrm>
+      </p:grpSpPr>
+    </p:spTree>
+    <p:extLst>
+      <p:ext uri="{BB962C8B-B14F-4D97-AF65-F5344CB8AC3E}">
+        <p14:creationId xmlns:p14="http://schemas.microsoft.com/office/powerpoint/2010/main" val="2490398894"/>
+      </p:ext>
+    </p:extLst>
+  </p:cSld>
+  <p:clrMapOvr>
+    <a:masterClrMapping/>
+  </p:clrMapOvr>
+</p:sld>
+</file>
+
+<file path=ppt/slides/slide69.xml><?xml version="1.0" encoding="utf-8"?>
+<p:sld xmlns:a="http://schemas.openxmlformats.org/drawingml/2006/main" xmlns:r="http://schemas.openxmlformats.org/officeDocument/2006/relationships" xmlns:p="http://schemas.openxmlformats.org/presentationml/2006/main">
+  <p:cSld>
+    <p:spTree>
+      <p:nvGrpSpPr>
+        <p:cNvPr id="1" name=""/>
+        <p:cNvGrpSpPr/>
+        <p:nvPr/>
+      </p:nvGrpSpPr>
+      <p:grpSpPr>
+        <a:xfrm>
+          <a:off x="0" y="0"/>
+          <a:ext cx="0" cy="0"/>
+          <a:chOff x="0" y="0"/>
+          <a:chExt cx="0" cy="0"/>
+        </a:xfrm>
+      </p:grpSpPr>
+    </p:spTree>
+    <p:extLst>
+      <p:ext uri="{BB962C8B-B14F-4D97-AF65-F5344CB8AC3E}">
+        <p14:creationId xmlns:p14="http://schemas.microsoft.com/office/powerpoint/2010/main" val="1995056849"/>
+      </p:ext>
+    </p:extLst>
+  </p:cSld>
+  <p:clrMapOvr>
+    <a:masterClrMapping/>
+  </p:clrMapOvr>
+</p:sld>
+</file>
+
+<file path=ppt/slides/slide7.xml><?xml version="1.0" encoding="utf-8"?>
+<p:sld xmlns:a="http://schemas.openxmlformats.org/drawingml/2006/main" xmlns:r="http://schemas.openxmlformats.org/officeDocument/2006/relationships" xmlns:p="http://schemas.openxmlformats.org/presentationml/2006/main">
+  <p:cSld>
+    <p:spTree>
+      <p:nvGrpSpPr>
+        <p:cNvPr id="1" name=""/>
+        <p:cNvGrpSpPr/>
+        <p:nvPr/>
+      </p:nvGrpSpPr>
+      <p:grpSpPr>
+        <a:xfrm>
+          <a:off x="0" y="0"/>
+          <a:ext cx="0" cy="0"/>
+          <a:chOff x="0" y="0"/>
+          <a:chExt cx="0" cy="0"/>
+        </a:xfrm>
+      </p:grpSpPr>
+      <p:sp>
+        <p:nvSpPr>
+          <p:cNvPr id="4" name="Rectangle 3"/>
+          <p:cNvSpPr/>
+          <p:nvPr/>
+        </p:nvSpPr>
+        <p:spPr>
+          <a:xfrm>
+            <a:off x="76200" y="76200"/>
+            <a:ext cx="4343400" cy="430887"/>
+          </a:xfrm>
+          <a:prstGeom prst="rect">
+            <a:avLst/>
+          </a:prstGeom>
+        </p:spPr>
+        <p:txBody>
+          <a:bodyPr wrap="square">
+            <a:spAutoFit/>
+          </a:bodyPr>
+          <a:lstStyle/>
+          <a:p>
+            <a:r>
+              <a:rPr lang="vi-VN" sz="2200" b="1" dirty="0">
+                <a:solidFill>
+                  <a:srgbClr val="FF0000"/>
+                </a:solidFill>
+                <a:latin typeface="Times New Roman" pitchFamily="18" charset="0"/>
+                <a:cs typeface="Times New Roman" pitchFamily="18" charset="0"/>
+              </a:rPr>
+              <a:t>Ứng dụng Android </a:t>
+            </a:r>
+            <a:r>
+              <a:rPr lang="vi-VN" sz="2200" b="1" dirty="0" smtClean="0">
+                <a:solidFill>
+                  <a:srgbClr val="FF0000"/>
+                </a:solidFill>
+                <a:latin typeface="Times New Roman" pitchFamily="18" charset="0"/>
+                <a:cs typeface="Times New Roman" pitchFamily="18" charset="0"/>
+              </a:rPr>
+              <a:t>đơn </a:t>
+            </a:r>
+            <a:r>
+              <a:rPr lang="vi-VN" sz="2200" b="1" dirty="0">
+                <a:solidFill>
+                  <a:srgbClr val="FF0000"/>
+                </a:solidFill>
+                <a:latin typeface="Times New Roman" pitchFamily="18" charset="0"/>
+                <a:cs typeface="Times New Roman" pitchFamily="18" charset="0"/>
+              </a:rPr>
+              <a:t>giản</a:t>
+            </a:r>
+            <a:endParaRPr lang="en-US" sz="2200" b="1" dirty="0">
+              <a:solidFill>
+                <a:srgbClr val="FF0000"/>
+              </a:solidFill>
+              <a:latin typeface="Times New Roman" pitchFamily="18" charset="0"/>
+              <a:cs typeface="Times New Roman" pitchFamily="18" charset="0"/>
+            </a:endParaRPr>
+          </a:p>
+        </p:txBody>
+      </p:sp>
+      <p:pic>
+        <p:nvPicPr>
+          <p:cNvPr id="2050" name="Picture 2"/>
+          <p:cNvPicPr>
+            <a:picLocks noChangeAspect="1" noChangeArrowheads="1"/>
+          </p:cNvPicPr>
+          <p:nvPr/>
+        </p:nvPicPr>
+        <p:blipFill>
+          <a:blip r:embed="rId2">
+            <a:extLst>
+              <a:ext uri="{28A0092B-C50C-407E-A947-70E740481C1C}">
+                <a14:useLocalDpi xmlns:a14="http://schemas.microsoft.com/office/drawing/2010/main" val="0"/>
+              </a:ext>
+            </a:extLst>
+          </a:blip>
+          <a:srcRect/>
+          <a:stretch>
+            <a:fillRect/>
+          </a:stretch>
+        </p:blipFill>
+        <p:spPr bwMode="auto">
+          <a:xfrm>
+            <a:off x="4572000" y="2971800"/>
+            <a:ext cx="4572000" cy="3810000"/>
+          </a:xfrm>
+          <a:prstGeom prst="rect">
+            <a:avLst/>
+          </a:prstGeom>
+          <a:noFill/>
+          <a:ln>
+            <a:noFill/>
+          </a:ln>
+          <a:effectLst/>
+          <a:extLst>
+            <a:ext uri="{909E8E84-426E-40DD-AFC4-6F175D3DCCD1}">
+              <a14:hiddenFill xmlns:a14="http://schemas.microsoft.com/office/drawing/2010/main">
+                <a:solidFill>
+                  <a:schemeClr val="accent1"/>
+                </a:solidFill>
+              </a14:hiddenFill>
+            </a:ext>
+            <a:ext uri="{91240B29-F687-4F45-9708-019B960494DF}">
+              <a14:hiddenLine xmlns:a14="http://schemas.microsoft.com/office/drawing/2010/main" w="9525">
+                <a:solidFill>
+                  <a:schemeClr val="tx1"/>
+                </a:solidFill>
+                <a:miter lim="800000"/>
+                <a:headEnd/>
+                <a:tailEnd/>
+              </a14:hiddenLine>
+            </a:ext>
+            <a:ext uri="{AF507438-7753-43E0-B8FC-AC1667EBCBE1}">
+              <a14:hiddenEffects xmlns:a14="http://schemas.microsoft.com/office/drawing/2010/main">
+                <a:effectLst>
+                  <a:outerShdw dist="35921" dir="2700000" algn="ctr" rotWithShape="0">
+                    <a:schemeClr val="bg2"/>
+                  </a:outerShdw>
+                </a:effectLst>
+              </a14:hiddenEffects>
+            </a:ext>
+          </a:extLst>
+        </p:spPr>
+      </p:pic>
+      <p:sp>
+        <p:nvSpPr>
+          <p:cNvPr id="5" name="Rectangle 4"/>
+          <p:cNvSpPr/>
+          <p:nvPr/>
+        </p:nvSpPr>
+        <p:spPr>
+          <a:xfrm>
+            <a:off x="48704" y="1151935"/>
+            <a:ext cx="9095295" cy="3477875"/>
+          </a:xfrm>
+          <a:prstGeom prst="rect">
+            <a:avLst/>
+          </a:prstGeom>
+        </p:spPr>
+        <p:txBody>
+          <a:bodyPr wrap="square">
+            <a:spAutoFit/>
+          </a:bodyPr>
+          <a:lstStyle/>
+          <a:p>
+            <a:r>
+              <a:rPr lang="vi-VN" sz="2200" b="1" dirty="0" smtClean="0">
+                <a:latin typeface="Times New Roman" pitchFamily="18" charset="0"/>
+                <a:cs typeface="Times New Roman" pitchFamily="18" charset="0"/>
+              </a:rPr>
+              <a:t>Môi </a:t>
+            </a:r>
+            <a:r>
+              <a:rPr lang="vi-VN" sz="2200" b="1" dirty="0">
+                <a:latin typeface="Times New Roman" pitchFamily="18" charset="0"/>
+                <a:cs typeface="Times New Roman" pitchFamily="18" charset="0"/>
+              </a:rPr>
+              <a:t>trường làm việc</a:t>
+            </a:r>
+            <a:r>
+              <a:rPr lang="vi-VN" sz="2200" b="1" dirty="0" smtClean="0">
+                <a:latin typeface="Times New Roman" pitchFamily="18" charset="0"/>
+                <a:cs typeface="Times New Roman" pitchFamily="18" charset="0"/>
+              </a:rPr>
+              <a:t>:</a:t>
+            </a:r>
+            <a:endParaRPr lang="en-US" sz="2200" b="1" dirty="0" smtClean="0">
+              <a:latin typeface="Times New Roman" pitchFamily="18" charset="0"/>
+              <a:cs typeface="Times New Roman" pitchFamily="18" charset="0"/>
+            </a:endParaRPr>
+          </a:p>
+          <a:p>
+            <a:endParaRPr lang="vi-VN" sz="2200" dirty="0">
+              <a:latin typeface="Times New Roman" pitchFamily="18" charset="0"/>
+              <a:cs typeface="Times New Roman" pitchFamily="18" charset="0"/>
+            </a:endParaRPr>
+          </a:p>
+          <a:p>
+            <a:pPr marL="342900" indent="-342900">
+              <a:buFont typeface="Wingdings" pitchFamily="2" charset="2"/>
+              <a:buChar char="§"/>
+            </a:pPr>
+            <a:r>
+              <a:rPr lang="vi-VN" sz="2200" dirty="0" smtClean="0">
+                <a:latin typeface="Times New Roman" pitchFamily="18" charset="0"/>
+                <a:cs typeface="Times New Roman" pitchFamily="18" charset="0"/>
+              </a:rPr>
+              <a:t>Download  </a:t>
+            </a:r>
+            <a:r>
+              <a:rPr lang="vi-VN" sz="2200" dirty="0">
+                <a:latin typeface="Times New Roman" pitchFamily="18" charset="0"/>
+                <a:cs typeface="Times New Roman" pitchFamily="18" charset="0"/>
+              </a:rPr>
+              <a:t>Android SDK</a:t>
+            </a:r>
+          </a:p>
+          <a:p>
+            <a:pPr marL="342900" indent="-342900">
+              <a:buFont typeface="Wingdings" pitchFamily="2" charset="2"/>
+              <a:buChar char="§"/>
+            </a:pPr>
+            <a:r>
+              <a:rPr lang="vi-VN" sz="2200" dirty="0" smtClean="0">
+                <a:latin typeface="Times New Roman" pitchFamily="18" charset="0"/>
+                <a:cs typeface="Times New Roman" pitchFamily="18" charset="0"/>
+              </a:rPr>
+              <a:t>Cài </a:t>
+            </a:r>
+            <a:r>
+              <a:rPr lang="vi-VN" sz="2200" dirty="0">
+                <a:latin typeface="Times New Roman" pitchFamily="18" charset="0"/>
+                <a:cs typeface="Times New Roman" pitchFamily="18" charset="0"/>
+              </a:rPr>
+              <a:t>đặt ADT plugin cho Eclipse</a:t>
+            </a:r>
+          </a:p>
+          <a:p>
+            <a:pPr marL="342900" indent="-342900">
+              <a:buFont typeface="Wingdings" pitchFamily="2" charset="2"/>
+              <a:buChar char="§"/>
+            </a:pPr>
+            <a:r>
+              <a:rPr lang="vi-VN" sz="2200" dirty="0" smtClean="0">
+                <a:latin typeface="Times New Roman" pitchFamily="18" charset="0"/>
+                <a:cs typeface="Times New Roman" pitchFamily="18" charset="0"/>
+              </a:rPr>
+              <a:t>Download </a:t>
+            </a:r>
+            <a:r>
+              <a:rPr lang="vi-VN" sz="2200" dirty="0">
+                <a:latin typeface="Times New Roman" pitchFamily="18" charset="0"/>
+                <a:cs typeface="Times New Roman" pitchFamily="18" charset="0"/>
+              </a:rPr>
+              <a:t>SDK tools and platforms sử dụng SDK Manage</a:t>
+            </a:r>
+          </a:p>
+          <a:p>
+            <a:endParaRPr lang="en-US" sz="2200" dirty="0" smtClean="0">
+              <a:latin typeface="Times New Roman" pitchFamily="18" charset="0"/>
+              <a:cs typeface="Times New Roman" pitchFamily="18" charset="0"/>
+            </a:endParaRPr>
+          </a:p>
+          <a:p>
+            <a:r>
+              <a:rPr lang="vi-VN" sz="2200" b="1" dirty="0" smtClean="0">
+                <a:latin typeface="Times New Roman" pitchFamily="18" charset="0"/>
+                <a:cs typeface="Times New Roman" pitchFamily="18" charset="0"/>
+              </a:rPr>
+              <a:t>Tạo </a:t>
+            </a:r>
+            <a:r>
+              <a:rPr lang="vi-VN" sz="2200" b="1" dirty="0">
+                <a:latin typeface="Times New Roman" pitchFamily="18" charset="0"/>
+                <a:cs typeface="Times New Roman" pitchFamily="18" charset="0"/>
+              </a:rPr>
+              <a:t>project</a:t>
+            </a:r>
+            <a:r>
+              <a:rPr lang="vi-VN" sz="2200" b="1" dirty="0" smtClean="0">
+                <a:latin typeface="Times New Roman" pitchFamily="18" charset="0"/>
+                <a:cs typeface="Times New Roman" pitchFamily="18" charset="0"/>
+              </a:rPr>
+              <a:t>:</a:t>
+            </a:r>
+            <a:endParaRPr lang="en-US" sz="2200" b="1" dirty="0" smtClean="0">
+              <a:latin typeface="Times New Roman" pitchFamily="18" charset="0"/>
+              <a:cs typeface="Times New Roman" pitchFamily="18" charset="0"/>
+            </a:endParaRPr>
+          </a:p>
+          <a:p>
+            <a:endParaRPr lang="vi-VN" sz="2200" dirty="0">
+              <a:latin typeface="Times New Roman" pitchFamily="18" charset="0"/>
+              <a:cs typeface="Times New Roman" pitchFamily="18" charset="0"/>
+            </a:endParaRPr>
+          </a:p>
+          <a:p>
+            <a:pPr marL="342900" indent="-342900">
+              <a:buFont typeface="Wingdings" pitchFamily="2" charset="2"/>
+              <a:buChar char="§"/>
+            </a:pPr>
+            <a:r>
+              <a:rPr lang="vi-VN" sz="2200" dirty="0" smtClean="0">
+                <a:latin typeface="Times New Roman" pitchFamily="18" charset="0"/>
+                <a:cs typeface="Times New Roman" pitchFamily="18" charset="0"/>
+              </a:rPr>
+              <a:t>Click </a:t>
+            </a:r>
+            <a:r>
+              <a:rPr lang="vi-VN" sz="2200" dirty="0">
+                <a:latin typeface="Times New Roman" pitchFamily="18" charset="0"/>
+                <a:cs typeface="Times New Roman" pitchFamily="18" charset="0"/>
+              </a:rPr>
+              <a:t>New </a:t>
+            </a:r>
+          </a:p>
+          <a:p>
+            <a:pPr marL="342900" indent="-342900">
+              <a:buFont typeface="Wingdings" pitchFamily="2" charset="2"/>
+              <a:buChar char="§"/>
+            </a:pPr>
+            <a:r>
+              <a:rPr lang="vi-VN" sz="2200" dirty="0" smtClean="0">
+                <a:latin typeface="Times New Roman" pitchFamily="18" charset="0"/>
+                <a:cs typeface="Times New Roman" pitchFamily="18" charset="0"/>
+              </a:rPr>
+              <a:t>Android </a:t>
+            </a:r>
+            <a:r>
+              <a:rPr lang="vi-VN" sz="2200" dirty="0">
+                <a:latin typeface="Times New Roman" pitchFamily="18" charset="0"/>
+                <a:cs typeface="Times New Roman" pitchFamily="18" charset="0"/>
+              </a:rPr>
+              <a:t>Application Project </a:t>
+            </a:r>
+            <a:endParaRPr lang="en-US" sz="2200" dirty="0">
+              <a:latin typeface="Times New Roman" pitchFamily="18" charset="0"/>
+              <a:cs typeface="Times New Roman" pitchFamily="18" charset="0"/>
+            </a:endParaRPr>
+          </a:p>
+        </p:txBody>
+      </p:sp>
+      <p:cxnSp>
+        <p:nvCxnSpPr>
+          <p:cNvPr id="7" name="Straight Arrow Connector 6"/>
+          <p:cNvCxnSpPr/>
+          <p:nvPr/>
+        </p:nvCxnSpPr>
+        <p:spPr>
+          <a:xfrm>
+            <a:off x="1812303" y="4114800"/>
+            <a:ext cx="304800" cy="0"/>
+          </a:xfrm>
+          <a:prstGeom prst="straightConnector1">
+            <a:avLst/>
+          </a:prstGeom>
+          <a:ln>
+            <a:tailEnd type="arrow"/>
+          </a:ln>
+        </p:spPr>
+        <p:style>
+          <a:lnRef idx="3">
+            <a:schemeClr val="dk1"/>
+          </a:lnRef>
+          <a:fillRef idx="0">
+            <a:schemeClr val="dk1"/>
+          </a:fillRef>
+          <a:effectRef idx="2">
+            <a:schemeClr val="dk1"/>
+          </a:effectRef>
+          <a:fontRef idx="minor">
+            <a:schemeClr val="tx1"/>
+          </a:fontRef>
+        </p:style>
+      </p:cxnSp>
+    </p:spTree>
+    <p:extLst>
+      <p:ext uri="{BB962C8B-B14F-4D97-AF65-F5344CB8AC3E}">
+        <p14:creationId xmlns:p14="http://schemas.microsoft.com/office/powerpoint/2010/main" val="3858095150"/>
+      </p:ext>
+    </p:extLst>
+  </p:cSld>
+  <p:clrMapOvr>
+    <a:masterClrMapping/>
+  </p:clrMapOvr>
+  <p:timing>
+    <p:tnLst>
+      <p:par>
+        <p:cTn id="1" dur="indefinite" restart="never" nodeType="tmRoot"/>
+      </p:par>
+    </p:tnLst>
+  </p:timing>
+</p:sld>
+</file>
+
+<file path=ppt/slides/slide70.xml><?xml version="1.0" encoding="utf-8"?>
+<p:sld xmlns:a="http://schemas.openxmlformats.org/drawingml/2006/main" xmlns:r="http://schemas.openxmlformats.org/officeDocument/2006/relationships" xmlns:p="http://schemas.openxmlformats.org/presentationml/2006/main">
+  <p:cSld>
+    <p:spTree>
+      <p:nvGrpSpPr>
+        <p:cNvPr id="1" name=""/>
+        <p:cNvGrpSpPr/>
+        <p:nvPr/>
+      </p:nvGrpSpPr>
+      <p:grpSpPr>
+        <a:xfrm>
+          <a:off x="0" y="0"/>
+          <a:ext cx="0" cy="0"/>
+          <a:chOff x="0" y="0"/>
+          <a:chExt cx="0" cy="0"/>
+        </a:xfrm>
+      </p:grpSpPr>
+    </p:spTree>
+    <p:extLst>
+      <p:ext uri="{BB962C8B-B14F-4D97-AF65-F5344CB8AC3E}">
+        <p14:creationId xmlns:p14="http://schemas.microsoft.com/office/powerpoint/2010/main" val="4188717183"/>
+      </p:ext>
+    </p:extLst>
+  </p:cSld>
+  <p:clrMapOvr>
+    <a:masterClrMapping/>
+  </p:clrMapOvr>
+</p:sld>
+</file>
+
+<file path=ppt/slides/slide71.xml><?xml version="1.0" encoding="utf-8"?>
+<p:sld xmlns:a="http://schemas.openxmlformats.org/drawingml/2006/main" xmlns:r="http://schemas.openxmlformats.org/officeDocument/2006/relationships" xmlns:p="http://schemas.openxmlformats.org/presentationml/2006/main">
+  <p:cSld>
+    <p:spTree>
+      <p:nvGrpSpPr>
+        <p:cNvPr id="1" name=""/>
+        <p:cNvGrpSpPr/>
+        <p:nvPr/>
+      </p:nvGrpSpPr>
+      <p:grpSpPr>
+        <a:xfrm>
+          <a:off x="0" y="0"/>
+          <a:ext cx="0" cy="0"/>
+          <a:chOff x="0" y="0"/>
+          <a:chExt cx="0" cy="0"/>
+        </a:xfrm>
+      </p:grpSpPr>
+    </p:spTree>
+    <p:extLst>
+      <p:ext uri="{BB962C8B-B14F-4D97-AF65-F5344CB8AC3E}">
+        <p14:creationId xmlns:p14="http://schemas.microsoft.com/office/powerpoint/2010/main" val="795016437"/>
+      </p:ext>
+    </p:extLst>
+  </p:cSld>
+  <p:clrMapOvr>
+    <a:masterClrMapping/>
+  </p:clrMapOvr>
+</p:sld>
+</file>
+
+<file path=ppt/slides/slide72.xml><?xml version="1.0" encoding="utf-8"?>
+<p:sld xmlns:a="http://schemas.openxmlformats.org/drawingml/2006/main" xmlns:r="http://schemas.openxmlformats.org/officeDocument/2006/relationships" xmlns:p="http://schemas.openxmlformats.org/presentationml/2006/main">
+  <p:cSld>
+    <p:spTree>
+      <p:nvGrpSpPr>
+        <p:cNvPr id="1" name=""/>
+        <p:cNvGrpSpPr/>
+        <p:nvPr/>
+      </p:nvGrpSpPr>
+      <p:grpSpPr>
+        <a:xfrm>
+          <a:off x="0" y="0"/>
+          <a:ext cx="0" cy="0"/>
+          <a:chOff x="0" y="0"/>
+          <a:chExt cx="0" cy="0"/>
+        </a:xfrm>
+      </p:grpSpPr>
+    </p:spTree>
+    <p:extLst>
+      <p:ext uri="{BB962C8B-B14F-4D97-AF65-F5344CB8AC3E}">
+        <p14:creationId xmlns:p14="http://schemas.microsoft.com/office/powerpoint/2010/main" val="4035861222"/>
+      </p:ext>
+    </p:extLst>
+  </p:cSld>
+  <p:clrMapOvr>
+    <a:masterClrMapping/>
+  </p:clrMapOvr>
+</p:sld>
+</file>
+
+<file path=ppt/slides/slide73.xml><?xml version="1.0" encoding="utf-8"?>
+<p:sld xmlns:a="http://schemas.openxmlformats.org/drawingml/2006/main" xmlns:r="http://schemas.openxmlformats.org/officeDocument/2006/relationships" xmlns:p="http://schemas.openxmlformats.org/presentationml/2006/main">
+  <p:cSld>
+    <p:spTree>
+      <p:nvGrpSpPr>
+        <p:cNvPr id="1" name=""/>
+        <p:cNvGrpSpPr/>
+        <p:nvPr/>
+      </p:nvGrpSpPr>
+      <p:grpSpPr>
+        <a:xfrm>
+          <a:off x="0" y="0"/>
+          <a:ext cx="0" cy="0"/>
+          <a:chOff x="0" y="0"/>
+          <a:chExt cx="0" cy="0"/>
+        </a:xfrm>
+      </p:grpSpPr>
+    </p:spTree>
+    <p:extLst>
+      <p:ext uri="{BB962C8B-B14F-4D97-AF65-F5344CB8AC3E}">
+        <p14:creationId xmlns:p14="http://schemas.microsoft.com/office/powerpoint/2010/main" val="3253421375"/>
+      </p:ext>
+    </p:extLst>
+  </p:cSld>
+  <p:clrMapOvr>
+    <a:masterClrMapping/>
+  </p:clrMapOvr>
+</p:sld>
+</file>
+
+<file path=ppt/slides/slide74.xml><?xml version="1.0" encoding="utf-8"?>
+<p:sld xmlns:a="http://schemas.openxmlformats.org/drawingml/2006/main" xmlns:r="http://schemas.openxmlformats.org/officeDocument/2006/relationships" xmlns:p="http://schemas.openxmlformats.org/presentationml/2006/main">
+  <p:cSld>
+    <p:spTree>
+      <p:nvGrpSpPr>
+        <p:cNvPr id="1" name=""/>
+        <p:cNvGrpSpPr/>
+        <p:nvPr/>
+      </p:nvGrpSpPr>
+      <p:grpSpPr>
+        <a:xfrm>
+          <a:off x="0" y="0"/>
+          <a:ext cx="0" cy="0"/>
+          <a:chOff x="0" y="0"/>
+          <a:chExt cx="0" cy="0"/>
+        </a:xfrm>
+      </p:grpSpPr>
+    </p:spTree>
+    <p:extLst>
+      <p:ext uri="{BB962C8B-B14F-4D97-AF65-F5344CB8AC3E}">
+        <p14:creationId xmlns:p14="http://schemas.microsoft.com/office/powerpoint/2010/main" val="2016209208"/>
+      </p:ext>
+    </p:extLst>
+  </p:cSld>
+  <p:clrMapOvr>
+    <a:masterClrMapping/>
+  </p:clrMapOvr>
+</p:sld>
+</file>
+
+<file path=ppt/slides/slide75.xml><?xml version="1.0" encoding="utf-8"?>
+<p:sld xmlns:a="http://schemas.openxmlformats.org/drawingml/2006/main" xmlns:r="http://schemas.openxmlformats.org/officeDocument/2006/relationships" xmlns:p="http://schemas.openxmlformats.org/presentationml/2006/main">
+  <p:cSld>
+    <p:spTree>
+      <p:nvGrpSpPr>
+        <p:cNvPr id="1" name=""/>
+        <p:cNvGrpSpPr/>
+        <p:nvPr/>
+      </p:nvGrpSpPr>
+      <p:grpSpPr>
+        <a:xfrm>
+          <a:off x="0" y="0"/>
+          <a:ext cx="0" cy="0"/>
+          <a:chOff x="0" y="0"/>
+          <a:chExt cx="0" cy="0"/>
+        </a:xfrm>
+      </p:grpSpPr>
+    </p:spTree>
+    <p:extLst>
+      <p:ext uri="{BB962C8B-B14F-4D97-AF65-F5344CB8AC3E}">
+        <p14:creationId xmlns:p14="http://schemas.microsoft.com/office/powerpoint/2010/main" val="3414587081"/>
+      </p:ext>
+    </p:extLst>
+  </p:cSld>
+  <p:clrMapOvr>
+    <a:masterClrMapping/>
+  </p:clrMapOvr>
+</p:sld>
+</file>
+
+<file path=ppt/slides/slide76.xml><?xml version="1.0" encoding="utf-8"?>
+<p:sld xmlns:a="http://schemas.openxmlformats.org/drawingml/2006/main" xmlns:r="http://schemas.openxmlformats.org/officeDocument/2006/relationships" xmlns:p="http://schemas.openxmlformats.org/presentationml/2006/main">
+  <p:cSld>
+    <p:spTree>
+      <p:nvGrpSpPr>
+        <p:cNvPr id="1" name=""/>
+        <p:cNvGrpSpPr/>
+        <p:nvPr/>
+      </p:nvGrpSpPr>
+      <p:grpSpPr>
+        <a:xfrm>
+          <a:off x="0" y="0"/>
+          <a:ext cx="0" cy="0"/>
+          <a:chOff x="0" y="0"/>
+          <a:chExt cx="0" cy="0"/>
+        </a:xfrm>
+      </p:grpSpPr>
+    </p:spTree>
+    <p:extLst>
+      <p:ext uri="{BB962C8B-B14F-4D97-AF65-F5344CB8AC3E}">
+        <p14:creationId xmlns:p14="http://schemas.microsoft.com/office/powerpoint/2010/main" val="442540829"/>
+      </p:ext>
+    </p:extLst>
+  </p:cSld>
+  <p:clrMapOvr>
+    <a:masterClrMapping/>
+  </p:clrMapOvr>
+</p:sld>
+</file>
+
+<file path=ppt/slides/slide77.xml><?xml version="1.0" encoding="utf-8"?>
+<p:sld xmlns:a="http://schemas.openxmlformats.org/drawingml/2006/main" xmlns:r="http://schemas.openxmlformats.org/officeDocument/2006/relationships" xmlns:p="http://schemas.openxmlformats.org/presentationml/2006/main">
+  <p:cSld>
+    <p:spTree>
+      <p:nvGrpSpPr>
+        <p:cNvPr id="1" name=""/>
+        <p:cNvGrpSpPr/>
+        <p:nvPr/>
+      </p:nvGrpSpPr>
+      <p:grpSpPr>
+        <a:xfrm>
+          <a:off x="0" y="0"/>
+          <a:ext cx="0" cy="0"/>
+          <a:chOff x="0" y="0"/>
+          <a:chExt cx="0" cy="0"/>
+        </a:xfrm>
+      </p:grpSpPr>
+    </p:spTree>
+    <p:extLst>
+      <p:ext uri="{BB962C8B-B14F-4D97-AF65-F5344CB8AC3E}">
+        <p14:creationId xmlns:p14="http://schemas.microsoft.com/office/powerpoint/2010/main" val="1420470643"/>
+      </p:ext>
+    </p:extLst>
+  </p:cSld>
+  <p:clrMapOvr>
+    <a:masterClrMapping/>
+  </p:clrMapOvr>
+</p:sld>
+</file>
+
+<file path=ppt/slides/slide78.xml><?xml version="1.0" encoding="utf-8"?>
+<p:sld xmlns:a="http://schemas.openxmlformats.org/drawingml/2006/main" xmlns:r="http://schemas.openxmlformats.org/officeDocument/2006/relationships" xmlns:p="http://schemas.openxmlformats.org/presentationml/2006/main">
+  <p:cSld>
+    <p:spTree>
+      <p:nvGrpSpPr>
+        <p:cNvPr id="1" name=""/>
+        <p:cNvGrpSpPr/>
+        <p:nvPr/>
+      </p:nvGrpSpPr>
+      <p:grpSpPr>
+        <a:xfrm>
+          <a:off x="0" y="0"/>
+          <a:ext cx="0" cy="0"/>
+          <a:chOff x="0" y="0"/>
+          <a:chExt cx="0" cy="0"/>
+        </a:xfrm>
+      </p:grpSpPr>
+    </p:spTree>
+    <p:extLst>
+      <p:ext uri="{BB962C8B-B14F-4D97-AF65-F5344CB8AC3E}">
+        <p14:creationId xmlns:p14="http://schemas.microsoft.com/office/powerpoint/2010/main" val="3894202841"/>
+      </p:ext>
+    </p:extLst>
+  </p:cSld>
+  <p:clrMapOvr>
+    <a:masterClrMapping/>
+  </p:clrMapOvr>
+</p:sld>
+</file>
+
+<file path=ppt/slides/slide79.xml><?xml version="1.0" encoding="utf-8"?>
+<p:sld xmlns:a="http://schemas.openxmlformats.org/drawingml/2006/main" xmlns:r="http://schemas.openxmlformats.org/officeDocument/2006/relationships" xmlns:p="http://schemas.openxmlformats.org/presentationml/2006/main">
+  <p:cSld>
+    <p:spTree>
+      <p:nvGrpSpPr>
+        <p:cNvPr id="1" name=""/>
+        <p:cNvGrpSpPr/>
+        <p:nvPr/>
+      </p:nvGrpSpPr>
+      <p:grpSpPr>
+        <a:xfrm>
+          <a:off x="0" y="0"/>
+          <a:ext cx="0" cy="0"/>
+          <a:chOff x="0" y="0"/>
+          <a:chExt cx="0" cy="0"/>
+        </a:xfrm>
+      </p:grpSpPr>
+    </p:spTree>
+    <p:extLst>
+      <p:ext uri="{BB962C8B-B14F-4D97-AF65-F5344CB8AC3E}">
+        <p14:creationId xmlns:p14="http://schemas.microsoft.com/office/powerpoint/2010/main" val="823279161"/>
+      </p:ext>
+    </p:extLst>
+  </p:cSld>
+  <p:clrMapOvr>
+    <a:masterClrMapping/>
+  </p:clrMapOvr>
+</p:sld>
+</file>
+
+<file path=ppt/slides/slide8.xml><?xml version="1.0" encoding="utf-8"?>
+<p:sld xmlns:a="http://schemas.openxmlformats.org/drawingml/2006/main" xmlns:r="http://schemas.openxmlformats.org/officeDocument/2006/relationships" xmlns:p="http://schemas.openxmlformats.org/presentationml/2006/main">
+  <p:cSld>
+    <p:spTree>
+      <p:nvGrpSpPr>
+        <p:cNvPr id="1" name=""/>
+        <p:cNvGrpSpPr/>
+        <p:nvPr/>
+      </p:nvGrpSpPr>
+      <p:grpSpPr>
+        <a:xfrm>
+          <a:off x="0" y="0"/>
+          <a:ext cx="0" cy="0"/>
+          <a:chOff x="0" y="0"/>
+          <a:chExt cx="0" cy="0"/>
+        </a:xfrm>
+      </p:grpSpPr>
+      <p:pic>
+        <p:nvPicPr>
+          <p:cNvPr id="3074" name="Picture 2"/>
+          <p:cNvPicPr>
+            <a:picLocks noChangeAspect="1" noChangeArrowheads="1"/>
+          </p:cNvPicPr>
+          <p:nvPr/>
+        </p:nvPicPr>
+        <p:blipFill>
+          <a:blip r:embed="rId2">
+            <a:extLst>
+              <a:ext uri="{28A0092B-C50C-407E-A947-70E740481C1C}">
+                <a14:useLocalDpi xmlns:a14="http://schemas.microsoft.com/office/drawing/2010/main" val="0"/>
+              </a:ext>
+            </a:extLst>
+          </a:blip>
+          <a:srcRect/>
+          <a:stretch>
+            <a:fillRect/>
+          </a:stretch>
+        </p:blipFill>
+        <p:spPr bwMode="auto">
+          <a:xfrm>
+            <a:off x="3733800" y="2590800"/>
+            <a:ext cx="5019675" cy="3152775"/>
+          </a:xfrm>
+          <a:prstGeom prst="rect">
+            <a:avLst/>
+          </a:prstGeom>
+          <a:noFill/>
+          <a:ln>
+            <a:noFill/>
+          </a:ln>
+          <a:effectLst/>
+          <a:extLst>
+            <a:ext uri="{909E8E84-426E-40DD-AFC4-6F175D3DCCD1}">
+              <a14:hiddenFill xmlns:a14="http://schemas.microsoft.com/office/drawing/2010/main">
+                <a:solidFill>
+                  <a:schemeClr val="accent1"/>
+                </a:solidFill>
+              </a14:hiddenFill>
+            </a:ext>
+            <a:ext uri="{91240B29-F687-4F45-9708-019B960494DF}">
+              <a14:hiddenLine xmlns:a14="http://schemas.microsoft.com/office/drawing/2010/main" w="9525">
+                <a:solidFill>
+                  <a:schemeClr val="tx1"/>
+                </a:solidFill>
+                <a:miter lim="800000"/>
+                <a:headEnd/>
+                <a:tailEnd/>
+              </a14:hiddenLine>
+            </a:ext>
+            <a:ext uri="{AF507438-7753-43E0-B8FC-AC1667EBCBE1}">
+              <a14:hiddenEffects xmlns:a14="http://schemas.microsoft.com/office/drawing/2010/main">
+                <a:effectLst>
+                  <a:outerShdw dist="35921" dir="2700000" algn="ctr" rotWithShape="0">
+                    <a:schemeClr val="bg2"/>
+                  </a:outerShdw>
+                </a:effectLst>
+              </a14:hiddenEffects>
+            </a:ext>
+          </a:extLst>
+        </p:spPr>
+      </p:pic>
+      <p:sp>
+        <p:nvSpPr>
+          <p:cNvPr id="4" name="Rectangle 3"/>
+          <p:cNvSpPr/>
+          <p:nvPr/>
+        </p:nvSpPr>
+        <p:spPr>
+          <a:xfrm>
+            <a:off x="0" y="381000"/>
+            <a:ext cx="9144000" cy="2462213"/>
+          </a:xfrm>
+          <a:prstGeom prst="rect">
+            <a:avLst/>
+          </a:prstGeom>
+        </p:spPr>
+        <p:txBody>
+          <a:bodyPr wrap="square">
+            <a:spAutoFit/>
+          </a:bodyPr>
+          <a:lstStyle/>
+          <a:p>
+            <a:r>
+              <a:rPr lang="vi-VN" sz="2200" b="1" dirty="0" smtClean="0">
+                <a:latin typeface="Times New Roman" pitchFamily="18" charset="0"/>
+                <a:cs typeface="Times New Roman" pitchFamily="18" charset="0"/>
+              </a:rPr>
+              <a:t>Chạy </a:t>
+            </a:r>
+            <a:r>
+              <a:rPr lang="vi-VN" sz="2200" b="1" dirty="0">
+                <a:latin typeface="Times New Roman" pitchFamily="18" charset="0"/>
+                <a:cs typeface="Times New Roman" pitchFamily="18" charset="0"/>
+              </a:rPr>
+              <a:t>ứng dụng</a:t>
+            </a:r>
+            <a:r>
+              <a:rPr lang="vi-VN" sz="2200" b="1" dirty="0" smtClean="0">
+                <a:latin typeface="Times New Roman" pitchFamily="18" charset="0"/>
+                <a:cs typeface="Times New Roman" pitchFamily="18" charset="0"/>
+              </a:rPr>
+              <a:t>:</a:t>
+            </a:r>
+            <a:endParaRPr lang="en-US" sz="2200" b="1" dirty="0" smtClean="0">
+              <a:latin typeface="Times New Roman" pitchFamily="18" charset="0"/>
+              <a:cs typeface="Times New Roman" pitchFamily="18" charset="0"/>
+            </a:endParaRPr>
+          </a:p>
+          <a:p>
+            <a:endParaRPr lang="vi-VN" sz="2200" dirty="0">
+              <a:latin typeface="Times New Roman" pitchFamily="18" charset="0"/>
+              <a:cs typeface="Times New Roman" pitchFamily="18" charset="0"/>
+            </a:endParaRPr>
+          </a:p>
+          <a:p>
+            <a:pPr marL="342900" indent="-342900">
+              <a:buFont typeface="Wingdings" pitchFamily="2" charset="2"/>
+              <a:buChar char="§"/>
+            </a:pPr>
+            <a:r>
+              <a:rPr lang="vi-VN" sz="2200" dirty="0" smtClean="0">
+                <a:latin typeface="Times New Roman" pitchFamily="18" charset="0"/>
+                <a:cs typeface="Times New Roman" pitchFamily="18" charset="0"/>
+              </a:rPr>
+              <a:t>Chạy </a:t>
+            </a:r>
+            <a:r>
+              <a:rPr lang="vi-VN" sz="2200" dirty="0">
+                <a:latin typeface="Times New Roman" pitchFamily="18" charset="0"/>
+                <a:cs typeface="Times New Roman" pitchFamily="18" charset="0"/>
+              </a:rPr>
+              <a:t>trên thiết bị thực</a:t>
+            </a:r>
+          </a:p>
+          <a:p>
+            <a:pPr marL="800100" lvl="1" indent="-342900">
+              <a:buFont typeface="Wingdings" pitchFamily="2" charset="2"/>
+              <a:buChar char="Ø"/>
+            </a:pPr>
+            <a:r>
+              <a:rPr lang="en-US" sz="2200" dirty="0" smtClean="0">
+                <a:latin typeface="Times New Roman" pitchFamily="18" charset="0"/>
+                <a:cs typeface="Times New Roman" pitchFamily="18" charset="0"/>
+              </a:rPr>
+              <a:t>	</a:t>
+            </a:r>
+            <a:r>
+              <a:rPr lang="vi-VN" sz="2100" dirty="0" smtClean="0">
+                <a:latin typeface="Times New Roman" pitchFamily="18" charset="0"/>
+                <a:cs typeface="Times New Roman" pitchFamily="18" charset="0"/>
+              </a:rPr>
+              <a:t>Bật </a:t>
+            </a:r>
+            <a:r>
+              <a:rPr lang="vi-VN" sz="2100" dirty="0">
+                <a:latin typeface="Times New Roman" pitchFamily="18" charset="0"/>
+                <a:cs typeface="Times New Roman" pitchFamily="18" charset="0"/>
+              </a:rPr>
+              <a:t>chức năng USB debugging (Settings &gt; Applications &gt; </a:t>
+            </a:r>
+            <a:r>
+              <a:rPr lang="vi-VN" sz="2100" dirty="0" smtClean="0">
+                <a:latin typeface="Times New Roman" pitchFamily="18" charset="0"/>
+                <a:cs typeface="Times New Roman" pitchFamily="18" charset="0"/>
+              </a:rPr>
+              <a:t>Development</a:t>
+            </a:r>
+            <a:r>
+              <a:rPr lang="vi-VN" sz="2100" dirty="0">
+                <a:latin typeface="Times New Roman" pitchFamily="18" charset="0"/>
+                <a:cs typeface="Times New Roman" pitchFamily="18" charset="0"/>
+              </a:rPr>
+              <a:t>)</a:t>
+            </a:r>
+          </a:p>
+          <a:p>
+            <a:pPr marL="342900" indent="-342900">
+              <a:buFont typeface="Wingdings" pitchFamily="2" charset="2"/>
+              <a:buChar char="§"/>
+            </a:pPr>
+            <a:r>
+              <a:rPr lang="vi-VN" sz="2200" dirty="0" smtClean="0">
+                <a:latin typeface="Times New Roman" pitchFamily="18" charset="0"/>
+                <a:cs typeface="Times New Roman" pitchFamily="18" charset="0"/>
+              </a:rPr>
+              <a:t>Chạy </a:t>
+            </a:r>
+            <a:r>
+              <a:rPr lang="vi-VN" sz="2200" dirty="0">
+                <a:latin typeface="Times New Roman" pitchFamily="18" charset="0"/>
+                <a:cs typeface="Times New Roman" pitchFamily="18" charset="0"/>
+              </a:rPr>
+              <a:t>trên máy ảo</a:t>
+            </a:r>
+          </a:p>
+          <a:p>
+            <a:pPr marL="800100" lvl="1" indent="-342900">
+              <a:buFont typeface="Wingdings" pitchFamily="2" charset="2"/>
+              <a:buChar char="Ø"/>
+            </a:pPr>
+            <a:r>
+              <a:rPr lang="en-US" sz="2200" dirty="0" smtClean="0">
+                <a:latin typeface="Times New Roman" pitchFamily="18" charset="0"/>
+                <a:cs typeface="Times New Roman" pitchFamily="18" charset="0"/>
+              </a:rPr>
+              <a:t>	</a:t>
+            </a:r>
+            <a:r>
+              <a:rPr lang="vi-VN" sz="2200" dirty="0" smtClean="0">
+                <a:latin typeface="Times New Roman" pitchFamily="18" charset="0"/>
+                <a:cs typeface="Times New Roman" pitchFamily="18" charset="0"/>
+              </a:rPr>
+              <a:t>Tạo </a:t>
+            </a:r>
+            <a:r>
+              <a:rPr lang="vi-VN" sz="2200" dirty="0">
+                <a:latin typeface="Times New Roman" pitchFamily="18" charset="0"/>
+                <a:cs typeface="Times New Roman" pitchFamily="18" charset="0"/>
+              </a:rPr>
+              <a:t>máy ảo trên  Android Virtual Device Manager.</a:t>
+            </a:r>
+          </a:p>
+          <a:p>
+            <a:pPr marL="800100" lvl="1" indent="-342900">
+              <a:buFont typeface="Wingdings" pitchFamily="2" charset="2"/>
+              <a:buChar char="Ø"/>
+            </a:pPr>
+            <a:r>
+              <a:rPr lang="en-US" sz="2200" dirty="0" smtClean="0">
+                <a:latin typeface="Times New Roman" pitchFamily="18" charset="0"/>
+                <a:cs typeface="Times New Roman" pitchFamily="18" charset="0"/>
+              </a:rPr>
+              <a:t>	 </a:t>
+            </a:r>
+            <a:r>
+              <a:rPr lang="vi-VN" sz="2200" dirty="0" smtClean="0">
+                <a:latin typeface="Times New Roman" pitchFamily="18" charset="0"/>
+                <a:cs typeface="Times New Roman" pitchFamily="18" charset="0"/>
+              </a:rPr>
+              <a:t>Khởi </a:t>
+            </a:r>
+            <a:r>
+              <a:rPr lang="vi-VN" sz="2200" dirty="0">
+                <a:latin typeface="Times New Roman" pitchFamily="18" charset="0"/>
+                <a:cs typeface="Times New Roman" pitchFamily="18" charset="0"/>
+              </a:rPr>
+              <a:t>động máy ảo</a:t>
+            </a:r>
+            <a:endParaRPr lang="en-US" sz="2200" dirty="0">
+              <a:latin typeface="Times New Roman" pitchFamily="18" charset="0"/>
+              <a:cs typeface="Times New Roman" pitchFamily="18" charset="0"/>
+            </a:endParaRPr>
+          </a:p>
+        </p:txBody>
+      </p:sp>
+    </p:spTree>
+    <p:extLst>
+      <p:ext uri="{BB962C8B-B14F-4D97-AF65-F5344CB8AC3E}">
+        <p14:creationId xmlns:p14="http://schemas.microsoft.com/office/powerpoint/2010/main" val="1441854779"/>
+      </p:ext>
+    </p:extLst>
+  </p:cSld>
+  <p:clrMapOvr>
+    <a:masterClrMapping/>
+  </p:clrMapOvr>
+  <p:timing>
+    <p:tnLst>
+      <p:par>
+        <p:cTn id="1" dur="indefinite" restart="never" nodeType="tmRoot"/>
+      </p:par>
+    </p:tnLst>
+  </p:timing>
+</p:sld>
+</file>
+
+<file path=ppt/slides/slide80.xml><?xml version="1.0" encoding="utf-8"?>
+<p:sld xmlns:a="http://schemas.openxmlformats.org/drawingml/2006/main" xmlns:r="http://schemas.openxmlformats.org/officeDocument/2006/relationships" xmlns:p="http://schemas.openxmlformats.org/presentationml/2006/main">
+  <p:cSld>
+    <p:spTree>
+      <p:nvGrpSpPr>
+        <p:cNvPr id="1" name=""/>
+        <p:cNvGrpSpPr/>
+        <p:nvPr/>
+      </p:nvGrpSpPr>
+      <p:grpSpPr>
+        <a:xfrm>
+          <a:off x="0" y="0"/>
+          <a:ext cx="0" cy="0"/>
+          <a:chOff x="0" y="0"/>
+          <a:chExt cx="0" cy="0"/>
+        </a:xfrm>
+      </p:grpSpPr>
+    </p:spTree>
+    <p:extLst>
+      <p:ext uri="{BB962C8B-B14F-4D97-AF65-F5344CB8AC3E}">
+        <p14:creationId xmlns:p14="http://schemas.microsoft.com/office/powerpoint/2010/main" val="1903886768"/>
+      </p:ext>
+    </p:extLst>
+  </p:cSld>
+  <p:clrMapOvr>
+    <a:masterClrMapping/>
+  </p:clrMapOvr>
+</p:sld>
+</file>
+
+<file path=ppt/slides/slide81.xml><?xml version="1.0" encoding="utf-8"?>
+<p:sld xmlns:a="http://schemas.openxmlformats.org/drawingml/2006/main" xmlns:r="http://schemas.openxmlformats.org/officeDocument/2006/relationships" xmlns:p="http://schemas.openxmlformats.org/presentationml/2006/main">
+  <p:cSld>
+    <p:spTree>
+      <p:nvGrpSpPr>
+        <p:cNvPr id="1" name=""/>
+        <p:cNvGrpSpPr/>
+        <p:nvPr/>
+      </p:nvGrpSpPr>
+      <p:grpSpPr>
+        <a:xfrm>
+          <a:off x="0" y="0"/>
+          <a:ext cx="0" cy="0"/>
+          <a:chOff x="0" y="0"/>
+          <a:chExt cx="0" cy="0"/>
+        </a:xfrm>
+      </p:grpSpPr>
+    </p:spTree>
+    <p:extLst>
+      <p:ext uri="{BB962C8B-B14F-4D97-AF65-F5344CB8AC3E}">
+        <p14:creationId xmlns:p14="http://schemas.microsoft.com/office/powerpoint/2010/main" val="1362313330"/>
+      </p:ext>
+    </p:extLst>
+  </p:cSld>
+  <p:clrMapOvr>
+    <a:masterClrMapping/>
+  </p:clrMapOvr>
+</p:sld>
+</file>
+
+<file path=ppt/slides/slide82.xml><?xml version="1.0" encoding="utf-8"?>
+<p:sld xmlns:a="http://schemas.openxmlformats.org/drawingml/2006/main" xmlns:r="http://schemas.openxmlformats.org/officeDocument/2006/relationships" xmlns:p="http://schemas.openxmlformats.org/presentationml/2006/main">
+  <p:cSld>
+    <p:spTree>
+      <p:nvGrpSpPr>
+        <p:cNvPr id="1" name=""/>
+        <p:cNvGrpSpPr/>
+        <p:nvPr/>
+      </p:nvGrpSpPr>
+      <p:grpSpPr>
+        <a:xfrm>
+          <a:off x="0" y="0"/>
+          <a:ext cx="0" cy="0"/>
+          <a:chOff x="0" y="0"/>
+          <a:chExt cx="0" cy="0"/>
+        </a:xfrm>
+      </p:grpSpPr>
+    </p:spTree>
+    <p:extLst>
+      <p:ext uri="{BB962C8B-B14F-4D97-AF65-F5344CB8AC3E}">
+        <p14:creationId xmlns:p14="http://schemas.microsoft.com/office/powerpoint/2010/main" val="2765079386"/>
+      </p:ext>
+    </p:extLst>
+  </p:cSld>
+  <p:clrMapOvr>
+    <a:masterClrMapping/>
+  </p:clrMapOvr>
+</p:sld>
+</file>
+
+<file path=ppt/slides/slide83.xml><?xml version="1.0" encoding="utf-8"?>
+<p:sld xmlns:a="http://schemas.openxmlformats.org/drawingml/2006/main" xmlns:r="http://schemas.openxmlformats.org/officeDocument/2006/relationships" xmlns:p="http://schemas.openxmlformats.org/presentationml/2006/main">
+  <p:cSld>
+    <p:spTree>
+      <p:nvGrpSpPr>
+        <p:cNvPr id="1" name=""/>
+        <p:cNvGrpSpPr/>
+        <p:nvPr/>
+      </p:nvGrpSpPr>
+      <p:grpSpPr>
+        <a:xfrm>
+          <a:off x="0" y="0"/>
+          <a:ext cx="0" cy="0"/>
+          <a:chOff x="0" y="0"/>
+          <a:chExt cx="0" cy="0"/>
+        </a:xfrm>
+      </p:grpSpPr>
+    </p:spTree>
+    <p:extLst>
+      <p:ext uri="{BB962C8B-B14F-4D97-AF65-F5344CB8AC3E}">
+        <p14:creationId xmlns:p14="http://schemas.microsoft.com/office/powerpoint/2010/main" val="2958174846"/>
+      </p:ext>
+    </p:extLst>
+  </p:cSld>
+  <p:clrMapOvr>
+    <a:masterClrMapping/>
+  </p:clrMapOvr>
+</p:sld>
+</file>
+
+<file path=ppt/slides/slide84.xml><?xml version="1.0" encoding="utf-8"?>
+<p:sld xmlns:a="http://schemas.openxmlformats.org/drawingml/2006/main" xmlns:r="http://schemas.openxmlformats.org/officeDocument/2006/relationships" xmlns:p="http://schemas.openxmlformats.org/presentationml/2006/main">
+  <p:cSld>
+    <p:spTree>
+      <p:nvGrpSpPr>
+        <p:cNvPr id="1" name=""/>
+        <p:cNvGrpSpPr/>
+        <p:nvPr/>
+      </p:nvGrpSpPr>
+      <p:grpSpPr>
+        <a:xfrm>
+          <a:off x="0" y="0"/>
+          <a:ext cx="0" cy="0"/>
+          <a:chOff x="0" y="0"/>
+          <a:chExt cx="0" cy="0"/>
+        </a:xfrm>
+      </p:grpSpPr>
+    </p:spTree>
+    <p:extLst>
+      <p:ext uri="{BB962C8B-B14F-4D97-AF65-F5344CB8AC3E}">
+        <p14:creationId xmlns:p14="http://schemas.microsoft.com/office/powerpoint/2010/main" val="3779629"/>
+      </p:ext>
+    </p:extLst>
+  </p:cSld>
+  <p:clrMapOvr>
+    <a:masterClrMapping/>
+  </p:clrMapOvr>
+</p:sld>
+</file>
+
+<file path=ppt/slides/slide85.xml><?xml version="1.0" encoding="utf-8"?>
+<p:sld xmlns:a="http://schemas.openxmlformats.org/drawingml/2006/main" xmlns:r="http://schemas.openxmlformats.org/officeDocument/2006/relationships" xmlns:p="http://schemas.openxmlformats.org/presentationml/2006/main">
+  <p:cSld>
+    <p:spTree>
+      <p:nvGrpSpPr>
+        <p:cNvPr id="1" name=""/>
+        <p:cNvGrpSpPr/>
+        <p:nvPr/>
+      </p:nvGrpSpPr>
+      <p:grpSpPr>
+        <a:xfrm>
+          <a:off x="0" y="0"/>
+          <a:ext cx="0" cy="0"/>
+          <a:chOff x="0" y="0"/>
+          <a:chExt cx="0" cy="0"/>
+        </a:xfrm>
+      </p:grpSpPr>
+    </p:spTree>
+    <p:extLst>
+      <p:ext uri="{BB962C8B-B14F-4D97-AF65-F5344CB8AC3E}">
+        <p14:creationId xmlns:p14="http://schemas.microsoft.com/office/powerpoint/2010/main" val="2004744060"/>
+      </p:ext>
+    </p:extLst>
+  </p:cSld>
+  <p:clrMapOvr>
+    <a:masterClrMapping/>
+  </p:clrMapOvr>
+</p:sld>
+</file>
+
+<file path=ppt/slides/slide86.xml><?xml version="1.0" encoding="utf-8"?>
+<p:sld xmlns:a="http://schemas.openxmlformats.org/drawingml/2006/main" xmlns:r="http://schemas.openxmlformats.org/officeDocument/2006/relationships" xmlns:p="http://schemas.openxmlformats.org/presentationml/2006/main">
+  <p:cSld>
+    <p:spTree>
+      <p:nvGrpSpPr>
+        <p:cNvPr id="1" name=""/>
+        <p:cNvGrpSpPr/>
+        <p:nvPr/>
+      </p:nvGrpSpPr>
+      <p:grpSpPr>
+        <a:xfrm>
+          <a:off x="0" y="0"/>
+          <a:ext cx="0" cy="0"/>
+          <a:chOff x="0" y="0"/>
+          <a:chExt cx="0" cy="0"/>
+        </a:xfrm>
+      </p:grpSpPr>
+    </p:spTree>
+    <p:extLst>
+      <p:ext uri="{BB962C8B-B14F-4D97-AF65-F5344CB8AC3E}">
+        <p14:creationId xmlns:p14="http://schemas.microsoft.com/office/powerpoint/2010/main" val="205873441"/>
+      </p:ext>
+    </p:extLst>
+  </p:cSld>
+  <p:clrMapOvr>
+    <a:masterClrMapping/>
+  </p:clrMapOvr>
+</p:sld>
+</file>
+
+<file path=ppt/slides/slide87.xml><?xml version="1.0" encoding="utf-8"?>
+<p:sld xmlns:a="http://schemas.openxmlformats.org/drawingml/2006/main" xmlns:r="http://schemas.openxmlformats.org/officeDocument/2006/relationships" xmlns:p="http://schemas.openxmlformats.org/presentationml/2006/main">
+  <p:cSld>
+    <p:spTree>
+      <p:nvGrpSpPr>
+        <p:cNvPr id="1" name=""/>
+        <p:cNvGrpSpPr/>
+        <p:nvPr/>
+      </p:nvGrpSpPr>
+      <p:grpSpPr>
+        <a:xfrm>
+          <a:off x="0" y="0"/>
+          <a:ext cx="0" cy="0"/>
+          <a:chOff x="0" y="0"/>
+          <a:chExt cx="0" cy="0"/>
+        </a:xfrm>
+      </p:grpSpPr>
+    </p:spTree>
+    <p:extLst>
+      <p:ext uri="{BB962C8B-B14F-4D97-AF65-F5344CB8AC3E}">
+        <p14:creationId xmlns:p14="http://schemas.microsoft.com/office/powerpoint/2010/main" val="3048959057"/>
+      </p:ext>
+    </p:extLst>
+  </p:cSld>
+  <p:clrMapOvr>
+    <a:masterClrMapping/>
+  </p:clrMapOvr>
+</p:sld>
+</file>
+
+<file path=ppt/slides/slide88.xml><?xml version="1.0" encoding="utf-8"?>
+<p:sld xmlns:a="http://schemas.openxmlformats.org/drawingml/2006/main" xmlns:r="http://schemas.openxmlformats.org/officeDocument/2006/relationships" xmlns:p="http://schemas.openxmlformats.org/presentationml/2006/main">
+  <p:cSld>
+    <p:spTree>
+      <p:nvGrpSpPr>
+        <p:cNvPr id="1" name=""/>
+        <p:cNvGrpSpPr/>
+        <p:nvPr/>
+      </p:nvGrpSpPr>
+      <p:grpSpPr>
+        <a:xfrm>
+          <a:off x="0" y="0"/>
+          <a:ext cx="0" cy="0"/>
+          <a:chOff x="0" y="0"/>
+          <a:chExt cx="0" cy="0"/>
+        </a:xfrm>
+      </p:grpSpPr>
+    </p:spTree>
+    <p:extLst>
+      <p:ext uri="{BB962C8B-B14F-4D97-AF65-F5344CB8AC3E}">
+        <p14:creationId xmlns:p14="http://schemas.microsoft.com/office/powerpoint/2010/main" val="2407417056"/>
+      </p:ext>
+    </p:extLst>
+  </p:cSld>
+  <p:clrMapOvr>
+    <a:masterClrMapping/>
+  </p:clrMapOvr>
+</p:sld>
+</file>
+
+<file path=ppt/slides/slide89.xml><?xml version="1.0" encoding="utf-8"?>
+<p:sld xmlns:a="http://schemas.openxmlformats.org/drawingml/2006/main" xmlns:r="http://schemas.openxmlformats.org/officeDocument/2006/relationships" xmlns:p="http://schemas.openxmlformats.org/presentationml/2006/main">
+  <p:cSld>
+    <p:spTree>
+      <p:nvGrpSpPr>
+        <p:cNvPr id="1" name=""/>
+        <p:cNvGrpSpPr/>
+        <p:nvPr/>
+      </p:nvGrpSpPr>
+      <p:grpSpPr>
+        <a:xfrm>
+          <a:off x="0" y="0"/>
+          <a:ext cx="0" cy="0"/>
+          <a:chOff x="0" y="0"/>
+          <a:chExt cx="0" cy="0"/>
+        </a:xfrm>
+      </p:grpSpPr>
+    </p:spTree>
+    <p:extLst>
+      <p:ext uri="{BB962C8B-B14F-4D97-AF65-F5344CB8AC3E}">
+        <p14:creationId xmlns:p14="http://schemas.microsoft.com/office/powerpoint/2010/main" val="2164077988"/>
+      </p:ext>
+    </p:extLst>
+  </p:cSld>
+  <p:clrMapOvr>
+    <a:masterClrMapping/>
+  </p:clrMapOvr>
+</p:sld>
+</file>
+
+<file path=ppt/slides/slide9.xml><?xml version="1.0" encoding="utf-8"?>
+<p:sld xmlns:a="http://schemas.openxmlformats.org/drawingml/2006/main" xmlns:r="http://schemas.openxmlformats.org/officeDocument/2006/relationships" xmlns:p="http://schemas.openxmlformats.org/presentationml/2006/main">
+  <p:cSld>
+    <p:spTree>
+      <p:nvGrpSpPr>
+        <p:cNvPr id="1" name=""/>
+        <p:cNvGrpSpPr/>
+        <p:nvPr/>
+      </p:nvGrpSpPr>
+      <p:grpSpPr>
+        <a:xfrm>
+          <a:off x="0" y="0"/>
+          <a:ext cx="0" cy="0"/>
+          <a:chOff x="0" y="0"/>
+          <a:chExt cx="0" cy="0"/>
+        </a:xfrm>
+      </p:grpSpPr>
+      <p:sp>
+        <p:nvSpPr>
+          <p:cNvPr id="4" name="Rectangle 3"/>
+          <p:cNvSpPr/>
+          <p:nvPr/>
+        </p:nvSpPr>
+        <p:spPr>
+          <a:xfrm>
+            <a:off x="228600" y="304800"/>
+            <a:ext cx="8839200" cy="1446550"/>
+          </a:xfrm>
+          <a:prstGeom prst="rect">
+            <a:avLst/>
+          </a:prstGeom>
+        </p:spPr>
+        <p:txBody>
+          <a:bodyPr wrap="square">
+            <a:spAutoFit/>
+          </a:bodyPr>
+          <a:lstStyle/>
+          <a:p>
+            <a:r>
+              <a:rPr lang="vi-VN" sz="2200" b="1" dirty="0" smtClean="0">
+                <a:latin typeface="Times New Roman" pitchFamily="18" charset="0"/>
+                <a:cs typeface="Times New Roman" pitchFamily="18" charset="0"/>
+              </a:rPr>
+              <a:t>Tạo giao diện:</a:t>
+            </a:r>
+            <a:endParaRPr lang="en-US" sz="2200" b="1" dirty="0" smtClean="0">
+              <a:latin typeface="Times New Roman" pitchFamily="18" charset="0"/>
+              <a:cs typeface="Times New Roman" pitchFamily="18" charset="0"/>
+            </a:endParaRPr>
+          </a:p>
+          <a:p>
+            <a:endParaRPr lang="vi-VN" sz="2200" dirty="0" smtClean="0">
+              <a:latin typeface="Times New Roman" pitchFamily="18" charset="0"/>
+              <a:cs typeface="Times New Roman" pitchFamily="18" charset="0"/>
+            </a:endParaRPr>
+          </a:p>
+          <a:p>
+            <a:pPr marL="342900" indent="-342900" algn="just">
+              <a:buFont typeface="Wingdings" pitchFamily="2" charset="2"/>
+              <a:buChar char="§"/>
+            </a:pPr>
+            <a:r>
+              <a:rPr lang="vi-VN" sz="2200" dirty="0" smtClean="0">
+                <a:latin typeface="Times New Roman" pitchFamily="18" charset="0"/>
+                <a:cs typeface="Times New Roman" pitchFamily="18" charset="0"/>
+              </a:rPr>
+              <a:t>GUI </a:t>
+            </a:r>
+            <a:r>
+              <a:rPr lang="vi-VN" sz="2200" dirty="0">
+                <a:latin typeface="Times New Roman" pitchFamily="18" charset="0"/>
+                <a:cs typeface="Times New Roman" pitchFamily="18" charset="0"/>
+              </a:rPr>
+              <a:t>trên Android được tổ chức theo dạng phân cấp của các </a:t>
+            </a:r>
+            <a:r>
+              <a:rPr lang="vi-VN" sz="2200" dirty="0" smtClean="0">
+                <a:latin typeface="Times New Roman" pitchFamily="18" charset="0"/>
+                <a:cs typeface="Times New Roman" pitchFamily="18" charset="0"/>
+              </a:rPr>
+              <a:t>đối </a:t>
+            </a:r>
+            <a:r>
+              <a:rPr lang="vi-VN" sz="2200" dirty="0">
+                <a:latin typeface="Times New Roman" pitchFamily="18" charset="0"/>
+                <a:cs typeface="Times New Roman" pitchFamily="18" charset="0"/>
+              </a:rPr>
+              <a:t>tược View và GroupView.</a:t>
+            </a:r>
+            <a:endParaRPr lang="en-US" sz="2200" dirty="0">
+              <a:latin typeface="Times New Roman" pitchFamily="18" charset="0"/>
+              <a:cs typeface="Times New Roman" pitchFamily="18" charset="0"/>
+            </a:endParaRPr>
+          </a:p>
+        </p:txBody>
+      </p:sp>
+      <p:pic>
+        <p:nvPicPr>
+          <p:cNvPr id="4098" name="Picture 2"/>
+          <p:cNvPicPr>
+            <a:picLocks noChangeAspect="1" noChangeArrowheads="1"/>
+          </p:cNvPicPr>
+          <p:nvPr/>
+        </p:nvPicPr>
+        <p:blipFill>
+          <a:blip r:embed="rId2">
+            <a:extLst>
+              <a:ext uri="{28A0092B-C50C-407E-A947-70E740481C1C}">
+                <a14:useLocalDpi xmlns:a14="http://schemas.microsoft.com/office/drawing/2010/main" val="0"/>
+              </a:ext>
+            </a:extLst>
+          </a:blip>
+          <a:srcRect/>
+          <a:stretch>
+            <a:fillRect/>
+          </a:stretch>
+        </p:blipFill>
+        <p:spPr bwMode="auto">
+          <a:xfrm>
+            <a:off x="685800" y="2057400"/>
+            <a:ext cx="7600950" cy="3962400"/>
+          </a:xfrm>
+          <a:prstGeom prst="rect">
+            <a:avLst/>
+          </a:prstGeom>
+          <a:noFill/>
+          <a:ln>
+            <a:noFill/>
+          </a:ln>
+          <a:effectLst/>
+          <a:extLst>
+            <a:ext uri="{909E8E84-426E-40DD-AFC4-6F175D3DCCD1}">
+              <a14:hiddenFill xmlns:a14="http://schemas.microsoft.com/office/drawing/2010/main">
+                <a:solidFill>
+                  <a:schemeClr val="accent1"/>
+                </a:solidFill>
+              </a14:hiddenFill>
+            </a:ext>
+            <a:ext uri="{91240B29-F687-4F45-9708-019B960494DF}">
+              <a14:hiddenLine xmlns:a14="http://schemas.microsoft.com/office/drawing/2010/main" w="9525">
+                <a:solidFill>
+                  <a:schemeClr val="tx1"/>
+                </a:solidFill>
+                <a:miter lim="800000"/>
+                <a:headEnd/>
+                <a:tailEnd/>
+              </a14:hiddenLine>
+            </a:ext>
+            <a:ext uri="{AF507438-7753-43E0-B8FC-AC1667EBCBE1}">
+              <a14:hiddenEffects xmlns:a14="http://schemas.microsoft.com/office/drawing/2010/main">
+                <a:effectLst>
+                  <a:outerShdw dist="35921" dir="2700000" algn="ctr" rotWithShape="0">
+                    <a:schemeClr val="bg2"/>
+                  </a:outerShdw>
+                </a:effectLst>
+              </a14:hiddenEffects>
+            </a:ext>
+          </a:extLst>
+        </p:spPr>
+      </p:pic>
+    </p:spTree>
+    <p:extLst>
+      <p:ext uri="{BB962C8B-B14F-4D97-AF65-F5344CB8AC3E}">
+        <p14:creationId xmlns:p14="http://schemas.microsoft.com/office/powerpoint/2010/main" val="1360152231"/>
+      </p:ext>
+    </p:extLst>
+  </p:cSld>
+  <p:clrMapOvr>
+    <a:masterClrMapping/>
+  </p:clrMapOvr>
+  <p:timing>
+    <p:tnLst>
+      <p:par>
+        <p:cTn id="1" dur="indefinite" restart="never" nodeType="tmRoot"/>
+      </p:par>
+    </p:tnLst>
+  </p:timing>
+</p:sld>
+</file>
+
+<file path=ppt/slides/slide90.xml><?xml version="1.0" encoding="utf-8"?>
+<p:sld xmlns:a="http://schemas.openxmlformats.org/drawingml/2006/main" xmlns:r="http://schemas.openxmlformats.org/officeDocument/2006/relationships" xmlns:p="http://schemas.openxmlformats.org/presentationml/2006/main">
+  <p:cSld>
+    <p:spTree>
+      <p:nvGrpSpPr>
+        <p:cNvPr id="1" name=""/>
+        <p:cNvGrpSpPr/>
+        <p:nvPr/>
+      </p:nvGrpSpPr>
+      <p:grpSpPr>
+        <a:xfrm>
+          <a:off x="0" y="0"/>
+          <a:ext cx="0" cy="0"/>
+          <a:chOff x="0" y="0"/>
+          <a:chExt cx="0" cy="0"/>
+        </a:xfrm>
+      </p:grpSpPr>
+    </p:spTree>
+    <p:extLst>
+      <p:ext uri="{BB962C8B-B14F-4D97-AF65-F5344CB8AC3E}">
+        <p14:creationId xmlns:p14="http://schemas.microsoft.com/office/powerpoint/2010/main" val="1075246551"/>
+      </p:ext>
+    </p:extLst>
+  </p:cSld>
+  <p:clrMapOvr>
+    <a:masterClrMapping/>
+  </p:clrMapOvr>
+</p:sld>
+</file>
+
+<file path=ppt/slides/slide91.xml><?xml version="1.0" encoding="utf-8"?>
+<p:sld xmlns:a="http://schemas.openxmlformats.org/drawingml/2006/main" xmlns:r="http://schemas.openxmlformats.org/officeDocument/2006/relationships" xmlns:p="http://schemas.openxmlformats.org/presentationml/2006/main">
+  <p:cSld>
+    <p:spTree>
+      <p:nvGrpSpPr>
+        <p:cNvPr id="1" name=""/>
+        <p:cNvGrpSpPr/>
+        <p:nvPr/>
+      </p:nvGrpSpPr>
+      <p:grpSpPr>
+        <a:xfrm>
+          <a:off x="0" y="0"/>
+          <a:ext cx="0" cy="0"/>
+          <a:chOff x="0" y="0"/>
+          <a:chExt cx="0" cy="0"/>
+        </a:xfrm>
+      </p:grpSpPr>
+    </p:spTree>
+    <p:extLst>
+      <p:ext uri="{BB962C8B-B14F-4D97-AF65-F5344CB8AC3E}">
+        <p14:creationId xmlns:p14="http://schemas.microsoft.com/office/powerpoint/2010/main" val="1023857880"/>
+      </p:ext>
+    </p:extLst>
+  </p:cSld>
+  <p:clrMapOvr>
+    <a:masterClrMapping/>
+  </p:clrMapOvr>
+</p:sld>
+</file>
+
+<file path=ppt/slides/slide92.xml><?xml version="1.0" encoding="utf-8"?>
+<p:sld xmlns:a="http://schemas.openxmlformats.org/drawingml/2006/main" xmlns:r="http://schemas.openxmlformats.org/officeDocument/2006/relationships" xmlns:p="http://schemas.openxmlformats.org/presentationml/2006/main">
+  <p:cSld>
+    <p:spTree>
+      <p:nvGrpSpPr>
+        <p:cNvPr id="1" name=""/>
+        <p:cNvGrpSpPr/>
+        <p:nvPr/>
+      </p:nvGrpSpPr>
+      <p:grpSpPr>
+        <a:xfrm>
+          <a:off x="0" y="0"/>
+          <a:ext cx="0" cy="0"/>
+          <a:chOff x="0" y="0"/>
+          <a:chExt cx="0" cy="0"/>
+        </a:xfrm>
+      </p:grpSpPr>
+    </p:spTree>
+    <p:extLst>
+      <p:ext uri="{BB962C8B-B14F-4D97-AF65-F5344CB8AC3E}">
+        <p14:creationId xmlns:p14="http://schemas.microsoft.com/office/powerpoint/2010/main" val="1926297988"/>
+      </p:ext>
+    </p:extLst>
+  </p:cSld>
+  <p:clrMapOvr>
+    <a:masterClrMapping/>
+  </p:clrMapOvr>
+</p:sld>
+</file>
+
+<file path=ppt/slides/slide93.xml><?xml version="1.0" encoding="utf-8"?>
+<p:sld xmlns:a="http://schemas.openxmlformats.org/drawingml/2006/main" xmlns:r="http://schemas.openxmlformats.org/officeDocument/2006/relationships" xmlns:p="http://schemas.openxmlformats.org/presentationml/2006/main">
+  <p:cSld>
+    <p:spTree>
+      <p:nvGrpSpPr>
+        <p:cNvPr id="1" name=""/>
+        <p:cNvGrpSpPr/>
+        <p:nvPr/>
+      </p:nvGrpSpPr>
+      <p:grpSpPr>
+        <a:xfrm>
+          <a:off x="0" y="0"/>
+          <a:ext cx="0" cy="0"/>
+          <a:chOff x="0" y="0"/>
+          <a:chExt cx="0" cy="0"/>
+        </a:xfrm>
+      </p:grpSpPr>
+    </p:spTree>
+    <p:extLst>
+      <p:ext uri="{BB962C8B-B14F-4D97-AF65-F5344CB8AC3E}">
+        <p14:creationId xmlns:p14="http://schemas.microsoft.com/office/powerpoint/2010/main" val="3004199578"/>
+      </p:ext>
+    </p:extLst>
+  </p:cSld>
+  <p:clrMapOvr>
+    <a:masterClrMapping/>
+  </p:clrMapOvr>
+</p:sld>
+</file>
+
+<file path=ppt/slides/slide94.xml><?xml version="1.0" encoding="utf-8"?>
+<p:sld xmlns:a="http://schemas.openxmlformats.org/drawingml/2006/main" xmlns:r="http://schemas.openxmlformats.org/officeDocument/2006/relationships" xmlns:p="http://schemas.openxmlformats.org/presentationml/2006/main">
+  <p:cSld>
+    <p:spTree>
+      <p:nvGrpSpPr>
+        <p:cNvPr id="1" name=""/>
+        <p:cNvGrpSpPr/>
+        <p:nvPr/>
+      </p:nvGrpSpPr>
+      <p:grpSpPr>
+        <a:xfrm>
+          <a:off x="0" y="0"/>
+          <a:ext cx="0" cy="0"/>
+          <a:chOff x="0" y="0"/>
+          <a:chExt cx="0" cy="0"/>
+        </a:xfrm>
+      </p:grpSpPr>
+    </p:spTree>
+    <p:extLst>
+      <p:ext uri="{BB962C8B-B14F-4D97-AF65-F5344CB8AC3E}">
+        <p14:creationId xmlns:p14="http://schemas.microsoft.com/office/powerpoint/2010/main" val="4022498903"/>
+      </p:ext>
+    </p:extLst>
+  </p:cSld>
+  <p:clrMapOvr>
+    <a:masterClrMapping/>
+  </p:clrMapOvr>
+</p:sld>
+</file>
+
+<file path=ppt/slides/slide95.xml><?xml version="1.0" encoding="utf-8"?>
+<p:sld xmlns:a="http://schemas.openxmlformats.org/drawingml/2006/main" xmlns:r="http://schemas.openxmlformats.org/officeDocument/2006/relationships" xmlns:p="http://schemas.openxmlformats.org/presentationml/2006/main">
+  <p:cSld>
+    <p:spTree>
+      <p:nvGrpSpPr>
+        <p:cNvPr id="1" name=""/>
+        <p:cNvGrpSpPr/>
+        <p:nvPr/>
+      </p:nvGrpSpPr>
+      <p:grpSpPr>
+        <a:xfrm>
+          <a:off x="0" y="0"/>
+          <a:ext cx="0" cy="0"/>
+          <a:chOff x="0" y="0"/>
+          <a:chExt cx="0" cy="0"/>
+        </a:xfrm>
+      </p:grpSpPr>
+    </p:spTree>
+    <p:extLst>
+      <p:ext uri="{BB962C8B-B14F-4D97-AF65-F5344CB8AC3E}">
+        <p14:creationId xmlns:p14="http://schemas.microsoft.com/office/powerpoint/2010/main" val="4022498903"/>
+      </p:ext>
+    </p:extLst>
+  </p:cSld>
+  <p:clrMapOvr>
+    <a:masterClrMapping/>
+  </p:clrMapOvr>
+</p:sld>
+</file>
+
+<file path=ppt/slides/slide96.xml><?xml version="1.0" encoding="utf-8"?>
+<p:sld xmlns:a="http://schemas.openxmlformats.org/drawingml/2006/main" xmlns:r="http://schemas.openxmlformats.org/officeDocument/2006/relationships" xmlns:p="http://schemas.openxmlformats.org/presentationml/2006/main">
+  <p:cSld>
+    <p:spTree>
+      <p:nvGrpSpPr>
+        <p:cNvPr id="1" name=""/>
+        <p:cNvGrpSpPr/>
+        <p:nvPr/>
+      </p:nvGrpSpPr>
+      <p:grpSpPr>
+        <a:xfrm>
+          <a:off x="0" y="0"/>
+          <a:ext cx="0" cy="0"/>
+          <a:chOff x="0" y="0"/>
+          <a:chExt cx="0" cy="0"/>
+        </a:xfrm>
+      </p:grpSpPr>
+    </p:spTree>
+    <p:extLst>
+      <p:ext uri="{BB962C8B-B14F-4D97-AF65-F5344CB8AC3E}">
+        <p14:creationId xmlns:p14="http://schemas.microsoft.com/office/powerpoint/2010/main" val="4022498903"/>
+      </p:ext>
+    </p:extLst>
+  </p:cSld>
+  <p:clrMapOvr>
+    <a:masterClrMapping/>
+  </p:clrMapOvr>
+</p:sld>
+</file>
+
+<file path=ppt/slides/slide97.xml><?xml version="1.0" encoding="utf-8"?>
+<p:sld xmlns:a="http://schemas.openxmlformats.org/drawingml/2006/main" xmlns:r="http://schemas.openxmlformats.org/officeDocument/2006/relationships" xmlns:p="http://schemas.openxmlformats.org/presentationml/2006/main">
+  <p:cSld>
+    <p:spTree>
+      <p:nvGrpSpPr>
+        <p:cNvPr id="1" name=""/>
+        <p:cNvGrpSpPr/>
+        <p:nvPr/>
+      </p:nvGrpSpPr>
+      <p:grpSpPr>
+        <a:xfrm>
+          <a:off x="0" y="0"/>
+          <a:ext cx="0" cy="0"/>
+          <a:chOff x="0" y="0"/>
+          <a:chExt cx="0" cy="0"/>
+        </a:xfrm>
+      </p:grpSpPr>
+    </p:spTree>
+    <p:extLst>
+      <p:ext uri="{BB962C8B-B14F-4D97-AF65-F5344CB8AC3E}">
+        <p14:creationId xmlns:p14="http://schemas.microsoft.com/office/powerpoint/2010/main" val="4022498903"/>
+      </p:ext>
+    </p:extLst>
+  </p:cSld>
+  <p:clrMapOvr>
+    <a:masterClrMapping/>
+  </p:clrMapOvr>
+</p:sld>
+</file>
+
+<file path=ppt/slides/slide98.xml><?xml version="1.0" encoding="utf-8"?>
+<p:sld xmlns:a="http://schemas.openxmlformats.org/drawingml/2006/main" xmlns:r="http://schemas.openxmlformats.org/officeDocument/2006/relationships" xmlns:p="http://schemas.openxmlformats.org/presentationml/2006/main">
+  <p:cSld>
+    <p:spTree>
+      <p:nvGrpSpPr>
+        <p:cNvPr id="1" name=""/>
+        <p:cNvGrpSpPr/>
+        <p:nvPr/>
+      </p:nvGrpSpPr>
+      <p:grpSpPr>
+        <a:xfrm>
+          <a:off x="0" y="0"/>
+          <a:ext cx="0" cy="0"/>
+          <a:chOff x="0" y="0"/>
+          <a:chExt cx="0" cy="0"/>
+        </a:xfrm>
+      </p:grpSpPr>
+    </p:spTree>
+    <p:extLst>
+      <p:ext uri="{BB962C8B-B14F-4D97-AF65-F5344CB8AC3E}">
+        <p14:creationId xmlns:p14="http://schemas.microsoft.com/office/powerpoint/2010/main" val="4022498903"/>
+      </p:ext>
+    </p:extLst>
+  </p:cSld>
+  <p:clrMapOvr>
+    <a:masterClrMapping/>
+  </p:clrMapOvr>
+</p:sld>
+</file>
+
+<file path=ppt/slides/slide99.xml><?xml version="1.0" encoding="utf-8"?>
+<p:sld xmlns:a="http://schemas.openxmlformats.org/drawingml/2006/main" xmlns:r="http://schemas.openxmlformats.org/officeDocument/2006/relationships" xmlns:p="http://schemas.openxmlformats.org/presentationml/2006/main">
+  <p:cSld>
+    <p:spTree>
+      <p:nvGrpSpPr>
+        <p:cNvPr id="1" name=""/>
+        <p:cNvGrpSpPr/>
+        <p:nvPr/>
+      </p:nvGrpSpPr>
+      <p:grpSpPr>
+        <a:xfrm>
+          <a:off x="0" y="0"/>
+          <a:ext cx="0" cy="0"/>
+          <a:chOff x="0" y="0"/>
+          <a:chExt cx="0" cy="0"/>
+        </a:xfrm>
+      </p:grpSpPr>
+    </p:spTree>
+    <p:extLst>
+      <p:ext uri="{BB962C8B-B14F-4D97-AF65-F5344CB8AC3E}">
+        <p14:creationId xmlns:p14="http://schemas.microsoft.com/office/powerpoint/2010/main" val="4022498903"/>
       </p:ext>
     </p:extLst>
   </p:cSld>
@@ -3429,4 +11194,289 @@
   <a:objectDefaults/>
   <a:extraClrSchemeLst/>
 </a:theme>
+</file>
+
+<file path=ppt/theme/theme2.xml><?xml version="1.0" encoding="utf-8"?>
+<a:theme xmlns:a="http://schemas.openxmlformats.org/drawingml/2006/main" name="Office Theme">
+  <a:themeElements>
+    <a:clrScheme name="Office">
+      <a:dk1>
+        <a:sysClr val="windowText" lastClr="000000"/>
+      </a:dk1>
+      <a:lt1>
+        <a:sysClr val="window" lastClr="FFFFFF"/>
+      </a:lt1>
+      <a:dk2>
+        <a:srgbClr val="1F497D"/>
+      </a:dk2>
+      <a:lt2>
+        <a:srgbClr val="EEECE1"/>
+      </a:lt2>
+      <a:accent1>
+        <a:srgbClr val="4F81BD"/>
+      </a:accent1>
+      <a:accent2>
+        <a:srgbClr val="C0504D"/>
+      </a:accent2>
+      <a:accent3>
+        <a:srgbClr val="9BBB59"/>
+      </a:accent3>
+      <a:accent4>
+        <a:srgbClr val="8064A2"/>
+      </a:accent4>
+      <a:accent5>
+        <a:srgbClr val="4BACC6"/>
+      </a:accent5>
+      <a:accent6>
+        <a:srgbClr val="F79646"/>
+      </a:accent6>
+      <a:hlink>
+        <a:srgbClr val="0000FF"/>
+      </a:hlink>
+      <a:folHlink>
+        <a:srgbClr val="800080"/>
+      </a:folHlink>
+    </a:clrScheme>
+    <a:fontScheme name="Office">
+      <a:majorFont>
+        <a:latin typeface="Calibri"/>
+        <a:ea typeface=""/>
+        <a:cs typeface=""/>
+        <a:font script="Jpan" typeface="ＭＳ Ｐゴシック"/>
+        <a:font script="Hang" typeface="맑은 고딕"/>
+        <a:font script="Hans" typeface="宋体"/>
+        <a:font script="Hant" typeface="新細明體"/>
+        <a:font script="Arab" typeface="Times New Roman"/>
+        <a:font script="Hebr" typeface="Times New Roman"/>
+        <a:font script="Thai" typeface="Angsana New"/>
+        <a:font script="Ethi" typeface="Nyala"/>
+        <a:font script="Beng" typeface="Vrinda"/>
+        <a:font script="Gujr" typeface="Shruti"/>
+        <a:font script="Khmr" typeface="MoolBoran"/>
+        <a:font script="Knda" typeface="Tunga"/>
+        <a:font script="Guru" typeface="Raavi"/>
+        <a:font script="Cans" typeface="Euphemia"/>
+        <a:font script="Cher" typeface="Plantagenet Cherokee"/>
+        <a:font script="Yiii" typeface="Microsoft Yi Baiti"/>
+        <a:font script="Tibt" typeface="Microsoft Himalaya"/>
+        <a:font script="Thaa" typeface="MV Boli"/>
+        <a:font script="Deva" typeface="Mangal"/>
+        <a:font script="Telu" typeface="Gautami"/>
+        <a:font script="Taml" typeface="Latha"/>
+        <a:font script="Syrc" typeface="Estrangelo Edessa"/>
+        <a:font script="Orya" typeface="Kalinga"/>
+        <a:font script="Mlym" typeface="Kartika"/>
+        <a:font script="Laoo" typeface="DokChampa"/>
+        <a:font script="Sinh" typeface="Iskoola Pota"/>
+        <a:font script="Mong" typeface="Mongolian Baiti"/>
+        <a:font script="Viet" typeface="Times New Roman"/>
+        <a:font script="Uigh" typeface="Microsoft Uighur"/>
+        <a:font script="Geor" typeface="Sylfaen"/>
+      </a:majorFont>
+      <a:minorFont>
+        <a:latin typeface="Calibri"/>
+        <a:ea typeface=""/>
+        <a:cs typeface=""/>
+        <a:font script="Jpan" typeface="ＭＳ Ｐゴシック"/>
+        <a:font script="Hang" typeface="맑은 고딕"/>
+        <a:font script="Hans" typeface="宋体"/>
+        <a:font script="Hant" typeface="新細明體"/>
+        <a:font script="Arab" typeface="Arial"/>
+        <a:font script="Hebr" typeface="Arial"/>
+        <a:font script="Thai" typeface="Cordia New"/>
+        <a:font script="Ethi" typeface="Nyala"/>
+        <a:font script="Beng" typeface="Vrinda"/>
+        <a:font script="Gujr" typeface="Shruti"/>
+        <a:font script="Khmr" typeface="DaunPenh"/>
+        <a:font script="Knda" typeface="Tunga"/>
+        <a:font script="Guru" typeface="Raavi"/>
+        <a:font script="Cans" typeface="Euphemia"/>
+        <a:font script="Cher" typeface="Plantagenet Cherokee"/>
+        <a:font script="Yiii" typeface="Microsoft Yi Baiti"/>
+        <a:font script="Tibt" typeface="Microsoft Himalaya"/>
+        <a:font script="Thaa" typeface="MV Boli"/>
+        <a:font script="Deva" typeface="Mangal"/>
+        <a:font script="Telu" typeface="Gautami"/>
+        <a:font script="Taml" typeface="Latha"/>
+        <a:font script="Syrc" typeface="Estrangelo Edessa"/>
+        <a:font script="Orya" typeface="Kalinga"/>
+        <a:font script="Mlym" typeface="Kartika"/>
+        <a:font script="Laoo" typeface="DokChampa"/>
+        <a:font script="Sinh" typeface="Iskoola Pota"/>
+        <a:font script="Mong" typeface="Mongolian Baiti"/>
+        <a:font script="Viet" typeface="Arial"/>
+        <a:font script="Uigh" typeface="Microsoft Uighur"/>
+        <a:font script="Geor" typeface="Sylfaen"/>
+      </a:minorFont>
+    </a:fontScheme>
+    <a:fmtScheme name="Office">
+      <a:fillStyleLst>
+        <a:solidFill>
+          <a:schemeClr val="phClr"/>
+        </a:solidFill>
+        <a:gradFill rotWithShape="1">
+          <a:gsLst>
+            <a:gs pos="0">
+              <a:schemeClr val="phClr">
+                <a:tint val="50000"/>
+                <a:satMod val="300000"/>
+              </a:schemeClr>
+            </a:gs>
+            <a:gs pos="35000">
+              <a:schemeClr val="phClr">
+                <a:tint val="37000"/>
+                <a:satMod val="300000"/>
+              </a:schemeClr>
+            </a:gs>
+            <a:gs pos="100000">
+              <a:schemeClr val="phClr">
+                <a:tint val="15000"/>
+                <a:satMod val="350000"/>
+              </a:schemeClr>
+            </a:gs>
+          </a:gsLst>
+          <a:lin ang="16200000" scaled="1"/>
+        </a:gradFill>
+        <a:gradFill rotWithShape="1">
+          <a:gsLst>
+            <a:gs pos="0">
+              <a:schemeClr val="phClr">
+                <a:shade val="51000"/>
+                <a:satMod val="130000"/>
+              </a:schemeClr>
+            </a:gs>
+            <a:gs pos="80000">
+              <a:schemeClr val="phClr">
+                <a:shade val="93000"/>
+                <a:satMod val="130000"/>
+              </a:schemeClr>
+            </a:gs>
+            <a:gs pos="100000">
+              <a:schemeClr val="phClr">
+                <a:shade val="94000"/>
+                <a:satMod val="135000"/>
+              </a:schemeClr>
+            </a:gs>
+          </a:gsLst>
+          <a:lin ang="16200000" scaled="0"/>
+        </a:gradFill>
+      </a:fillStyleLst>
+      <a:lnStyleLst>
+        <a:ln w="9525" cap="flat" cmpd="sng" algn="ctr">
+          <a:solidFill>
+            <a:schemeClr val="phClr">
+              <a:shade val="95000"/>
+              <a:satMod val="105000"/>
+            </a:schemeClr>
+          </a:solidFill>
+          <a:prstDash val="solid"/>
+        </a:ln>
+        <a:ln w="25400" cap="flat" cmpd="sng" algn="ctr">
+          <a:solidFill>
+            <a:schemeClr val="phClr"/>
+          </a:solidFill>
+          <a:prstDash val="solid"/>
+        </a:ln>
+        <a:ln w="38100" cap="flat" cmpd="sng" algn="ctr">
+          <a:solidFill>
+            <a:schemeClr val="phClr"/>
+          </a:solidFill>
+          <a:prstDash val="solid"/>
+        </a:ln>
+      </a:lnStyleLst>
+      <a:effectStyleLst>
+        <a:effectStyle>
+          <a:effectLst>
+            <a:outerShdw blurRad="40000" dist="20000" dir="5400000" rotWithShape="0">
+              <a:srgbClr val="000000">
+                <a:alpha val="38000"/>
+              </a:srgbClr>
+            </a:outerShdw>
+          </a:effectLst>
+        </a:effectStyle>
+        <a:effectStyle>
+          <a:effectLst>
+            <a:outerShdw blurRad="40000" dist="23000" dir="5400000" rotWithShape="0">
+              <a:srgbClr val="000000">
+                <a:alpha val="35000"/>
+              </a:srgbClr>
+            </a:outerShdw>
+          </a:effectLst>
+        </a:effectStyle>
+        <a:effectStyle>
+          <a:effectLst>
+            <a:outerShdw blurRad="40000" dist="23000" dir="5400000" rotWithShape="0">
+              <a:srgbClr val="000000">
+                <a:alpha val="35000"/>
+              </a:srgbClr>
+            </a:outerShdw>
+          </a:effectLst>
+          <a:scene3d>
+            <a:camera prst="orthographicFront">
+              <a:rot lat="0" lon="0" rev="0"/>
+            </a:camera>
+            <a:lightRig rig="threePt" dir="t">
+              <a:rot lat="0" lon="0" rev="1200000"/>
+            </a:lightRig>
+          </a:scene3d>
+          <a:sp3d>
+            <a:bevelT w="63500" h="25400"/>
+          </a:sp3d>
+        </a:effectStyle>
+      </a:effectStyleLst>
+      <a:bgFillStyleLst>
+        <a:solidFill>
+          <a:schemeClr val="phClr"/>
+        </a:solidFill>
+        <a:gradFill rotWithShape="1">
+          <a:gsLst>
+            <a:gs pos="0">
+              <a:schemeClr val="phClr">
+                <a:tint val="40000"/>
+                <a:satMod val="350000"/>
+              </a:schemeClr>
+            </a:gs>
+            <a:gs pos="40000">
+              <a:schemeClr val="phClr">
+                <a:tint val="45000"/>
+                <a:shade val="99000"/>
+                <a:satMod val="350000"/>
+              </a:schemeClr>
+            </a:gs>
+            <a:gs pos="100000">
+              <a:schemeClr val="phClr">
+                <a:shade val="20000"/>
+                <a:satMod val="255000"/>
+              </a:schemeClr>
+            </a:gs>
+          </a:gsLst>
+          <a:path path="circle">
+            <a:fillToRect l="50000" t="-80000" r="50000" b="180000"/>
+          </a:path>
+        </a:gradFill>
+        <a:gradFill rotWithShape="1">
+          <a:gsLst>
+            <a:gs pos="0">
+              <a:schemeClr val="phClr">
+                <a:tint val="80000"/>
+                <a:satMod val="300000"/>
+              </a:schemeClr>
+            </a:gs>
+            <a:gs pos="100000">
+              <a:schemeClr val="phClr">
+                <a:shade val="30000"/>
+                <a:satMod val="200000"/>
+              </a:schemeClr>
+            </a:gs>
+          </a:gsLst>
+          <a:path path="circle">
+            <a:fillToRect l="50000" t="50000" r="50000" b="50000"/>
+          </a:path>
+        </a:gradFill>
+      </a:bgFillStyleLst>
+    </a:fmtScheme>
+  </a:themeElements>
+  <a:objectDefaults/>
+  <a:extraClrSchemeLst/>
+</a:theme>
 </file>
--- a/Tranning_Android.pptx
+++ b/Tranning_Android.pptx
@@ -5,7 +5,7 @@
     <p:sldMasterId id="2147483648" r:id="rId1"/>
   </p:sldMasterIdLst>
   <p:notesMasterIdLst>
-    <p:notesMasterId r:id="rId102"/>
+    <p:notesMasterId r:id="rId43"/>
   </p:notesMasterIdLst>
   <p:sldIdLst>
     <p:sldId id="256" r:id="rId2"/>
@@ -49,65 +49,6 @@
     <p:sldId id="294" r:id="rId40"/>
     <p:sldId id="295" r:id="rId41"/>
     <p:sldId id="296" r:id="rId42"/>
-    <p:sldId id="297" r:id="rId43"/>
-    <p:sldId id="298" r:id="rId44"/>
-    <p:sldId id="299" r:id="rId45"/>
-    <p:sldId id="300" r:id="rId46"/>
-    <p:sldId id="301" r:id="rId47"/>
-    <p:sldId id="302" r:id="rId48"/>
-    <p:sldId id="303" r:id="rId49"/>
-    <p:sldId id="304" r:id="rId50"/>
-    <p:sldId id="305" r:id="rId51"/>
-    <p:sldId id="306" r:id="rId52"/>
-    <p:sldId id="307" r:id="rId53"/>
-    <p:sldId id="308" r:id="rId54"/>
-    <p:sldId id="309" r:id="rId55"/>
-    <p:sldId id="310" r:id="rId56"/>
-    <p:sldId id="311" r:id="rId57"/>
-    <p:sldId id="312" r:id="rId58"/>
-    <p:sldId id="313" r:id="rId59"/>
-    <p:sldId id="314" r:id="rId60"/>
-    <p:sldId id="315" r:id="rId61"/>
-    <p:sldId id="316" r:id="rId62"/>
-    <p:sldId id="317" r:id="rId63"/>
-    <p:sldId id="318" r:id="rId64"/>
-    <p:sldId id="319" r:id="rId65"/>
-    <p:sldId id="320" r:id="rId66"/>
-    <p:sldId id="321" r:id="rId67"/>
-    <p:sldId id="322" r:id="rId68"/>
-    <p:sldId id="323" r:id="rId69"/>
-    <p:sldId id="324" r:id="rId70"/>
-    <p:sldId id="325" r:id="rId71"/>
-    <p:sldId id="326" r:id="rId72"/>
-    <p:sldId id="327" r:id="rId73"/>
-    <p:sldId id="328" r:id="rId74"/>
-    <p:sldId id="329" r:id="rId75"/>
-    <p:sldId id="330" r:id="rId76"/>
-    <p:sldId id="331" r:id="rId77"/>
-    <p:sldId id="332" r:id="rId78"/>
-    <p:sldId id="333" r:id="rId79"/>
-    <p:sldId id="334" r:id="rId80"/>
-    <p:sldId id="335" r:id="rId81"/>
-    <p:sldId id="336" r:id="rId82"/>
-    <p:sldId id="337" r:id="rId83"/>
-    <p:sldId id="338" r:id="rId84"/>
-    <p:sldId id="339" r:id="rId85"/>
-    <p:sldId id="340" r:id="rId86"/>
-    <p:sldId id="341" r:id="rId87"/>
-    <p:sldId id="342" r:id="rId88"/>
-    <p:sldId id="343" r:id="rId89"/>
-    <p:sldId id="344" r:id="rId90"/>
-    <p:sldId id="345" r:id="rId91"/>
-    <p:sldId id="346" r:id="rId92"/>
-    <p:sldId id="347" r:id="rId93"/>
-    <p:sldId id="348" r:id="rId94"/>
-    <p:sldId id="349" r:id="rId95"/>
-    <p:sldId id="350" r:id="rId96"/>
-    <p:sldId id="351" r:id="rId97"/>
-    <p:sldId id="352" r:id="rId98"/>
-    <p:sldId id="353" r:id="rId99"/>
-    <p:sldId id="354" r:id="rId100"/>
-    <p:sldId id="355" r:id="rId101"/>
   </p:sldIdLst>
   <p:sldSz cx="9144000" cy="6858000" type="screen4x3"/>
   <p:notesSz cx="6858000" cy="9144000"/>
@@ -291,7 +232,7 @@
           <a:p>
             <a:fld id="{18509BFD-B96D-412E-820D-DE171C89E32E}" type="datetimeFigureOut">
               <a:rPr lang="en-US" smtClean="0"/>
-              <a:t>2/11/2014</a:t>
+              <a:t>2/12/2014</a:t>
             </a:fld>
             <a:endParaRPr lang="en-US"/>
           </a:p>
@@ -738,9 +679,9 @@
           <a:bodyPr/>
           <a:lstStyle/>
           <a:p>
-            <a:fld id="{4F01A4EF-0934-4D83-BC0B-0CA90A45FF16}" type="datetime1">
-              <a:rPr lang="en-US" smtClean="0"/>
-              <a:t>2/11/2014</a:t>
+            <a:fld id="{43A789C0-FC3B-46BB-B604-C334C6A9555A}" type="datetime1">
+              <a:rPr lang="en-US" smtClean="0"/>
+              <a:t>2/13/2014</a:t>
             </a:fld>
             <a:endParaRPr lang="en-US"/>
           </a:p>
@@ -912,9 +853,9 @@
           <a:bodyPr/>
           <a:lstStyle/>
           <a:p>
-            <a:fld id="{FDF368F7-42A1-46B9-B2B3-7349076B3935}" type="datetime1">
-              <a:rPr lang="en-US" smtClean="0"/>
-              <a:t>2/11/2014</a:t>
+            <a:fld id="{D4CD44A7-1144-4D79-B28B-92E9A9B9176C}" type="datetime1">
+              <a:rPr lang="en-US" smtClean="0"/>
+              <a:t>2/13/2014</a:t>
             </a:fld>
             <a:endParaRPr lang="en-US"/>
           </a:p>
@@ -1096,9 +1037,9 @@
           <a:bodyPr/>
           <a:lstStyle/>
           <a:p>
-            <a:fld id="{6EC6CB5C-2197-420D-B2BF-FD8137DF7B45}" type="datetime1">
-              <a:rPr lang="en-US" smtClean="0"/>
-              <a:t>2/11/2014</a:t>
+            <a:fld id="{D96AE845-155D-403B-9C97-86111DA7DDA8}" type="datetime1">
+              <a:rPr lang="en-US" smtClean="0"/>
+              <a:t>2/13/2014</a:t>
             </a:fld>
             <a:endParaRPr lang="en-US"/>
           </a:p>
@@ -1270,9 +1211,9 @@
           <a:bodyPr/>
           <a:lstStyle/>
           <a:p>
-            <a:fld id="{2D33C4F6-1F40-42E2-B6B3-EA1F070F6634}" type="datetime1">
-              <a:rPr lang="en-US" smtClean="0"/>
-              <a:t>2/11/2014</a:t>
+            <a:fld id="{6AD51E7D-AE55-4B8E-92F2-BC8BD0C5A12A}" type="datetime1">
+              <a:rPr lang="en-US" smtClean="0"/>
+              <a:t>2/13/2014</a:t>
             </a:fld>
             <a:endParaRPr lang="en-US"/>
           </a:p>
@@ -1520,9 +1461,9 @@
           <a:bodyPr/>
           <a:lstStyle/>
           <a:p>
-            <a:fld id="{34D97E28-59F7-4EE5-97A0-3630DB4DDC65}" type="datetime1">
-              <a:rPr lang="en-US" smtClean="0"/>
-              <a:t>2/11/2014</a:t>
+            <a:fld id="{57DE43A6-AAFE-4EB5-B3D9-2E62EA90D406}" type="datetime1">
+              <a:rPr lang="en-US" smtClean="0"/>
+              <a:t>2/13/2014</a:t>
             </a:fld>
             <a:endParaRPr lang="en-US"/>
           </a:p>
@@ -1812,9 +1753,9 @@
           <a:bodyPr/>
           <a:lstStyle/>
           <a:p>
-            <a:fld id="{430931C6-C817-4DE8-B01F-B24B9D18A62E}" type="datetime1">
-              <a:rPr lang="en-US" smtClean="0"/>
-              <a:t>2/11/2014</a:t>
+            <a:fld id="{43597D19-0FF4-42AB-8995-69D595A61458}" type="datetime1">
+              <a:rPr lang="en-US" smtClean="0"/>
+              <a:t>2/13/2014</a:t>
             </a:fld>
             <a:endParaRPr lang="en-US"/>
           </a:p>
@@ -2238,9 +2179,9 @@
           <a:bodyPr/>
           <a:lstStyle/>
           <a:p>
-            <a:fld id="{F2193BD3-8FDC-418E-8F1A-1A88DEEBD453}" type="datetime1">
-              <a:rPr lang="en-US" smtClean="0"/>
-              <a:t>2/11/2014</a:t>
+            <a:fld id="{B708DB76-9370-43D6-8241-EB756E4BF515}" type="datetime1">
+              <a:rPr lang="en-US" smtClean="0"/>
+              <a:t>2/13/2014</a:t>
             </a:fld>
             <a:endParaRPr lang="en-US"/>
           </a:p>
@@ -2360,9 +2301,9 @@
           <a:bodyPr/>
           <a:lstStyle/>
           <a:p>
-            <a:fld id="{5B5257AF-7730-45D8-836A-6942887598B0}" type="datetime1">
-              <a:rPr lang="en-US" smtClean="0"/>
-              <a:t>2/11/2014</a:t>
+            <a:fld id="{BDAE7810-30C5-4030-ABF1-04B3B4F5B151}" type="datetime1">
+              <a:rPr lang="en-US" smtClean="0"/>
+              <a:t>2/13/2014</a:t>
             </a:fld>
             <a:endParaRPr lang="en-US"/>
           </a:p>
@@ -2459,9 +2400,9 @@
           <a:bodyPr/>
           <a:lstStyle/>
           <a:p>
-            <a:fld id="{4ACB5B8F-8073-4F43-89A4-2EC3F1FA7513}" type="datetime1">
-              <a:rPr lang="en-US" smtClean="0"/>
-              <a:t>2/11/2014</a:t>
+            <a:fld id="{1E575E35-B169-421A-B941-4BA8FB8513D7}" type="datetime1">
+              <a:rPr lang="en-US" smtClean="0"/>
+              <a:t>2/13/2014</a:t>
             </a:fld>
             <a:endParaRPr lang="en-US"/>
           </a:p>
@@ -2740,9 +2681,9 @@
           <a:bodyPr/>
           <a:lstStyle/>
           <a:p>
-            <a:fld id="{ECE974A5-585A-4B97-8368-086125513EAD}" type="datetime1">
-              <a:rPr lang="en-US" smtClean="0"/>
-              <a:t>2/11/2014</a:t>
+            <a:fld id="{33414ABA-374A-42F9-9575-1A15A625CBA2}" type="datetime1">
+              <a:rPr lang="en-US" smtClean="0"/>
+              <a:t>2/13/2014</a:t>
             </a:fld>
             <a:endParaRPr lang="en-US"/>
           </a:p>
@@ -2997,9 +2938,9 @@
           <a:bodyPr/>
           <a:lstStyle/>
           <a:p>
-            <a:fld id="{142A7184-D188-4C8C-9697-F9B47889B684}" type="datetime1">
-              <a:rPr lang="en-US" smtClean="0"/>
-              <a:t>2/11/2014</a:t>
+            <a:fld id="{9FC086D0-FD95-4D76-94B1-4F5BE1523E5C}" type="datetime1">
+              <a:rPr lang="en-US" smtClean="0"/>
+              <a:t>2/13/2014</a:t>
             </a:fld>
             <a:endParaRPr lang="en-US"/>
           </a:p>
@@ -3214,9 +3155,9 @@
             </a:lvl1pPr>
           </a:lstStyle>
           <a:p>
-            <a:fld id="{798F23E0-D36E-4950-ABD2-8B0943A74115}" type="datetime1">
-              <a:rPr lang="en-US" smtClean="0"/>
-              <a:t>2/11/2014</a:t>
+            <a:fld id="{B54D4234-0555-4BA8-9744-76719E15C641}" type="datetime1">
+              <a:rPr lang="en-US" smtClean="0"/>
+              <a:t>2/13/2014</a:t>
             </a:fld>
             <a:endParaRPr lang="en-US"/>
           </a:p>
@@ -3325,7 +3266,7 @@
     <p:sldLayoutId id="2147483658" r:id="rId10"/>
     <p:sldLayoutId id="2147483659" r:id="rId11"/>
   </p:sldLayoutIdLst>
-  <p:hf sldNum="0" hdr="0" ftr="0" dt="0"/>
+  <p:hf sldNum="0" hdr="0" dt="0"/>
   <p:txStyles>
     <p:titleStyle>
       <a:lvl1pPr algn="ctr" defTabSz="914400" rtl="0" eaLnBrk="1" latinLnBrk="0" hangingPunct="1">
@@ -3677,6 +3618,35 @@
           </a:p>
         </p:txBody>
       </p:sp>
+      <p:sp>
+        <p:nvSpPr>
+          <p:cNvPr id="3" name="Footer Placeholder 2"/>
+          <p:cNvSpPr>
+            <a:spLocks noGrp="1"/>
+          </p:cNvSpPr>
+          <p:nvPr>
+            <p:ph type="ftr" sz="quarter" idx="11"/>
+          </p:nvPr>
+        </p:nvSpPr>
+        <p:spPr/>
+        <p:txBody>
+          <a:bodyPr/>
+          <a:lstStyle/>
+          <a:p>
+            <a:r>
+              <a:rPr lang="en-US" b="1" dirty="0" err="1" smtClean="0">
+                <a:latin typeface="Times New Roman" pitchFamily="18" charset="0"/>
+                <a:cs typeface="Times New Roman" pitchFamily="18" charset="0"/>
+              </a:rPr>
+              <a:t>DangLC</a:t>
+            </a:r>
+            <a:endParaRPr lang="en-US" b="1" dirty="0">
+              <a:latin typeface="Times New Roman" pitchFamily="18" charset="0"/>
+              <a:cs typeface="Times New Roman" pitchFamily="18" charset="0"/>
+            </a:endParaRPr>
+          </a:p>
+        </p:txBody>
+      </p:sp>
     </p:spTree>
     <p:extLst>
       <p:ext uri="{BB962C8B-B14F-4D97-AF65-F5344CB8AC3E}">
@@ -3959,6 +3929,29 @@
           </a:p>
         </p:txBody>
       </p:sp>
+      <p:sp>
+        <p:nvSpPr>
+          <p:cNvPr id="2" name="Footer Placeholder 1"/>
+          <p:cNvSpPr>
+            <a:spLocks noGrp="1"/>
+          </p:cNvSpPr>
+          <p:nvPr>
+            <p:ph type="ftr" sz="quarter" idx="11"/>
+          </p:nvPr>
+        </p:nvSpPr>
+        <p:spPr/>
+        <p:txBody>
+          <a:bodyPr/>
+          <a:lstStyle/>
+          <a:p>
+            <a:r>
+              <a:rPr lang="en-US" smtClean="0"/>
+              <a:t>DangLC</a:t>
+            </a:r>
+            <a:endParaRPr lang="en-US"/>
+          </a:p>
+        </p:txBody>
+      </p:sp>
     </p:spTree>
     <p:extLst>
       <p:ext uri="{BB962C8B-B14F-4D97-AF65-F5344CB8AC3E}">
@@ -3976,36 +3969,6 @@
       </p:par>
     </p:tnLst>
   </p:timing>
-</p:sld>
-</file>
-
-<file path=ppt/slides/slide100.xml><?xml version="1.0" encoding="utf-8"?>
-<p:sld xmlns:a="http://schemas.openxmlformats.org/drawingml/2006/main" xmlns:r="http://schemas.openxmlformats.org/officeDocument/2006/relationships" xmlns:p="http://schemas.openxmlformats.org/presentationml/2006/main">
-  <p:cSld>
-    <p:spTree>
-      <p:nvGrpSpPr>
-        <p:cNvPr id="1" name=""/>
-        <p:cNvGrpSpPr/>
-        <p:nvPr/>
-      </p:nvGrpSpPr>
-      <p:grpSpPr>
-        <a:xfrm>
-          <a:off x="0" y="0"/>
-          <a:ext cx="0" cy="0"/>
-          <a:chOff x="0" y="0"/>
-          <a:chExt cx="0" cy="0"/>
-        </a:xfrm>
-      </p:grpSpPr>
-    </p:spTree>
-    <p:extLst>
-      <p:ext uri="{BB962C8B-B14F-4D97-AF65-F5344CB8AC3E}">
-        <p14:creationId xmlns:p14="http://schemas.microsoft.com/office/powerpoint/2010/main" val="4022498903"/>
-      </p:ext>
-    </p:extLst>
-  </p:cSld>
-  <p:clrMapOvr>
-    <a:masterClrMapping/>
-  </p:clrMapOvr>
 </p:sld>
 </file>
 
@@ -4356,6 +4319,29 @@
           </a:extLst>
         </p:spPr>
       </p:pic>
+      <p:sp>
+        <p:nvSpPr>
+          <p:cNvPr id="2" name="Footer Placeholder 1"/>
+          <p:cNvSpPr>
+            <a:spLocks noGrp="1"/>
+          </p:cNvSpPr>
+          <p:nvPr>
+            <p:ph type="ftr" sz="quarter" idx="11"/>
+          </p:nvPr>
+        </p:nvSpPr>
+        <p:spPr/>
+        <p:txBody>
+          <a:bodyPr/>
+          <a:lstStyle/>
+          <a:p>
+            <a:r>
+              <a:rPr lang="en-US" smtClean="0"/>
+              <a:t>DangLC</a:t>
+            </a:r>
+            <a:endParaRPr lang="en-US"/>
+          </a:p>
+        </p:txBody>
+      </p:sp>
     </p:spTree>
     <p:extLst>
       <p:ext uri="{BB962C8B-B14F-4D97-AF65-F5344CB8AC3E}">
@@ -4508,6 +4494,29 @@
           </a:extLst>
         </p:spPr>
       </p:pic>
+      <p:sp>
+        <p:nvSpPr>
+          <p:cNvPr id="2" name="Footer Placeholder 1"/>
+          <p:cNvSpPr>
+            <a:spLocks noGrp="1"/>
+          </p:cNvSpPr>
+          <p:nvPr>
+            <p:ph type="ftr" sz="quarter" idx="11"/>
+          </p:nvPr>
+        </p:nvSpPr>
+        <p:spPr/>
+        <p:txBody>
+          <a:bodyPr/>
+          <a:lstStyle/>
+          <a:p>
+            <a:r>
+              <a:rPr lang="en-US" smtClean="0"/>
+              <a:t>DangLC</a:t>
+            </a:r>
+            <a:endParaRPr lang="en-US"/>
+          </a:p>
+        </p:txBody>
+      </p:sp>
     </p:spTree>
     <p:extLst>
       <p:ext uri="{BB962C8B-B14F-4D97-AF65-F5344CB8AC3E}">
@@ -4971,6 +4980,29 @@
           </a:p>
         </p:txBody>
       </p:sp>
+      <p:sp>
+        <p:nvSpPr>
+          <p:cNvPr id="2" name="Footer Placeholder 1"/>
+          <p:cNvSpPr>
+            <a:spLocks noGrp="1"/>
+          </p:cNvSpPr>
+          <p:nvPr>
+            <p:ph type="ftr" sz="quarter" idx="11"/>
+          </p:nvPr>
+        </p:nvSpPr>
+        <p:spPr/>
+        <p:txBody>
+          <a:bodyPr/>
+          <a:lstStyle/>
+          <a:p>
+            <a:r>
+              <a:rPr lang="en-US" smtClean="0"/>
+              <a:t>DangLC</a:t>
+            </a:r>
+            <a:endParaRPr lang="en-US"/>
+          </a:p>
+        </p:txBody>
+      </p:sp>
     </p:spTree>
     <p:extLst>
       <p:ext uri="{BB962C8B-B14F-4D97-AF65-F5344CB8AC3E}">
@@ -5348,6 +5380,29 @@
           </a:extLst>
         </p:spPr>
       </p:pic>
+      <p:sp>
+        <p:nvSpPr>
+          <p:cNvPr id="2" name="Footer Placeholder 1"/>
+          <p:cNvSpPr>
+            <a:spLocks noGrp="1"/>
+          </p:cNvSpPr>
+          <p:nvPr>
+            <p:ph type="ftr" sz="quarter" idx="11"/>
+          </p:nvPr>
+        </p:nvSpPr>
+        <p:spPr/>
+        <p:txBody>
+          <a:bodyPr/>
+          <a:lstStyle/>
+          <a:p>
+            <a:r>
+              <a:rPr lang="en-US" smtClean="0"/>
+              <a:t>DangLC</a:t>
+            </a:r>
+            <a:endParaRPr lang="en-US"/>
+          </a:p>
+        </p:txBody>
+      </p:sp>
     </p:spTree>
     <p:extLst>
       <p:ext uri="{BB962C8B-B14F-4D97-AF65-F5344CB8AC3E}">
@@ -5597,6 +5652,29 @@
           </a:extLst>
         </p:spPr>
       </p:pic>
+      <p:sp>
+        <p:nvSpPr>
+          <p:cNvPr id="2" name="Footer Placeholder 1"/>
+          <p:cNvSpPr>
+            <a:spLocks noGrp="1"/>
+          </p:cNvSpPr>
+          <p:nvPr>
+            <p:ph type="ftr" sz="quarter" idx="11"/>
+          </p:nvPr>
+        </p:nvSpPr>
+        <p:spPr/>
+        <p:txBody>
+          <a:bodyPr/>
+          <a:lstStyle/>
+          <a:p>
+            <a:r>
+              <a:rPr lang="en-US" smtClean="0"/>
+              <a:t>DangLC</a:t>
+            </a:r>
+            <a:endParaRPr lang="en-US"/>
+          </a:p>
+        </p:txBody>
+      </p:sp>
     </p:spTree>
     <p:extLst>
       <p:ext uri="{BB962C8B-B14F-4D97-AF65-F5344CB8AC3E}">
@@ -5859,6 +5937,29 @@
           </a:extLst>
         </p:spPr>
       </p:pic>
+      <p:sp>
+        <p:nvSpPr>
+          <p:cNvPr id="2" name="Footer Placeholder 1"/>
+          <p:cNvSpPr>
+            <a:spLocks noGrp="1"/>
+          </p:cNvSpPr>
+          <p:nvPr>
+            <p:ph type="ftr" sz="quarter" idx="11"/>
+          </p:nvPr>
+        </p:nvSpPr>
+        <p:spPr/>
+        <p:txBody>
+          <a:bodyPr/>
+          <a:lstStyle/>
+          <a:p>
+            <a:r>
+              <a:rPr lang="en-US" smtClean="0"/>
+              <a:t>DangLC</a:t>
+            </a:r>
+            <a:endParaRPr lang="en-US"/>
+          </a:p>
+        </p:txBody>
+      </p:sp>
     </p:spTree>
     <p:extLst>
       <p:ext uri="{BB962C8B-B14F-4D97-AF65-F5344CB8AC3E}">
@@ -5896,6 +5997,369 @@
           <a:chExt cx="0" cy="0"/>
         </a:xfrm>
       </p:grpSpPr>
+      <p:sp>
+        <p:nvSpPr>
+          <p:cNvPr id="2" name="Rectangle 1"/>
+          <p:cNvSpPr/>
+          <p:nvPr/>
+        </p:nvSpPr>
+        <p:spPr>
+          <a:xfrm>
+            <a:off x="-4714" y="0"/>
+            <a:ext cx="9148713" cy="2800767"/>
+          </a:xfrm>
+          <a:prstGeom prst="rect">
+            <a:avLst/>
+          </a:prstGeom>
+        </p:spPr>
+        <p:txBody>
+          <a:bodyPr wrap="square">
+            <a:spAutoFit/>
+          </a:bodyPr>
+          <a:lstStyle/>
+          <a:p>
+            <a:pPr algn="just"/>
+            <a:r>
+              <a:rPr lang="vi-VN" sz="2200" b="1" dirty="0" smtClean="0">
+                <a:solidFill>
+                  <a:srgbClr val="FF0000"/>
+                </a:solidFill>
+                <a:latin typeface="+mj-lt"/>
+              </a:rPr>
+              <a:t>Lưu </a:t>
+            </a:r>
+            <a:r>
+              <a:rPr lang="vi-VN" sz="2200" b="1" dirty="0">
+                <a:solidFill>
+                  <a:srgbClr val="FF0000"/>
+                </a:solidFill>
+                <a:latin typeface="+mj-lt"/>
+              </a:rPr>
+              <a:t>dữ liệu</a:t>
+            </a:r>
+            <a:r>
+              <a:rPr lang="vi-VN" sz="2200" b="1" dirty="0" smtClean="0">
+                <a:solidFill>
+                  <a:srgbClr val="FF0000"/>
+                </a:solidFill>
+                <a:latin typeface="+mj-lt"/>
+              </a:rPr>
+              <a:t>:</a:t>
+            </a:r>
+            <a:endParaRPr lang="en-US" sz="2200" b="1" dirty="0" smtClean="0">
+              <a:solidFill>
+                <a:srgbClr val="FF0000"/>
+              </a:solidFill>
+              <a:latin typeface="+mj-lt"/>
+            </a:endParaRPr>
+          </a:p>
+          <a:p>
+            <a:pPr algn="just"/>
+            <a:endParaRPr lang="vi-VN" sz="2200" dirty="0">
+              <a:latin typeface="+mj-lt"/>
+            </a:endParaRPr>
+          </a:p>
+          <a:p>
+            <a:pPr algn="just"/>
+            <a:r>
+              <a:rPr lang="vi-VN" sz="2200" b="1" dirty="0">
+                <a:latin typeface="+mj-lt"/>
+              </a:rPr>
+              <a:t>– SharedPreferences</a:t>
+            </a:r>
+            <a:r>
+              <a:rPr lang="vi-VN" sz="2200" b="1" dirty="0" smtClean="0">
+                <a:latin typeface="+mj-lt"/>
+              </a:rPr>
+              <a:t>:</a:t>
+            </a:r>
+            <a:endParaRPr lang="en-US" sz="2200" b="1" dirty="0" smtClean="0">
+              <a:latin typeface="+mj-lt"/>
+            </a:endParaRPr>
+          </a:p>
+          <a:p>
+            <a:pPr algn="just"/>
+            <a:endParaRPr lang="vi-VN" sz="2200" dirty="0">
+              <a:latin typeface="+mj-lt"/>
+            </a:endParaRPr>
+          </a:p>
+          <a:p>
+            <a:pPr marL="342900" indent="-342900" algn="just">
+              <a:buFont typeface="Wingdings" pitchFamily="2" charset="2"/>
+              <a:buChar char="§"/>
+            </a:pPr>
+            <a:r>
+              <a:rPr lang="vi-VN" sz="2200" dirty="0" smtClean="0">
+                <a:latin typeface="+mj-lt"/>
+              </a:rPr>
+              <a:t>Sử </a:t>
+            </a:r>
+            <a:r>
+              <a:rPr lang="vi-VN" sz="2200" dirty="0">
+                <a:latin typeface="+mj-lt"/>
+              </a:rPr>
+              <a:t>dụng để lưu các thông tin đơn giản: cấu hình, thông tin </a:t>
+            </a:r>
+            <a:r>
+              <a:rPr lang="vi-VN" sz="2200" dirty="0" smtClean="0">
+                <a:latin typeface="+mj-lt"/>
+              </a:rPr>
+              <a:t>người </a:t>
+            </a:r>
+            <a:r>
+              <a:rPr lang="vi-VN" sz="2200" dirty="0">
+                <a:latin typeface="+mj-lt"/>
+              </a:rPr>
+              <a:t>dùng, …</a:t>
+            </a:r>
+          </a:p>
+          <a:p>
+            <a:pPr marL="342900" indent="-342900" algn="just">
+              <a:buFont typeface="Wingdings" pitchFamily="2" charset="2"/>
+              <a:buChar char="§"/>
+            </a:pPr>
+            <a:r>
+              <a:rPr lang="vi-VN" sz="2200" dirty="0" smtClean="0">
+                <a:latin typeface="+mj-lt"/>
+              </a:rPr>
+              <a:t>Thường </a:t>
+            </a:r>
+            <a:r>
+              <a:rPr lang="vi-VN" sz="2200" dirty="0">
+                <a:latin typeface="+mj-lt"/>
+              </a:rPr>
+              <a:t>được lưu dưới dạng key – value</a:t>
+            </a:r>
+          </a:p>
+          <a:p>
+            <a:pPr marL="342900" indent="-342900" algn="just">
+              <a:buFont typeface="Wingdings" pitchFamily="2" charset="2"/>
+              <a:buChar char="§"/>
+            </a:pPr>
+            <a:r>
+              <a:rPr lang="vi-VN" sz="2200" dirty="0" smtClean="0">
+                <a:latin typeface="+mj-lt"/>
+              </a:rPr>
+              <a:t>Hỗ </a:t>
+            </a:r>
+            <a:r>
+              <a:rPr lang="vi-VN" sz="2200" dirty="0">
+                <a:latin typeface="+mj-lt"/>
+              </a:rPr>
+              <a:t>trợ các dạng dữ liệu cơ bản</a:t>
+            </a:r>
+          </a:p>
+          <a:p>
+            <a:pPr marL="342900" indent="-342900" algn="just">
+              <a:buFont typeface="Wingdings" pitchFamily="2" charset="2"/>
+              <a:buChar char="§"/>
+            </a:pPr>
+            <a:r>
+              <a:rPr lang="vi-VN" sz="2200" dirty="0" smtClean="0">
+                <a:latin typeface="+mj-lt"/>
+              </a:rPr>
+              <a:t>Có </a:t>
+            </a:r>
+            <a:r>
+              <a:rPr lang="vi-VN" sz="2200" dirty="0">
+                <a:latin typeface="+mj-lt"/>
+              </a:rPr>
+              <a:t>thể chia sẽ nhau giữa các activity trong cùng 1 packge</a:t>
+            </a:r>
+            <a:endParaRPr lang="en-US" sz="2200" dirty="0">
+              <a:latin typeface="+mj-lt"/>
+            </a:endParaRPr>
+          </a:p>
+        </p:txBody>
+      </p:sp>
+      <p:sp>
+        <p:nvSpPr>
+          <p:cNvPr id="3" name="Rectangle 2"/>
+          <p:cNvSpPr/>
+          <p:nvPr/>
+        </p:nvSpPr>
+        <p:spPr>
+          <a:xfrm>
+            <a:off x="-4714" y="2895600"/>
+            <a:ext cx="9139286" cy="1446550"/>
+          </a:xfrm>
+          <a:prstGeom prst="rect">
+            <a:avLst/>
+          </a:prstGeom>
+        </p:spPr>
+        <p:txBody>
+          <a:bodyPr wrap="square">
+            <a:spAutoFit/>
+          </a:bodyPr>
+          <a:lstStyle/>
+          <a:p>
+            <a:r>
+              <a:rPr lang="vi-VN" sz="2200" b="1" dirty="0" smtClean="0">
+                <a:latin typeface="+mj-lt"/>
+              </a:rPr>
+              <a:t>– </a:t>
+            </a:r>
+            <a:r>
+              <a:rPr lang="vi-VN" sz="2200" b="1" dirty="0">
+                <a:latin typeface="+mj-lt"/>
+              </a:rPr>
+              <a:t>Lưu file</a:t>
+            </a:r>
+            <a:r>
+              <a:rPr lang="vi-VN" sz="2200" b="1" dirty="0" smtClean="0">
+                <a:latin typeface="+mj-lt"/>
+              </a:rPr>
+              <a:t>:</a:t>
+            </a:r>
+            <a:endParaRPr lang="en-US" sz="2200" b="1" dirty="0" smtClean="0">
+              <a:latin typeface="+mj-lt"/>
+            </a:endParaRPr>
+          </a:p>
+          <a:p>
+            <a:endParaRPr lang="vi-VN" sz="2200" dirty="0">
+              <a:latin typeface="+mj-lt"/>
+            </a:endParaRPr>
+          </a:p>
+          <a:p>
+            <a:pPr marL="342900" indent="-342900">
+              <a:buFont typeface="Wingdings" pitchFamily="2" charset="2"/>
+              <a:buChar char="§"/>
+            </a:pPr>
+            <a:r>
+              <a:rPr lang="vi-VN" sz="2200" dirty="0" smtClean="0">
+                <a:latin typeface="+mj-lt"/>
+              </a:rPr>
+              <a:t>Lưu</a:t>
+            </a:r>
+            <a:r>
+              <a:rPr lang="vi-VN" sz="2200" dirty="0">
+                <a:latin typeface="+mj-lt"/>
+              </a:rPr>
+              <a:t>, hoạc đọc file vào bộ nhớ trong hoặc SD card của thiết </a:t>
+            </a:r>
+            <a:r>
+              <a:rPr lang="vi-VN" sz="2200" dirty="0" smtClean="0">
+                <a:latin typeface="+mj-lt"/>
+              </a:rPr>
+              <a:t>bị</a:t>
+            </a:r>
+            <a:r>
+              <a:rPr lang="vi-VN" sz="2200" dirty="0">
+                <a:latin typeface="+mj-lt"/>
+              </a:rPr>
+              <a:t>.</a:t>
+            </a:r>
+          </a:p>
+          <a:p>
+            <a:pPr marL="342900" indent="-342900">
+              <a:buFont typeface="Wingdings" pitchFamily="2" charset="2"/>
+              <a:buChar char="§"/>
+            </a:pPr>
+            <a:r>
+              <a:rPr lang="vi-VN" sz="2200" dirty="0" smtClean="0">
+                <a:latin typeface="+mj-lt"/>
+              </a:rPr>
+              <a:t>Sử </a:t>
+            </a:r>
+            <a:r>
+              <a:rPr lang="vi-VN" sz="2200" dirty="0">
+                <a:latin typeface="+mj-lt"/>
+              </a:rPr>
+              <a:t>dụng sức mạnh của API file trong thư viện java.io</a:t>
+            </a:r>
+            <a:endParaRPr lang="en-US" sz="2200" dirty="0">
+              <a:latin typeface="+mj-lt"/>
+            </a:endParaRPr>
+          </a:p>
+        </p:txBody>
+      </p:sp>
+      <p:pic>
+        <p:nvPicPr>
+          <p:cNvPr id="1026" name="Picture 2"/>
+          <p:cNvPicPr>
+            <a:picLocks noChangeAspect="1" noChangeArrowheads="1"/>
+          </p:cNvPicPr>
+          <p:nvPr/>
+        </p:nvPicPr>
+        <p:blipFill>
+          <a:blip r:embed="rId2">
+            <a:extLst>
+              <a:ext uri="{28A0092B-C50C-407E-A947-70E740481C1C}">
+                <a14:useLocalDpi xmlns:a14="http://schemas.microsoft.com/office/drawing/2010/main" val="0"/>
+              </a:ext>
+            </a:extLst>
+          </a:blip>
+          <a:srcRect/>
+          <a:stretch>
+            <a:fillRect/>
+          </a:stretch>
+        </p:blipFill>
+        <p:spPr bwMode="auto">
+          <a:xfrm>
+            <a:off x="304800" y="4315441"/>
+            <a:ext cx="8334375" cy="2743200"/>
+          </a:xfrm>
+          <a:prstGeom prst="rect">
+            <a:avLst/>
+          </a:prstGeom>
+          <a:noFill/>
+          <a:ln>
+            <a:noFill/>
+          </a:ln>
+          <a:effectLst/>
+          <a:extLst>
+            <a:ext uri="{909E8E84-426E-40DD-AFC4-6F175D3DCCD1}">
+              <a14:hiddenFill xmlns:a14="http://schemas.microsoft.com/office/drawing/2010/main">
+                <a:solidFill>
+                  <a:schemeClr val="accent1"/>
+                </a:solidFill>
+              </a14:hiddenFill>
+            </a:ext>
+            <a:ext uri="{91240B29-F687-4F45-9708-019B960494DF}">
+              <a14:hiddenLine xmlns:a14="http://schemas.microsoft.com/office/drawing/2010/main" w="9525">
+                <a:solidFill>
+                  <a:schemeClr val="tx1"/>
+                </a:solidFill>
+                <a:miter lim="800000"/>
+                <a:headEnd/>
+                <a:tailEnd/>
+              </a14:hiddenLine>
+            </a:ext>
+            <a:ext uri="{AF507438-7753-43E0-B8FC-AC1667EBCBE1}">
+              <a14:hiddenEffects xmlns:a14="http://schemas.microsoft.com/office/drawing/2010/main">
+                <a:effectLst>
+                  <a:outerShdw dist="35921" dir="2700000" algn="ctr" rotWithShape="0">
+                    <a:schemeClr val="bg2"/>
+                  </a:outerShdw>
+                </a:effectLst>
+              </a14:hiddenEffects>
+            </a:ext>
+          </a:extLst>
+        </p:spPr>
+      </p:pic>
+      <p:sp>
+        <p:nvSpPr>
+          <p:cNvPr id="4" name="Footer Placeholder 3"/>
+          <p:cNvSpPr>
+            <a:spLocks noGrp="1"/>
+          </p:cNvSpPr>
+          <p:nvPr>
+            <p:ph type="ftr" sz="quarter" idx="11"/>
+          </p:nvPr>
+        </p:nvSpPr>
+        <p:spPr/>
+        <p:txBody>
+          <a:bodyPr/>
+          <a:lstStyle/>
+          <a:p>
+            <a:r>
+              <a:rPr lang="en-US" smtClean="0"/>
+              <a:t>DangLC</a:t>
+            </a:r>
+            <a:endParaRPr lang="en-US"/>
+          </a:p>
+        </p:txBody>
+      </p:sp>
     </p:spTree>
     <p:extLst>
       <p:ext uri="{BB962C8B-B14F-4D97-AF65-F5344CB8AC3E}">
@@ -5933,6 +6397,142 @@
           <a:chExt cx="0" cy="0"/>
         </a:xfrm>
       </p:grpSpPr>
+      <p:sp>
+        <p:nvSpPr>
+          <p:cNvPr id="2" name="Rectangle 1"/>
+          <p:cNvSpPr/>
+          <p:nvPr/>
+        </p:nvSpPr>
+        <p:spPr>
+          <a:xfrm>
+            <a:off x="-7070" y="76200"/>
+            <a:ext cx="9151070" cy="1785104"/>
+          </a:xfrm>
+          <a:prstGeom prst="rect">
+            <a:avLst/>
+          </a:prstGeom>
+        </p:spPr>
+        <p:txBody>
+          <a:bodyPr wrap="square">
+            <a:spAutoFit/>
+          </a:bodyPr>
+          <a:lstStyle/>
+          <a:p>
+            <a:r>
+              <a:rPr lang="vi-VN" sz="2200" b="1" dirty="0">
+                <a:latin typeface="+mj-lt"/>
+              </a:rPr>
+              <a:t>– SQL Databases</a:t>
+            </a:r>
+            <a:r>
+              <a:rPr lang="vi-VN" sz="2200" b="1" dirty="0" smtClean="0">
+                <a:latin typeface="+mj-lt"/>
+              </a:rPr>
+              <a:t>:</a:t>
+            </a:r>
+            <a:endParaRPr lang="en-US" sz="2200" b="1" dirty="0" smtClean="0">
+              <a:latin typeface="+mj-lt"/>
+            </a:endParaRPr>
+          </a:p>
+          <a:p>
+            <a:endParaRPr lang="vi-VN" sz="2200" dirty="0">
+              <a:latin typeface="+mj-lt"/>
+            </a:endParaRPr>
+          </a:p>
+          <a:p>
+            <a:pPr marL="342900" indent="-342900">
+              <a:buFont typeface="Wingdings" pitchFamily="2" charset="2"/>
+              <a:buChar char="§"/>
+            </a:pPr>
+            <a:r>
+              <a:rPr lang="vi-VN" sz="2200" dirty="0" smtClean="0">
+                <a:latin typeface="+mj-lt"/>
+              </a:rPr>
+              <a:t>Sử </a:t>
+            </a:r>
+            <a:r>
+              <a:rPr lang="vi-VN" sz="2200" dirty="0">
+                <a:latin typeface="+mj-lt"/>
+              </a:rPr>
+              <a:t>dụng SQLite để lưu trữ dữ liệu có cấu trúc</a:t>
+            </a:r>
+          </a:p>
+          <a:p>
+            <a:pPr marL="342900" indent="-342900">
+              <a:buFont typeface="Wingdings" pitchFamily="2" charset="2"/>
+              <a:buChar char="§"/>
+            </a:pPr>
+            <a:r>
+              <a:rPr lang="vi-VN" sz="2200" dirty="0" smtClean="0">
+                <a:latin typeface="+mj-lt"/>
+              </a:rPr>
+              <a:t>Sử </a:t>
+            </a:r>
+            <a:r>
+              <a:rPr lang="vi-VN" sz="2200" dirty="0">
+                <a:latin typeface="+mj-lt"/>
+              </a:rPr>
+              <a:t>dụng  lớp SQLiteOpenHelper để thực hiện việc kết nối </a:t>
+            </a:r>
+            <a:r>
+              <a:rPr lang="vi-VN" sz="2200" dirty="0" smtClean="0">
+                <a:latin typeface="+mj-lt"/>
+              </a:rPr>
+              <a:t>truy </a:t>
+            </a:r>
+            <a:r>
+              <a:rPr lang="vi-VN" sz="2200" dirty="0">
+                <a:latin typeface="+mj-lt"/>
+              </a:rPr>
+              <a:t>vấn dữ liệu.</a:t>
+            </a:r>
+          </a:p>
+          <a:p>
+            <a:pPr marL="342900" indent="-342900">
+              <a:buFont typeface="Wingdings" pitchFamily="2" charset="2"/>
+              <a:buChar char="§"/>
+            </a:pPr>
+            <a:r>
+              <a:rPr lang="vi-VN" sz="2200" dirty="0" smtClean="0">
+                <a:latin typeface="+mj-lt"/>
+              </a:rPr>
+              <a:t>Có </a:t>
+            </a:r>
+            <a:r>
+              <a:rPr lang="vi-VN" sz="2200" dirty="0">
+                <a:latin typeface="+mj-lt"/>
+              </a:rPr>
+              <a:t>thể thao tác giống như 1 CSDL quan hệ trên windows</a:t>
+            </a:r>
+            <a:endParaRPr lang="en-US" sz="2200" dirty="0">
+              <a:latin typeface="+mj-lt"/>
+            </a:endParaRPr>
+          </a:p>
+        </p:txBody>
+      </p:sp>
+      <p:sp>
+        <p:nvSpPr>
+          <p:cNvPr id="3" name="Footer Placeholder 2"/>
+          <p:cNvSpPr>
+            <a:spLocks noGrp="1"/>
+          </p:cNvSpPr>
+          <p:nvPr>
+            <p:ph type="ftr" sz="quarter" idx="11"/>
+          </p:nvPr>
+        </p:nvSpPr>
+        <p:spPr/>
+        <p:txBody>
+          <a:bodyPr/>
+          <a:lstStyle/>
+          <a:p>
+            <a:r>
+              <a:rPr lang="en-US" smtClean="0"/>
+              <a:t>DangLC</a:t>
+            </a:r>
+            <a:endParaRPr lang="en-US"/>
+          </a:p>
+        </p:txBody>
+      </p:sp>
     </p:spTree>
     <p:extLst>
       <p:ext uri="{BB962C8B-B14F-4D97-AF65-F5344CB8AC3E}">
@@ -5970,6 +6570,440 @@
           <a:chExt cx="0" cy="0"/>
         </a:xfrm>
       </p:grpSpPr>
+      <p:sp>
+        <p:nvSpPr>
+          <p:cNvPr id="2" name="TextBox 1"/>
+          <p:cNvSpPr txBox="1"/>
+          <p:nvPr/>
+        </p:nvSpPr>
+        <p:spPr>
+          <a:xfrm>
+            <a:off x="0" y="788313"/>
+            <a:ext cx="6944530" cy="430887"/>
+          </a:xfrm>
+          <a:prstGeom prst="rect">
+            <a:avLst/>
+          </a:prstGeom>
+          <a:noFill/>
+        </p:spPr>
+        <p:txBody>
+          <a:bodyPr wrap="none" rtlCol="0">
+            <a:spAutoFit/>
+          </a:bodyPr>
+          <a:lstStyle/>
+          <a:p>
+            <a:r>
+              <a:rPr lang="en-US" sz="2200" dirty="0" err="1" smtClean="0">
+                <a:solidFill>
+                  <a:srgbClr val="FF0000"/>
+                </a:solidFill>
+                <a:latin typeface="Times New Roman" pitchFamily="18" charset="0"/>
+                <a:cs typeface="Times New Roman" pitchFamily="18" charset="0"/>
+              </a:rPr>
+              <a:t>Em</a:t>
+            </a:r>
+            <a:r>
+              <a:rPr lang="en-US" sz="2200" dirty="0" smtClean="0">
+                <a:solidFill>
+                  <a:srgbClr val="FF0000"/>
+                </a:solidFill>
+                <a:latin typeface="Times New Roman" pitchFamily="18" charset="0"/>
+                <a:cs typeface="Times New Roman" pitchFamily="18" charset="0"/>
+              </a:rPr>
+              <a:t> </a:t>
+            </a:r>
+            <a:r>
+              <a:rPr lang="en-US" sz="2200" dirty="0" err="1" smtClean="0">
+                <a:solidFill>
+                  <a:srgbClr val="FF0000"/>
+                </a:solidFill>
+                <a:latin typeface="Times New Roman" pitchFamily="18" charset="0"/>
+                <a:cs typeface="Times New Roman" pitchFamily="18" charset="0"/>
+              </a:rPr>
+              <a:t>sẽ</a:t>
+            </a:r>
+            <a:r>
+              <a:rPr lang="en-US" sz="2200" dirty="0" smtClean="0">
+                <a:solidFill>
+                  <a:srgbClr val="FF0000"/>
+                </a:solidFill>
+                <a:latin typeface="Times New Roman" pitchFamily="18" charset="0"/>
+                <a:cs typeface="Times New Roman" pitchFamily="18" charset="0"/>
+              </a:rPr>
+              <a:t> </a:t>
+            </a:r>
+            <a:r>
+              <a:rPr lang="en-US" sz="2200" dirty="0" err="1" smtClean="0">
+                <a:solidFill>
+                  <a:srgbClr val="FF0000"/>
+                </a:solidFill>
+                <a:latin typeface="Times New Roman" pitchFamily="18" charset="0"/>
+                <a:cs typeface="Times New Roman" pitchFamily="18" charset="0"/>
+              </a:rPr>
+              <a:t>làm</a:t>
+            </a:r>
+            <a:r>
+              <a:rPr lang="en-US" sz="2200" dirty="0" smtClean="0">
+                <a:solidFill>
+                  <a:srgbClr val="FF0000"/>
+                </a:solidFill>
+                <a:latin typeface="Times New Roman" pitchFamily="18" charset="0"/>
+                <a:cs typeface="Times New Roman" pitchFamily="18" charset="0"/>
+              </a:rPr>
+              <a:t> </a:t>
+            </a:r>
+            <a:r>
+              <a:rPr lang="en-US" sz="2200" dirty="0" err="1" smtClean="0">
+                <a:solidFill>
+                  <a:srgbClr val="FF0000"/>
+                </a:solidFill>
+                <a:latin typeface="Times New Roman" pitchFamily="18" charset="0"/>
+                <a:cs typeface="Times New Roman" pitchFamily="18" charset="0"/>
+              </a:rPr>
+              <a:t>rõ</a:t>
+            </a:r>
+            <a:r>
+              <a:rPr lang="en-US" sz="2200" dirty="0" smtClean="0">
+                <a:solidFill>
+                  <a:srgbClr val="FF0000"/>
+                </a:solidFill>
+                <a:latin typeface="Times New Roman" pitchFamily="18" charset="0"/>
+                <a:cs typeface="Times New Roman" pitchFamily="18" charset="0"/>
+              </a:rPr>
+              <a:t> </a:t>
+            </a:r>
+            <a:r>
+              <a:rPr lang="en-US" sz="2200" dirty="0" err="1" smtClean="0">
+                <a:solidFill>
+                  <a:srgbClr val="FF0000"/>
+                </a:solidFill>
+                <a:latin typeface="Times New Roman" pitchFamily="18" charset="0"/>
+                <a:cs typeface="Times New Roman" pitchFamily="18" charset="0"/>
+              </a:rPr>
+              <a:t>hơn</a:t>
+            </a:r>
+            <a:r>
+              <a:rPr lang="en-US" sz="2200" dirty="0" smtClean="0">
+                <a:solidFill>
+                  <a:srgbClr val="FF0000"/>
+                </a:solidFill>
+                <a:latin typeface="Times New Roman" pitchFamily="18" charset="0"/>
+                <a:cs typeface="Times New Roman" pitchFamily="18" charset="0"/>
+              </a:rPr>
+              <a:t> </a:t>
+            </a:r>
+            <a:r>
+              <a:rPr lang="en-US" sz="2200" dirty="0" err="1" smtClean="0">
+                <a:solidFill>
+                  <a:srgbClr val="FF0000"/>
+                </a:solidFill>
+                <a:latin typeface="Times New Roman" pitchFamily="18" charset="0"/>
+                <a:cs typeface="Times New Roman" pitchFamily="18" charset="0"/>
+              </a:rPr>
+              <a:t>về</a:t>
+            </a:r>
+            <a:r>
+              <a:rPr lang="en-US" sz="2200" dirty="0" smtClean="0">
+                <a:solidFill>
+                  <a:srgbClr val="FF0000"/>
+                </a:solidFill>
+                <a:latin typeface="Times New Roman" pitchFamily="18" charset="0"/>
+                <a:cs typeface="Times New Roman" pitchFamily="18" charset="0"/>
+              </a:rPr>
+              <a:t> </a:t>
+            </a:r>
+            <a:r>
+              <a:rPr lang="en-US" sz="2200" dirty="0" err="1" smtClean="0">
+                <a:solidFill>
+                  <a:srgbClr val="FF0000"/>
+                </a:solidFill>
+                <a:latin typeface="Times New Roman" pitchFamily="18" charset="0"/>
+                <a:cs typeface="Times New Roman" pitchFamily="18" charset="0"/>
+              </a:rPr>
+              <a:t>hình</a:t>
+            </a:r>
+            <a:r>
+              <a:rPr lang="en-US" sz="2200" dirty="0" smtClean="0">
+                <a:solidFill>
+                  <a:srgbClr val="FF0000"/>
+                </a:solidFill>
+                <a:latin typeface="Times New Roman" pitchFamily="18" charset="0"/>
+                <a:cs typeface="Times New Roman" pitchFamily="18" charset="0"/>
+              </a:rPr>
+              <a:t> </a:t>
+            </a:r>
+            <a:r>
+              <a:rPr lang="en-US" sz="2200" dirty="0" err="1" smtClean="0">
+                <a:solidFill>
+                  <a:srgbClr val="FF0000"/>
+                </a:solidFill>
+                <a:latin typeface="Times New Roman" pitchFamily="18" charset="0"/>
+                <a:cs typeface="Times New Roman" pitchFamily="18" charset="0"/>
+              </a:rPr>
+              <a:t>thức</a:t>
+            </a:r>
+            <a:r>
+              <a:rPr lang="en-US" sz="2200" dirty="0" smtClean="0">
+                <a:solidFill>
+                  <a:srgbClr val="FF0000"/>
+                </a:solidFill>
+                <a:latin typeface="Times New Roman" pitchFamily="18" charset="0"/>
+                <a:cs typeface="Times New Roman" pitchFamily="18" charset="0"/>
+              </a:rPr>
+              <a:t> </a:t>
+            </a:r>
+            <a:r>
+              <a:rPr lang="en-US" sz="2200" dirty="0" err="1" smtClean="0">
+                <a:solidFill>
+                  <a:srgbClr val="FF0000"/>
+                </a:solidFill>
+                <a:latin typeface="Times New Roman" pitchFamily="18" charset="0"/>
+                <a:cs typeface="Times New Roman" pitchFamily="18" charset="0"/>
+              </a:rPr>
+              <a:t>lưu</a:t>
+            </a:r>
+            <a:r>
+              <a:rPr lang="en-US" sz="2200" dirty="0" smtClean="0">
+                <a:solidFill>
+                  <a:srgbClr val="FF0000"/>
+                </a:solidFill>
+                <a:latin typeface="Times New Roman" pitchFamily="18" charset="0"/>
+                <a:cs typeface="Times New Roman" pitchFamily="18" charset="0"/>
+              </a:rPr>
+              <a:t> </a:t>
+            </a:r>
+            <a:r>
+              <a:rPr lang="en-US" sz="2200" dirty="0" err="1" smtClean="0">
+                <a:solidFill>
+                  <a:srgbClr val="FF0000"/>
+                </a:solidFill>
+                <a:latin typeface="Times New Roman" pitchFamily="18" charset="0"/>
+                <a:cs typeface="Times New Roman" pitchFamily="18" charset="0"/>
+              </a:rPr>
+              <a:t>trữ</a:t>
+            </a:r>
+            <a:r>
+              <a:rPr lang="en-US" sz="2200" dirty="0" smtClean="0">
+                <a:solidFill>
+                  <a:srgbClr val="FF0000"/>
+                </a:solidFill>
+                <a:latin typeface="Times New Roman" pitchFamily="18" charset="0"/>
+                <a:cs typeface="Times New Roman" pitchFamily="18" charset="0"/>
+              </a:rPr>
+              <a:t> </a:t>
+            </a:r>
+            <a:r>
+              <a:rPr lang="en-US" sz="2200" dirty="0" err="1" smtClean="0">
+                <a:solidFill>
+                  <a:srgbClr val="FF0000"/>
+                </a:solidFill>
+                <a:latin typeface="Times New Roman" pitchFamily="18" charset="0"/>
+                <a:cs typeface="Times New Roman" pitchFamily="18" charset="0"/>
+              </a:rPr>
+              <a:t>dữ</a:t>
+            </a:r>
+            <a:r>
+              <a:rPr lang="en-US" sz="2200" dirty="0" smtClean="0">
+                <a:solidFill>
+                  <a:srgbClr val="FF0000"/>
+                </a:solidFill>
+                <a:latin typeface="Times New Roman" pitchFamily="18" charset="0"/>
+                <a:cs typeface="Times New Roman" pitchFamily="18" charset="0"/>
+              </a:rPr>
+              <a:t> </a:t>
+            </a:r>
+            <a:r>
+              <a:rPr lang="en-US" sz="2200" dirty="0" err="1" smtClean="0">
+                <a:solidFill>
+                  <a:srgbClr val="FF0000"/>
+                </a:solidFill>
+                <a:latin typeface="Times New Roman" pitchFamily="18" charset="0"/>
+                <a:cs typeface="Times New Roman" pitchFamily="18" charset="0"/>
+              </a:rPr>
+              <a:t>liệu</a:t>
+            </a:r>
+            <a:r>
+              <a:rPr lang="en-US" sz="2200" dirty="0" smtClean="0">
+                <a:solidFill>
+                  <a:srgbClr val="FF0000"/>
+                </a:solidFill>
+                <a:latin typeface="Times New Roman" pitchFamily="18" charset="0"/>
+                <a:cs typeface="Times New Roman" pitchFamily="18" charset="0"/>
+              </a:rPr>
+              <a:t> </a:t>
+            </a:r>
+            <a:r>
+              <a:rPr lang="en-US" sz="2200" dirty="0" err="1" smtClean="0">
+                <a:solidFill>
+                  <a:srgbClr val="FF0000"/>
+                </a:solidFill>
+                <a:latin typeface="Times New Roman" pitchFamily="18" charset="0"/>
+                <a:cs typeface="Times New Roman" pitchFamily="18" charset="0"/>
+              </a:rPr>
+              <a:t>trong</a:t>
+            </a:r>
+            <a:r>
+              <a:rPr lang="en-US" sz="2200" dirty="0" smtClean="0">
+                <a:solidFill>
+                  <a:srgbClr val="FF0000"/>
+                </a:solidFill>
+                <a:latin typeface="Times New Roman" pitchFamily="18" charset="0"/>
+                <a:cs typeface="Times New Roman" pitchFamily="18" charset="0"/>
+              </a:rPr>
+              <a:t> android</a:t>
+            </a:r>
+            <a:endParaRPr lang="en-US" sz="2200" dirty="0">
+              <a:solidFill>
+                <a:srgbClr val="FF0000"/>
+              </a:solidFill>
+              <a:latin typeface="Times New Roman" pitchFamily="18" charset="0"/>
+              <a:cs typeface="Times New Roman" pitchFamily="18" charset="0"/>
+            </a:endParaRPr>
+          </a:p>
+        </p:txBody>
+      </p:sp>
+      <p:sp>
+        <p:nvSpPr>
+          <p:cNvPr id="3" name="Rectangle 2"/>
+          <p:cNvSpPr/>
+          <p:nvPr/>
+        </p:nvSpPr>
+        <p:spPr>
+          <a:xfrm>
+            <a:off x="1207475" y="1905000"/>
+            <a:ext cx="4572000" cy="1785104"/>
+          </a:xfrm>
+          <a:prstGeom prst="rect">
+            <a:avLst/>
+          </a:prstGeom>
+        </p:spPr>
+        <p:txBody>
+          <a:bodyPr>
+            <a:spAutoFit/>
+          </a:bodyPr>
+          <a:lstStyle/>
+          <a:p>
+            <a:pPr marL="342900" indent="-342900">
+              <a:buFont typeface="Wingdings" pitchFamily="2" charset="2"/>
+              <a:buChar char="§"/>
+            </a:pPr>
+            <a:r>
+              <a:rPr lang="en-US" sz="2200" dirty="0" smtClean="0">
+                <a:latin typeface="Times New Roman" pitchFamily="18" charset="0"/>
+                <a:cs typeface="Times New Roman" pitchFamily="18" charset="0"/>
+              </a:rPr>
+              <a:t>Shared </a:t>
+            </a:r>
+            <a:r>
+              <a:rPr lang="en-US" sz="2200" dirty="0">
+                <a:latin typeface="Times New Roman" pitchFamily="18" charset="0"/>
+                <a:cs typeface="Times New Roman" pitchFamily="18" charset="0"/>
+              </a:rPr>
+              <a:t>Preferences </a:t>
+            </a:r>
+          </a:p>
+          <a:p>
+            <a:pPr marL="342900" indent="-342900">
+              <a:buFont typeface="Wingdings" pitchFamily="2" charset="2"/>
+              <a:buChar char="§"/>
+            </a:pPr>
+            <a:r>
+              <a:rPr lang="en-US" sz="2200" dirty="0" smtClean="0">
+                <a:latin typeface="Times New Roman" pitchFamily="18" charset="0"/>
+                <a:cs typeface="Times New Roman" pitchFamily="18" charset="0"/>
+              </a:rPr>
+              <a:t>Text </a:t>
+            </a:r>
+            <a:r>
+              <a:rPr lang="en-US" sz="2200" dirty="0">
+                <a:latin typeface="Times New Roman" pitchFamily="18" charset="0"/>
+                <a:cs typeface="Times New Roman" pitchFamily="18" charset="0"/>
+              </a:rPr>
+              <a:t>File </a:t>
+            </a:r>
+          </a:p>
+          <a:p>
+            <a:pPr marL="342900" indent="-342900">
+              <a:buFont typeface="Wingdings" pitchFamily="2" charset="2"/>
+              <a:buChar char="§"/>
+            </a:pPr>
+            <a:r>
+              <a:rPr lang="en-US" sz="2200" dirty="0" smtClean="0">
+                <a:latin typeface="Times New Roman" pitchFamily="18" charset="0"/>
+                <a:cs typeface="Times New Roman" pitchFamily="18" charset="0"/>
+              </a:rPr>
+              <a:t>XML </a:t>
+            </a:r>
+            <a:r>
+              <a:rPr lang="en-US" sz="2200" dirty="0">
+                <a:latin typeface="Times New Roman" pitchFamily="18" charset="0"/>
+                <a:cs typeface="Times New Roman" pitchFamily="18" charset="0"/>
+              </a:rPr>
+              <a:t>File </a:t>
+            </a:r>
+          </a:p>
+          <a:p>
+            <a:pPr marL="342900" indent="-342900">
+              <a:buFont typeface="Wingdings" pitchFamily="2" charset="2"/>
+              <a:buChar char="§"/>
+            </a:pPr>
+            <a:r>
+              <a:rPr lang="en-US" sz="2200" dirty="0" smtClean="0">
+                <a:latin typeface="Times New Roman" pitchFamily="18" charset="0"/>
+                <a:cs typeface="Times New Roman" pitchFamily="18" charset="0"/>
+              </a:rPr>
+              <a:t>SQLite </a:t>
+            </a:r>
+            <a:endParaRPr lang="en-US" sz="2200" dirty="0">
+              <a:latin typeface="Times New Roman" pitchFamily="18" charset="0"/>
+              <a:cs typeface="Times New Roman" pitchFamily="18" charset="0"/>
+            </a:endParaRPr>
+          </a:p>
+          <a:p>
+            <a:pPr marL="342900" indent="-342900">
+              <a:buFont typeface="Wingdings" pitchFamily="2" charset="2"/>
+              <a:buChar char="§"/>
+            </a:pPr>
+            <a:r>
+              <a:rPr lang="en-US" sz="2200" dirty="0" smtClean="0">
+                <a:latin typeface="Times New Roman" pitchFamily="18" charset="0"/>
+                <a:cs typeface="Times New Roman" pitchFamily="18" charset="0"/>
+              </a:rPr>
+              <a:t>Web </a:t>
+            </a:r>
+            <a:r>
+              <a:rPr lang="en-US" sz="2200" dirty="0">
+                <a:latin typeface="Times New Roman" pitchFamily="18" charset="0"/>
+                <a:cs typeface="Times New Roman" pitchFamily="18" charset="0"/>
+              </a:rPr>
+              <a:t>Services </a:t>
+            </a:r>
+          </a:p>
+        </p:txBody>
+      </p:sp>
+      <p:sp>
+        <p:nvSpPr>
+          <p:cNvPr id="4" name="Footer Placeholder 3"/>
+          <p:cNvSpPr>
+            <a:spLocks noGrp="1"/>
+          </p:cNvSpPr>
+          <p:nvPr>
+            <p:ph type="ftr" sz="quarter" idx="11"/>
+          </p:nvPr>
+        </p:nvSpPr>
+        <p:spPr/>
+        <p:txBody>
+          <a:bodyPr/>
+          <a:lstStyle/>
+          <a:p>
+            <a:r>
+              <a:rPr lang="en-US" smtClean="0"/>
+              <a:t>DangLC</a:t>
+            </a:r>
+            <a:endParaRPr lang="en-US"/>
+          </a:p>
+        </p:txBody>
+      </p:sp>
     </p:spTree>
     <p:extLst>
       <p:ext uri="{BB962C8B-B14F-4D97-AF65-F5344CB8AC3E}">
@@ -6265,6 +7299,29 @@
               <a:latin typeface="Times New Roman" pitchFamily="18" charset="0"/>
               <a:cs typeface="Times New Roman" pitchFamily="18" charset="0"/>
             </a:endParaRPr>
+          </a:p>
+        </p:txBody>
+      </p:sp>
+      <p:sp>
+        <p:nvSpPr>
+          <p:cNvPr id="2" name="Footer Placeholder 1"/>
+          <p:cNvSpPr>
+            <a:spLocks noGrp="1"/>
+          </p:cNvSpPr>
+          <p:nvPr>
+            <p:ph type="ftr" sz="quarter" idx="11"/>
+          </p:nvPr>
+        </p:nvSpPr>
+        <p:spPr/>
+        <p:txBody>
+          <a:bodyPr/>
+          <a:lstStyle/>
+          <a:p>
+            <a:r>
+              <a:rPr lang="en-US" smtClean="0"/>
+              <a:t>DangLC</a:t>
+            </a:r>
+            <a:endParaRPr lang="en-US"/>
           </a:p>
         </p:txBody>
       </p:sp>
@@ -6305,6 +7362,402 @@
           <a:chExt cx="0" cy="0"/>
         </a:xfrm>
       </p:grpSpPr>
+      <p:sp>
+        <p:nvSpPr>
+          <p:cNvPr id="2" name="Rectangle 1"/>
+          <p:cNvSpPr/>
+          <p:nvPr/>
+        </p:nvSpPr>
+        <p:spPr>
+          <a:xfrm>
+            <a:off x="23567" y="228600"/>
+            <a:ext cx="2511457" cy="430887"/>
+          </a:xfrm>
+          <a:prstGeom prst="rect">
+            <a:avLst/>
+          </a:prstGeom>
+        </p:spPr>
+        <p:txBody>
+          <a:bodyPr wrap="none">
+            <a:spAutoFit/>
+          </a:bodyPr>
+          <a:lstStyle/>
+          <a:p>
+            <a:r>
+              <a:rPr lang="en-US" sz="2200" b="1" dirty="0">
+                <a:latin typeface="Times New Roman" pitchFamily="18" charset="0"/>
+                <a:cs typeface="Times New Roman" pitchFamily="18" charset="0"/>
+              </a:rPr>
+              <a:t>Shared Preferences</a:t>
+            </a:r>
+          </a:p>
+        </p:txBody>
+      </p:sp>
+      <p:sp>
+        <p:nvSpPr>
+          <p:cNvPr id="3" name="Rectangle 2"/>
+          <p:cNvSpPr/>
+          <p:nvPr/>
+        </p:nvSpPr>
+        <p:spPr>
+          <a:xfrm>
+            <a:off x="-13355" y="762000"/>
+            <a:ext cx="8891833" cy="2462213"/>
+          </a:xfrm>
+          <a:prstGeom prst="rect">
+            <a:avLst/>
+          </a:prstGeom>
+        </p:spPr>
+        <p:txBody>
+          <a:bodyPr wrap="square">
+            <a:spAutoFit/>
+          </a:bodyPr>
+          <a:lstStyle/>
+          <a:p>
+            <a:pPr marL="342900" indent="-342900">
+              <a:buFont typeface="Wingdings" pitchFamily="2" charset="2"/>
+              <a:buChar char="§"/>
+            </a:pPr>
+            <a:r>
+              <a:rPr lang="vi-VN" sz="2200" dirty="0" smtClean="0">
+                <a:latin typeface="+mj-lt"/>
+              </a:rPr>
+              <a:t>Dùng </a:t>
+            </a:r>
+            <a:r>
+              <a:rPr lang="vi-VN" sz="2200" dirty="0">
+                <a:latin typeface="+mj-lt"/>
+              </a:rPr>
+              <a:t>để lưu trữ các dữ liệu nguyên thuỷ ở </a:t>
+            </a:r>
+            <a:r>
+              <a:rPr lang="vi-VN" sz="2200" dirty="0" smtClean="0">
+                <a:latin typeface="+mj-lt"/>
+              </a:rPr>
+              <a:t>dạng </a:t>
+            </a:r>
+            <a:r>
+              <a:rPr lang="vi-VN" sz="2200" dirty="0">
+                <a:latin typeface="+mj-lt"/>
+              </a:rPr>
+              <a:t>cặp key-value. </a:t>
+            </a:r>
+          </a:p>
+          <a:p>
+            <a:pPr marL="342900" indent="-342900">
+              <a:buFont typeface="Wingdings" pitchFamily="2" charset="2"/>
+              <a:buChar char="§"/>
+            </a:pPr>
+            <a:r>
+              <a:rPr lang="vi-VN" sz="2200" dirty="0" smtClean="0">
+                <a:latin typeface="+mj-lt"/>
+              </a:rPr>
+              <a:t>Cách </a:t>
+            </a:r>
+            <a:r>
+              <a:rPr lang="vi-VN" sz="2200" dirty="0">
+                <a:latin typeface="+mj-lt"/>
+              </a:rPr>
+              <a:t>sử dụng: </a:t>
+            </a:r>
+          </a:p>
+          <a:p>
+            <a:pPr marL="800100" lvl="1" indent="-342900">
+              <a:buFont typeface="Wingdings" pitchFamily="2" charset="2"/>
+              <a:buChar char="Ø"/>
+            </a:pPr>
+            <a:r>
+              <a:rPr lang="vi-VN" sz="2200" dirty="0" smtClean="0">
+                <a:latin typeface="+mj-lt"/>
+              </a:rPr>
+              <a:t>Import </a:t>
+            </a:r>
+            <a:r>
+              <a:rPr lang="vi-VN" sz="2200" dirty="0">
+                <a:latin typeface="+mj-lt"/>
+              </a:rPr>
+              <a:t>các lớp cần thiết trong gói </a:t>
+            </a:r>
+            <a:r>
+              <a:rPr lang="vi-VN" sz="2200" dirty="0" smtClean="0">
+                <a:latin typeface="+mj-lt"/>
+              </a:rPr>
+              <a:t>android.preference </a:t>
+            </a:r>
+            <a:endParaRPr lang="vi-VN" sz="2200" dirty="0">
+              <a:latin typeface="+mj-lt"/>
+            </a:endParaRPr>
+          </a:p>
+          <a:p>
+            <a:pPr marL="800100" lvl="1" indent="-342900">
+              <a:buFont typeface="Wingdings" pitchFamily="2" charset="2"/>
+              <a:buChar char="Ø"/>
+            </a:pPr>
+            <a:r>
+              <a:rPr lang="vi-VN" sz="2200" dirty="0" smtClean="0">
+                <a:latin typeface="+mj-lt"/>
+              </a:rPr>
+              <a:t>Khởi </a:t>
+            </a:r>
+            <a:r>
+              <a:rPr lang="vi-VN" sz="2200" dirty="0">
+                <a:latin typeface="+mj-lt"/>
+              </a:rPr>
+              <a:t>tạo đối tượng SharedPreferences </a:t>
+            </a:r>
+          </a:p>
+          <a:p>
+            <a:pPr marL="800100" lvl="1" indent="-342900">
+              <a:buFont typeface="Wingdings" pitchFamily="2" charset="2"/>
+              <a:buChar char="Ø"/>
+            </a:pPr>
+            <a:r>
+              <a:rPr lang="vi-VN" sz="2200" dirty="0" smtClean="0">
+                <a:latin typeface="+mj-lt"/>
+              </a:rPr>
+              <a:t>Ghi </a:t>
+            </a:r>
+            <a:r>
+              <a:rPr lang="vi-VN" sz="2200" dirty="0">
+                <a:latin typeface="+mj-lt"/>
+              </a:rPr>
+              <a:t>dữ liệu </a:t>
+            </a:r>
+          </a:p>
+          <a:p>
+            <a:pPr marL="800100" lvl="1" indent="-342900">
+              <a:buFont typeface="Wingdings" pitchFamily="2" charset="2"/>
+              <a:buChar char="Ø"/>
+            </a:pPr>
+            <a:r>
+              <a:rPr lang="vi-VN" sz="2200" dirty="0" smtClean="0">
+                <a:latin typeface="+mj-lt"/>
+              </a:rPr>
+              <a:t>Đọc </a:t>
+            </a:r>
+            <a:r>
+              <a:rPr lang="vi-VN" sz="2200" dirty="0">
+                <a:latin typeface="+mj-lt"/>
+              </a:rPr>
+              <a:t>dữ liệu </a:t>
+            </a:r>
+          </a:p>
+          <a:p>
+            <a:pPr marL="342900" indent="-342900">
+              <a:buFont typeface="Wingdings" pitchFamily="2" charset="2"/>
+              <a:buChar char="§"/>
+            </a:pPr>
+            <a:r>
+              <a:rPr lang="vi-VN" sz="2200" dirty="0" smtClean="0">
+                <a:latin typeface="+mj-lt"/>
+              </a:rPr>
+              <a:t>Ref</a:t>
+            </a:r>
+            <a:r>
+              <a:rPr lang="vi-VN" sz="2200" dirty="0">
+                <a:latin typeface="+mj-lt"/>
+              </a:rPr>
+              <a:t>: </a:t>
+            </a:r>
+            <a:r>
+              <a:rPr lang="vi-VN" sz="2200" b="1" dirty="0">
+                <a:solidFill>
+                  <a:srgbClr val="FF0000"/>
+                </a:solidFill>
+                <a:latin typeface="+mj-lt"/>
+              </a:rPr>
+              <a:t>http://tutorial.vn/su-dung-sharedpreferences-android </a:t>
+            </a:r>
+            <a:endParaRPr lang="en-US" sz="2200" b="1" dirty="0">
+              <a:solidFill>
+                <a:srgbClr val="FF0000"/>
+              </a:solidFill>
+              <a:latin typeface="+mj-lt"/>
+            </a:endParaRPr>
+          </a:p>
+        </p:txBody>
+      </p:sp>
+      <p:sp>
+        <p:nvSpPr>
+          <p:cNvPr id="4" name="Rectangle 3"/>
+          <p:cNvSpPr/>
+          <p:nvPr/>
+        </p:nvSpPr>
+        <p:spPr>
+          <a:xfrm>
+            <a:off x="56734" y="3459777"/>
+            <a:ext cx="1232773" cy="430887"/>
+          </a:xfrm>
+          <a:prstGeom prst="rect">
+            <a:avLst/>
+          </a:prstGeom>
+        </p:spPr>
+        <p:txBody>
+          <a:bodyPr wrap="none">
+            <a:spAutoFit/>
+          </a:bodyPr>
+          <a:lstStyle/>
+          <a:p>
+            <a:r>
+              <a:rPr lang="en-US" sz="2200" b="1" dirty="0">
+                <a:latin typeface="Times New Roman" pitchFamily="18" charset="0"/>
+                <a:cs typeface="Times New Roman" pitchFamily="18" charset="0"/>
+              </a:rPr>
+              <a:t>Text File</a:t>
+            </a:r>
+          </a:p>
+        </p:txBody>
+      </p:sp>
+      <p:sp>
+        <p:nvSpPr>
+          <p:cNvPr id="5" name="Rectangle 4"/>
+          <p:cNvSpPr/>
+          <p:nvPr/>
+        </p:nvSpPr>
+        <p:spPr>
+          <a:xfrm>
+            <a:off x="30810" y="4038600"/>
+            <a:ext cx="9036990" cy="1785104"/>
+          </a:xfrm>
+          <a:prstGeom prst="rect">
+            <a:avLst/>
+          </a:prstGeom>
+        </p:spPr>
+        <p:txBody>
+          <a:bodyPr wrap="square">
+            <a:spAutoFit/>
+          </a:bodyPr>
+          <a:lstStyle/>
+          <a:p>
+            <a:pPr marL="285750" indent="-285750">
+              <a:buFont typeface="Wingdings" pitchFamily="2" charset="2"/>
+              <a:buChar char="§"/>
+            </a:pPr>
+            <a:r>
+              <a:rPr lang="vi-VN" sz="2200" dirty="0" smtClean="0">
+                <a:latin typeface="+mj-lt"/>
+              </a:rPr>
+              <a:t>Dùng </a:t>
+            </a:r>
+            <a:r>
+              <a:rPr lang="vi-VN" sz="2200" dirty="0">
+                <a:latin typeface="+mj-lt"/>
+              </a:rPr>
+              <a:t>để lưu trữ các dữ liệu không cấu trúc </a:t>
+            </a:r>
+            <a:r>
+              <a:rPr lang="vi-VN" sz="2200" dirty="0" smtClean="0">
+                <a:latin typeface="+mj-lt"/>
+              </a:rPr>
+              <a:t>trong </a:t>
+            </a:r>
+            <a:r>
+              <a:rPr lang="vi-VN" sz="2200" dirty="0">
+                <a:latin typeface="+mj-lt"/>
+              </a:rPr>
+              <a:t>text file. </a:t>
+            </a:r>
+          </a:p>
+          <a:p>
+            <a:pPr marL="285750" indent="-285750">
+              <a:buFont typeface="Wingdings" pitchFamily="2" charset="2"/>
+              <a:buChar char="§"/>
+            </a:pPr>
+            <a:r>
+              <a:rPr lang="vi-VN" sz="2200" dirty="0" smtClean="0">
+                <a:latin typeface="+mj-lt"/>
+              </a:rPr>
+              <a:t>Cách </a:t>
+            </a:r>
+            <a:r>
+              <a:rPr lang="vi-VN" sz="2200" dirty="0">
+                <a:latin typeface="+mj-lt"/>
+              </a:rPr>
+              <a:t>sử dụng: </a:t>
+            </a:r>
+          </a:p>
+          <a:p>
+            <a:pPr marL="742950" lvl="1" indent="-285750">
+              <a:buFont typeface="Wingdings" pitchFamily="2" charset="2"/>
+              <a:buChar char="Ø"/>
+            </a:pPr>
+            <a:r>
+              <a:rPr lang="vi-VN" sz="2200" dirty="0" smtClean="0">
+                <a:latin typeface="+mj-lt"/>
+              </a:rPr>
+              <a:t>Import </a:t>
+            </a:r>
+            <a:r>
+              <a:rPr lang="vi-VN" sz="2200" dirty="0">
+                <a:latin typeface="+mj-lt"/>
+              </a:rPr>
+              <a:t>các lớp cần thiết trong lớp gói java.io </a:t>
+            </a:r>
+          </a:p>
+          <a:p>
+            <a:pPr marL="742950" lvl="1" indent="-285750">
+              <a:buFont typeface="Wingdings" pitchFamily="2" charset="2"/>
+              <a:buChar char="Ø"/>
+            </a:pPr>
+            <a:r>
+              <a:rPr lang="vi-VN" sz="2200" dirty="0" smtClean="0">
+                <a:latin typeface="+mj-lt"/>
+              </a:rPr>
+              <a:t>Ghi </a:t>
+            </a:r>
+            <a:r>
+              <a:rPr lang="vi-VN" sz="2200" dirty="0">
+                <a:latin typeface="+mj-lt"/>
+              </a:rPr>
+              <a:t>dữ liệu </a:t>
+            </a:r>
+          </a:p>
+          <a:p>
+            <a:pPr marL="742950" lvl="1" indent="-285750">
+              <a:buFont typeface="Wingdings" pitchFamily="2" charset="2"/>
+              <a:buChar char="Ø"/>
+            </a:pPr>
+            <a:r>
+              <a:rPr lang="vi-VN" sz="2200" dirty="0" smtClean="0">
+                <a:latin typeface="+mj-lt"/>
+              </a:rPr>
+              <a:t>Đọc </a:t>
+            </a:r>
+            <a:r>
+              <a:rPr lang="vi-VN" sz="2200" dirty="0">
+                <a:latin typeface="+mj-lt"/>
+              </a:rPr>
+              <a:t>dữ liệu </a:t>
+            </a:r>
+            <a:endParaRPr lang="en-US" sz="2200" dirty="0">
+              <a:latin typeface="+mj-lt"/>
+            </a:endParaRPr>
+          </a:p>
+        </p:txBody>
+      </p:sp>
+      <p:sp>
+        <p:nvSpPr>
+          <p:cNvPr id="6" name="Footer Placeholder 5"/>
+          <p:cNvSpPr>
+            <a:spLocks noGrp="1"/>
+          </p:cNvSpPr>
+          <p:nvPr>
+            <p:ph type="ftr" sz="quarter" idx="11"/>
+          </p:nvPr>
+        </p:nvSpPr>
+        <p:spPr/>
+        <p:txBody>
+          <a:bodyPr/>
+          <a:lstStyle/>
+          <a:p>
+            <a:r>
+              <a:rPr lang="en-US" smtClean="0"/>
+              <a:t>DangLC</a:t>
+            </a:r>
+            <a:endParaRPr lang="en-US"/>
+          </a:p>
+        </p:txBody>
+      </p:sp>
     </p:spTree>
     <p:extLst>
       <p:ext uri="{BB962C8B-B14F-4D97-AF65-F5344CB8AC3E}">
@@ -6335,6 +7788,402 @@
           <a:chExt cx="0" cy="0"/>
         </a:xfrm>
       </p:grpSpPr>
+      <p:sp>
+        <p:nvSpPr>
+          <p:cNvPr id="2" name="Rectangle 1"/>
+          <p:cNvSpPr/>
+          <p:nvPr/>
+        </p:nvSpPr>
+        <p:spPr>
+          <a:xfrm>
+            <a:off x="76200" y="152400"/>
+            <a:ext cx="1352101" cy="430887"/>
+          </a:xfrm>
+          <a:prstGeom prst="rect">
+            <a:avLst/>
+          </a:prstGeom>
+        </p:spPr>
+        <p:txBody>
+          <a:bodyPr wrap="none">
+            <a:spAutoFit/>
+          </a:bodyPr>
+          <a:lstStyle/>
+          <a:p>
+            <a:r>
+              <a:rPr lang="en-US" sz="2200" b="1" dirty="0">
+                <a:latin typeface="Times New Roman" pitchFamily="18" charset="0"/>
+                <a:cs typeface="Times New Roman" pitchFamily="18" charset="0"/>
+              </a:rPr>
+              <a:t>XML File</a:t>
+            </a:r>
+          </a:p>
+        </p:txBody>
+      </p:sp>
+      <p:sp>
+        <p:nvSpPr>
+          <p:cNvPr id="3" name="Rectangle 2"/>
+          <p:cNvSpPr/>
+          <p:nvPr/>
+        </p:nvSpPr>
+        <p:spPr>
+          <a:xfrm>
+            <a:off x="13354" y="685800"/>
+            <a:ext cx="9111792" cy="1785104"/>
+          </a:xfrm>
+          <a:prstGeom prst="rect">
+            <a:avLst/>
+          </a:prstGeom>
+        </p:spPr>
+        <p:txBody>
+          <a:bodyPr wrap="square">
+            <a:spAutoFit/>
+          </a:bodyPr>
+          <a:lstStyle/>
+          <a:p>
+            <a:pPr marL="342900" indent="-342900">
+              <a:buFont typeface="Wingdings" pitchFamily="2" charset="2"/>
+              <a:buChar char="§"/>
+            </a:pPr>
+            <a:r>
+              <a:rPr lang="vi-VN" sz="2200" dirty="0" smtClean="0">
+                <a:latin typeface="+mj-lt"/>
+              </a:rPr>
+              <a:t>Dùng </a:t>
+            </a:r>
+            <a:r>
+              <a:rPr lang="vi-VN" sz="2200" dirty="0">
+                <a:latin typeface="+mj-lt"/>
+              </a:rPr>
+              <a:t>để lưu trữ các dữ liệu có cấu trúc </a:t>
+            </a:r>
+            <a:r>
+              <a:rPr lang="vi-VN" sz="2200" dirty="0" smtClean="0">
+                <a:latin typeface="+mj-lt"/>
+              </a:rPr>
+              <a:t>trong</a:t>
+            </a:r>
+            <a:r>
+              <a:rPr lang="en-US" sz="2200" dirty="0" smtClean="0">
+                <a:latin typeface="+mj-lt"/>
+              </a:rPr>
+              <a:t> </a:t>
+            </a:r>
+            <a:r>
+              <a:rPr lang="vi-VN" sz="2200" dirty="0" smtClean="0">
+                <a:latin typeface="+mj-lt"/>
+              </a:rPr>
+              <a:t>XML </a:t>
+            </a:r>
+            <a:r>
+              <a:rPr lang="vi-VN" sz="2200" dirty="0">
+                <a:latin typeface="+mj-lt"/>
+              </a:rPr>
+              <a:t>file. </a:t>
+            </a:r>
+          </a:p>
+          <a:p>
+            <a:pPr marL="342900" indent="-342900">
+              <a:buFont typeface="Wingdings" pitchFamily="2" charset="2"/>
+              <a:buChar char="§"/>
+            </a:pPr>
+            <a:r>
+              <a:rPr lang="vi-VN" sz="2200" dirty="0" smtClean="0">
+                <a:latin typeface="+mj-lt"/>
+              </a:rPr>
+              <a:t>Cách </a:t>
+            </a:r>
+            <a:r>
+              <a:rPr lang="vi-VN" sz="2200" dirty="0">
+                <a:latin typeface="+mj-lt"/>
+              </a:rPr>
+              <a:t>sử dụng: </a:t>
+            </a:r>
+          </a:p>
+          <a:p>
+            <a:pPr marL="800100" lvl="1" indent="-342900">
+              <a:buFont typeface="Wingdings" pitchFamily="2" charset="2"/>
+              <a:buChar char="Ø"/>
+            </a:pPr>
+            <a:r>
+              <a:rPr lang="vi-VN" sz="2200" dirty="0" smtClean="0">
+                <a:latin typeface="+mj-lt"/>
+              </a:rPr>
+              <a:t>Import </a:t>
+            </a:r>
+            <a:r>
+              <a:rPr lang="vi-VN" sz="2200" dirty="0">
+                <a:latin typeface="+mj-lt"/>
+              </a:rPr>
+              <a:t>các lớp cần thiết trong gói java.xml và </a:t>
+            </a:r>
+            <a:r>
+              <a:rPr lang="vi-VN" sz="2200" dirty="0" smtClean="0">
+                <a:latin typeface="+mj-lt"/>
+              </a:rPr>
+              <a:t>org.w3c.dom </a:t>
+            </a:r>
+            <a:endParaRPr lang="vi-VN" sz="2200" dirty="0">
+              <a:latin typeface="+mj-lt"/>
+            </a:endParaRPr>
+          </a:p>
+          <a:p>
+            <a:pPr marL="800100" lvl="1" indent="-342900">
+              <a:buFont typeface="Wingdings" pitchFamily="2" charset="2"/>
+              <a:buChar char="Ø"/>
+            </a:pPr>
+            <a:r>
+              <a:rPr lang="vi-VN" sz="2200" dirty="0" smtClean="0">
+                <a:latin typeface="+mj-lt"/>
+              </a:rPr>
+              <a:t>Ghi </a:t>
+            </a:r>
+            <a:r>
+              <a:rPr lang="vi-VN" sz="2200" dirty="0">
+                <a:latin typeface="+mj-lt"/>
+              </a:rPr>
+              <a:t>dữ liệu </a:t>
+            </a:r>
+          </a:p>
+          <a:p>
+            <a:pPr marL="800100" lvl="1" indent="-342900">
+              <a:buFont typeface="Wingdings" pitchFamily="2" charset="2"/>
+              <a:buChar char="Ø"/>
+            </a:pPr>
+            <a:r>
+              <a:rPr lang="vi-VN" sz="2200" dirty="0" smtClean="0">
+                <a:latin typeface="+mj-lt"/>
+              </a:rPr>
+              <a:t>Đọc </a:t>
+            </a:r>
+            <a:r>
+              <a:rPr lang="vi-VN" sz="2200" dirty="0">
+                <a:latin typeface="+mj-lt"/>
+              </a:rPr>
+              <a:t>dữ liệu </a:t>
+            </a:r>
+            <a:endParaRPr lang="en-US" sz="2200" dirty="0">
+              <a:latin typeface="+mj-lt"/>
+            </a:endParaRPr>
+          </a:p>
+        </p:txBody>
+      </p:sp>
+      <p:sp>
+        <p:nvSpPr>
+          <p:cNvPr id="4" name="Rectangle 3"/>
+          <p:cNvSpPr/>
+          <p:nvPr/>
+        </p:nvSpPr>
+        <p:spPr>
+          <a:xfrm>
+            <a:off x="50276" y="2590800"/>
+            <a:ext cx="1047082" cy="430887"/>
+          </a:xfrm>
+          <a:prstGeom prst="rect">
+            <a:avLst/>
+          </a:prstGeom>
+        </p:spPr>
+        <p:txBody>
+          <a:bodyPr wrap="none">
+            <a:spAutoFit/>
+          </a:bodyPr>
+          <a:lstStyle/>
+          <a:p>
+            <a:r>
+              <a:rPr lang="en-US" sz="2200" b="1" dirty="0">
+                <a:latin typeface="Times New Roman" pitchFamily="18" charset="0"/>
+                <a:cs typeface="Times New Roman" pitchFamily="18" charset="0"/>
+              </a:rPr>
+              <a:t>SQLite</a:t>
+            </a:r>
+          </a:p>
+        </p:txBody>
+      </p:sp>
+      <p:sp>
+        <p:nvSpPr>
+          <p:cNvPr id="5" name="Rectangle 4"/>
+          <p:cNvSpPr/>
+          <p:nvPr/>
+        </p:nvSpPr>
+        <p:spPr>
+          <a:xfrm>
+            <a:off x="-35744" y="3124200"/>
+            <a:ext cx="9160890" cy="2800767"/>
+          </a:xfrm>
+          <a:prstGeom prst="rect">
+            <a:avLst/>
+          </a:prstGeom>
+        </p:spPr>
+        <p:txBody>
+          <a:bodyPr wrap="square">
+            <a:spAutoFit/>
+          </a:bodyPr>
+          <a:lstStyle/>
+          <a:p>
+            <a:pPr marL="285750" indent="-285750" algn="just">
+              <a:buFont typeface="Wingdings" pitchFamily="2" charset="2"/>
+              <a:buChar char="§"/>
+            </a:pPr>
+            <a:r>
+              <a:rPr lang="vi-VN" sz="2200" dirty="0" smtClean="0">
+                <a:latin typeface="+mj-lt"/>
+              </a:rPr>
+              <a:t>Dùng </a:t>
+            </a:r>
+            <a:r>
+              <a:rPr lang="vi-VN" sz="2200" dirty="0">
+                <a:latin typeface="+mj-lt"/>
+              </a:rPr>
+              <a:t>để lưu trữ các dữ liệu có cấu trúc và </a:t>
+            </a:r>
+            <a:r>
+              <a:rPr lang="vi-VN" sz="2200" dirty="0" smtClean="0">
+                <a:latin typeface="+mj-lt"/>
+              </a:rPr>
+              <a:t>có</a:t>
+            </a:r>
+            <a:r>
+              <a:rPr lang="en-US" sz="2200" dirty="0" smtClean="0">
+                <a:latin typeface="+mj-lt"/>
+              </a:rPr>
+              <a:t> </a:t>
+            </a:r>
+            <a:r>
+              <a:rPr lang="vi-VN" sz="2200" dirty="0" smtClean="0">
+                <a:latin typeface="+mj-lt"/>
+              </a:rPr>
+              <a:t>quan </a:t>
+            </a:r>
+            <a:r>
+              <a:rPr lang="vi-VN" sz="2200" dirty="0">
+                <a:latin typeface="+mj-lt"/>
+              </a:rPr>
+              <a:t>hệ trong cơ sở dữ liệu thu nhỏ. </a:t>
+            </a:r>
+          </a:p>
+          <a:p>
+            <a:pPr marL="285750" indent="-285750" algn="just">
+              <a:buFont typeface="Wingdings" pitchFamily="2" charset="2"/>
+              <a:buChar char="§"/>
+            </a:pPr>
+            <a:r>
+              <a:rPr lang="vi-VN" sz="2200" dirty="0" smtClean="0">
+                <a:latin typeface="+mj-lt"/>
+              </a:rPr>
+              <a:t>Cách </a:t>
+            </a:r>
+            <a:r>
+              <a:rPr lang="vi-VN" sz="2200" dirty="0">
+                <a:latin typeface="+mj-lt"/>
+              </a:rPr>
+              <a:t>sử dụng: </a:t>
+            </a:r>
+          </a:p>
+          <a:p>
+            <a:pPr marL="742950" lvl="1" indent="-285750" algn="just">
+              <a:buFont typeface="Wingdings" pitchFamily="2" charset="2"/>
+              <a:buChar char="Ø"/>
+            </a:pPr>
+            <a:r>
+              <a:rPr lang="vi-VN" sz="2200" dirty="0" smtClean="0">
+                <a:latin typeface="+mj-lt"/>
+              </a:rPr>
+              <a:t>Tạo </a:t>
+            </a:r>
+            <a:r>
+              <a:rPr lang="vi-VN" sz="2200" dirty="0">
+                <a:latin typeface="+mj-lt"/>
+              </a:rPr>
+              <a:t>lớp SQLiteUtil kế thừa từ lớp </a:t>
+            </a:r>
+            <a:r>
+              <a:rPr lang="vi-VN" sz="2200" dirty="0" smtClean="0">
+                <a:latin typeface="+mj-lt"/>
+              </a:rPr>
+              <a:t>SQLiteOpenHelper </a:t>
+            </a:r>
+            <a:r>
+              <a:rPr lang="vi-VN" sz="2200" dirty="0">
+                <a:latin typeface="+mj-lt"/>
+              </a:rPr>
+              <a:t>để quản lý database và quản </a:t>
+            </a:r>
+          </a:p>
+          <a:p>
+            <a:pPr marL="742950" lvl="1" indent="-285750" algn="just">
+              <a:buFont typeface="Wingdings" pitchFamily="2" charset="2"/>
+              <a:buChar char="Ø"/>
+            </a:pPr>
+            <a:r>
+              <a:rPr lang="vi-VN" sz="2200" dirty="0">
+                <a:latin typeface="+mj-lt"/>
+              </a:rPr>
+              <a:t>lý các table </a:t>
+            </a:r>
+          </a:p>
+          <a:p>
+            <a:pPr marL="742950" lvl="1" indent="-285750" algn="just">
+              <a:buFont typeface="Wingdings" pitchFamily="2" charset="2"/>
+              <a:buChar char="Ø"/>
+            </a:pPr>
+            <a:r>
+              <a:rPr lang="vi-VN" sz="2200" dirty="0" smtClean="0">
+                <a:latin typeface="+mj-lt"/>
+              </a:rPr>
+              <a:t>Ghi </a:t>
+            </a:r>
+            <a:r>
+              <a:rPr lang="vi-VN" sz="2200" dirty="0">
+                <a:latin typeface="+mj-lt"/>
+              </a:rPr>
+              <a:t>dữ liệu </a:t>
+            </a:r>
+          </a:p>
+          <a:p>
+            <a:pPr marL="742950" lvl="1" indent="-285750" algn="just">
+              <a:buFont typeface="Wingdings" pitchFamily="2" charset="2"/>
+              <a:buChar char="Ø"/>
+            </a:pPr>
+            <a:r>
+              <a:rPr lang="vi-VN" sz="2200" dirty="0" smtClean="0">
+                <a:latin typeface="+mj-lt"/>
+              </a:rPr>
+              <a:t>Đọc </a:t>
+            </a:r>
+            <a:r>
+              <a:rPr lang="vi-VN" sz="2200" dirty="0">
+                <a:latin typeface="+mj-lt"/>
+              </a:rPr>
+              <a:t>dữ liệu </a:t>
+            </a:r>
+            <a:endParaRPr lang="en-US" sz="2200" dirty="0">
+              <a:latin typeface="+mj-lt"/>
+            </a:endParaRPr>
+          </a:p>
+        </p:txBody>
+      </p:sp>
+      <p:sp>
+        <p:nvSpPr>
+          <p:cNvPr id="6" name="Footer Placeholder 5"/>
+          <p:cNvSpPr>
+            <a:spLocks noGrp="1"/>
+          </p:cNvSpPr>
+          <p:nvPr>
+            <p:ph type="ftr" sz="quarter" idx="11"/>
+          </p:nvPr>
+        </p:nvSpPr>
+        <p:spPr/>
+        <p:txBody>
+          <a:bodyPr/>
+          <a:lstStyle/>
+          <a:p>
+            <a:r>
+              <a:rPr lang="en-US" smtClean="0"/>
+              <a:t>DangLC</a:t>
+            </a:r>
+            <a:endParaRPr lang="en-US"/>
+          </a:p>
+        </p:txBody>
+      </p:sp>
     </p:spTree>
     <p:extLst>
       <p:ext uri="{BB962C8B-B14F-4D97-AF65-F5344CB8AC3E}">
@@ -6365,6 +8214,200 @@
           <a:chExt cx="0" cy="0"/>
         </a:xfrm>
       </p:grpSpPr>
+      <p:sp>
+        <p:nvSpPr>
+          <p:cNvPr id="2" name="Rectangle 1"/>
+          <p:cNvSpPr/>
+          <p:nvPr/>
+        </p:nvSpPr>
+        <p:spPr>
+          <a:xfrm>
+            <a:off x="16497" y="152400"/>
+            <a:ext cx="1789721" cy="430887"/>
+          </a:xfrm>
+          <a:prstGeom prst="rect">
+            <a:avLst/>
+          </a:prstGeom>
+        </p:spPr>
+        <p:txBody>
+          <a:bodyPr wrap="none">
+            <a:spAutoFit/>
+          </a:bodyPr>
+          <a:lstStyle/>
+          <a:p>
+            <a:r>
+              <a:rPr lang="en-US" sz="2200" b="1" dirty="0">
+                <a:latin typeface="Times New Roman" pitchFamily="18" charset="0"/>
+                <a:cs typeface="Times New Roman" pitchFamily="18" charset="0"/>
+              </a:rPr>
+              <a:t>Web Services</a:t>
+            </a:r>
+          </a:p>
+        </p:txBody>
+      </p:sp>
+      <p:sp>
+        <p:nvSpPr>
+          <p:cNvPr id="3" name="Rectangle 2"/>
+          <p:cNvSpPr/>
+          <p:nvPr/>
+        </p:nvSpPr>
+        <p:spPr>
+          <a:xfrm>
+            <a:off x="0" y="762000"/>
+            <a:ext cx="9144000" cy="1785104"/>
+          </a:xfrm>
+          <a:prstGeom prst="rect">
+            <a:avLst/>
+          </a:prstGeom>
+        </p:spPr>
+        <p:txBody>
+          <a:bodyPr wrap="square">
+            <a:spAutoFit/>
+          </a:bodyPr>
+          <a:lstStyle/>
+          <a:p>
+            <a:pPr marL="342900" indent="-342900">
+              <a:buFont typeface="Wingdings" pitchFamily="2" charset="2"/>
+              <a:buChar char="§"/>
+            </a:pPr>
+            <a:r>
+              <a:rPr lang="vi-VN" sz="2200" dirty="0" smtClean="0">
+                <a:latin typeface="Times New Roman" pitchFamily="18" charset="0"/>
+                <a:cs typeface="Times New Roman" pitchFamily="18" charset="0"/>
+              </a:rPr>
+              <a:t>Dùng </a:t>
+            </a:r>
+            <a:r>
+              <a:rPr lang="vi-VN" sz="2200" dirty="0">
+                <a:latin typeface="Times New Roman" pitchFamily="18" charset="0"/>
+                <a:cs typeface="Times New Roman" pitchFamily="18" charset="0"/>
+              </a:rPr>
+              <a:t>để lưu trữ các dữ liệu từ xa thông qua </a:t>
+            </a:r>
+            <a:r>
+              <a:rPr lang="vi-VN" sz="2200" dirty="0" smtClean="0">
+                <a:latin typeface="Times New Roman" pitchFamily="18" charset="0"/>
+                <a:cs typeface="Times New Roman" pitchFamily="18" charset="0"/>
+              </a:rPr>
+              <a:t>Web </a:t>
+            </a:r>
+            <a:r>
+              <a:rPr lang="vi-VN" sz="2200" dirty="0">
+                <a:latin typeface="Times New Roman" pitchFamily="18" charset="0"/>
+                <a:cs typeface="Times New Roman" pitchFamily="18" charset="0"/>
+              </a:rPr>
+              <a:t>Server. </a:t>
+            </a:r>
+          </a:p>
+          <a:p>
+            <a:pPr marL="342900" indent="-342900">
+              <a:buFont typeface="Wingdings" pitchFamily="2" charset="2"/>
+              <a:buChar char="§"/>
+            </a:pPr>
+            <a:r>
+              <a:rPr lang="vi-VN" sz="2200" dirty="0" smtClean="0">
+                <a:latin typeface="Times New Roman" pitchFamily="18" charset="0"/>
+                <a:cs typeface="Times New Roman" pitchFamily="18" charset="0"/>
+              </a:rPr>
+              <a:t>Cách </a:t>
+            </a:r>
+            <a:r>
+              <a:rPr lang="vi-VN" sz="2200" dirty="0">
+                <a:latin typeface="Times New Roman" pitchFamily="18" charset="0"/>
+                <a:cs typeface="Times New Roman" pitchFamily="18" charset="0"/>
+              </a:rPr>
+              <a:t>sử dụng: </a:t>
+            </a:r>
+          </a:p>
+          <a:p>
+            <a:pPr marL="800100" lvl="1" indent="-342900">
+              <a:buFont typeface="Wingdings" pitchFamily="2" charset="2"/>
+              <a:buChar char="Ø"/>
+            </a:pPr>
+            <a:r>
+              <a:rPr lang="vi-VN" sz="2200" dirty="0" smtClean="0">
+                <a:latin typeface="Times New Roman" pitchFamily="18" charset="0"/>
+                <a:cs typeface="Times New Roman" pitchFamily="18" charset="0"/>
+              </a:rPr>
+              <a:t>Sử </a:t>
+            </a:r>
+            <a:r>
+              <a:rPr lang="vi-VN" sz="2200" dirty="0">
+                <a:latin typeface="Times New Roman" pitchFamily="18" charset="0"/>
+                <a:cs typeface="Times New Roman" pitchFamily="18" charset="0"/>
+              </a:rPr>
+              <a:t>dụng thư viện ksoap2.jar </a:t>
+            </a:r>
+          </a:p>
+          <a:p>
+            <a:pPr marL="800100" lvl="1" indent="-342900">
+              <a:buFont typeface="Wingdings" pitchFamily="2" charset="2"/>
+              <a:buChar char="Ø"/>
+            </a:pPr>
+            <a:r>
+              <a:rPr lang="vi-VN" sz="2200" dirty="0" smtClean="0">
+                <a:latin typeface="Times New Roman" pitchFamily="18" charset="0"/>
+                <a:cs typeface="Times New Roman" pitchFamily="18" charset="0"/>
+              </a:rPr>
+              <a:t>Tham </a:t>
+            </a:r>
+            <a:r>
+              <a:rPr lang="vi-VN" sz="2200" dirty="0">
+                <a:latin typeface="Times New Roman" pitchFamily="18" charset="0"/>
+                <a:cs typeface="Times New Roman" pitchFamily="18" charset="0"/>
+              </a:rPr>
+              <a:t>chiếu đến webservices </a:t>
+            </a:r>
+          </a:p>
+          <a:p>
+            <a:pPr marL="800100" lvl="1" indent="-342900">
+              <a:buFont typeface="Wingdings" pitchFamily="2" charset="2"/>
+              <a:buChar char="Ø"/>
+            </a:pPr>
+            <a:r>
+              <a:rPr lang="vi-VN" sz="2200" dirty="0" smtClean="0">
+                <a:latin typeface="Times New Roman" pitchFamily="18" charset="0"/>
+                <a:cs typeface="Times New Roman" pitchFamily="18" charset="0"/>
+              </a:rPr>
+              <a:t>Triệu </a:t>
+            </a:r>
+            <a:r>
+              <a:rPr lang="vi-VN" sz="2200" dirty="0">
+                <a:latin typeface="Times New Roman" pitchFamily="18" charset="0"/>
+                <a:cs typeface="Times New Roman" pitchFamily="18" charset="0"/>
+              </a:rPr>
+              <a:t>gọi đến các phương thức của webservices </a:t>
+            </a:r>
+            <a:endParaRPr lang="en-US" sz="2200" dirty="0">
+              <a:latin typeface="Times New Roman" pitchFamily="18" charset="0"/>
+              <a:cs typeface="Times New Roman" pitchFamily="18" charset="0"/>
+            </a:endParaRPr>
+          </a:p>
+        </p:txBody>
+      </p:sp>
+      <p:sp>
+        <p:nvSpPr>
+          <p:cNvPr id="4" name="Footer Placeholder 3"/>
+          <p:cNvSpPr>
+            <a:spLocks noGrp="1"/>
+          </p:cNvSpPr>
+          <p:nvPr>
+            <p:ph type="ftr" sz="quarter" idx="11"/>
+          </p:nvPr>
+        </p:nvSpPr>
+        <p:spPr/>
+        <p:txBody>
+          <a:bodyPr/>
+          <a:lstStyle/>
+          <a:p>
+            <a:r>
+              <a:rPr lang="en-US" smtClean="0"/>
+              <a:t>DangLC</a:t>
+            </a:r>
+            <a:endParaRPr lang="en-US"/>
+          </a:p>
+        </p:txBody>
+      </p:sp>
     </p:spTree>
     <p:extLst>
       <p:ext uri="{BB962C8B-B14F-4D97-AF65-F5344CB8AC3E}">
@@ -6395,6 +8438,334 @@
           <a:chExt cx="0" cy="0"/>
         </a:xfrm>
       </p:grpSpPr>
+      <p:sp>
+        <p:nvSpPr>
+          <p:cNvPr id="2" name="TextBox 1"/>
+          <p:cNvSpPr txBox="1"/>
+          <p:nvPr/>
+        </p:nvSpPr>
+        <p:spPr>
+          <a:xfrm>
+            <a:off x="2438400" y="2514600"/>
+            <a:ext cx="4048865" cy="523220"/>
+          </a:xfrm>
+          <a:prstGeom prst="rect">
+            <a:avLst/>
+          </a:prstGeom>
+          <a:noFill/>
+        </p:spPr>
+        <p:txBody>
+          <a:bodyPr wrap="none" rtlCol="0">
+            <a:spAutoFit/>
+          </a:bodyPr>
+          <a:lstStyle/>
+          <a:p>
+            <a:r>
+              <a:rPr lang="en-US" sz="2800" b="1" dirty="0" smtClean="0">
+                <a:solidFill>
+                  <a:srgbClr val="FF0000"/>
+                </a:solidFill>
+                <a:latin typeface="Times New Roman" pitchFamily="18" charset="0"/>
+                <a:cs typeface="Times New Roman" pitchFamily="18" charset="0"/>
+              </a:rPr>
+              <a:t>GUI TRONG ANDROID</a:t>
+            </a:r>
+            <a:endParaRPr lang="en-US" sz="2800" b="1" dirty="0">
+              <a:solidFill>
+                <a:srgbClr val="FF0000"/>
+              </a:solidFill>
+              <a:latin typeface="Times New Roman" pitchFamily="18" charset="0"/>
+              <a:cs typeface="Times New Roman" pitchFamily="18" charset="0"/>
+            </a:endParaRPr>
+          </a:p>
+        </p:txBody>
+      </p:sp>
+      <p:sp>
+        <p:nvSpPr>
+          <p:cNvPr id="3" name="TextBox 2"/>
+          <p:cNvSpPr txBox="1"/>
+          <p:nvPr/>
+        </p:nvSpPr>
+        <p:spPr>
+          <a:xfrm>
+            <a:off x="457200" y="3122234"/>
+            <a:ext cx="8428911" cy="338554"/>
+          </a:xfrm>
+          <a:prstGeom prst="rect">
+            <a:avLst/>
+          </a:prstGeom>
+          <a:noFill/>
+        </p:spPr>
+        <p:txBody>
+          <a:bodyPr wrap="none" rtlCol="0">
+            <a:spAutoFit/>
+          </a:bodyPr>
+          <a:lstStyle/>
+          <a:p>
+            <a:r>
+              <a:rPr lang="en-US" sz="1600" dirty="0" err="1" smtClean="0">
+                <a:latin typeface="Times New Roman" pitchFamily="18" charset="0"/>
+                <a:cs typeface="Times New Roman" pitchFamily="18" charset="0"/>
+              </a:rPr>
+              <a:t>Phần</a:t>
+            </a:r>
+            <a:r>
+              <a:rPr lang="en-US" sz="1600" dirty="0" smtClean="0">
+                <a:latin typeface="Times New Roman" pitchFamily="18" charset="0"/>
+                <a:cs typeface="Times New Roman" pitchFamily="18" charset="0"/>
+              </a:rPr>
+              <a:t> </a:t>
+            </a:r>
+            <a:r>
+              <a:rPr lang="en-US" sz="1600" dirty="0" err="1" smtClean="0">
+                <a:latin typeface="Times New Roman" pitchFamily="18" charset="0"/>
+                <a:cs typeface="Times New Roman" pitchFamily="18" charset="0"/>
+              </a:rPr>
+              <a:t>này</a:t>
+            </a:r>
+            <a:r>
+              <a:rPr lang="en-US" sz="1600" dirty="0" smtClean="0">
+                <a:latin typeface="Times New Roman" pitchFamily="18" charset="0"/>
+                <a:cs typeface="Times New Roman" pitchFamily="18" charset="0"/>
+              </a:rPr>
+              <a:t> </a:t>
+            </a:r>
+            <a:r>
+              <a:rPr lang="en-US" sz="1600" dirty="0" err="1" smtClean="0">
+                <a:latin typeface="Times New Roman" pitchFamily="18" charset="0"/>
+                <a:cs typeface="Times New Roman" pitchFamily="18" charset="0"/>
+              </a:rPr>
+              <a:t>em</a:t>
+            </a:r>
+            <a:r>
+              <a:rPr lang="en-US" sz="1600" dirty="0" smtClean="0">
+                <a:latin typeface="Times New Roman" pitchFamily="18" charset="0"/>
+                <a:cs typeface="Times New Roman" pitchFamily="18" charset="0"/>
+              </a:rPr>
+              <a:t> </a:t>
+            </a:r>
+            <a:r>
+              <a:rPr lang="en-US" sz="1600" dirty="0" err="1" smtClean="0">
+                <a:latin typeface="Times New Roman" pitchFamily="18" charset="0"/>
+                <a:cs typeface="Times New Roman" pitchFamily="18" charset="0"/>
+              </a:rPr>
+              <a:t>không</a:t>
+            </a:r>
+            <a:r>
+              <a:rPr lang="en-US" sz="1600" dirty="0" smtClean="0">
+                <a:latin typeface="Times New Roman" pitchFamily="18" charset="0"/>
+                <a:cs typeface="Times New Roman" pitchFamily="18" charset="0"/>
+              </a:rPr>
+              <a:t> </a:t>
+            </a:r>
+            <a:r>
+              <a:rPr lang="en-US" sz="1600" dirty="0" err="1" smtClean="0">
+                <a:latin typeface="Times New Roman" pitchFamily="18" charset="0"/>
+                <a:cs typeface="Times New Roman" pitchFamily="18" charset="0"/>
+              </a:rPr>
+              <a:t>phải</a:t>
+            </a:r>
+            <a:r>
+              <a:rPr lang="en-US" sz="1600" dirty="0" smtClean="0">
+                <a:latin typeface="Times New Roman" pitchFamily="18" charset="0"/>
+                <a:cs typeface="Times New Roman" pitchFamily="18" charset="0"/>
+              </a:rPr>
+              <a:t> </a:t>
+            </a:r>
+            <a:r>
+              <a:rPr lang="en-US" sz="1600" dirty="0" err="1" smtClean="0">
+                <a:latin typeface="Times New Roman" pitchFamily="18" charset="0"/>
+                <a:cs typeface="Times New Roman" pitchFamily="18" charset="0"/>
+              </a:rPr>
+              <a:t>thế</a:t>
+            </a:r>
+            <a:r>
+              <a:rPr lang="en-US" sz="1600" dirty="0" smtClean="0">
+                <a:latin typeface="Times New Roman" pitchFamily="18" charset="0"/>
+                <a:cs typeface="Times New Roman" pitchFamily="18" charset="0"/>
+              </a:rPr>
+              <a:t> </a:t>
+            </a:r>
+            <a:r>
+              <a:rPr lang="en-US" sz="1600" dirty="0" err="1" smtClean="0">
+                <a:latin typeface="Times New Roman" pitchFamily="18" charset="0"/>
+                <a:cs typeface="Times New Roman" pitchFamily="18" charset="0"/>
+              </a:rPr>
+              <a:t>mạnh</a:t>
+            </a:r>
+            <a:r>
+              <a:rPr lang="en-US" sz="1600" dirty="0" smtClean="0">
+                <a:latin typeface="Times New Roman" pitchFamily="18" charset="0"/>
+                <a:cs typeface="Times New Roman" pitchFamily="18" charset="0"/>
+              </a:rPr>
+              <a:t> </a:t>
+            </a:r>
+            <a:r>
+              <a:rPr lang="en-US" sz="1600" dirty="0" err="1" smtClean="0">
+                <a:latin typeface="Times New Roman" pitchFamily="18" charset="0"/>
+                <a:cs typeface="Times New Roman" pitchFamily="18" charset="0"/>
+              </a:rPr>
+              <a:t>của</a:t>
+            </a:r>
+            <a:r>
+              <a:rPr lang="en-US" sz="1600" dirty="0" smtClean="0">
+                <a:latin typeface="Times New Roman" pitchFamily="18" charset="0"/>
+                <a:cs typeface="Times New Roman" pitchFamily="18" charset="0"/>
+              </a:rPr>
+              <a:t> </a:t>
+            </a:r>
+            <a:r>
+              <a:rPr lang="en-US" sz="1600" dirty="0" err="1" smtClean="0">
+                <a:latin typeface="Times New Roman" pitchFamily="18" charset="0"/>
+                <a:cs typeface="Times New Roman" pitchFamily="18" charset="0"/>
+              </a:rPr>
+              <a:t>em</a:t>
+            </a:r>
+            <a:r>
+              <a:rPr lang="en-US" sz="1600" dirty="0" smtClean="0">
+                <a:latin typeface="Times New Roman" pitchFamily="18" charset="0"/>
+                <a:cs typeface="Times New Roman" pitchFamily="18" charset="0"/>
+              </a:rPr>
+              <a:t> </a:t>
+            </a:r>
+            <a:r>
+              <a:rPr lang="en-US" sz="1600" dirty="0" err="1" smtClean="0">
+                <a:latin typeface="Times New Roman" pitchFamily="18" charset="0"/>
+                <a:cs typeface="Times New Roman" pitchFamily="18" charset="0"/>
+              </a:rPr>
+              <a:t>nên</a:t>
+            </a:r>
+            <a:r>
+              <a:rPr lang="en-US" sz="1600" dirty="0" smtClean="0">
+                <a:latin typeface="Times New Roman" pitchFamily="18" charset="0"/>
+                <a:cs typeface="Times New Roman" pitchFamily="18" charset="0"/>
+              </a:rPr>
+              <a:t> </a:t>
+            </a:r>
+            <a:r>
+              <a:rPr lang="en-US" sz="1600" dirty="0" err="1" smtClean="0">
+                <a:latin typeface="Times New Roman" pitchFamily="18" charset="0"/>
+                <a:cs typeface="Times New Roman" pitchFamily="18" charset="0"/>
+              </a:rPr>
+              <a:t>em</a:t>
+            </a:r>
+            <a:r>
+              <a:rPr lang="en-US" sz="1600" dirty="0" smtClean="0">
+                <a:latin typeface="Times New Roman" pitchFamily="18" charset="0"/>
+                <a:cs typeface="Times New Roman" pitchFamily="18" charset="0"/>
+              </a:rPr>
+              <a:t> </a:t>
+            </a:r>
+            <a:r>
+              <a:rPr lang="en-US" sz="1600" dirty="0" err="1" smtClean="0">
+                <a:latin typeface="Times New Roman" pitchFamily="18" charset="0"/>
+                <a:cs typeface="Times New Roman" pitchFamily="18" charset="0"/>
+              </a:rPr>
+              <a:t>lấy</a:t>
+            </a:r>
+            <a:r>
+              <a:rPr lang="en-US" sz="1600" dirty="0" smtClean="0">
+                <a:latin typeface="Times New Roman" pitchFamily="18" charset="0"/>
+                <a:cs typeface="Times New Roman" pitchFamily="18" charset="0"/>
+              </a:rPr>
+              <a:t> </a:t>
+            </a:r>
+            <a:r>
+              <a:rPr lang="en-US" sz="1600" dirty="0" err="1" smtClean="0">
+                <a:latin typeface="Times New Roman" pitchFamily="18" charset="0"/>
+                <a:cs typeface="Times New Roman" pitchFamily="18" charset="0"/>
+              </a:rPr>
+              <a:t>tài</a:t>
+            </a:r>
+            <a:r>
+              <a:rPr lang="en-US" sz="1600" dirty="0" smtClean="0">
+                <a:latin typeface="Times New Roman" pitchFamily="18" charset="0"/>
+                <a:cs typeface="Times New Roman" pitchFamily="18" charset="0"/>
+              </a:rPr>
+              <a:t> </a:t>
+            </a:r>
+            <a:r>
+              <a:rPr lang="en-US" sz="1600" dirty="0" err="1" smtClean="0">
+                <a:latin typeface="Times New Roman" pitchFamily="18" charset="0"/>
+                <a:cs typeface="Times New Roman" pitchFamily="18" charset="0"/>
+              </a:rPr>
+              <a:t>liệu</a:t>
+            </a:r>
+            <a:r>
+              <a:rPr lang="en-US" sz="1600" dirty="0" smtClean="0">
+                <a:latin typeface="Times New Roman" pitchFamily="18" charset="0"/>
+                <a:cs typeface="Times New Roman" pitchFamily="18" charset="0"/>
+              </a:rPr>
+              <a:t> </a:t>
+            </a:r>
+            <a:r>
+              <a:rPr lang="en-US" sz="1600" dirty="0" err="1" smtClean="0">
+                <a:latin typeface="Times New Roman" pitchFamily="18" charset="0"/>
+                <a:cs typeface="Times New Roman" pitchFamily="18" charset="0"/>
+              </a:rPr>
+              <a:t>từ</a:t>
+            </a:r>
+            <a:r>
+              <a:rPr lang="en-US" sz="1600" dirty="0" smtClean="0">
+                <a:latin typeface="Times New Roman" pitchFamily="18" charset="0"/>
+                <a:cs typeface="Times New Roman" pitchFamily="18" charset="0"/>
+              </a:rPr>
+              <a:t> </a:t>
+            </a:r>
+            <a:r>
+              <a:rPr lang="en-US" sz="1600" dirty="0" err="1" smtClean="0">
+                <a:latin typeface="Times New Roman" pitchFamily="18" charset="0"/>
+                <a:cs typeface="Times New Roman" pitchFamily="18" charset="0"/>
+              </a:rPr>
+              <a:t>đại</a:t>
+            </a:r>
+            <a:r>
+              <a:rPr lang="en-US" sz="1600" dirty="0" smtClean="0">
+                <a:latin typeface="Times New Roman" pitchFamily="18" charset="0"/>
+                <a:cs typeface="Times New Roman" pitchFamily="18" charset="0"/>
+              </a:rPr>
+              <a:t> </a:t>
+            </a:r>
+            <a:r>
+              <a:rPr lang="en-US" sz="1600" dirty="0" err="1" smtClean="0">
+                <a:latin typeface="Times New Roman" pitchFamily="18" charset="0"/>
+                <a:cs typeface="Times New Roman" pitchFamily="18" charset="0"/>
+              </a:rPr>
+              <a:t>học</a:t>
+            </a:r>
+            <a:r>
+              <a:rPr lang="en-US" sz="1600" dirty="0">
+                <a:latin typeface="Times New Roman" pitchFamily="18" charset="0"/>
+                <a:cs typeface="Times New Roman" pitchFamily="18" charset="0"/>
+              </a:rPr>
+              <a:t> Cleveland State University </a:t>
+            </a:r>
+          </a:p>
+        </p:txBody>
+      </p:sp>
+      <p:sp>
+        <p:nvSpPr>
+          <p:cNvPr id="4" name="Footer Placeholder 3"/>
+          <p:cNvSpPr>
+            <a:spLocks noGrp="1"/>
+          </p:cNvSpPr>
+          <p:nvPr>
+            <p:ph type="ftr" sz="quarter" idx="11"/>
+          </p:nvPr>
+        </p:nvSpPr>
+        <p:spPr/>
+        <p:txBody>
+          <a:bodyPr/>
+          <a:lstStyle/>
+          <a:p>
+            <a:r>
+              <a:rPr lang="en-US" smtClean="0"/>
+              <a:t>DangLC</a:t>
+            </a:r>
+            <a:endParaRPr lang="en-US"/>
+          </a:p>
+        </p:txBody>
+      </p:sp>
     </p:spTree>
     <p:extLst>
       <p:ext uri="{BB962C8B-B14F-4D97-AF65-F5344CB8AC3E}">
@@ -6425,6 +8796,93 @@
           <a:chExt cx="0" cy="0"/>
         </a:xfrm>
       </p:grpSpPr>
+      <p:pic>
+        <p:nvPicPr>
+          <p:cNvPr id="2050" name="Picture 2"/>
+          <p:cNvPicPr>
+            <a:picLocks noChangeAspect="1" noChangeArrowheads="1"/>
+          </p:cNvPicPr>
+          <p:nvPr/>
+        </p:nvPicPr>
+        <p:blipFill>
+          <a:blip r:embed="rId2">
+            <a:extLst>
+              <a:ext uri="{28A0092B-C50C-407E-A947-70E740481C1C}">
+                <a14:useLocalDpi xmlns:a14="http://schemas.microsoft.com/office/drawing/2010/main" val="0"/>
+              </a:ext>
+            </a:extLst>
+          </a:blip>
+          <a:srcRect/>
+          <a:stretch>
+            <a:fillRect/>
+          </a:stretch>
+        </p:blipFill>
+        <p:spPr bwMode="auto">
+          <a:xfrm>
+            <a:off x="17834" y="8106"/>
+            <a:ext cx="9219211" cy="5142689"/>
+          </a:xfrm>
+          <a:prstGeom prst="rect">
+            <a:avLst/>
+          </a:prstGeom>
+          <a:noFill/>
+          <a:ln>
+            <a:noFill/>
+          </a:ln>
+          <a:effectLst/>
+          <a:extLst>
+            <a:ext uri="{909E8E84-426E-40DD-AFC4-6F175D3DCCD1}">
+              <a14:hiddenFill xmlns:a14="http://schemas.microsoft.com/office/drawing/2010/main">
+                <a:solidFill>
+                  <a:schemeClr val="accent1"/>
+                </a:solidFill>
+              </a14:hiddenFill>
+            </a:ext>
+            <a:ext uri="{91240B29-F687-4F45-9708-019B960494DF}">
+              <a14:hiddenLine xmlns:a14="http://schemas.microsoft.com/office/drawing/2010/main" w="9525">
+                <a:solidFill>
+                  <a:schemeClr val="tx1"/>
+                </a:solidFill>
+                <a:miter lim="800000"/>
+                <a:headEnd/>
+                <a:tailEnd/>
+              </a14:hiddenLine>
+            </a:ext>
+            <a:ext uri="{AF507438-7753-43E0-B8FC-AC1667EBCBE1}">
+              <a14:hiddenEffects xmlns:a14="http://schemas.microsoft.com/office/drawing/2010/main">
+                <a:effectLst>
+                  <a:outerShdw dist="35921" dir="2700000" algn="ctr" rotWithShape="0">
+                    <a:schemeClr val="bg2"/>
+                  </a:outerShdw>
+                </a:effectLst>
+              </a14:hiddenEffects>
+            </a:ext>
+          </a:extLst>
+        </p:spPr>
+      </p:pic>
+      <p:sp>
+        <p:nvSpPr>
+          <p:cNvPr id="3" name="Footer Placeholder 2"/>
+          <p:cNvSpPr>
+            <a:spLocks noGrp="1"/>
+          </p:cNvSpPr>
+          <p:nvPr>
+            <p:ph type="ftr" sz="quarter" idx="11"/>
+          </p:nvPr>
+        </p:nvSpPr>
+        <p:spPr/>
+        <p:txBody>
+          <a:bodyPr/>
+          <a:lstStyle/>
+          <a:p>
+            <a:r>
+              <a:rPr lang="en-US" smtClean="0"/>
+              <a:t>DangLC</a:t>
+            </a:r>
+            <a:endParaRPr lang="en-US"/>
+          </a:p>
+        </p:txBody>
+      </p:sp>
     </p:spTree>
     <p:extLst>
       <p:ext uri="{BB962C8B-B14F-4D97-AF65-F5344CB8AC3E}">
@@ -6455,6 +8913,93 @@
           <a:chExt cx="0" cy="0"/>
         </a:xfrm>
       </p:grpSpPr>
+      <p:pic>
+        <p:nvPicPr>
+          <p:cNvPr id="3074" name="Picture 2"/>
+          <p:cNvPicPr>
+            <a:picLocks noChangeAspect="1" noChangeArrowheads="1"/>
+          </p:cNvPicPr>
+          <p:nvPr/>
+        </p:nvPicPr>
+        <p:blipFill>
+          <a:blip r:embed="rId2">
+            <a:extLst>
+              <a:ext uri="{28A0092B-C50C-407E-A947-70E740481C1C}">
+                <a14:useLocalDpi xmlns:a14="http://schemas.microsoft.com/office/drawing/2010/main" val="0"/>
+              </a:ext>
+            </a:extLst>
+          </a:blip>
+          <a:srcRect/>
+          <a:stretch>
+            <a:fillRect/>
+          </a:stretch>
+        </p:blipFill>
+        <p:spPr bwMode="auto">
+          <a:xfrm>
+            <a:off x="0" y="43206"/>
+            <a:ext cx="9067801" cy="5519394"/>
+          </a:xfrm>
+          <a:prstGeom prst="rect">
+            <a:avLst/>
+          </a:prstGeom>
+          <a:noFill/>
+          <a:ln>
+            <a:noFill/>
+          </a:ln>
+          <a:effectLst/>
+          <a:extLst>
+            <a:ext uri="{909E8E84-426E-40DD-AFC4-6F175D3DCCD1}">
+              <a14:hiddenFill xmlns:a14="http://schemas.microsoft.com/office/drawing/2010/main">
+                <a:solidFill>
+                  <a:schemeClr val="accent1"/>
+                </a:solidFill>
+              </a14:hiddenFill>
+            </a:ext>
+            <a:ext uri="{91240B29-F687-4F45-9708-019B960494DF}">
+              <a14:hiddenLine xmlns:a14="http://schemas.microsoft.com/office/drawing/2010/main" w="9525">
+                <a:solidFill>
+                  <a:schemeClr val="tx1"/>
+                </a:solidFill>
+                <a:miter lim="800000"/>
+                <a:headEnd/>
+                <a:tailEnd/>
+              </a14:hiddenLine>
+            </a:ext>
+            <a:ext uri="{AF507438-7753-43E0-B8FC-AC1667EBCBE1}">
+              <a14:hiddenEffects xmlns:a14="http://schemas.microsoft.com/office/drawing/2010/main">
+                <a:effectLst>
+                  <a:outerShdw dist="35921" dir="2700000" algn="ctr" rotWithShape="0">
+                    <a:schemeClr val="bg2"/>
+                  </a:outerShdw>
+                </a:effectLst>
+              </a14:hiddenEffects>
+            </a:ext>
+          </a:extLst>
+        </p:spPr>
+      </p:pic>
+      <p:sp>
+        <p:nvSpPr>
+          <p:cNvPr id="2" name="Footer Placeholder 1"/>
+          <p:cNvSpPr>
+            <a:spLocks noGrp="1"/>
+          </p:cNvSpPr>
+          <p:nvPr>
+            <p:ph type="ftr" sz="quarter" idx="11"/>
+          </p:nvPr>
+        </p:nvSpPr>
+        <p:spPr/>
+        <p:txBody>
+          <a:bodyPr/>
+          <a:lstStyle/>
+          <a:p>
+            <a:r>
+              <a:rPr lang="en-US" smtClean="0"/>
+              <a:t>DangLC</a:t>
+            </a:r>
+            <a:endParaRPr lang="en-US"/>
+          </a:p>
+        </p:txBody>
+      </p:sp>
     </p:spTree>
     <p:extLst>
       <p:ext uri="{BB962C8B-B14F-4D97-AF65-F5344CB8AC3E}">
@@ -6485,6 +9030,93 @@
           <a:chExt cx="0" cy="0"/>
         </a:xfrm>
       </p:grpSpPr>
+      <p:pic>
+        <p:nvPicPr>
+          <p:cNvPr id="4098" name="Picture 2"/>
+          <p:cNvPicPr>
+            <a:picLocks noChangeAspect="1" noChangeArrowheads="1"/>
+          </p:cNvPicPr>
+          <p:nvPr/>
+        </p:nvPicPr>
+        <p:blipFill>
+          <a:blip r:embed="rId2">
+            <a:extLst>
+              <a:ext uri="{28A0092B-C50C-407E-A947-70E740481C1C}">
+                <a14:useLocalDpi xmlns:a14="http://schemas.microsoft.com/office/drawing/2010/main" val="0"/>
+              </a:ext>
+            </a:extLst>
+          </a:blip>
+          <a:srcRect/>
+          <a:stretch>
+            <a:fillRect/>
+          </a:stretch>
+        </p:blipFill>
+        <p:spPr bwMode="auto">
+          <a:xfrm>
+            <a:off x="-48392" y="609600"/>
+            <a:ext cx="9192392" cy="5562600"/>
+          </a:xfrm>
+          <a:prstGeom prst="rect">
+            <a:avLst/>
+          </a:prstGeom>
+          <a:noFill/>
+          <a:ln>
+            <a:noFill/>
+          </a:ln>
+          <a:effectLst/>
+          <a:extLst>
+            <a:ext uri="{909E8E84-426E-40DD-AFC4-6F175D3DCCD1}">
+              <a14:hiddenFill xmlns:a14="http://schemas.microsoft.com/office/drawing/2010/main">
+                <a:solidFill>
+                  <a:schemeClr val="accent1"/>
+                </a:solidFill>
+              </a14:hiddenFill>
+            </a:ext>
+            <a:ext uri="{91240B29-F687-4F45-9708-019B960494DF}">
+              <a14:hiddenLine xmlns:a14="http://schemas.microsoft.com/office/drawing/2010/main" w="9525">
+                <a:solidFill>
+                  <a:schemeClr val="tx1"/>
+                </a:solidFill>
+                <a:miter lim="800000"/>
+                <a:headEnd/>
+                <a:tailEnd/>
+              </a14:hiddenLine>
+            </a:ext>
+            <a:ext uri="{AF507438-7753-43E0-B8FC-AC1667EBCBE1}">
+              <a14:hiddenEffects xmlns:a14="http://schemas.microsoft.com/office/drawing/2010/main">
+                <a:effectLst>
+                  <a:outerShdw dist="35921" dir="2700000" algn="ctr" rotWithShape="0">
+                    <a:schemeClr val="bg2"/>
+                  </a:outerShdw>
+                </a:effectLst>
+              </a14:hiddenEffects>
+            </a:ext>
+          </a:extLst>
+        </p:spPr>
+      </p:pic>
+      <p:sp>
+        <p:nvSpPr>
+          <p:cNvPr id="2" name="Footer Placeholder 1"/>
+          <p:cNvSpPr>
+            <a:spLocks noGrp="1"/>
+          </p:cNvSpPr>
+          <p:nvPr>
+            <p:ph type="ftr" sz="quarter" idx="11"/>
+          </p:nvPr>
+        </p:nvSpPr>
+        <p:spPr/>
+        <p:txBody>
+          <a:bodyPr/>
+          <a:lstStyle/>
+          <a:p>
+            <a:r>
+              <a:rPr lang="en-US" smtClean="0"/>
+              <a:t>DangLC</a:t>
+            </a:r>
+            <a:endParaRPr lang="en-US"/>
+          </a:p>
+        </p:txBody>
+      </p:sp>
     </p:spTree>
     <p:extLst>
       <p:ext uri="{BB962C8B-B14F-4D97-AF65-F5344CB8AC3E}">
@@ -6515,6 +9147,93 @@
           <a:chExt cx="0" cy="0"/>
         </a:xfrm>
       </p:grpSpPr>
+      <p:pic>
+        <p:nvPicPr>
+          <p:cNvPr id="5122" name="Picture 2"/>
+          <p:cNvPicPr>
+            <a:picLocks noChangeAspect="1" noChangeArrowheads="1"/>
+          </p:cNvPicPr>
+          <p:nvPr/>
+        </p:nvPicPr>
+        <p:blipFill>
+          <a:blip r:embed="rId2">
+            <a:extLst>
+              <a:ext uri="{28A0092B-C50C-407E-A947-70E740481C1C}">
+                <a14:useLocalDpi xmlns:a14="http://schemas.microsoft.com/office/drawing/2010/main" val="0"/>
+              </a:ext>
+            </a:extLst>
+          </a:blip>
+          <a:srcRect/>
+          <a:stretch>
+            <a:fillRect/>
+          </a:stretch>
+        </p:blipFill>
+        <p:spPr bwMode="auto">
+          <a:xfrm>
+            <a:off x="0" y="32426"/>
+            <a:ext cx="9169928" cy="5072974"/>
+          </a:xfrm>
+          <a:prstGeom prst="rect">
+            <a:avLst/>
+          </a:prstGeom>
+          <a:noFill/>
+          <a:ln>
+            <a:noFill/>
+          </a:ln>
+          <a:effectLst/>
+          <a:extLst>
+            <a:ext uri="{909E8E84-426E-40DD-AFC4-6F175D3DCCD1}">
+              <a14:hiddenFill xmlns:a14="http://schemas.microsoft.com/office/drawing/2010/main">
+                <a:solidFill>
+                  <a:schemeClr val="accent1"/>
+                </a:solidFill>
+              </a14:hiddenFill>
+            </a:ext>
+            <a:ext uri="{91240B29-F687-4F45-9708-019B960494DF}">
+              <a14:hiddenLine xmlns:a14="http://schemas.microsoft.com/office/drawing/2010/main" w="9525">
+                <a:solidFill>
+                  <a:schemeClr val="tx1"/>
+                </a:solidFill>
+                <a:miter lim="800000"/>
+                <a:headEnd/>
+                <a:tailEnd/>
+              </a14:hiddenLine>
+            </a:ext>
+            <a:ext uri="{AF507438-7753-43E0-B8FC-AC1667EBCBE1}">
+              <a14:hiddenEffects xmlns:a14="http://schemas.microsoft.com/office/drawing/2010/main">
+                <a:effectLst>
+                  <a:outerShdw dist="35921" dir="2700000" algn="ctr" rotWithShape="0">
+                    <a:schemeClr val="bg2"/>
+                  </a:outerShdw>
+                </a:effectLst>
+              </a14:hiddenEffects>
+            </a:ext>
+          </a:extLst>
+        </p:spPr>
+      </p:pic>
+      <p:sp>
+        <p:nvSpPr>
+          <p:cNvPr id="2" name="Footer Placeholder 1"/>
+          <p:cNvSpPr>
+            <a:spLocks noGrp="1"/>
+          </p:cNvSpPr>
+          <p:nvPr>
+            <p:ph type="ftr" sz="quarter" idx="11"/>
+          </p:nvPr>
+        </p:nvSpPr>
+        <p:spPr/>
+        <p:txBody>
+          <a:bodyPr/>
+          <a:lstStyle/>
+          <a:p>
+            <a:r>
+              <a:rPr lang="en-US" smtClean="0"/>
+              <a:t>DangLC</a:t>
+            </a:r>
+            <a:endParaRPr lang="en-US"/>
+          </a:p>
+        </p:txBody>
+      </p:sp>
     </p:spTree>
     <p:extLst>
       <p:ext uri="{BB962C8B-B14F-4D97-AF65-F5344CB8AC3E}">
@@ -6545,6 +9264,93 @@
           <a:chExt cx="0" cy="0"/>
         </a:xfrm>
       </p:grpSpPr>
+      <p:pic>
+        <p:nvPicPr>
+          <p:cNvPr id="6146" name="Picture 2"/>
+          <p:cNvPicPr>
+            <a:picLocks noChangeAspect="1" noChangeArrowheads="1"/>
+          </p:cNvPicPr>
+          <p:nvPr/>
+        </p:nvPicPr>
+        <p:blipFill>
+          <a:blip r:embed="rId2">
+            <a:extLst>
+              <a:ext uri="{28A0092B-C50C-407E-A947-70E740481C1C}">
+                <a14:useLocalDpi xmlns:a14="http://schemas.microsoft.com/office/drawing/2010/main" val="0"/>
+              </a:ext>
+            </a:extLst>
+          </a:blip>
+          <a:srcRect/>
+          <a:stretch>
+            <a:fillRect/>
+          </a:stretch>
+        </p:blipFill>
+        <p:spPr bwMode="auto">
+          <a:xfrm>
+            <a:off x="0" y="9728"/>
+            <a:ext cx="9144000" cy="3971925"/>
+          </a:xfrm>
+          <a:prstGeom prst="rect">
+            <a:avLst/>
+          </a:prstGeom>
+          <a:noFill/>
+          <a:ln>
+            <a:noFill/>
+          </a:ln>
+          <a:effectLst/>
+          <a:extLst>
+            <a:ext uri="{909E8E84-426E-40DD-AFC4-6F175D3DCCD1}">
+              <a14:hiddenFill xmlns:a14="http://schemas.microsoft.com/office/drawing/2010/main">
+                <a:solidFill>
+                  <a:schemeClr val="accent1"/>
+                </a:solidFill>
+              </a14:hiddenFill>
+            </a:ext>
+            <a:ext uri="{91240B29-F687-4F45-9708-019B960494DF}">
+              <a14:hiddenLine xmlns:a14="http://schemas.microsoft.com/office/drawing/2010/main" w="9525">
+                <a:solidFill>
+                  <a:schemeClr val="tx1"/>
+                </a:solidFill>
+                <a:miter lim="800000"/>
+                <a:headEnd/>
+                <a:tailEnd/>
+              </a14:hiddenLine>
+            </a:ext>
+            <a:ext uri="{AF507438-7753-43E0-B8FC-AC1667EBCBE1}">
+              <a14:hiddenEffects xmlns:a14="http://schemas.microsoft.com/office/drawing/2010/main">
+                <a:effectLst>
+                  <a:outerShdw dist="35921" dir="2700000" algn="ctr" rotWithShape="0">
+                    <a:schemeClr val="bg2"/>
+                  </a:outerShdw>
+                </a:effectLst>
+              </a14:hiddenEffects>
+            </a:ext>
+          </a:extLst>
+        </p:spPr>
+      </p:pic>
+      <p:sp>
+        <p:nvSpPr>
+          <p:cNvPr id="2" name="Footer Placeholder 1"/>
+          <p:cNvSpPr>
+            <a:spLocks noGrp="1"/>
+          </p:cNvSpPr>
+          <p:nvPr>
+            <p:ph type="ftr" sz="quarter" idx="11"/>
+          </p:nvPr>
+        </p:nvSpPr>
+        <p:spPr/>
+        <p:txBody>
+          <a:bodyPr/>
+          <a:lstStyle/>
+          <a:p>
+            <a:r>
+              <a:rPr lang="en-US" smtClean="0"/>
+              <a:t>DangLC</a:t>
+            </a:r>
+            <a:endParaRPr lang="en-US"/>
+          </a:p>
+        </p:txBody>
+      </p:sp>
     </p:spTree>
     <p:extLst>
       <p:ext uri="{BB962C8B-B14F-4D97-AF65-F5344CB8AC3E}">
@@ -6575,6 +9381,93 @@
           <a:chExt cx="0" cy="0"/>
         </a:xfrm>
       </p:grpSpPr>
+      <p:pic>
+        <p:nvPicPr>
+          <p:cNvPr id="7170" name="Picture 2"/>
+          <p:cNvPicPr>
+            <a:picLocks noChangeAspect="1" noChangeArrowheads="1"/>
+          </p:cNvPicPr>
+          <p:nvPr/>
+        </p:nvPicPr>
+        <p:blipFill>
+          <a:blip r:embed="rId2">
+            <a:extLst>
+              <a:ext uri="{28A0092B-C50C-407E-A947-70E740481C1C}">
+                <a14:useLocalDpi xmlns:a14="http://schemas.microsoft.com/office/drawing/2010/main" val="0"/>
+              </a:ext>
+            </a:extLst>
+          </a:blip>
+          <a:srcRect/>
+          <a:stretch>
+            <a:fillRect/>
+          </a:stretch>
+        </p:blipFill>
+        <p:spPr bwMode="auto">
+          <a:xfrm>
+            <a:off x="0" y="152400"/>
+            <a:ext cx="9206913" cy="4972375"/>
+          </a:xfrm>
+          <a:prstGeom prst="rect">
+            <a:avLst/>
+          </a:prstGeom>
+          <a:noFill/>
+          <a:ln>
+            <a:noFill/>
+          </a:ln>
+          <a:effectLst/>
+          <a:extLst>
+            <a:ext uri="{909E8E84-426E-40DD-AFC4-6F175D3DCCD1}">
+              <a14:hiddenFill xmlns:a14="http://schemas.microsoft.com/office/drawing/2010/main">
+                <a:solidFill>
+                  <a:schemeClr val="accent1"/>
+                </a:solidFill>
+              </a14:hiddenFill>
+            </a:ext>
+            <a:ext uri="{91240B29-F687-4F45-9708-019B960494DF}">
+              <a14:hiddenLine xmlns:a14="http://schemas.microsoft.com/office/drawing/2010/main" w="9525">
+                <a:solidFill>
+                  <a:schemeClr val="tx1"/>
+                </a:solidFill>
+                <a:miter lim="800000"/>
+                <a:headEnd/>
+                <a:tailEnd/>
+              </a14:hiddenLine>
+            </a:ext>
+            <a:ext uri="{AF507438-7753-43E0-B8FC-AC1667EBCBE1}">
+              <a14:hiddenEffects xmlns:a14="http://schemas.microsoft.com/office/drawing/2010/main">
+                <a:effectLst>
+                  <a:outerShdw dist="35921" dir="2700000" algn="ctr" rotWithShape="0">
+                    <a:schemeClr val="bg2"/>
+                  </a:outerShdw>
+                </a:effectLst>
+              </a14:hiddenEffects>
+            </a:ext>
+          </a:extLst>
+        </p:spPr>
+      </p:pic>
+      <p:sp>
+        <p:nvSpPr>
+          <p:cNvPr id="2" name="Footer Placeholder 1"/>
+          <p:cNvSpPr>
+            <a:spLocks noGrp="1"/>
+          </p:cNvSpPr>
+          <p:nvPr>
+            <p:ph type="ftr" sz="quarter" idx="11"/>
+          </p:nvPr>
+        </p:nvSpPr>
+        <p:spPr/>
+        <p:txBody>
+          <a:bodyPr/>
+          <a:lstStyle/>
+          <a:p>
+            <a:r>
+              <a:rPr lang="en-US" smtClean="0"/>
+              <a:t>DangLC</a:t>
+            </a:r>
+            <a:endParaRPr lang="en-US"/>
+          </a:p>
+        </p:txBody>
+      </p:sp>
     </p:spTree>
     <p:extLst>
       <p:ext uri="{BB962C8B-B14F-4D97-AF65-F5344CB8AC3E}">
@@ -6784,6 +9677,29 @@
               <a:latin typeface="Times New Roman" pitchFamily="18" charset="0"/>
               <a:cs typeface="Times New Roman" pitchFamily="18" charset="0"/>
             </a:endParaRPr>
+          </a:p>
+        </p:txBody>
+      </p:sp>
+      <p:sp>
+        <p:nvSpPr>
+          <p:cNvPr id="2" name="Footer Placeholder 1"/>
+          <p:cNvSpPr>
+            <a:spLocks noGrp="1"/>
+          </p:cNvSpPr>
+          <p:nvPr>
+            <p:ph type="ftr" sz="quarter" idx="11"/>
+          </p:nvPr>
+        </p:nvSpPr>
+        <p:spPr/>
+        <p:txBody>
+          <a:bodyPr/>
+          <a:lstStyle/>
+          <a:p>
+            <a:r>
+              <a:rPr lang="en-US" smtClean="0"/>
+              <a:t>DangLC</a:t>
+            </a:r>
+            <a:endParaRPr lang="en-US"/>
           </a:p>
         </p:txBody>
       </p:sp>
@@ -6824,6 +9740,93 @@
           <a:chExt cx="0" cy="0"/>
         </a:xfrm>
       </p:grpSpPr>
+      <p:pic>
+        <p:nvPicPr>
+          <p:cNvPr id="8194" name="Picture 2"/>
+          <p:cNvPicPr>
+            <a:picLocks noChangeAspect="1" noChangeArrowheads="1"/>
+          </p:cNvPicPr>
+          <p:nvPr/>
+        </p:nvPicPr>
+        <p:blipFill>
+          <a:blip r:embed="rId2">
+            <a:extLst>
+              <a:ext uri="{28A0092B-C50C-407E-A947-70E740481C1C}">
+                <a14:useLocalDpi xmlns:a14="http://schemas.microsoft.com/office/drawing/2010/main" val="0"/>
+              </a:ext>
+            </a:extLst>
+          </a:blip>
+          <a:srcRect/>
+          <a:stretch>
+            <a:fillRect/>
+          </a:stretch>
+        </p:blipFill>
+        <p:spPr bwMode="auto">
+          <a:xfrm>
+            <a:off x="0" y="0"/>
+            <a:ext cx="9144000" cy="5943600"/>
+          </a:xfrm>
+          <a:prstGeom prst="rect">
+            <a:avLst/>
+          </a:prstGeom>
+          <a:noFill/>
+          <a:ln>
+            <a:noFill/>
+          </a:ln>
+          <a:effectLst/>
+          <a:extLst>
+            <a:ext uri="{909E8E84-426E-40DD-AFC4-6F175D3DCCD1}">
+              <a14:hiddenFill xmlns:a14="http://schemas.microsoft.com/office/drawing/2010/main">
+                <a:solidFill>
+                  <a:schemeClr val="accent1"/>
+                </a:solidFill>
+              </a14:hiddenFill>
+            </a:ext>
+            <a:ext uri="{91240B29-F687-4F45-9708-019B960494DF}">
+              <a14:hiddenLine xmlns:a14="http://schemas.microsoft.com/office/drawing/2010/main" w="9525">
+                <a:solidFill>
+                  <a:schemeClr val="tx1"/>
+                </a:solidFill>
+                <a:miter lim="800000"/>
+                <a:headEnd/>
+                <a:tailEnd/>
+              </a14:hiddenLine>
+            </a:ext>
+            <a:ext uri="{AF507438-7753-43E0-B8FC-AC1667EBCBE1}">
+              <a14:hiddenEffects xmlns:a14="http://schemas.microsoft.com/office/drawing/2010/main">
+                <a:effectLst>
+                  <a:outerShdw dist="35921" dir="2700000" algn="ctr" rotWithShape="0">
+                    <a:schemeClr val="bg2"/>
+                  </a:outerShdw>
+                </a:effectLst>
+              </a14:hiddenEffects>
+            </a:ext>
+          </a:extLst>
+        </p:spPr>
+      </p:pic>
+      <p:sp>
+        <p:nvSpPr>
+          <p:cNvPr id="2" name="Footer Placeholder 1"/>
+          <p:cNvSpPr>
+            <a:spLocks noGrp="1"/>
+          </p:cNvSpPr>
+          <p:nvPr>
+            <p:ph type="ftr" sz="quarter" idx="11"/>
+          </p:nvPr>
+        </p:nvSpPr>
+        <p:spPr/>
+        <p:txBody>
+          <a:bodyPr/>
+          <a:lstStyle/>
+          <a:p>
+            <a:r>
+              <a:rPr lang="en-US" smtClean="0"/>
+              <a:t>DangLC</a:t>
+            </a:r>
+            <a:endParaRPr lang="en-US"/>
+          </a:p>
+        </p:txBody>
+      </p:sp>
     </p:spTree>
     <p:extLst>
       <p:ext uri="{BB962C8B-B14F-4D97-AF65-F5344CB8AC3E}">
@@ -6854,6 +9857,93 @@
           <a:chExt cx="0" cy="0"/>
         </a:xfrm>
       </p:grpSpPr>
+      <p:pic>
+        <p:nvPicPr>
+          <p:cNvPr id="9218" name="Picture 2"/>
+          <p:cNvPicPr>
+            <a:picLocks noChangeAspect="1" noChangeArrowheads="1"/>
+          </p:cNvPicPr>
+          <p:nvPr/>
+        </p:nvPicPr>
+        <p:blipFill>
+          <a:blip r:embed="rId2">
+            <a:extLst>
+              <a:ext uri="{28A0092B-C50C-407E-A947-70E740481C1C}">
+                <a14:useLocalDpi xmlns:a14="http://schemas.microsoft.com/office/drawing/2010/main" val="0"/>
+              </a:ext>
+            </a:extLst>
+          </a:blip>
+          <a:srcRect/>
+          <a:stretch>
+            <a:fillRect/>
+          </a:stretch>
+        </p:blipFill>
+        <p:spPr bwMode="auto">
+          <a:xfrm>
+            <a:off x="0" y="21076"/>
+            <a:ext cx="9144000" cy="5693923"/>
+          </a:xfrm>
+          <a:prstGeom prst="rect">
+            <a:avLst/>
+          </a:prstGeom>
+          <a:noFill/>
+          <a:ln>
+            <a:noFill/>
+          </a:ln>
+          <a:effectLst/>
+          <a:extLst>
+            <a:ext uri="{909E8E84-426E-40DD-AFC4-6F175D3DCCD1}">
+              <a14:hiddenFill xmlns:a14="http://schemas.microsoft.com/office/drawing/2010/main">
+                <a:solidFill>
+                  <a:schemeClr val="accent1"/>
+                </a:solidFill>
+              </a14:hiddenFill>
+            </a:ext>
+            <a:ext uri="{91240B29-F687-4F45-9708-019B960494DF}">
+              <a14:hiddenLine xmlns:a14="http://schemas.microsoft.com/office/drawing/2010/main" w="9525">
+                <a:solidFill>
+                  <a:schemeClr val="tx1"/>
+                </a:solidFill>
+                <a:miter lim="800000"/>
+                <a:headEnd/>
+                <a:tailEnd/>
+              </a14:hiddenLine>
+            </a:ext>
+            <a:ext uri="{AF507438-7753-43E0-B8FC-AC1667EBCBE1}">
+              <a14:hiddenEffects xmlns:a14="http://schemas.microsoft.com/office/drawing/2010/main">
+                <a:effectLst>
+                  <a:outerShdw dist="35921" dir="2700000" algn="ctr" rotWithShape="0">
+                    <a:schemeClr val="bg2"/>
+                  </a:outerShdw>
+                </a:effectLst>
+              </a14:hiddenEffects>
+            </a:ext>
+          </a:extLst>
+        </p:spPr>
+      </p:pic>
+      <p:sp>
+        <p:nvSpPr>
+          <p:cNvPr id="2" name="Footer Placeholder 1"/>
+          <p:cNvSpPr>
+            <a:spLocks noGrp="1"/>
+          </p:cNvSpPr>
+          <p:nvPr>
+            <p:ph type="ftr" sz="quarter" idx="11"/>
+          </p:nvPr>
+        </p:nvSpPr>
+        <p:spPr/>
+        <p:txBody>
+          <a:bodyPr/>
+          <a:lstStyle/>
+          <a:p>
+            <a:r>
+              <a:rPr lang="en-US" smtClean="0"/>
+              <a:t>DangLC</a:t>
+            </a:r>
+            <a:endParaRPr lang="en-US"/>
+          </a:p>
+        </p:txBody>
+      </p:sp>
     </p:spTree>
     <p:extLst>
       <p:ext uri="{BB962C8B-B14F-4D97-AF65-F5344CB8AC3E}">
@@ -6884,6 +9974,93 @@
           <a:chExt cx="0" cy="0"/>
         </a:xfrm>
       </p:grpSpPr>
+      <p:pic>
+        <p:nvPicPr>
+          <p:cNvPr id="10242" name="Picture 2"/>
+          <p:cNvPicPr>
+            <a:picLocks noChangeAspect="1" noChangeArrowheads="1"/>
+          </p:cNvPicPr>
+          <p:nvPr/>
+        </p:nvPicPr>
+        <p:blipFill>
+          <a:blip r:embed="rId2">
+            <a:extLst>
+              <a:ext uri="{28A0092B-C50C-407E-A947-70E740481C1C}">
+                <a14:useLocalDpi xmlns:a14="http://schemas.microsoft.com/office/drawing/2010/main" val="0"/>
+              </a:ext>
+            </a:extLst>
+          </a:blip>
+          <a:srcRect/>
+          <a:stretch>
+            <a:fillRect/>
+          </a:stretch>
+        </p:blipFill>
+        <p:spPr bwMode="auto">
+          <a:xfrm>
+            <a:off x="0" y="0"/>
+            <a:ext cx="8991600" cy="5105400"/>
+          </a:xfrm>
+          <a:prstGeom prst="rect">
+            <a:avLst/>
+          </a:prstGeom>
+          <a:noFill/>
+          <a:ln>
+            <a:noFill/>
+          </a:ln>
+          <a:effectLst/>
+          <a:extLst>
+            <a:ext uri="{909E8E84-426E-40DD-AFC4-6F175D3DCCD1}">
+              <a14:hiddenFill xmlns:a14="http://schemas.microsoft.com/office/drawing/2010/main">
+                <a:solidFill>
+                  <a:schemeClr val="accent1"/>
+                </a:solidFill>
+              </a14:hiddenFill>
+            </a:ext>
+            <a:ext uri="{91240B29-F687-4F45-9708-019B960494DF}">
+              <a14:hiddenLine xmlns:a14="http://schemas.microsoft.com/office/drawing/2010/main" w="9525">
+                <a:solidFill>
+                  <a:schemeClr val="tx1"/>
+                </a:solidFill>
+                <a:miter lim="800000"/>
+                <a:headEnd/>
+                <a:tailEnd/>
+              </a14:hiddenLine>
+            </a:ext>
+            <a:ext uri="{AF507438-7753-43E0-B8FC-AC1667EBCBE1}">
+              <a14:hiddenEffects xmlns:a14="http://schemas.microsoft.com/office/drawing/2010/main">
+                <a:effectLst>
+                  <a:outerShdw dist="35921" dir="2700000" algn="ctr" rotWithShape="0">
+                    <a:schemeClr val="bg2"/>
+                  </a:outerShdw>
+                </a:effectLst>
+              </a14:hiddenEffects>
+            </a:ext>
+          </a:extLst>
+        </p:spPr>
+      </p:pic>
+      <p:sp>
+        <p:nvSpPr>
+          <p:cNvPr id="2" name="Footer Placeholder 1"/>
+          <p:cNvSpPr>
+            <a:spLocks noGrp="1"/>
+          </p:cNvSpPr>
+          <p:nvPr>
+            <p:ph type="ftr" sz="quarter" idx="11"/>
+          </p:nvPr>
+        </p:nvSpPr>
+        <p:spPr/>
+        <p:txBody>
+          <a:bodyPr/>
+          <a:lstStyle/>
+          <a:p>
+            <a:r>
+              <a:rPr lang="en-US" smtClean="0"/>
+              <a:t>DangLC</a:t>
+            </a:r>
+            <a:endParaRPr lang="en-US"/>
+          </a:p>
+        </p:txBody>
+      </p:sp>
     </p:spTree>
     <p:extLst>
       <p:ext uri="{BB962C8B-B14F-4D97-AF65-F5344CB8AC3E}">
@@ -6914,6 +10091,93 @@
           <a:chExt cx="0" cy="0"/>
         </a:xfrm>
       </p:grpSpPr>
+      <p:pic>
+        <p:nvPicPr>
+          <p:cNvPr id="11266" name="Picture 2"/>
+          <p:cNvPicPr>
+            <a:picLocks noChangeAspect="1" noChangeArrowheads="1"/>
+          </p:cNvPicPr>
+          <p:nvPr/>
+        </p:nvPicPr>
+        <p:blipFill>
+          <a:blip r:embed="rId2">
+            <a:extLst>
+              <a:ext uri="{28A0092B-C50C-407E-A947-70E740481C1C}">
+                <a14:useLocalDpi xmlns:a14="http://schemas.microsoft.com/office/drawing/2010/main" val="0"/>
+              </a:ext>
+            </a:extLst>
+          </a:blip>
+          <a:srcRect/>
+          <a:stretch>
+            <a:fillRect/>
+          </a:stretch>
+        </p:blipFill>
+        <p:spPr bwMode="auto">
+          <a:xfrm>
+            <a:off x="0" y="13355"/>
+            <a:ext cx="9067800" cy="5777845"/>
+          </a:xfrm>
+          <a:prstGeom prst="rect">
+            <a:avLst/>
+          </a:prstGeom>
+          <a:noFill/>
+          <a:ln>
+            <a:noFill/>
+          </a:ln>
+          <a:effectLst/>
+          <a:extLst>
+            <a:ext uri="{909E8E84-426E-40DD-AFC4-6F175D3DCCD1}">
+              <a14:hiddenFill xmlns:a14="http://schemas.microsoft.com/office/drawing/2010/main">
+                <a:solidFill>
+                  <a:schemeClr val="accent1"/>
+                </a:solidFill>
+              </a14:hiddenFill>
+            </a:ext>
+            <a:ext uri="{91240B29-F687-4F45-9708-019B960494DF}">
+              <a14:hiddenLine xmlns:a14="http://schemas.microsoft.com/office/drawing/2010/main" w="9525">
+                <a:solidFill>
+                  <a:schemeClr val="tx1"/>
+                </a:solidFill>
+                <a:miter lim="800000"/>
+                <a:headEnd/>
+                <a:tailEnd/>
+              </a14:hiddenLine>
+            </a:ext>
+            <a:ext uri="{AF507438-7753-43E0-B8FC-AC1667EBCBE1}">
+              <a14:hiddenEffects xmlns:a14="http://schemas.microsoft.com/office/drawing/2010/main">
+                <a:effectLst>
+                  <a:outerShdw dist="35921" dir="2700000" algn="ctr" rotWithShape="0">
+                    <a:schemeClr val="bg2"/>
+                  </a:outerShdw>
+                </a:effectLst>
+              </a14:hiddenEffects>
+            </a:ext>
+          </a:extLst>
+        </p:spPr>
+      </p:pic>
+      <p:sp>
+        <p:nvSpPr>
+          <p:cNvPr id="2" name="Footer Placeholder 1"/>
+          <p:cNvSpPr>
+            <a:spLocks noGrp="1"/>
+          </p:cNvSpPr>
+          <p:nvPr>
+            <p:ph type="ftr" sz="quarter" idx="11"/>
+          </p:nvPr>
+        </p:nvSpPr>
+        <p:spPr/>
+        <p:txBody>
+          <a:bodyPr/>
+          <a:lstStyle/>
+          <a:p>
+            <a:r>
+              <a:rPr lang="en-US" smtClean="0"/>
+              <a:t>DangLC</a:t>
+            </a:r>
+            <a:endParaRPr lang="en-US"/>
+          </a:p>
+        </p:txBody>
+      </p:sp>
     </p:spTree>
     <p:extLst>
       <p:ext uri="{BB962C8B-B14F-4D97-AF65-F5344CB8AC3E}">
@@ -6944,6 +10208,93 @@
           <a:chExt cx="0" cy="0"/>
         </a:xfrm>
       </p:grpSpPr>
+      <p:pic>
+        <p:nvPicPr>
+          <p:cNvPr id="12290" name="Picture 2"/>
+          <p:cNvPicPr>
+            <a:picLocks noChangeAspect="1" noChangeArrowheads="1"/>
+          </p:cNvPicPr>
+          <p:nvPr/>
+        </p:nvPicPr>
+        <p:blipFill>
+          <a:blip r:embed="rId2">
+            <a:extLst>
+              <a:ext uri="{28A0092B-C50C-407E-A947-70E740481C1C}">
+                <a14:useLocalDpi xmlns:a14="http://schemas.microsoft.com/office/drawing/2010/main" val="0"/>
+              </a:ext>
+            </a:extLst>
+          </a:blip>
+          <a:srcRect/>
+          <a:stretch>
+            <a:fillRect/>
+          </a:stretch>
+        </p:blipFill>
+        <p:spPr bwMode="auto">
+          <a:xfrm>
+            <a:off x="16212" y="32426"/>
+            <a:ext cx="9127787" cy="5225374"/>
+          </a:xfrm>
+          <a:prstGeom prst="rect">
+            <a:avLst/>
+          </a:prstGeom>
+          <a:noFill/>
+          <a:ln>
+            <a:noFill/>
+          </a:ln>
+          <a:effectLst/>
+          <a:extLst>
+            <a:ext uri="{909E8E84-426E-40DD-AFC4-6F175D3DCCD1}">
+              <a14:hiddenFill xmlns:a14="http://schemas.microsoft.com/office/drawing/2010/main">
+                <a:solidFill>
+                  <a:schemeClr val="accent1"/>
+                </a:solidFill>
+              </a14:hiddenFill>
+            </a:ext>
+            <a:ext uri="{91240B29-F687-4F45-9708-019B960494DF}">
+              <a14:hiddenLine xmlns:a14="http://schemas.microsoft.com/office/drawing/2010/main" w="9525">
+                <a:solidFill>
+                  <a:schemeClr val="tx1"/>
+                </a:solidFill>
+                <a:miter lim="800000"/>
+                <a:headEnd/>
+                <a:tailEnd/>
+              </a14:hiddenLine>
+            </a:ext>
+            <a:ext uri="{AF507438-7753-43E0-B8FC-AC1667EBCBE1}">
+              <a14:hiddenEffects xmlns:a14="http://schemas.microsoft.com/office/drawing/2010/main">
+                <a:effectLst>
+                  <a:outerShdw dist="35921" dir="2700000" algn="ctr" rotWithShape="0">
+                    <a:schemeClr val="bg2"/>
+                  </a:outerShdw>
+                </a:effectLst>
+              </a14:hiddenEffects>
+            </a:ext>
+          </a:extLst>
+        </p:spPr>
+      </p:pic>
+      <p:sp>
+        <p:nvSpPr>
+          <p:cNvPr id="2" name="Footer Placeholder 1"/>
+          <p:cNvSpPr>
+            <a:spLocks noGrp="1"/>
+          </p:cNvSpPr>
+          <p:nvPr>
+            <p:ph type="ftr" sz="quarter" idx="11"/>
+          </p:nvPr>
+        </p:nvSpPr>
+        <p:spPr/>
+        <p:txBody>
+          <a:bodyPr/>
+          <a:lstStyle/>
+          <a:p>
+            <a:r>
+              <a:rPr lang="en-US" smtClean="0"/>
+              <a:t>DangLC</a:t>
+            </a:r>
+            <a:endParaRPr lang="en-US"/>
+          </a:p>
+        </p:txBody>
+      </p:sp>
     </p:spTree>
     <p:extLst>
       <p:ext uri="{BB962C8B-B14F-4D97-AF65-F5344CB8AC3E}">
@@ -6974,6 +10325,93 @@
           <a:chExt cx="0" cy="0"/>
         </a:xfrm>
       </p:grpSpPr>
+      <p:pic>
+        <p:nvPicPr>
+          <p:cNvPr id="13314" name="Picture 2"/>
+          <p:cNvPicPr>
+            <a:picLocks noChangeAspect="1" noChangeArrowheads="1"/>
+          </p:cNvPicPr>
+          <p:nvPr/>
+        </p:nvPicPr>
+        <p:blipFill>
+          <a:blip r:embed="rId2">
+            <a:extLst>
+              <a:ext uri="{28A0092B-C50C-407E-A947-70E740481C1C}">
+                <a14:useLocalDpi xmlns:a14="http://schemas.microsoft.com/office/drawing/2010/main" val="0"/>
+              </a:ext>
+            </a:extLst>
+          </a:blip>
+          <a:srcRect/>
+          <a:stretch>
+            <a:fillRect/>
+          </a:stretch>
+        </p:blipFill>
+        <p:spPr bwMode="auto">
+          <a:xfrm>
+            <a:off x="7856" y="0"/>
+            <a:ext cx="9136144" cy="5715000"/>
+          </a:xfrm>
+          <a:prstGeom prst="rect">
+            <a:avLst/>
+          </a:prstGeom>
+          <a:noFill/>
+          <a:ln>
+            <a:noFill/>
+          </a:ln>
+          <a:effectLst/>
+          <a:extLst>
+            <a:ext uri="{909E8E84-426E-40DD-AFC4-6F175D3DCCD1}">
+              <a14:hiddenFill xmlns:a14="http://schemas.microsoft.com/office/drawing/2010/main">
+                <a:solidFill>
+                  <a:schemeClr val="accent1"/>
+                </a:solidFill>
+              </a14:hiddenFill>
+            </a:ext>
+            <a:ext uri="{91240B29-F687-4F45-9708-019B960494DF}">
+              <a14:hiddenLine xmlns:a14="http://schemas.microsoft.com/office/drawing/2010/main" w="9525">
+                <a:solidFill>
+                  <a:schemeClr val="tx1"/>
+                </a:solidFill>
+                <a:miter lim="800000"/>
+                <a:headEnd/>
+                <a:tailEnd/>
+              </a14:hiddenLine>
+            </a:ext>
+            <a:ext uri="{AF507438-7753-43E0-B8FC-AC1667EBCBE1}">
+              <a14:hiddenEffects xmlns:a14="http://schemas.microsoft.com/office/drawing/2010/main">
+                <a:effectLst>
+                  <a:outerShdw dist="35921" dir="2700000" algn="ctr" rotWithShape="0">
+                    <a:schemeClr val="bg2"/>
+                  </a:outerShdw>
+                </a:effectLst>
+              </a14:hiddenEffects>
+            </a:ext>
+          </a:extLst>
+        </p:spPr>
+      </p:pic>
+      <p:sp>
+        <p:nvSpPr>
+          <p:cNvPr id="2" name="Footer Placeholder 1"/>
+          <p:cNvSpPr>
+            <a:spLocks noGrp="1"/>
+          </p:cNvSpPr>
+          <p:nvPr>
+            <p:ph type="ftr" sz="quarter" idx="11"/>
+          </p:nvPr>
+        </p:nvSpPr>
+        <p:spPr/>
+        <p:txBody>
+          <a:bodyPr/>
+          <a:lstStyle/>
+          <a:p>
+            <a:r>
+              <a:rPr lang="en-US" smtClean="0"/>
+              <a:t>DangLC</a:t>
+            </a:r>
+            <a:endParaRPr lang="en-US"/>
+          </a:p>
+        </p:txBody>
+      </p:sp>
     </p:spTree>
     <p:extLst>
       <p:ext uri="{BB962C8B-B14F-4D97-AF65-F5344CB8AC3E}">
@@ -7004,6 +10442,93 @@
           <a:chExt cx="0" cy="0"/>
         </a:xfrm>
       </p:grpSpPr>
+      <p:pic>
+        <p:nvPicPr>
+          <p:cNvPr id="14338" name="Picture 2"/>
+          <p:cNvPicPr>
+            <a:picLocks noChangeAspect="1" noChangeArrowheads="1"/>
+          </p:cNvPicPr>
+          <p:nvPr/>
+        </p:nvPicPr>
+        <p:blipFill>
+          <a:blip r:embed="rId2">
+            <a:extLst>
+              <a:ext uri="{28A0092B-C50C-407E-A947-70E740481C1C}">
+                <a14:useLocalDpi xmlns:a14="http://schemas.microsoft.com/office/drawing/2010/main" val="0"/>
+              </a:ext>
+            </a:extLst>
+          </a:blip>
+          <a:srcRect/>
+          <a:stretch>
+            <a:fillRect/>
+          </a:stretch>
+        </p:blipFill>
+        <p:spPr bwMode="auto">
+          <a:xfrm>
+            <a:off x="2975" y="3243"/>
+            <a:ext cx="9141025" cy="5483157"/>
+          </a:xfrm>
+          <a:prstGeom prst="rect">
+            <a:avLst/>
+          </a:prstGeom>
+          <a:noFill/>
+          <a:ln>
+            <a:noFill/>
+          </a:ln>
+          <a:effectLst/>
+          <a:extLst>
+            <a:ext uri="{909E8E84-426E-40DD-AFC4-6F175D3DCCD1}">
+              <a14:hiddenFill xmlns:a14="http://schemas.microsoft.com/office/drawing/2010/main">
+                <a:solidFill>
+                  <a:schemeClr val="accent1"/>
+                </a:solidFill>
+              </a14:hiddenFill>
+            </a:ext>
+            <a:ext uri="{91240B29-F687-4F45-9708-019B960494DF}">
+              <a14:hiddenLine xmlns:a14="http://schemas.microsoft.com/office/drawing/2010/main" w="9525">
+                <a:solidFill>
+                  <a:schemeClr val="tx1"/>
+                </a:solidFill>
+                <a:miter lim="800000"/>
+                <a:headEnd/>
+                <a:tailEnd/>
+              </a14:hiddenLine>
+            </a:ext>
+            <a:ext uri="{AF507438-7753-43E0-B8FC-AC1667EBCBE1}">
+              <a14:hiddenEffects xmlns:a14="http://schemas.microsoft.com/office/drawing/2010/main">
+                <a:effectLst>
+                  <a:outerShdw dist="35921" dir="2700000" algn="ctr" rotWithShape="0">
+                    <a:schemeClr val="bg2"/>
+                  </a:outerShdw>
+                </a:effectLst>
+              </a14:hiddenEffects>
+            </a:ext>
+          </a:extLst>
+        </p:spPr>
+      </p:pic>
+      <p:sp>
+        <p:nvSpPr>
+          <p:cNvPr id="2" name="Footer Placeholder 1"/>
+          <p:cNvSpPr>
+            <a:spLocks noGrp="1"/>
+          </p:cNvSpPr>
+          <p:nvPr>
+            <p:ph type="ftr" sz="quarter" idx="11"/>
+          </p:nvPr>
+        </p:nvSpPr>
+        <p:spPr/>
+        <p:txBody>
+          <a:bodyPr/>
+          <a:lstStyle/>
+          <a:p>
+            <a:r>
+              <a:rPr lang="en-US" smtClean="0"/>
+              <a:t>DangLC</a:t>
+            </a:r>
+            <a:endParaRPr lang="en-US"/>
+          </a:p>
+        </p:txBody>
+      </p:sp>
     </p:spTree>
     <p:extLst>
       <p:ext uri="{BB962C8B-B14F-4D97-AF65-F5344CB8AC3E}">
@@ -7034,6 +10559,93 @@
           <a:chExt cx="0" cy="0"/>
         </a:xfrm>
       </p:grpSpPr>
+      <p:pic>
+        <p:nvPicPr>
+          <p:cNvPr id="15362" name="Picture 2"/>
+          <p:cNvPicPr>
+            <a:picLocks noChangeAspect="1" noChangeArrowheads="1"/>
+          </p:cNvPicPr>
+          <p:nvPr/>
+        </p:nvPicPr>
+        <p:blipFill>
+          <a:blip r:embed="rId2">
+            <a:extLst>
+              <a:ext uri="{28A0092B-C50C-407E-A947-70E740481C1C}">
+                <a14:useLocalDpi xmlns:a14="http://schemas.microsoft.com/office/drawing/2010/main" val="0"/>
+              </a:ext>
+            </a:extLst>
+          </a:blip>
+          <a:srcRect/>
+          <a:stretch>
+            <a:fillRect/>
+          </a:stretch>
+        </p:blipFill>
+        <p:spPr bwMode="auto">
+          <a:xfrm>
+            <a:off x="0" y="0"/>
+            <a:ext cx="9144000" cy="5257800"/>
+          </a:xfrm>
+          <a:prstGeom prst="rect">
+            <a:avLst/>
+          </a:prstGeom>
+          <a:noFill/>
+          <a:ln>
+            <a:noFill/>
+          </a:ln>
+          <a:effectLst/>
+          <a:extLst>
+            <a:ext uri="{909E8E84-426E-40DD-AFC4-6F175D3DCCD1}">
+              <a14:hiddenFill xmlns:a14="http://schemas.microsoft.com/office/drawing/2010/main">
+                <a:solidFill>
+                  <a:schemeClr val="accent1"/>
+                </a:solidFill>
+              </a14:hiddenFill>
+            </a:ext>
+            <a:ext uri="{91240B29-F687-4F45-9708-019B960494DF}">
+              <a14:hiddenLine xmlns:a14="http://schemas.microsoft.com/office/drawing/2010/main" w="9525">
+                <a:solidFill>
+                  <a:schemeClr val="tx1"/>
+                </a:solidFill>
+                <a:miter lim="800000"/>
+                <a:headEnd/>
+                <a:tailEnd/>
+              </a14:hiddenLine>
+            </a:ext>
+            <a:ext uri="{AF507438-7753-43E0-B8FC-AC1667EBCBE1}">
+              <a14:hiddenEffects xmlns:a14="http://schemas.microsoft.com/office/drawing/2010/main">
+                <a:effectLst>
+                  <a:outerShdw dist="35921" dir="2700000" algn="ctr" rotWithShape="0">
+                    <a:schemeClr val="bg2"/>
+                  </a:outerShdw>
+                </a:effectLst>
+              </a14:hiddenEffects>
+            </a:ext>
+          </a:extLst>
+        </p:spPr>
+      </p:pic>
+      <p:sp>
+        <p:nvSpPr>
+          <p:cNvPr id="2" name="Footer Placeholder 1"/>
+          <p:cNvSpPr>
+            <a:spLocks noGrp="1"/>
+          </p:cNvSpPr>
+          <p:nvPr>
+            <p:ph type="ftr" sz="quarter" idx="11"/>
+          </p:nvPr>
+        </p:nvSpPr>
+        <p:spPr/>
+        <p:txBody>
+          <a:bodyPr/>
+          <a:lstStyle/>
+          <a:p>
+            <a:r>
+              <a:rPr lang="en-US" smtClean="0"/>
+              <a:t>DangLC</a:t>
+            </a:r>
+            <a:endParaRPr lang="en-US"/>
+          </a:p>
+        </p:txBody>
+      </p:sp>
     </p:spTree>
     <p:extLst>
       <p:ext uri="{BB962C8B-B14F-4D97-AF65-F5344CB8AC3E}">
@@ -7064,6 +10676,93 @@
           <a:chExt cx="0" cy="0"/>
         </a:xfrm>
       </p:grpSpPr>
+      <p:pic>
+        <p:nvPicPr>
+          <p:cNvPr id="16386" name="Picture 2"/>
+          <p:cNvPicPr>
+            <a:picLocks noChangeAspect="1" noChangeArrowheads="1"/>
+          </p:cNvPicPr>
+          <p:nvPr/>
+        </p:nvPicPr>
+        <p:blipFill>
+          <a:blip r:embed="rId2">
+            <a:extLst>
+              <a:ext uri="{28A0092B-C50C-407E-A947-70E740481C1C}">
+                <a14:useLocalDpi xmlns:a14="http://schemas.microsoft.com/office/drawing/2010/main" val="0"/>
+              </a:ext>
+            </a:extLst>
+          </a:blip>
+          <a:srcRect/>
+          <a:stretch>
+            <a:fillRect/>
+          </a:stretch>
+        </p:blipFill>
+        <p:spPr bwMode="auto">
+          <a:xfrm>
+            <a:off x="0" y="0"/>
+            <a:ext cx="9144000" cy="6019800"/>
+          </a:xfrm>
+          <a:prstGeom prst="rect">
+            <a:avLst/>
+          </a:prstGeom>
+          <a:noFill/>
+          <a:ln>
+            <a:noFill/>
+          </a:ln>
+          <a:effectLst/>
+          <a:extLst>
+            <a:ext uri="{909E8E84-426E-40DD-AFC4-6F175D3DCCD1}">
+              <a14:hiddenFill xmlns:a14="http://schemas.microsoft.com/office/drawing/2010/main">
+                <a:solidFill>
+                  <a:schemeClr val="accent1"/>
+                </a:solidFill>
+              </a14:hiddenFill>
+            </a:ext>
+            <a:ext uri="{91240B29-F687-4F45-9708-019B960494DF}">
+              <a14:hiddenLine xmlns:a14="http://schemas.microsoft.com/office/drawing/2010/main" w="9525">
+                <a:solidFill>
+                  <a:schemeClr val="tx1"/>
+                </a:solidFill>
+                <a:miter lim="800000"/>
+                <a:headEnd/>
+                <a:tailEnd/>
+              </a14:hiddenLine>
+            </a:ext>
+            <a:ext uri="{AF507438-7753-43E0-B8FC-AC1667EBCBE1}">
+              <a14:hiddenEffects xmlns:a14="http://schemas.microsoft.com/office/drawing/2010/main">
+                <a:effectLst>
+                  <a:outerShdw dist="35921" dir="2700000" algn="ctr" rotWithShape="0">
+                    <a:schemeClr val="bg2"/>
+                  </a:outerShdw>
+                </a:effectLst>
+              </a14:hiddenEffects>
+            </a:ext>
+          </a:extLst>
+        </p:spPr>
+      </p:pic>
+      <p:sp>
+        <p:nvSpPr>
+          <p:cNvPr id="2" name="Footer Placeholder 1"/>
+          <p:cNvSpPr>
+            <a:spLocks noGrp="1"/>
+          </p:cNvSpPr>
+          <p:nvPr>
+            <p:ph type="ftr" sz="quarter" idx="11"/>
+          </p:nvPr>
+        </p:nvSpPr>
+        <p:spPr/>
+        <p:txBody>
+          <a:bodyPr/>
+          <a:lstStyle/>
+          <a:p>
+            <a:r>
+              <a:rPr lang="en-US" smtClean="0"/>
+              <a:t>DangLC</a:t>
+            </a:r>
+            <a:endParaRPr lang="en-US"/>
+          </a:p>
+        </p:txBody>
+      </p:sp>
     </p:spTree>
     <p:extLst>
       <p:ext uri="{BB962C8B-B14F-4D97-AF65-F5344CB8AC3E}">
@@ -7094,6 +10793,93 @@
           <a:chExt cx="0" cy="0"/>
         </a:xfrm>
       </p:grpSpPr>
+      <p:pic>
+        <p:nvPicPr>
+          <p:cNvPr id="17410" name="Picture 2"/>
+          <p:cNvPicPr>
+            <a:picLocks noChangeAspect="1" noChangeArrowheads="1"/>
+          </p:cNvPicPr>
+          <p:nvPr/>
+        </p:nvPicPr>
+        <p:blipFill>
+          <a:blip r:embed="rId2">
+            <a:extLst>
+              <a:ext uri="{28A0092B-C50C-407E-A947-70E740481C1C}">
+                <a14:useLocalDpi xmlns:a14="http://schemas.microsoft.com/office/drawing/2010/main" val="0"/>
+              </a:ext>
+            </a:extLst>
+          </a:blip>
+          <a:srcRect/>
+          <a:stretch>
+            <a:fillRect/>
+          </a:stretch>
+        </p:blipFill>
+        <p:spPr bwMode="auto">
+          <a:xfrm>
+            <a:off x="0" y="0"/>
+            <a:ext cx="9144000" cy="6553200"/>
+          </a:xfrm>
+          <a:prstGeom prst="rect">
+            <a:avLst/>
+          </a:prstGeom>
+          <a:noFill/>
+          <a:ln>
+            <a:noFill/>
+          </a:ln>
+          <a:effectLst/>
+          <a:extLst>
+            <a:ext uri="{909E8E84-426E-40DD-AFC4-6F175D3DCCD1}">
+              <a14:hiddenFill xmlns:a14="http://schemas.microsoft.com/office/drawing/2010/main">
+                <a:solidFill>
+                  <a:schemeClr val="accent1"/>
+                </a:solidFill>
+              </a14:hiddenFill>
+            </a:ext>
+            <a:ext uri="{91240B29-F687-4F45-9708-019B960494DF}">
+              <a14:hiddenLine xmlns:a14="http://schemas.microsoft.com/office/drawing/2010/main" w="9525">
+                <a:solidFill>
+                  <a:schemeClr val="tx1"/>
+                </a:solidFill>
+                <a:miter lim="800000"/>
+                <a:headEnd/>
+                <a:tailEnd/>
+              </a14:hiddenLine>
+            </a:ext>
+            <a:ext uri="{AF507438-7753-43E0-B8FC-AC1667EBCBE1}">
+              <a14:hiddenEffects xmlns:a14="http://schemas.microsoft.com/office/drawing/2010/main">
+                <a:effectLst>
+                  <a:outerShdw dist="35921" dir="2700000" algn="ctr" rotWithShape="0">
+                    <a:schemeClr val="bg2"/>
+                  </a:outerShdw>
+                </a:effectLst>
+              </a14:hiddenEffects>
+            </a:ext>
+          </a:extLst>
+        </p:spPr>
+      </p:pic>
+      <p:sp>
+        <p:nvSpPr>
+          <p:cNvPr id="2" name="Footer Placeholder 1"/>
+          <p:cNvSpPr>
+            <a:spLocks noGrp="1"/>
+          </p:cNvSpPr>
+          <p:nvPr>
+            <p:ph type="ftr" sz="quarter" idx="11"/>
+          </p:nvPr>
+        </p:nvSpPr>
+        <p:spPr/>
+        <p:txBody>
+          <a:bodyPr/>
+          <a:lstStyle/>
+          <a:p>
+            <a:r>
+              <a:rPr lang="en-US" smtClean="0"/>
+              <a:t>DangLC</a:t>
+            </a:r>
+            <a:endParaRPr lang="en-US"/>
+          </a:p>
+        </p:txBody>
+      </p:sp>
     </p:spTree>
     <p:extLst>
       <p:ext uri="{BB962C8B-B14F-4D97-AF65-F5344CB8AC3E}">
@@ -7459,6 +11245,29 @@
             <a:endParaRPr lang="en-US" sz="2200" dirty="0">
               <a:latin typeface="+mj-lt"/>
             </a:endParaRPr>
+          </a:p>
+        </p:txBody>
+      </p:sp>
+      <p:sp>
+        <p:nvSpPr>
+          <p:cNvPr id="2" name="Footer Placeholder 1"/>
+          <p:cNvSpPr>
+            <a:spLocks noGrp="1"/>
+          </p:cNvSpPr>
+          <p:nvPr>
+            <p:ph type="ftr" sz="quarter" idx="11"/>
+          </p:nvPr>
+        </p:nvSpPr>
+        <p:spPr/>
+        <p:txBody>
+          <a:bodyPr/>
+          <a:lstStyle/>
+          <a:p>
+            <a:r>
+              <a:rPr lang="en-US" smtClean="0"/>
+              <a:t>DangLC</a:t>
+            </a:r>
+            <a:endParaRPr lang="en-US"/>
           </a:p>
         </p:txBody>
       </p:sp>
@@ -7499,6 +11308,93 @@
           <a:chExt cx="0" cy="0"/>
         </a:xfrm>
       </p:grpSpPr>
+      <p:pic>
+        <p:nvPicPr>
+          <p:cNvPr id="18434" name="Picture 2"/>
+          <p:cNvPicPr>
+            <a:picLocks noChangeAspect="1" noChangeArrowheads="1"/>
+          </p:cNvPicPr>
+          <p:nvPr/>
+        </p:nvPicPr>
+        <p:blipFill>
+          <a:blip r:embed="rId2">
+            <a:extLst>
+              <a:ext uri="{28A0092B-C50C-407E-A947-70E740481C1C}">
+                <a14:useLocalDpi xmlns:a14="http://schemas.microsoft.com/office/drawing/2010/main" val="0"/>
+              </a:ext>
+            </a:extLst>
+          </a:blip>
+          <a:srcRect/>
+          <a:stretch>
+            <a:fillRect/>
+          </a:stretch>
+        </p:blipFill>
+        <p:spPr bwMode="auto">
+          <a:xfrm>
+            <a:off x="0" y="0"/>
+            <a:ext cx="9144000" cy="5562600"/>
+          </a:xfrm>
+          <a:prstGeom prst="rect">
+            <a:avLst/>
+          </a:prstGeom>
+          <a:noFill/>
+          <a:ln>
+            <a:noFill/>
+          </a:ln>
+          <a:effectLst/>
+          <a:extLst>
+            <a:ext uri="{909E8E84-426E-40DD-AFC4-6F175D3DCCD1}">
+              <a14:hiddenFill xmlns:a14="http://schemas.microsoft.com/office/drawing/2010/main">
+                <a:solidFill>
+                  <a:schemeClr val="accent1"/>
+                </a:solidFill>
+              </a14:hiddenFill>
+            </a:ext>
+            <a:ext uri="{91240B29-F687-4F45-9708-019B960494DF}">
+              <a14:hiddenLine xmlns:a14="http://schemas.microsoft.com/office/drawing/2010/main" w="9525">
+                <a:solidFill>
+                  <a:schemeClr val="tx1"/>
+                </a:solidFill>
+                <a:miter lim="800000"/>
+                <a:headEnd/>
+                <a:tailEnd/>
+              </a14:hiddenLine>
+            </a:ext>
+            <a:ext uri="{AF507438-7753-43E0-B8FC-AC1667EBCBE1}">
+              <a14:hiddenEffects xmlns:a14="http://schemas.microsoft.com/office/drawing/2010/main">
+                <a:effectLst>
+                  <a:outerShdw dist="35921" dir="2700000" algn="ctr" rotWithShape="0">
+                    <a:schemeClr val="bg2"/>
+                  </a:outerShdw>
+                </a:effectLst>
+              </a14:hiddenEffects>
+            </a:ext>
+          </a:extLst>
+        </p:spPr>
+      </p:pic>
+      <p:sp>
+        <p:nvSpPr>
+          <p:cNvPr id="2" name="Footer Placeholder 1"/>
+          <p:cNvSpPr>
+            <a:spLocks noGrp="1"/>
+          </p:cNvSpPr>
+          <p:nvPr>
+            <p:ph type="ftr" sz="quarter" idx="11"/>
+          </p:nvPr>
+        </p:nvSpPr>
+        <p:spPr/>
+        <p:txBody>
+          <a:bodyPr/>
+          <a:lstStyle/>
+          <a:p>
+            <a:r>
+              <a:rPr lang="en-US" smtClean="0"/>
+              <a:t>DangLC</a:t>
+            </a:r>
+            <a:endParaRPr lang="en-US"/>
+          </a:p>
+        </p:txBody>
+      </p:sp>
     </p:spTree>
     <p:extLst>
       <p:ext uri="{BB962C8B-B14F-4D97-AF65-F5344CB8AC3E}">
@@ -7529,250 +11425,97 @@
           <a:chExt cx="0" cy="0"/>
         </a:xfrm>
       </p:grpSpPr>
+      <p:pic>
+        <p:nvPicPr>
+          <p:cNvPr id="19458" name="Picture 2"/>
+          <p:cNvPicPr>
+            <a:picLocks noChangeAspect="1" noChangeArrowheads="1"/>
+          </p:cNvPicPr>
+          <p:nvPr/>
+        </p:nvPicPr>
+        <p:blipFill>
+          <a:blip r:embed="rId2">
+            <a:extLst>
+              <a:ext uri="{28A0092B-C50C-407E-A947-70E740481C1C}">
+                <a14:useLocalDpi xmlns:a14="http://schemas.microsoft.com/office/drawing/2010/main" val="0"/>
+              </a:ext>
+            </a:extLst>
+          </a:blip>
+          <a:srcRect/>
+          <a:stretch>
+            <a:fillRect/>
+          </a:stretch>
+        </p:blipFill>
+        <p:spPr bwMode="auto">
+          <a:xfrm>
+            <a:off x="52898" y="228600"/>
+            <a:ext cx="9091102" cy="5257800"/>
+          </a:xfrm>
+          <a:prstGeom prst="rect">
+            <a:avLst/>
+          </a:prstGeom>
+          <a:noFill/>
+          <a:ln>
+            <a:noFill/>
+          </a:ln>
+          <a:effectLst/>
+          <a:extLst>
+            <a:ext uri="{909E8E84-426E-40DD-AFC4-6F175D3DCCD1}">
+              <a14:hiddenFill xmlns:a14="http://schemas.microsoft.com/office/drawing/2010/main">
+                <a:solidFill>
+                  <a:schemeClr val="accent1"/>
+                </a:solidFill>
+              </a14:hiddenFill>
+            </a:ext>
+            <a:ext uri="{91240B29-F687-4F45-9708-019B960494DF}">
+              <a14:hiddenLine xmlns:a14="http://schemas.microsoft.com/office/drawing/2010/main" w="9525">
+                <a:solidFill>
+                  <a:schemeClr val="tx1"/>
+                </a:solidFill>
+                <a:miter lim="800000"/>
+                <a:headEnd/>
+                <a:tailEnd/>
+              </a14:hiddenLine>
+            </a:ext>
+            <a:ext uri="{AF507438-7753-43E0-B8FC-AC1667EBCBE1}">
+              <a14:hiddenEffects xmlns:a14="http://schemas.microsoft.com/office/drawing/2010/main">
+                <a:effectLst>
+                  <a:outerShdw dist="35921" dir="2700000" algn="ctr" rotWithShape="0">
+                    <a:schemeClr val="bg2"/>
+                  </a:outerShdw>
+                </a:effectLst>
+              </a14:hiddenEffects>
+            </a:ext>
+          </a:extLst>
+        </p:spPr>
+      </p:pic>
+      <p:sp>
+        <p:nvSpPr>
+          <p:cNvPr id="2" name="Footer Placeholder 1"/>
+          <p:cNvSpPr>
+            <a:spLocks noGrp="1"/>
+          </p:cNvSpPr>
+          <p:nvPr>
+            <p:ph type="ftr" sz="quarter" idx="11"/>
+          </p:nvPr>
+        </p:nvSpPr>
+        <p:spPr/>
+        <p:txBody>
+          <a:bodyPr/>
+          <a:lstStyle/>
+          <a:p>
+            <a:r>
+              <a:rPr lang="en-US" smtClean="0"/>
+              <a:t>DangLC</a:t>
+            </a:r>
+            <a:endParaRPr lang="en-US"/>
+          </a:p>
+        </p:txBody>
+      </p:sp>
     </p:spTree>
     <p:extLst>
       <p:ext uri="{BB962C8B-B14F-4D97-AF65-F5344CB8AC3E}">
         <p14:creationId xmlns:p14="http://schemas.microsoft.com/office/powerpoint/2010/main" val="1362313330"/>
-      </p:ext>
-    </p:extLst>
-  </p:cSld>
-  <p:clrMapOvr>
-    <a:masterClrMapping/>
-  </p:clrMapOvr>
-</p:sld>
-</file>
-
-<file path=ppt/slides/slide42.xml><?xml version="1.0" encoding="utf-8"?>
-<p:sld xmlns:a="http://schemas.openxmlformats.org/drawingml/2006/main" xmlns:r="http://schemas.openxmlformats.org/officeDocument/2006/relationships" xmlns:p="http://schemas.openxmlformats.org/presentationml/2006/main">
-  <p:cSld>
-    <p:spTree>
-      <p:nvGrpSpPr>
-        <p:cNvPr id="1" name=""/>
-        <p:cNvGrpSpPr/>
-        <p:nvPr/>
-      </p:nvGrpSpPr>
-      <p:grpSpPr>
-        <a:xfrm>
-          <a:off x="0" y="0"/>
-          <a:ext cx="0" cy="0"/>
-          <a:chOff x="0" y="0"/>
-          <a:chExt cx="0" cy="0"/>
-        </a:xfrm>
-      </p:grpSpPr>
-    </p:spTree>
-    <p:extLst>
-      <p:ext uri="{BB962C8B-B14F-4D97-AF65-F5344CB8AC3E}">
-        <p14:creationId xmlns:p14="http://schemas.microsoft.com/office/powerpoint/2010/main" val="2765079386"/>
-      </p:ext>
-    </p:extLst>
-  </p:cSld>
-  <p:clrMapOvr>
-    <a:masterClrMapping/>
-  </p:clrMapOvr>
-</p:sld>
-</file>
-
-<file path=ppt/slides/slide43.xml><?xml version="1.0" encoding="utf-8"?>
-<p:sld xmlns:a="http://schemas.openxmlformats.org/drawingml/2006/main" xmlns:r="http://schemas.openxmlformats.org/officeDocument/2006/relationships" xmlns:p="http://schemas.openxmlformats.org/presentationml/2006/main">
-  <p:cSld>
-    <p:spTree>
-      <p:nvGrpSpPr>
-        <p:cNvPr id="1" name=""/>
-        <p:cNvGrpSpPr/>
-        <p:nvPr/>
-      </p:nvGrpSpPr>
-      <p:grpSpPr>
-        <a:xfrm>
-          <a:off x="0" y="0"/>
-          <a:ext cx="0" cy="0"/>
-          <a:chOff x="0" y="0"/>
-          <a:chExt cx="0" cy="0"/>
-        </a:xfrm>
-      </p:grpSpPr>
-    </p:spTree>
-    <p:extLst>
-      <p:ext uri="{BB962C8B-B14F-4D97-AF65-F5344CB8AC3E}">
-        <p14:creationId xmlns:p14="http://schemas.microsoft.com/office/powerpoint/2010/main" val="2958174846"/>
-      </p:ext>
-    </p:extLst>
-  </p:cSld>
-  <p:clrMapOvr>
-    <a:masterClrMapping/>
-  </p:clrMapOvr>
-</p:sld>
-</file>
-
-<file path=ppt/slides/slide44.xml><?xml version="1.0" encoding="utf-8"?>
-<p:sld xmlns:a="http://schemas.openxmlformats.org/drawingml/2006/main" xmlns:r="http://schemas.openxmlformats.org/officeDocument/2006/relationships" xmlns:p="http://schemas.openxmlformats.org/presentationml/2006/main">
-  <p:cSld>
-    <p:spTree>
-      <p:nvGrpSpPr>
-        <p:cNvPr id="1" name=""/>
-        <p:cNvGrpSpPr/>
-        <p:nvPr/>
-      </p:nvGrpSpPr>
-      <p:grpSpPr>
-        <a:xfrm>
-          <a:off x="0" y="0"/>
-          <a:ext cx="0" cy="0"/>
-          <a:chOff x="0" y="0"/>
-          <a:chExt cx="0" cy="0"/>
-        </a:xfrm>
-      </p:grpSpPr>
-    </p:spTree>
-    <p:extLst>
-      <p:ext uri="{BB962C8B-B14F-4D97-AF65-F5344CB8AC3E}">
-        <p14:creationId xmlns:p14="http://schemas.microsoft.com/office/powerpoint/2010/main" val="3779629"/>
-      </p:ext>
-    </p:extLst>
-  </p:cSld>
-  <p:clrMapOvr>
-    <a:masterClrMapping/>
-  </p:clrMapOvr>
-</p:sld>
-</file>
-
-<file path=ppt/slides/slide45.xml><?xml version="1.0" encoding="utf-8"?>
-<p:sld xmlns:a="http://schemas.openxmlformats.org/drawingml/2006/main" xmlns:r="http://schemas.openxmlformats.org/officeDocument/2006/relationships" xmlns:p="http://schemas.openxmlformats.org/presentationml/2006/main">
-  <p:cSld>
-    <p:spTree>
-      <p:nvGrpSpPr>
-        <p:cNvPr id="1" name=""/>
-        <p:cNvGrpSpPr/>
-        <p:nvPr/>
-      </p:nvGrpSpPr>
-      <p:grpSpPr>
-        <a:xfrm>
-          <a:off x="0" y="0"/>
-          <a:ext cx="0" cy="0"/>
-          <a:chOff x="0" y="0"/>
-          <a:chExt cx="0" cy="0"/>
-        </a:xfrm>
-      </p:grpSpPr>
-    </p:spTree>
-    <p:extLst>
-      <p:ext uri="{BB962C8B-B14F-4D97-AF65-F5344CB8AC3E}">
-        <p14:creationId xmlns:p14="http://schemas.microsoft.com/office/powerpoint/2010/main" val="2004744060"/>
-      </p:ext>
-    </p:extLst>
-  </p:cSld>
-  <p:clrMapOvr>
-    <a:masterClrMapping/>
-  </p:clrMapOvr>
-</p:sld>
-</file>
-
-<file path=ppt/slides/slide46.xml><?xml version="1.0" encoding="utf-8"?>
-<p:sld xmlns:a="http://schemas.openxmlformats.org/drawingml/2006/main" xmlns:r="http://schemas.openxmlformats.org/officeDocument/2006/relationships" xmlns:p="http://schemas.openxmlformats.org/presentationml/2006/main">
-  <p:cSld>
-    <p:spTree>
-      <p:nvGrpSpPr>
-        <p:cNvPr id="1" name=""/>
-        <p:cNvGrpSpPr/>
-        <p:nvPr/>
-      </p:nvGrpSpPr>
-      <p:grpSpPr>
-        <a:xfrm>
-          <a:off x="0" y="0"/>
-          <a:ext cx="0" cy="0"/>
-          <a:chOff x="0" y="0"/>
-          <a:chExt cx="0" cy="0"/>
-        </a:xfrm>
-      </p:grpSpPr>
-    </p:spTree>
-    <p:extLst>
-      <p:ext uri="{BB962C8B-B14F-4D97-AF65-F5344CB8AC3E}">
-        <p14:creationId xmlns:p14="http://schemas.microsoft.com/office/powerpoint/2010/main" val="205873441"/>
-      </p:ext>
-    </p:extLst>
-  </p:cSld>
-  <p:clrMapOvr>
-    <a:masterClrMapping/>
-  </p:clrMapOvr>
-</p:sld>
-</file>
-
-<file path=ppt/slides/slide47.xml><?xml version="1.0" encoding="utf-8"?>
-<p:sld xmlns:a="http://schemas.openxmlformats.org/drawingml/2006/main" xmlns:r="http://schemas.openxmlformats.org/officeDocument/2006/relationships" xmlns:p="http://schemas.openxmlformats.org/presentationml/2006/main">
-  <p:cSld>
-    <p:spTree>
-      <p:nvGrpSpPr>
-        <p:cNvPr id="1" name=""/>
-        <p:cNvGrpSpPr/>
-        <p:nvPr/>
-      </p:nvGrpSpPr>
-      <p:grpSpPr>
-        <a:xfrm>
-          <a:off x="0" y="0"/>
-          <a:ext cx="0" cy="0"/>
-          <a:chOff x="0" y="0"/>
-          <a:chExt cx="0" cy="0"/>
-        </a:xfrm>
-      </p:grpSpPr>
-    </p:spTree>
-    <p:extLst>
-      <p:ext uri="{BB962C8B-B14F-4D97-AF65-F5344CB8AC3E}">
-        <p14:creationId xmlns:p14="http://schemas.microsoft.com/office/powerpoint/2010/main" val="3048959057"/>
-      </p:ext>
-    </p:extLst>
-  </p:cSld>
-  <p:clrMapOvr>
-    <a:masterClrMapping/>
-  </p:clrMapOvr>
-</p:sld>
-</file>
-
-<file path=ppt/slides/slide48.xml><?xml version="1.0" encoding="utf-8"?>
-<p:sld xmlns:a="http://schemas.openxmlformats.org/drawingml/2006/main" xmlns:r="http://schemas.openxmlformats.org/officeDocument/2006/relationships" xmlns:p="http://schemas.openxmlformats.org/presentationml/2006/main">
-  <p:cSld>
-    <p:spTree>
-      <p:nvGrpSpPr>
-        <p:cNvPr id="1" name=""/>
-        <p:cNvGrpSpPr/>
-        <p:nvPr/>
-      </p:nvGrpSpPr>
-      <p:grpSpPr>
-        <a:xfrm>
-          <a:off x="0" y="0"/>
-          <a:ext cx="0" cy="0"/>
-          <a:chOff x="0" y="0"/>
-          <a:chExt cx="0" cy="0"/>
-        </a:xfrm>
-      </p:grpSpPr>
-    </p:spTree>
-    <p:extLst>
-      <p:ext uri="{BB962C8B-B14F-4D97-AF65-F5344CB8AC3E}">
-        <p14:creationId xmlns:p14="http://schemas.microsoft.com/office/powerpoint/2010/main" val="2490398894"/>
-      </p:ext>
-    </p:extLst>
-  </p:cSld>
-  <p:clrMapOvr>
-    <a:masterClrMapping/>
-  </p:clrMapOvr>
-</p:sld>
-</file>
-
-<file path=ppt/slides/slide49.xml><?xml version="1.0" encoding="utf-8"?>
-<p:sld xmlns:a="http://schemas.openxmlformats.org/drawingml/2006/main" xmlns:r="http://schemas.openxmlformats.org/officeDocument/2006/relationships" xmlns:p="http://schemas.openxmlformats.org/presentationml/2006/main">
-  <p:cSld>
-    <p:spTree>
-      <p:nvGrpSpPr>
-        <p:cNvPr id="1" name=""/>
-        <p:cNvGrpSpPr/>
-        <p:nvPr/>
-      </p:nvGrpSpPr>
-      <p:grpSpPr>
-        <a:xfrm>
-          <a:off x="0" y="0"/>
-          <a:ext cx="0" cy="0"/>
-          <a:chOff x="0" y="0"/>
-          <a:chExt cx="0" cy="0"/>
-        </a:xfrm>
-      </p:grpSpPr>
-    </p:spTree>
-    <p:extLst>
-      <p:ext uri="{BB962C8B-B14F-4D97-AF65-F5344CB8AC3E}">
-        <p14:creationId xmlns:p14="http://schemas.microsoft.com/office/powerpoint/2010/main" val="1995056849"/>
       </p:ext>
     </p:extLst>
   </p:cSld>
@@ -8146,6 +11889,29 @@
           </a:p>
         </p:txBody>
       </p:sp>
+      <p:sp>
+        <p:nvSpPr>
+          <p:cNvPr id="2" name="Footer Placeholder 1"/>
+          <p:cNvSpPr>
+            <a:spLocks noGrp="1"/>
+          </p:cNvSpPr>
+          <p:nvPr>
+            <p:ph type="ftr" sz="quarter" idx="11"/>
+          </p:nvPr>
+        </p:nvSpPr>
+        <p:spPr/>
+        <p:txBody>
+          <a:bodyPr/>
+          <a:lstStyle/>
+          <a:p>
+            <a:r>
+              <a:rPr lang="en-US" smtClean="0"/>
+              <a:t>DangLC</a:t>
+            </a:r>
+            <a:endParaRPr lang="en-US"/>
+          </a:p>
+        </p:txBody>
+      </p:sp>
     </p:spTree>
     <p:extLst>
       <p:ext uri="{BB962C8B-B14F-4D97-AF65-F5344CB8AC3E}">
@@ -8166,306 +11932,6 @@
 </p:sld>
 </file>
 
-<file path=ppt/slides/slide50.xml><?xml version="1.0" encoding="utf-8"?>
-<p:sld xmlns:a="http://schemas.openxmlformats.org/drawingml/2006/main" xmlns:r="http://schemas.openxmlformats.org/officeDocument/2006/relationships" xmlns:p="http://schemas.openxmlformats.org/presentationml/2006/main">
-  <p:cSld>
-    <p:spTree>
-      <p:nvGrpSpPr>
-        <p:cNvPr id="1" name=""/>
-        <p:cNvGrpSpPr/>
-        <p:nvPr/>
-      </p:nvGrpSpPr>
-      <p:grpSpPr>
-        <a:xfrm>
-          <a:off x="0" y="0"/>
-          <a:ext cx="0" cy="0"/>
-          <a:chOff x="0" y="0"/>
-          <a:chExt cx="0" cy="0"/>
-        </a:xfrm>
-      </p:grpSpPr>
-    </p:spTree>
-    <p:extLst>
-      <p:ext uri="{BB962C8B-B14F-4D97-AF65-F5344CB8AC3E}">
-        <p14:creationId xmlns:p14="http://schemas.microsoft.com/office/powerpoint/2010/main" val="4188717183"/>
-      </p:ext>
-    </p:extLst>
-  </p:cSld>
-  <p:clrMapOvr>
-    <a:masterClrMapping/>
-  </p:clrMapOvr>
-</p:sld>
-</file>
-
-<file path=ppt/slides/slide51.xml><?xml version="1.0" encoding="utf-8"?>
-<p:sld xmlns:a="http://schemas.openxmlformats.org/drawingml/2006/main" xmlns:r="http://schemas.openxmlformats.org/officeDocument/2006/relationships" xmlns:p="http://schemas.openxmlformats.org/presentationml/2006/main">
-  <p:cSld>
-    <p:spTree>
-      <p:nvGrpSpPr>
-        <p:cNvPr id="1" name=""/>
-        <p:cNvGrpSpPr/>
-        <p:nvPr/>
-      </p:nvGrpSpPr>
-      <p:grpSpPr>
-        <a:xfrm>
-          <a:off x="0" y="0"/>
-          <a:ext cx="0" cy="0"/>
-          <a:chOff x="0" y="0"/>
-          <a:chExt cx="0" cy="0"/>
-        </a:xfrm>
-      </p:grpSpPr>
-    </p:spTree>
-    <p:extLst>
-      <p:ext uri="{BB962C8B-B14F-4D97-AF65-F5344CB8AC3E}">
-        <p14:creationId xmlns:p14="http://schemas.microsoft.com/office/powerpoint/2010/main" val="795016437"/>
-      </p:ext>
-    </p:extLst>
-  </p:cSld>
-  <p:clrMapOvr>
-    <a:masterClrMapping/>
-  </p:clrMapOvr>
-</p:sld>
-</file>
-
-<file path=ppt/slides/slide52.xml><?xml version="1.0" encoding="utf-8"?>
-<p:sld xmlns:a="http://schemas.openxmlformats.org/drawingml/2006/main" xmlns:r="http://schemas.openxmlformats.org/officeDocument/2006/relationships" xmlns:p="http://schemas.openxmlformats.org/presentationml/2006/main">
-  <p:cSld>
-    <p:spTree>
-      <p:nvGrpSpPr>
-        <p:cNvPr id="1" name=""/>
-        <p:cNvGrpSpPr/>
-        <p:nvPr/>
-      </p:nvGrpSpPr>
-      <p:grpSpPr>
-        <a:xfrm>
-          <a:off x="0" y="0"/>
-          <a:ext cx="0" cy="0"/>
-          <a:chOff x="0" y="0"/>
-          <a:chExt cx="0" cy="0"/>
-        </a:xfrm>
-      </p:grpSpPr>
-    </p:spTree>
-    <p:extLst>
-      <p:ext uri="{BB962C8B-B14F-4D97-AF65-F5344CB8AC3E}">
-        <p14:creationId xmlns:p14="http://schemas.microsoft.com/office/powerpoint/2010/main" val="4035861222"/>
-      </p:ext>
-    </p:extLst>
-  </p:cSld>
-  <p:clrMapOvr>
-    <a:masterClrMapping/>
-  </p:clrMapOvr>
-</p:sld>
-</file>
-
-<file path=ppt/slides/slide53.xml><?xml version="1.0" encoding="utf-8"?>
-<p:sld xmlns:a="http://schemas.openxmlformats.org/drawingml/2006/main" xmlns:r="http://schemas.openxmlformats.org/officeDocument/2006/relationships" xmlns:p="http://schemas.openxmlformats.org/presentationml/2006/main">
-  <p:cSld>
-    <p:spTree>
-      <p:nvGrpSpPr>
-        <p:cNvPr id="1" name=""/>
-        <p:cNvGrpSpPr/>
-        <p:nvPr/>
-      </p:nvGrpSpPr>
-      <p:grpSpPr>
-        <a:xfrm>
-          <a:off x="0" y="0"/>
-          <a:ext cx="0" cy="0"/>
-          <a:chOff x="0" y="0"/>
-          <a:chExt cx="0" cy="0"/>
-        </a:xfrm>
-      </p:grpSpPr>
-    </p:spTree>
-    <p:extLst>
-      <p:ext uri="{BB962C8B-B14F-4D97-AF65-F5344CB8AC3E}">
-        <p14:creationId xmlns:p14="http://schemas.microsoft.com/office/powerpoint/2010/main" val="3253421375"/>
-      </p:ext>
-    </p:extLst>
-  </p:cSld>
-  <p:clrMapOvr>
-    <a:masterClrMapping/>
-  </p:clrMapOvr>
-</p:sld>
-</file>
-
-<file path=ppt/slides/slide54.xml><?xml version="1.0" encoding="utf-8"?>
-<p:sld xmlns:a="http://schemas.openxmlformats.org/drawingml/2006/main" xmlns:r="http://schemas.openxmlformats.org/officeDocument/2006/relationships" xmlns:p="http://schemas.openxmlformats.org/presentationml/2006/main">
-  <p:cSld>
-    <p:spTree>
-      <p:nvGrpSpPr>
-        <p:cNvPr id="1" name=""/>
-        <p:cNvGrpSpPr/>
-        <p:nvPr/>
-      </p:nvGrpSpPr>
-      <p:grpSpPr>
-        <a:xfrm>
-          <a:off x="0" y="0"/>
-          <a:ext cx="0" cy="0"/>
-          <a:chOff x="0" y="0"/>
-          <a:chExt cx="0" cy="0"/>
-        </a:xfrm>
-      </p:grpSpPr>
-    </p:spTree>
-    <p:extLst>
-      <p:ext uri="{BB962C8B-B14F-4D97-AF65-F5344CB8AC3E}">
-        <p14:creationId xmlns:p14="http://schemas.microsoft.com/office/powerpoint/2010/main" val="2016209208"/>
-      </p:ext>
-    </p:extLst>
-  </p:cSld>
-  <p:clrMapOvr>
-    <a:masterClrMapping/>
-  </p:clrMapOvr>
-</p:sld>
-</file>
-
-<file path=ppt/slides/slide55.xml><?xml version="1.0" encoding="utf-8"?>
-<p:sld xmlns:a="http://schemas.openxmlformats.org/drawingml/2006/main" xmlns:r="http://schemas.openxmlformats.org/officeDocument/2006/relationships" xmlns:p="http://schemas.openxmlformats.org/presentationml/2006/main">
-  <p:cSld>
-    <p:spTree>
-      <p:nvGrpSpPr>
-        <p:cNvPr id="1" name=""/>
-        <p:cNvGrpSpPr/>
-        <p:nvPr/>
-      </p:nvGrpSpPr>
-      <p:grpSpPr>
-        <a:xfrm>
-          <a:off x="0" y="0"/>
-          <a:ext cx="0" cy="0"/>
-          <a:chOff x="0" y="0"/>
-          <a:chExt cx="0" cy="0"/>
-        </a:xfrm>
-      </p:grpSpPr>
-    </p:spTree>
-    <p:extLst>
-      <p:ext uri="{BB962C8B-B14F-4D97-AF65-F5344CB8AC3E}">
-        <p14:creationId xmlns:p14="http://schemas.microsoft.com/office/powerpoint/2010/main" val="3414587081"/>
-      </p:ext>
-    </p:extLst>
-  </p:cSld>
-  <p:clrMapOvr>
-    <a:masterClrMapping/>
-  </p:clrMapOvr>
-</p:sld>
-</file>
-
-<file path=ppt/slides/slide56.xml><?xml version="1.0" encoding="utf-8"?>
-<p:sld xmlns:a="http://schemas.openxmlformats.org/drawingml/2006/main" xmlns:r="http://schemas.openxmlformats.org/officeDocument/2006/relationships" xmlns:p="http://schemas.openxmlformats.org/presentationml/2006/main">
-  <p:cSld>
-    <p:spTree>
-      <p:nvGrpSpPr>
-        <p:cNvPr id="1" name=""/>
-        <p:cNvGrpSpPr/>
-        <p:nvPr/>
-      </p:nvGrpSpPr>
-      <p:grpSpPr>
-        <a:xfrm>
-          <a:off x="0" y="0"/>
-          <a:ext cx="0" cy="0"/>
-          <a:chOff x="0" y="0"/>
-          <a:chExt cx="0" cy="0"/>
-        </a:xfrm>
-      </p:grpSpPr>
-    </p:spTree>
-    <p:extLst>
-      <p:ext uri="{BB962C8B-B14F-4D97-AF65-F5344CB8AC3E}">
-        <p14:creationId xmlns:p14="http://schemas.microsoft.com/office/powerpoint/2010/main" val="442540829"/>
-      </p:ext>
-    </p:extLst>
-  </p:cSld>
-  <p:clrMapOvr>
-    <a:masterClrMapping/>
-  </p:clrMapOvr>
-</p:sld>
-</file>
-
-<file path=ppt/slides/slide57.xml><?xml version="1.0" encoding="utf-8"?>
-<p:sld xmlns:a="http://schemas.openxmlformats.org/drawingml/2006/main" xmlns:r="http://schemas.openxmlformats.org/officeDocument/2006/relationships" xmlns:p="http://schemas.openxmlformats.org/presentationml/2006/main">
-  <p:cSld>
-    <p:spTree>
-      <p:nvGrpSpPr>
-        <p:cNvPr id="1" name=""/>
-        <p:cNvGrpSpPr/>
-        <p:nvPr/>
-      </p:nvGrpSpPr>
-      <p:grpSpPr>
-        <a:xfrm>
-          <a:off x="0" y="0"/>
-          <a:ext cx="0" cy="0"/>
-          <a:chOff x="0" y="0"/>
-          <a:chExt cx="0" cy="0"/>
-        </a:xfrm>
-      </p:grpSpPr>
-    </p:spTree>
-    <p:extLst>
-      <p:ext uri="{BB962C8B-B14F-4D97-AF65-F5344CB8AC3E}">
-        <p14:creationId xmlns:p14="http://schemas.microsoft.com/office/powerpoint/2010/main" val="1420470643"/>
-      </p:ext>
-    </p:extLst>
-  </p:cSld>
-  <p:clrMapOvr>
-    <a:masterClrMapping/>
-  </p:clrMapOvr>
-</p:sld>
-</file>
-
-<file path=ppt/slides/slide58.xml><?xml version="1.0" encoding="utf-8"?>
-<p:sld xmlns:a="http://schemas.openxmlformats.org/drawingml/2006/main" xmlns:r="http://schemas.openxmlformats.org/officeDocument/2006/relationships" xmlns:p="http://schemas.openxmlformats.org/presentationml/2006/main">
-  <p:cSld>
-    <p:spTree>
-      <p:nvGrpSpPr>
-        <p:cNvPr id="1" name=""/>
-        <p:cNvGrpSpPr/>
-        <p:nvPr/>
-      </p:nvGrpSpPr>
-      <p:grpSpPr>
-        <a:xfrm>
-          <a:off x="0" y="0"/>
-          <a:ext cx="0" cy="0"/>
-          <a:chOff x="0" y="0"/>
-          <a:chExt cx="0" cy="0"/>
-        </a:xfrm>
-      </p:grpSpPr>
-    </p:spTree>
-    <p:extLst>
-      <p:ext uri="{BB962C8B-B14F-4D97-AF65-F5344CB8AC3E}">
-        <p14:creationId xmlns:p14="http://schemas.microsoft.com/office/powerpoint/2010/main" val="3894202841"/>
-      </p:ext>
-    </p:extLst>
-  </p:cSld>
-  <p:clrMapOvr>
-    <a:masterClrMapping/>
-  </p:clrMapOvr>
-</p:sld>
-</file>
-
-<file path=ppt/slides/slide59.xml><?xml version="1.0" encoding="utf-8"?>
-<p:sld xmlns:a="http://schemas.openxmlformats.org/drawingml/2006/main" xmlns:r="http://schemas.openxmlformats.org/officeDocument/2006/relationships" xmlns:p="http://schemas.openxmlformats.org/presentationml/2006/main">
-  <p:cSld>
-    <p:spTree>
-      <p:nvGrpSpPr>
-        <p:cNvPr id="1" name=""/>
-        <p:cNvGrpSpPr/>
-        <p:nvPr/>
-      </p:nvGrpSpPr>
-      <p:grpSpPr>
-        <a:xfrm>
-          <a:off x="0" y="0"/>
-          <a:ext cx="0" cy="0"/>
-          <a:chOff x="0" y="0"/>
-          <a:chExt cx="0" cy="0"/>
-        </a:xfrm>
-      </p:grpSpPr>
-    </p:spTree>
-    <p:extLst>
-      <p:ext uri="{BB962C8B-B14F-4D97-AF65-F5344CB8AC3E}">
-        <p14:creationId xmlns:p14="http://schemas.microsoft.com/office/powerpoint/2010/main" val="823279161"/>
-      </p:ext>
-    </p:extLst>
-  </p:cSld>
-  <p:clrMapOvr>
-    <a:masterClrMapping/>
-  </p:clrMapOvr>
-</p:sld>
-</file>
-
 <file path=ppt/slides/slide6.xml><?xml version="1.0" encoding="utf-8"?>
 <p:sld xmlns:a="http://schemas.openxmlformats.org/drawingml/2006/main" xmlns:r="http://schemas.openxmlformats.org/officeDocument/2006/relationships" xmlns:p="http://schemas.openxmlformats.org/presentationml/2006/main">
   <p:cSld>
@@ -8823,6 +12289,29 @@
           </a:p>
         </p:txBody>
       </p:sp>
+      <p:sp>
+        <p:nvSpPr>
+          <p:cNvPr id="2" name="Footer Placeholder 1"/>
+          <p:cNvSpPr>
+            <a:spLocks noGrp="1"/>
+          </p:cNvSpPr>
+          <p:nvPr>
+            <p:ph type="ftr" sz="quarter" idx="11"/>
+          </p:nvPr>
+        </p:nvSpPr>
+        <p:spPr/>
+        <p:txBody>
+          <a:bodyPr/>
+          <a:lstStyle/>
+          <a:p>
+            <a:r>
+              <a:rPr lang="en-US" smtClean="0"/>
+              <a:t>DangLC</a:t>
+            </a:r>
+            <a:endParaRPr lang="en-US"/>
+          </a:p>
+        </p:txBody>
+      </p:sp>
     </p:spTree>
     <p:extLst>
       <p:ext uri="{BB962C8B-B14F-4D97-AF65-F5344CB8AC3E}">
@@ -8840,306 +12329,6 @@
       </p:par>
     </p:tnLst>
   </p:timing>
-</p:sld>
-</file>
-
-<file path=ppt/slides/slide60.xml><?xml version="1.0" encoding="utf-8"?>
-<p:sld xmlns:a="http://schemas.openxmlformats.org/drawingml/2006/main" xmlns:r="http://schemas.openxmlformats.org/officeDocument/2006/relationships" xmlns:p="http://schemas.openxmlformats.org/presentationml/2006/main">
-  <p:cSld>
-    <p:spTree>
-      <p:nvGrpSpPr>
-        <p:cNvPr id="1" name=""/>
-        <p:cNvGrpSpPr/>
-        <p:nvPr/>
-      </p:nvGrpSpPr>
-      <p:grpSpPr>
-        <a:xfrm>
-          <a:off x="0" y="0"/>
-          <a:ext cx="0" cy="0"/>
-          <a:chOff x="0" y="0"/>
-          <a:chExt cx="0" cy="0"/>
-        </a:xfrm>
-      </p:grpSpPr>
-    </p:spTree>
-    <p:extLst>
-      <p:ext uri="{BB962C8B-B14F-4D97-AF65-F5344CB8AC3E}">
-        <p14:creationId xmlns:p14="http://schemas.microsoft.com/office/powerpoint/2010/main" val="1903886768"/>
-      </p:ext>
-    </p:extLst>
-  </p:cSld>
-  <p:clrMapOvr>
-    <a:masterClrMapping/>
-  </p:clrMapOvr>
-</p:sld>
-</file>
-
-<file path=ppt/slides/slide61.xml><?xml version="1.0" encoding="utf-8"?>
-<p:sld xmlns:a="http://schemas.openxmlformats.org/drawingml/2006/main" xmlns:r="http://schemas.openxmlformats.org/officeDocument/2006/relationships" xmlns:p="http://schemas.openxmlformats.org/presentationml/2006/main">
-  <p:cSld>
-    <p:spTree>
-      <p:nvGrpSpPr>
-        <p:cNvPr id="1" name=""/>
-        <p:cNvGrpSpPr/>
-        <p:nvPr/>
-      </p:nvGrpSpPr>
-      <p:grpSpPr>
-        <a:xfrm>
-          <a:off x="0" y="0"/>
-          <a:ext cx="0" cy="0"/>
-          <a:chOff x="0" y="0"/>
-          <a:chExt cx="0" cy="0"/>
-        </a:xfrm>
-      </p:grpSpPr>
-    </p:spTree>
-    <p:extLst>
-      <p:ext uri="{BB962C8B-B14F-4D97-AF65-F5344CB8AC3E}">
-        <p14:creationId xmlns:p14="http://schemas.microsoft.com/office/powerpoint/2010/main" val="1362313330"/>
-      </p:ext>
-    </p:extLst>
-  </p:cSld>
-  <p:clrMapOvr>
-    <a:masterClrMapping/>
-  </p:clrMapOvr>
-</p:sld>
-</file>
-
-<file path=ppt/slides/slide62.xml><?xml version="1.0" encoding="utf-8"?>
-<p:sld xmlns:a="http://schemas.openxmlformats.org/drawingml/2006/main" xmlns:r="http://schemas.openxmlformats.org/officeDocument/2006/relationships" xmlns:p="http://schemas.openxmlformats.org/presentationml/2006/main">
-  <p:cSld>
-    <p:spTree>
-      <p:nvGrpSpPr>
-        <p:cNvPr id="1" name=""/>
-        <p:cNvGrpSpPr/>
-        <p:nvPr/>
-      </p:nvGrpSpPr>
-      <p:grpSpPr>
-        <a:xfrm>
-          <a:off x="0" y="0"/>
-          <a:ext cx="0" cy="0"/>
-          <a:chOff x="0" y="0"/>
-          <a:chExt cx="0" cy="0"/>
-        </a:xfrm>
-      </p:grpSpPr>
-    </p:spTree>
-    <p:extLst>
-      <p:ext uri="{BB962C8B-B14F-4D97-AF65-F5344CB8AC3E}">
-        <p14:creationId xmlns:p14="http://schemas.microsoft.com/office/powerpoint/2010/main" val="2765079386"/>
-      </p:ext>
-    </p:extLst>
-  </p:cSld>
-  <p:clrMapOvr>
-    <a:masterClrMapping/>
-  </p:clrMapOvr>
-</p:sld>
-</file>
-
-<file path=ppt/slides/slide63.xml><?xml version="1.0" encoding="utf-8"?>
-<p:sld xmlns:a="http://schemas.openxmlformats.org/drawingml/2006/main" xmlns:r="http://schemas.openxmlformats.org/officeDocument/2006/relationships" xmlns:p="http://schemas.openxmlformats.org/presentationml/2006/main">
-  <p:cSld>
-    <p:spTree>
-      <p:nvGrpSpPr>
-        <p:cNvPr id="1" name=""/>
-        <p:cNvGrpSpPr/>
-        <p:nvPr/>
-      </p:nvGrpSpPr>
-      <p:grpSpPr>
-        <a:xfrm>
-          <a:off x="0" y="0"/>
-          <a:ext cx="0" cy="0"/>
-          <a:chOff x="0" y="0"/>
-          <a:chExt cx="0" cy="0"/>
-        </a:xfrm>
-      </p:grpSpPr>
-    </p:spTree>
-    <p:extLst>
-      <p:ext uri="{BB962C8B-B14F-4D97-AF65-F5344CB8AC3E}">
-        <p14:creationId xmlns:p14="http://schemas.microsoft.com/office/powerpoint/2010/main" val="2958174846"/>
-      </p:ext>
-    </p:extLst>
-  </p:cSld>
-  <p:clrMapOvr>
-    <a:masterClrMapping/>
-  </p:clrMapOvr>
-</p:sld>
-</file>
-
-<file path=ppt/slides/slide64.xml><?xml version="1.0" encoding="utf-8"?>
-<p:sld xmlns:a="http://schemas.openxmlformats.org/drawingml/2006/main" xmlns:r="http://schemas.openxmlformats.org/officeDocument/2006/relationships" xmlns:p="http://schemas.openxmlformats.org/presentationml/2006/main">
-  <p:cSld>
-    <p:spTree>
-      <p:nvGrpSpPr>
-        <p:cNvPr id="1" name=""/>
-        <p:cNvGrpSpPr/>
-        <p:nvPr/>
-      </p:nvGrpSpPr>
-      <p:grpSpPr>
-        <a:xfrm>
-          <a:off x="0" y="0"/>
-          <a:ext cx="0" cy="0"/>
-          <a:chOff x="0" y="0"/>
-          <a:chExt cx="0" cy="0"/>
-        </a:xfrm>
-      </p:grpSpPr>
-    </p:spTree>
-    <p:extLst>
-      <p:ext uri="{BB962C8B-B14F-4D97-AF65-F5344CB8AC3E}">
-        <p14:creationId xmlns:p14="http://schemas.microsoft.com/office/powerpoint/2010/main" val="3779629"/>
-      </p:ext>
-    </p:extLst>
-  </p:cSld>
-  <p:clrMapOvr>
-    <a:masterClrMapping/>
-  </p:clrMapOvr>
-</p:sld>
-</file>
-
-<file path=ppt/slides/slide65.xml><?xml version="1.0" encoding="utf-8"?>
-<p:sld xmlns:a="http://schemas.openxmlformats.org/drawingml/2006/main" xmlns:r="http://schemas.openxmlformats.org/officeDocument/2006/relationships" xmlns:p="http://schemas.openxmlformats.org/presentationml/2006/main">
-  <p:cSld>
-    <p:spTree>
-      <p:nvGrpSpPr>
-        <p:cNvPr id="1" name=""/>
-        <p:cNvGrpSpPr/>
-        <p:nvPr/>
-      </p:nvGrpSpPr>
-      <p:grpSpPr>
-        <a:xfrm>
-          <a:off x="0" y="0"/>
-          <a:ext cx="0" cy="0"/>
-          <a:chOff x="0" y="0"/>
-          <a:chExt cx="0" cy="0"/>
-        </a:xfrm>
-      </p:grpSpPr>
-    </p:spTree>
-    <p:extLst>
-      <p:ext uri="{BB962C8B-B14F-4D97-AF65-F5344CB8AC3E}">
-        <p14:creationId xmlns:p14="http://schemas.microsoft.com/office/powerpoint/2010/main" val="2004744060"/>
-      </p:ext>
-    </p:extLst>
-  </p:cSld>
-  <p:clrMapOvr>
-    <a:masterClrMapping/>
-  </p:clrMapOvr>
-</p:sld>
-</file>
-
-<file path=ppt/slides/slide66.xml><?xml version="1.0" encoding="utf-8"?>
-<p:sld xmlns:a="http://schemas.openxmlformats.org/drawingml/2006/main" xmlns:r="http://schemas.openxmlformats.org/officeDocument/2006/relationships" xmlns:p="http://schemas.openxmlformats.org/presentationml/2006/main">
-  <p:cSld>
-    <p:spTree>
-      <p:nvGrpSpPr>
-        <p:cNvPr id="1" name=""/>
-        <p:cNvGrpSpPr/>
-        <p:nvPr/>
-      </p:nvGrpSpPr>
-      <p:grpSpPr>
-        <a:xfrm>
-          <a:off x="0" y="0"/>
-          <a:ext cx="0" cy="0"/>
-          <a:chOff x="0" y="0"/>
-          <a:chExt cx="0" cy="0"/>
-        </a:xfrm>
-      </p:grpSpPr>
-    </p:spTree>
-    <p:extLst>
-      <p:ext uri="{BB962C8B-B14F-4D97-AF65-F5344CB8AC3E}">
-        <p14:creationId xmlns:p14="http://schemas.microsoft.com/office/powerpoint/2010/main" val="205873441"/>
-      </p:ext>
-    </p:extLst>
-  </p:cSld>
-  <p:clrMapOvr>
-    <a:masterClrMapping/>
-  </p:clrMapOvr>
-</p:sld>
-</file>
-
-<file path=ppt/slides/slide67.xml><?xml version="1.0" encoding="utf-8"?>
-<p:sld xmlns:a="http://schemas.openxmlformats.org/drawingml/2006/main" xmlns:r="http://schemas.openxmlformats.org/officeDocument/2006/relationships" xmlns:p="http://schemas.openxmlformats.org/presentationml/2006/main">
-  <p:cSld>
-    <p:spTree>
-      <p:nvGrpSpPr>
-        <p:cNvPr id="1" name=""/>
-        <p:cNvGrpSpPr/>
-        <p:nvPr/>
-      </p:nvGrpSpPr>
-      <p:grpSpPr>
-        <a:xfrm>
-          <a:off x="0" y="0"/>
-          <a:ext cx="0" cy="0"/>
-          <a:chOff x="0" y="0"/>
-          <a:chExt cx="0" cy="0"/>
-        </a:xfrm>
-      </p:grpSpPr>
-    </p:spTree>
-    <p:extLst>
-      <p:ext uri="{BB962C8B-B14F-4D97-AF65-F5344CB8AC3E}">
-        <p14:creationId xmlns:p14="http://schemas.microsoft.com/office/powerpoint/2010/main" val="3048959057"/>
-      </p:ext>
-    </p:extLst>
-  </p:cSld>
-  <p:clrMapOvr>
-    <a:masterClrMapping/>
-  </p:clrMapOvr>
-</p:sld>
-</file>
-
-<file path=ppt/slides/slide68.xml><?xml version="1.0" encoding="utf-8"?>
-<p:sld xmlns:a="http://schemas.openxmlformats.org/drawingml/2006/main" xmlns:r="http://schemas.openxmlformats.org/officeDocument/2006/relationships" xmlns:p="http://schemas.openxmlformats.org/presentationml/2006/main">
-  <p:cSld>
-    <p:spTree>
-      <p:nvGrpSpPr>
-        <p:cNvPr id="1" name=""/>
-        <p:cNvGrpSpPr/>
-        <p:nvPr/>
-      </p:nvGrpSpPr>
-      <p:grpSpPr>
-        <a:xfrm>
-          <a:off x="0" y="0"/>
-          <a:ext cx="0" cy="0"/>
-          <a:chOff x="0" y="0"/>
-          <a:chExt cx="0" cy="0"/>
-        </a:xfrm>
-      </p:grpSpPr>
-    </p:spTree>
-    <p:extLst>
-      <p:ext uri="{BB962C8B-B14F-4D97-AF65-F5344CB8AC3E}">
-        <p14:creationId xmlns:p14="http://schemas.microsoft.com/office/powerpoint/2010/main" val="2490398894"/>
-      </p:ext>
-    </p:extLst>
-  </p:cSld>
-  <p:clrMapOvr>
-    <a:masterClrMapping/>
-  </p:clrMapOvr>
-</p:sld>
-</file>
-
-<file path=ppt/slides/slide69.xml><?xml version="1.0" encoding="utf-8"?>
-<p:sld xmlns:a="http://schemas.openxmlformats.org/drawingml/2006/main" xmlns:r="http://schemas.openxmlformats.org/officeDocument/2006/relationships" xmlns:p="http://schemas.openxmlformats.org/presentationml/2006/main">
-  <p:cSld>
-    <p:spTree>
-      <p:nvGrpSpPr>
-        <p:cNvPr id="1" name=""/>
-        <p:cNvGrpSpPr/>
-        <p:nvPr/>
-      </p:nvGrpSpPr>
-      <p:grpSpPr>
-        <a:xfrm>
-          <a:off x="0" y="0"/>
-          <a:ext cx="0" cy="0"/>
-          <a:chOff x="0" y="0"/>
-          <a:chExt cx="0" cy="0"/>
-        </a:xfrm>
-      </p:grpSpPr>
-    </p:spTree>
-    <p:extLst>
-      <p:ext uri="{BB962C8B-B14F-4D97-AF65-F5344CB8AC3E}">
-        <p14:creationId xmlns:p14="http://schemas.microsoft.com/office/powerpoint/2010/main" val="1995056849"/>
-      </p:ext>
-    </p:extLst>
-  </p:cSld>
-  <p:clrMapOvr>
-    <a:masterClrMapping/>
-  </p:clrMapOvr>
 </p:sld>
 </file>
 
@@ -9516,6 +12705,29 @@
           </a:fontRef>
         </p:style>
       </p:cxnSp>
+      <p:sp>
+        <p:nvSpPr>
+          <p:cNvPr id="2" name="Footer Placeholder 1"/>
+          <p:cNvSpPr>
+            <a:spLocks noGrp="1"/>
+          </p:cNvSpPr>
+          <p:nvPr>
+            <p:ph type="ftr" sz="quarter" idx="11"/>
+          </p:nvPr>
+        </p:nvSpPr>
+        <p:spPr/>
+        <p:txBody>
+          <a:bodyPr/>
+          <a:lstStyle/>
+          <a:p>
+            <a:r>
+              <a:rPr lang="en-US" smtClean="0"/>
+              <a:t>DangLC</a:t>
+            </a:r>
+            <a:endParaRPr lang="en-US"/>
+          </a:p>
+        </p:txBody>
+      </p:sp>
     </p:spTree>
     <p:extLst>
       <p:ext uri="{BB962C8B-B14F-4D97-AF65-F5344CB8AC3E}">
@@ -9533,306 +12745,6 @@
       </p:par>
     </p:tnLst>
   </p:timing>
-</p:sld>
-</file>
-
-<file path=ppt/slides/slide70.xml><?xml version="1.0" encoding="utf-8"?>
-<p:sld xmlns:a="http://schemas.openxmlformats.org/drawingml/2006/main" xmlns:r="http://schemas.openxmlformats.org/officeDocument/2006/relationships" xmlns:p="http://schemas.openxmlformats.org/presentationml/2006/main">
-  <p:cSld>
-    <p:spTree>
-      <p:nvGrpSpPr>
-        <p:cNvPr id="1" name=""/>
-        <p:cNvGrpSpPr/>
-        <p:nvPr/>
-      </p:nvGrpSpPr>
-      <p:grpSpPr>
-        <a:xfrm>
-          <a:off x="0" y="0"/>
-          <a:ext cx="0" cy="0"/>
-          <a:chOff x="0" y="0"/>
-          <a:chExt cx="0" cy="0"/>
-        </a:xfrm>
-      </p:grpSpPr>
-    </p:spTree>
-    <p:extLst>
-      <p:ext uri="{BB962C8B-B14F-4D97-AF65-F5344CB8AC3E}">
-        <p14:creationId xmlns:p14="http://schemas.microsoft.com/office/powerpoint/2010/main" val="4188717183"/>
-      </p:ext>
-    </p:extLst>
-  </p:cSld>
-  <p:clrMapOvr>
-    <a:masterClrMapping/>
-  </p:clrMapOvr>
-</p:sld>
-</file>
-
-<file path=ppt/slides/slide71.xml><?xml version="1.0" encoding="utf-8"?>
-<p:sld xmlns:a="http://schemas.openxmlformats.org/drawingml/2006/main" xmlns:r="http://schemas.openxmlformats.org/officeDocument/2006/relationships" xmlns:p="http://schemas.openxmlformats.org/presentationml/2006/main">
-  <p:cSld>
-    <p:spTree>
-      <p:nvGrpSpPr>
-        <p:cNvPr id="1" name=""/>
-        <p:cNvGrpSpPr/>
-        <p:nvPr/>
-      </p:nvGrpSpPr>
-      <p:grpSpPr>
-        <a:xfrm>
-          <a:off x="0" y="0"/>
-          <a:ext cx="0" cy="0"/>
-          <a:chOff x="0" y="0"/>
-          <a:chExt cx="0" cy="0"/>
-        </a:xfrm>
-      </p:grpSpPr>
-    </p:spTree>
-    <p:extLst>
-      <p:ext uri="{BB962C8B-B14F-4D97-AF65-F5344CB8AC3E}">
-        <p14:creationId xmlns:p14="http://schemas.microsoft.com/office/powerpoint/2010/main" val="795016437"/>
-      </p:ext>
-    </p:extLst>
-  </p:cSld>
-  <p:clrMapOvr>
-    <a:masterClrMapping/>
-  </p:clrMapOvr>
-</p:sld>
-</file>
-
-<file path=ppt/slides/slide72.xml><?xml version="1.0" encoding="utf-8"?>
-<p:sld xmlns:a="http://schemas.openxmlformats.org/drawingml/2006/main" xmlns:r="http://schemas.openxmlformats.org/officeDocument/2006/relationships" xmlns:p="http://schemas.openxmlformats.org/presentationml/2006/main">
-  <p:cSld>
-    <p:spTree>
-      <p:nvGrpSpPr>
-        <p:cNvPr id="1" name=""/>
-        <p:cNvGrpSpPr/>
-        <p:nvPr/>
-      </p:nvGrpSpPr>
-      <p:grpSpPr>
-        <a:xfrm>
-          <a:off x="0" y="0"/>
-          <a:ext cx="0" cy="0"/>
-          <a:chOff x="0" y="0"/>
-          <a:chExt cx="0" cy="0"/>
-        </a:xfrm>
-      </p:grpSpPr>
-    </p:spTree>
-    <p:extLst>
-      <p:ext uri="{BB962C8B-B14F-4D97-AF65-F5344CB8AC3E}">
-        <p14:creationId xmlns:p14="http://schemas.microsoft.com/office/powerpoint/2010/main" val="4035861222"/>
-      </p:ext>
-    </p:extLst>
-  </p:cSld>
-  <p:clrMapOvr>
-    <a:masterClrMapping/>
-  </p:clrMapOvr>
-</p:sld>
-</file>
-
-<file path=ppt/slides/slide73.xml><?xml version="1.0" encoding="utf-8"?>
-<p:sld xmlns:a="http://schemas.openxmlformats.org/drawingml/2006/main" xmlns:r="http://schemas.openxmlformats.org/officeDocument/2006/relationships" xmlns:p="http://schemas.openxmlformats.org/presentationml/2006/main">
-  <p:cSld>
-    <p:spTree>
-      <p:nvGrpSpPr>
-        <p:cNvPr id="1" name=""/>
-        <p:cNvGrpSpPr/>
-        <p:nvPr/>
-      </p:nvGrpSpPr>
-      <p:grpSpPr>
-        <a:xfrm>
-          <a:off x="0" y="0"/>
-          <a:ext cx="0" cy="0"/>
-          <a:chOff x="0" y="0"/>
-          <a:chExt cx="0" cy="0"/>
-        </a:xfrm>
-      </p:grpSpPr>
-    </p:spTree>
-    <p:extLst>
-      <p:ext uri="{BB962C8B-B14F-4D97-AF65-F5344CB8AC3E}">
-        <p14:creationId xmlns:p14="http://schemas.microsoft.com/office/powerpoint/2010/main" val="3253421375"/>
-      </p:ext>
-    </p:extLst>
-  </p:cSld>
-  <p:clrMapOvr>
-    <a:masterClrMapping/>
-  </p:clrMapOvr>
-</p:sld>
-</file>
-
-<file path=ppt/slides/slide74.xml><?xml version="1.0" encoding="utf-8"?>
-<p:sld xmlns:a="http://schemas.openxmlformats.org/drawingml/2006/main" xmlns:r="http://schemas.openxmlformats.org/officeDocument/2006/relationships" xmlns:p="http://schemas.openxmlformats.org/presentationml/2006/main">
-  <p:cSld>
-    <p:spTree>
-      <p:nvGrpSpPr>
-        <p:cNvPr id="1" name=""/>
-        <p:cNvGrpSpPr/>
-        <p:nvPr/>
-      </p:nvGrpSpPr>
-      <p:grpSpPr>
-        <a:xfrm>
-          <a:off x="0" y="0"/>
-          <a:ext cx="0" cy="0"/>
-          <a:chOff x="0" y="0"/>
-          <a:chExt cx="0" cy="0"/>
-        </a:xfrm>
-      </p:grpSpPr>
-    </p:spTree>
-    <p:extLst>
-      <p:ext uri="{BB962C8B-B14F-4D97-AF65-F5344CB8AC3E}">
-        <p14:creationId xmlns:p14="http://schemas.microsoft.com/office/powerpoint/2010/main" val="2016209208"/>
-      </p:ext>
-    </p:extLst>
-  </p:cSld>
-  <p:clrMapOvr>
-    <a:masterClrMapping/>
-  </p:clrMapOvr>
-</p:sld>
-</file>
-
-<file path=ppt/slides/slide75.xml><?xml version="1.0" encoding="utf-8"?>
-<p:sld xmlns:a="http://schemas.openxmlformats.org/drawingml/2006/main" xmlns:r="http://schemas.openxmlformats.org/officeDocument/2006/relationships" xmlns:p="http://schemas.openxmlformats.org/presentationml/2006/main">
-  <p:cSld>
-    <p:spTree>
-      <p:nvGrpSpPr>
-        <p:cNvPr id="1" name=""/>
-        <p:cNvGrpSpPr/>
-        <p:nvPr/>
-      </p:nvGrpSpPr>
-      <p:grpSpPr>
-        <a:xfrm>
-          <a:off x="0" y="0"/>
-          <a:ext cx="0" cy="0"/>
-          <a:chOff x="0" y="0"/>
-          <a:chExt cx="0" cy="0"/>
-        </a:xfrm>
-      </p:grpSpPr>
-    </p:spTree>
-    <p:extLst>
-      <p:ext uri="{BB962C8B-B14F-4D97-AF65-F5344CB8AC3E}">
-        <p14:creationId xmlns:p14="http://schemas.microsoft.com/office/powerpoint/2010/main" val="3414587081"/>
-      </p:ext>
-    </p:extLst>
-  </p:cSld>
-  <p:clrMapOvr>
-    <a:masterClrMapping/>
-  </p:clrMapOvr>
-</p:sld>
-</file>
-
-<file path=ppt/slides/slide76.xml><?xml version="1.0" encoding="utf-8"?>
-<p:sld xmlns:a="http://schemas.openxmlformats.org/drawingml/2006/main" xmlns:r="http://schemas.openxmlformats.org/officeDocument/2006/relationships" xmlns:p="http://schemas.openxmlformats.org/presentationml/2006/main">
-  <p:cSld>
-    <p:spTree>
-      <p:nvGrpSpPr>
-        <p:cNvPr id="1" name=""/>
-        <p:cNvGrpSpPr/>
-        <p:nvPr/>
-      </p:nvGrpSpPr>
-      <p:grpSpPr>
-        <a:xfrm>
-          <a:off x="0" y="0"/>
-          <a:ext cx="0" cy="0"/>
-          <a:chOff x="0" y="0"/>
-          <a:chExt cx="0" cy="0"/>
-        </a:xfrm>
-      </p:grpSpPr>
-    </p:spTree>
-    <p:extLst>
-      <p:ext uri="{BB962C8B-B14F-4D97-AF65-F5344CB8AC3E}">
-        <p14:creationId xmlns:p14="http://schemas.microsoft.com/office/powerpoint/2010/main" val="442540829"/>
-      </p:ext>
-    </p:extLst>
-  </p:cSld>
-  <p:clrMapOvr>
-    <a:masterClrMapping/>
-  </p:clrMapOvr>
-</p:sld>
-</file>
-
-<file path=ppt/slides/slide77.xml><?xml version="1.0" encoding="utf-8"?>
-<p:sld xmlns:a="http://schemas.openxmlformats.org/drawingml/2006/main" xmlns:r="http://schemas.openxmlformats.org/officeDocument/2006/relationships" xmlns:p="http://schemas.openxmlformats.org/presentationml/2006/main">
-  <p:cSld>
-    <p:spTree>
-      <p:nvGrpSpPr>
-        <p:cNvPr id="1" name=""/>
-        <p:cNvGrpSpPr/>
-        <p:nvPr/>
-      </p:nvGrpSpPr>
-      <p:grpSpPr>
-        <a:xfrm>
-          <a:off x="0" y="0"/>
-          <a:ext cx="0" cy="0"/>
-          <a:chOff x="0" y="0"/>
-          <a:chExt cx="0" cy="0"/>
-        </a:xfrm>
-      </p:grpSpPr>
-    </p:spTree>
-    <p:extLst>
-      <p:ext uri="{BB962C8B-B14F-4D97-AF65-F5344CB8AC3E}">
-        <p14:creationId xmlns:p14="http://schemas.microsoft.com/office/powerpoint/2010/main" val="1420470643"/>
-      </p:ext>
-    </p:extLst>
-  </p:cSld>
-  <p:clrMapOvr>
-    <a:masterClrMapping/>
-  </p:clrMapOvr>
-</p:sld>
-</file>
-
-<file path=ppt/slides/slide78.xml><?xml version="1.0" encoding="utf-8"?>
-<p:sld xmlns:a="http://schemas.openxmlformats.org/drawingml/2006/main" xmlns:r="http://schemas.openxmlformats.org/officeDocument/2006/relationships" xmlns:p="http://schemas.openxmlformats.org/presentationml/2006/main">
-  <p:cSld>
-    <p:spTree>
-      <p:nvGrpSpPr>
-        <p:cNvPr id="1" name=""/>
-        <p:cNvGrpSpPr/>
-        <p:nvPr/>
-      </p:nvGrpSpPr>
-      <p:grpSpPr>
-        <a:xfrm>
-          <a:off x="0" y="0"/>
-          <a:ext cx="0" cy="0"/>
-          <a:chOff x="0" y="0"/>
-          <a:chExt cx="0" cy="0"/>
-        </a:xfrm>
-      </p:grpSpPr>
-    </p:spTree>
-    <p:extLst>
-      <p:ext uri="{BB962C8B-B14F-4D97-AF65-F5344CB8AC3E}">
-        <p14:creationId xmlns:p14="http://schemas.microsoft.com/office/powerpoint/2010/main" val="3894202841"/>
-      </p:ext>
-    </p:extLst>
-  </p:cSld>
-  <p:clrMapOvr>
-    <a:masterClrMapping/>
-  </p:clrMapOvr>
-</p:sld>
-</file>
-
-<file path=ppt/slides/slide79.xml><?xml version="1.0" encoding="utf-8"?>
-<p:sld xmlns:a="http://schemas.openxmlformats.org/drawingml/2006/main" xmlns:r="http://schemas.openxmlformats.org/officeDocument/2006/relationships" xmlns:p="http://schemas.openxmlformats.org/presentationml/2006/main">
-  <p:cSld>
-    <p:spTree>
-      <p:nvGrpSpPr>
-        <p:cNvPr id="1" name=""/>
-        <p:cNvGrpSpPr/>
-        <p:nvPr/>
-      </p:nvGrpSpPr>
-      <p:grpSpPr>
-        <a:xfrm>
-          <a:off x="0" y="0"/>
-          <a:ext cx="0" cy="0"/>
-          <a:chOff x="0" y="0"/>
-          <a:chExt cx="0" cy="0"/>
-        </a:xfrm>
-      </p:grpSpPr>
-    </p:spTree>
-    <p:extLst>
-      <p:ext uri="{BB962C8B-B14F-4D97-AF65-F5344CB8AC3E}">
-        <p14:creationId xmlns:p14="http://schemas.microsoft.com/office/powerpoint/2010/main" val="823279161"/>
-      </p:ext>
-    </p:extLst>
-  </p:cSld>
-  <p:clrMapOvr>
-    <a:masterClrMapping/>
-  </p:clrMapOvr>
 </p:sld>
 </file>
 
@@ -10111,6 +13023,29 @@
           </a:p>
         </p:txBody>
       </p:sp>
+      <p:sp>
+        <p:nvSpPr>
+          <p:cNvPr id="2" name="Footer Placeholder 1"/>
+          <p:cNvSpPr>
+            <a:spLocks noGrp="1"/>
+          </p:cNvSpPr>
+          <p:nvPr>
+            <p:ph type="ftr" sz="quarter" idx="11"/>
+          </p:nvPr>
+        </p:nvSpPr>
+        <p:spPr/>
+        <p:txBody>
+          <a:bodyPr/>
+          <a:lstStyle/>
+          <a:p>
+            <a:r>
+              <a:rPr lang="en-US" smtClean="0"/>
+              <a:t>DangLC</a:t>
+            </a:r>
+            <a:endParaRPr lang="en-US"/>
+          </a:p>
+        </p:txBody>
+      </p:sp>
     </p:spTree>
     <p:extLst>
       <p:ext uri="{BB962C8B-B14F-4D97-AF65-F5344CB8AC3E}">
@@ -10128,306 +13063,6 @@
       </p:par>
     </p:tnLst>
   </p:timing>
-</p:sld>
-</file>
-
-<file path=ppt/slides/slide80.xml><?xml version="1.0" encoding="utf-8"?>
-<p:sld xmlns:a="http://schemas.openxmlformats.org/drawingml/2006/main" xmlns:r="http://schemas.openxmlformats.org/officeDocument/2006/relationships" xmlns:p="http://schemas.openxmlformats.org/presentationml/2006/main">
-  <p:cSld>
-    <p:spTree>
-      <p:nvGrpSpPr>
-        <p:cNvPr id="1" name=""/>
-        <p:cNvGrpSpPr/>
-        <p:nvPr/>
-      </p:nvGrpSpPr>
-      <p:grpSpPr>
-        <a:xfrm>
-          <a:off x="0" y="0"/>
-          <a:ext cx="0" cy="0"/>
-          <a:chOff x="0" y="0"/>
-          <a:chExt cx="0" cy="0"/>
-        </a:xfrm>
-      </p:grpSpPr>
-    </p:spTree>
-    <p:extLst>
-      <p:ext uri="{BB962C8B-B14F-4D97-AF65-F5344CB8AC3E}">
-        <p14:creationId xmlns:p14="http://schemas.microsoft.com/office/powerpoint/2010/main" val="1903886768"/>
-      </p:ext>
-    </p:extLst>
-  </p:cSld>
-  <p:clrMapOvr>
-    <a:masterClrMapping/>
-  </p:clrMapOvr>
-</p:sld>
-</file>
-
-<file path=ppt/slides/slide81.xml><?xml version="1.0" encoding="utf-8"?>
-<p:sld xmlns:a="http://schemas.openxmlformats.org/drawingml/2006/main" xmlns:r="http://schemas.openxmlformats.org/officeDocument/2006/relationships" xmlns:p="http://schemas.openxmlformats.org/presentationml/2006/main">
-  <p:cSld>
-    <p:spTree>
-      <p:nvGrpSpPr>
-        <p:cNvPr id="1" name=""/>
-        <p:cNvGrpSpPr/>
-        <p:nvPr/>
-      </p:nvGrpSpPr>
-      <p:grpSpPr>
-        <a:xfrm>
-          <a:off x="0" y="0"/>
-          <a:ext cx="0" cy="0"/>
-          <a:chOff x="0" y="0"/>
-          <a:chExt cx="0" cy="0"/>
-        </a:xfrm>
-      </p:grpSpPr>
-    </p:spTree>
-    <p:extLst>
-      <p:ext uri="{BB962C8B-B14F-4D97-AF65-F5344CB8AC3E}">
-        <p14:creationId xmlns:p14="http://schemas.microsoft.com/office/powerpoint/2010/main" val="1362313330"/>
-      </p:ext>
-    </p:extLst>
-  </p:cSld>
-  <p:clrMapOvr>
-    <a:masterClrMapping/>
-  </p:clrMapOvr>
-</p:sld>
-</file>
-
-<file path=ppt/slides/slide82.xml><?xml version="1.0" encoding="utf-8"?>
-<p:sld xmlns:a="http://schemas.openxmlformats.org/drawingml/2006/main" xmlns:r="http://schemas.openxmlformats.org/officeDocument/2006/relationships" xmlns:p="http://schemas.openxmlformats.org/presentationml/2006/main">
-  <p:cSld>
-    <p:spTree>
-      <p:nvGrpSpPr>
-        <p:cNvPr id="1" name=""/>
-        <p:cNvGrpSpPr/>
-        <p:nvPr/>
-      </p:nvGrpSpPr>
-      <p:grpSpPr>
-        <a:xfrm>
-          <a:off x="0" y="0"/>
-          <a:ext cx="0" cy="0"/>
-          <a:chOff x="0" y="0"/>
-          <a:chExt cx="0" cy="0"/>
-        </a:xfrm>
-      </p:grpSpPr>
-    </p:spTree>
-    <p:extLst>
-      <p:ext uri="{BB962C8B-B14F-4D97-AF65-F5344CB8AC3E}">
-        <p14:creationId xmlns:p14="http://schemas.microsoft.com/office/powerpoint/2010/main" val="2765079386"/>
-      </p:ext>
-    </p:extLst>
-  </p:cSld>
-  <p:clrMapOvr>
-    <a:masterClrMapping/>
-  </p:clrMapOvr>
-</p:sld>
-</file>
-
-<file path=ppt/slides/slide83.xml><?xml version="1.0" encoding="utf-8"?>
-<p:sld xmlns:a="http://schemas.openxmlformats.org/drawingml/2006/main" xmlns:r="http://schemas.openxmlformats.org/officeDocument/2006/relationships" xmlns:p="http://schemas.openxmlformats.org/presentationml/2006/main">
-  <p:cSld>
-    <p:spTree>
-      <p:nvGrpSpPr>
-        <p:cNvPr id="1" name=""/>
-        <p:cNvGrpSpPr/>
-        <p:nvPr/>
-      </p:nvGrpSpPr>
-      <p:grpSpPr>
-        <a:xfrm>
-          <a:off x="0" y="0"/>
-          <a:ext cx="0" cy="0"/>
-          <a:chOff x="0" y="0"/>
-          <a:chExt cx="0" cy="0"/>
-        </a:xfrm>
-      </p:grpSpPr>
-    </p:spTree>
-    <p:extLst>
-      <p:ext uri="{BB962C8B-B14F-4D97-AF65-F5344CB8AC3E}">
-        <p14:creationId xmlns:p14="http://schemas.microsoft.com/office/powerpoint/2010/main" val="2958174846"/>
-      </p:ext>
-    </p:extLst>
-  </p:cSld>
-  <p:clrMapOvr>
-    <a:masterClrMapping/>
-  </p:clrMapOvr>
-</p:sld>
-</file>
-
-<file path=ppt/slides/slide84.xml><?xml version="1.0" encoding="utf-8"?>
-<p:sld xmlns:a="http://schemas.openxmlformats.org/drawingml/2006/main" xmlns:r="http://schemas.openxmlformats.org/officeDocument/2006/relationships" xmlns:p="http://schemas.openxmlformats.org/presentationml/2006/main">
-  <p:cSld>
-    <p:spTree>
-      <p:nvGrpSpPr>
-        <p:cNvPr id="1" name=""/>
-        <p:cNvGrpSpPr/>
-        <p:nvPr/>
-      </p:nvGrpSpPr>
-      <p:grpSpPr>
-        <a:xfrm>
-          <a:off x="0" y="0"/>
-          <a:ext cx="0" cy="0"/>
-          <a:chOff x="0" y="0"/>
-          <a:chExt cx="0" cy="0"/>
-        </a:xfrm>
-      </p:grpSpPr>
-    </p:spTree>
-    <p:extLst>
-      <p:ext uri="{BB962C8B-B14F-4D97-AF65-F5344CB8AC3E}">
-        <p14:creationId xmlns:p14="http://schemas.microsoft.com/office/powerpoint/2010/main" val="3779629"/>
-      </p:ext>
-    </p:extLst>
-  </p:cSld>
-  <p:clrMapOvr>
-    <a:masterClrMapping/>
-  </p:clrMapOvr>
-</p:sld>
-</file>
-
-<file path=ppt/slides/slide85.xml><?xml version="1.0" encoding="utf-8"?>
-<p:sld xmlns:a="http://schemas.openxmlformats.org/drawingml/2006/main" xmlns:r="http://schemas.openxmlformats.org/officeDocument/2006/relationships" xmlns:p="http://schemas.openxmlformats.org/presentationml/2006/main">
-  <p:cSld>
-    <p:spTree>
-      <p:nvGrpSpPr>
-        <p:cNvPr id="1" name=""/>
-        <p:cNvGrpSpPr/>
-        <p:nvPr/>
-      </p:nvGrpSpPr>
-      <p:grpSpPr>
-        <a:xfrm>
-          <a:off x="0" y="0"/>
-          <a:ext cx="0" cy="0"/>
-          <a:chOff x="0" y="0"/>
-          <a:chExt cx="0" cy="0"/>
-        </a:xfrm>
-      </p:grpSpPr>
-    </p:spTree>
-    <p:extLst>
-      <p:ext uri="{BB962C8B-B14F-4D97-AF65-F5344CB8AC3E}">
-        <p14:creationId xmlns:p14="http://schemas.microsoft.com/office/powerpoint/2010/main" val="2004744060"/>
-      </p:ext>
-    </p:extLst>
-  </p:cSld>
-  <p:clrMapOvr>
-    <a:masterClrMapping/>
-  </p:clrMapOvr>
-</p:sld>
-</file>
-
-<file path=ppt/slides/slide86.xml><?xml version="1.0" encoding="utf-8"?>
-<p:sld xmlns:a="http://schemas.openxmlformats.org/drawingml/2006/main" xmlns:r="http://schemas.openxmlformats.org/officeDocument/2006/relationships" xmlns:p="http://schemas.openxmlformats.org/presentationml/2006/main">
-  <p:cSld>
-    <p:spTree>
-      <p:nvGrpSpPr>
-        <p:cNvPr id="1" name=""/>
-        <p:cNvGrpSpPr/>
-        <p:nvPr/>
-      </p:nvGrpSpPr>
-      <p:grpSpPr>
-        <a:xfrm>
-          <a:off x="0" y="0"/>
-          <a:ext cx="0" cy="0"/>
-          <a:chOff x="0" y="0"/>
-          <a:chExt cx="0" cy="0"/>
-        </a:xfrm>
-      </p:grpSpPr>
-    </p:spTree>
-    <p:extLst>
-      <p:ext uri="{BB962C8B-B14F-4D97-AF65-F5344CB8AC3E}">
-        <p14:creationId xmlns:p14="http://schemas.microsoft.com/office/powerpoint/2010/main" val="205873441"/>
-      </p:ext>
-    </p:extLst>
-  </p:cSld>
-  <p:clrMapOvr>
-    <a:masterClrMapping/>
-  </p:clrMapOvr>
-</p:sld>
-</file>
-
-<file path=ppt/slides/slide87.xml><?xml version="1.0" encoding="utf-8"?>
-<p:sld xmlns:a="http://schemas.openxmlformats.org/drawingml/2006/main" xmlns:r="http://schemas.openxmlformats.org/officeDocument/2006/relationships" xmlns:p="http://schemas.openxmlformats.org/presentationml/2006/main">
-  <p:cSld>
-    <p:spTree>
-      <p:nvGrpSpPr>
-        <p:cNvPr id="1" name=""/>
-        <p:cNvGrpSpPr/>
-        <p:nvPr/>
-      </p:nvGrpSpPr>
-      <p:grpSpPr>
-        <a:xfrm>
-          <a:off x="0" y="0"/>
-          <a:ext cx="0" cy="0"/>
-          <a:chOff x="0" y="0"/>
-          <a:chExt cx="0" cy="0"/>
-        </a:xfrm>
-      </p:grpSpPr>
-    </p:spTree>
-    <p:extLst>
-      <p:ext uri="{BB962C8B-B14F-4D97-AF65-F5344CB8AC3E}">
-        <p14:creationId xmlns:p14="http://schemas.microsoft.com/office/powerpoint/2010/main" val="3048959057"/>
-      </p:ext>
-    </p:extLst>
-  </p:cSld>
-  <p:clrMapOvr>
-    <a:masterClrMapping/>
-  </p:clrMapOvr>
-</p:sld>
-</file>
-
-<file path=ppt/slides/slide88.xml><?xml version="1.0" encoding="utf-8"?>
-<p:sld xmlns:a="http://schemas.openxmlformats.org/drawingml/2006/main" xmlns:r="http://schemas.openxmlformats.org/officeDocument/2006/relationships" xmlns:p="http://schemas.openxmlformats.org/presentationml/2006/main">
-  <p:cSld>
-    <p:spTree>
-      <p:nvGrpSpPr>
-        <p:cNvPr id="1" name=""/>
-        <p:cNvGrpSpPr/>
-        <p:nvPr/>
-      </p:nvGrpSpPr>
-      <p:grpSpPr>
-        <a:xfrm>
-          <a:off x="0" y="0"/>
-          <a:ext cx="0" cy="0"/>
-          <a:chOff x="0" y="0"/>
-          <a:chExt cx="0" cy="0"/>
-        </a:xfrm>
-      </p:grpSpPr>
-    </p:spTree>
-    <p:extLst>
-      <p:ext uri="{BB962C8B-B14F-4D97-AF65-F5344CB8AC3E}">
-        <p14:creationId xmlns:p14="http://schemas.microsoft.com/office/powerpoint/2010/main" val="2407417056"/>
-      </p:ext>
-    </p:extLst>
-  </p:cSld>
-  <p:clrMapOvr>
-    <a:masterClrMapping/>
-  </p:clrMapOvr>
-</p:sld>
-</file>
-
-<file path=ppt/slides/slide89.xml><?xml version="1.0" encoding="utf-8"?>
-<p:sld xmlns:a="http://schemas.openxmlformats.org/drawingml/2006/main" xmlns:r="http://schemas.openxmlformats.org/officeDocument/2006/relationships" xmlns:p="http://schemas.openxmlformats.org/presentationml/2006/main">
-  <p:cSld>
-    <p:spTree>
-      <p:nvGrpSpPr>
-        <p:cNvPr id="1" name=""/>
-        <p:cNvGrpSpPr/>
-        <p:nvPr/>
-      </p:nvGrpSpPr>
-      <p:grpSpPr>
-        <a:xfrm>
-          <a:off x="0" y="0"/>
-          <a:ext cx="0" cy="0"/>
-          <a:chOff x="0" y="0"/>
-          <a:chExt cx="0" cy="0"/>
-        </a:xfrm>
-      </p:grpSpPr>
-    </p:spTree>
-    <p:extLst>
-      <p:ext uri="{BB962C8B-B14F-4D97-AF65-F5344CB8AC3E}">
-        <p14:creationId xmlns:p14="http://schemas.microsoft.com/office/powerpoint/2010/main" val="2164077988"/>
-      </p:ext>
-    </p:extLst>
-  </p:cSld>
-  <p:clrMapOvr>
-    <a:masterClrMapping/>
-  </p:clrMapOvr>
 </p:sld>
 </file>
 
@@ -10591,6 +13226,29 @@
           </a:extLst>
         </p:spPr>
       </p:pic>
+      <p:sp>
+        <p:nvSpPr>
+          <p:cNvPr id="2" name="Footer Placeholder 1"/>
+          <p:cNvSpPr>
+            <a:spLocks noGrp="1"/>
+          </p:cNvSpPr>
+          <p:nvPr>
+            <p:ph type="ftr" sz="quarter" idx="11"/>
+          </p:nvPr>
+        </p:nvSpPr>
+        <p:spPr/>
+        <p:txBody>
+          <a:bodyPr/>
+          <a:lstStyle/>
+          <a:p>
+            <a:r>
+              <a:rPr lang="en-US" smtClean="0"/>
+              <a:t>DangLC</a:t>
+            </a:r>
+            <a:endParaRPr lang="en-US"/>
+          </a:p>
+        </p:txBody>
+      </p:sp>
     </p:spTree>
     <p:extLst>
       <p:ext uri="{BB962C8B-B14F-4D97-AF65-F5344CB8AC3E}">
@@ -10608,306 +13266,6 @@
       </p:par>
     </p:tnLst>
   </p:timing>
-</p:sld>
-</file>
-
-<file path=ppt/slides/slide90.xml><?xml version="1.0" encoding="utf-8"?>
-<p:sld xmlns:a="http://schemas.openxmlformats.org/drawingml/2006/main" xmlns:r="http://schemas.openxmlformats.org/officeDocument/2006/relationships" xmlns:p="http://schemas.openxmlformats.org/presentationml/2006/main">
-  <p:cSld>
-    <p:spTree>
-      <p:nvGrpSpPr>
-        <p:cNvPr id="1" name=""/>
-        <p:cNvGrpSpPr/>
-        <p:nvPr/>
-      </p:nvGrpSpPr>
-      <p:grpSpPr>
-        <a:xfrm>
-          <a:off x="0" y="0"/>
-          <a:ext cx="0" cy="0"/>
-          <a:chOff x="0" y="0"/>
-          <a:chExt cx="0" cy="0"/>
-        </a:xfrm>
-      </p:grpSpPr>
-    </p:spTree>
-    <p:extLst>
-      <p:ext uri="{BB962C8B-B14F-4D97-AF65-F5344CB8AC3E}">
-        <p14:creationId xmlns:p14="http://schemas.microsoft.com/office/powerpoint/2010/main" val="1075246551"/>
-      </p:ext>
-    </p:extLst>
-  </p:cSld>
-  <p:clrMapOvr>
-    <a:masterClrMapping/>
-  </p:clrMapOvr>
-</p:sld>
-</file>
-
-<file path=ppt/slides/slide91.xml><?xml version="1.0" encoding="utf-8"?>
-<p:sld xmlns:a="http://schemas.openxmlformats.org/drawingml/2006/main" xmlns:r="http://schemas.openxmlformats.org/officeDocument/2006/relationships" xmlns:p="http://schemas.openxmlformats.org/presentationml/2006/main">
-  <p:cSld>
-    <p:spTree>
-      <p:nvGrpSpPr>
-        <p:cNvPr id="1" name=""/>
-        <p:cNvGrpSpPr/>
-        <p:nvPr/>
-      </p:nvGrpSpPr>
-      <p:grpSpPr>
-        <a:xfrm>
-          <a:off x="0" y="0"/>
-          <a:ext cx="0" cy="0"/>
-          <a:chOff x="0" y="0"/>
-          <a:chExt cx="0" cy="0"/>
-        </a:xfrm>
-      </p:grpSpPr>
-    </p:spTree>
-    <p:extLst>
-      <p:ext uri="{BB962C8B-B14F-4D97-AF65-F5344CB8AC3E}">
-        <p14:creationId xmlns:p14="http://schemas.microsoft.com/office/powerpoint/2010/main" val="1023857880"/>
-      </p:ext>
-    </p:extLst>
-  </p:cSld>
-  <p:clrMapOvr>
-    <a:masterClrMapping/>
-  </p:clrMapOvr>
-</p:sld>
-</file>
-
-<file path=ppt/slides/slide92.xml><?xml version="1.0" encoding="utf-8"?>
-<p:sld xmlns:a="http://schemas.openxmlformats.org/drawingml/2006/main" xmlns:r="http://schemas.openxmlformats.org/officeDocument/2006/relationships" xmlns:p="http://schemas.openxmlformats.org/presentationml/2006/main">
-  <p:cSld>
-    <p:spTree>
-      <p:nvGrpSpPr>
-        <p:cNvPr id="1" name=""/>
-        <p:cNvGrpSpPr/>
-        <p:nvPr/>
-      </p:nvGrpSpPr>
-      <p:grpSpPr>
-        <a:xfrm>
-          <a:off x="0" y="0"/>
-          <a:ext cx="0" cy="0"/>
-          <a:chOff x="0" y="0"/>
-          <a:chExt cx="0" cy="0"/>
-        </a:xfrm>
-      </p:grpSpPr>
-    </p:spTree>
-    <p:extLst>
-      <p:ext uri="{BB962C8B-B14F-4D97-AF65-F5344CB8AC3E}">
-        <p14:creationId xmlns:p14="http://schemas.microsoft.com/office/powerpoint/2010/main" val="1926297988"/>
-      </p:ext>
-    </p:extLst>
-  </p:cSld>
-  <p:clrMapOvr>
-    <a:masterClrMapping/>
-  </p:clrMapOvr>
-</p:sld>
-</file>
-
-<file path=ppt/slides/slide93.xml><?xml version="1.0" encoding="utf-8"?>
-<p:sld xmlns:a="http://schemas.openxmlformats.org/drawingml/2006/main" xmlns:r="http://schemas.openxmlformats.org/officeDocument/2006/relationships" xmlns:p="http://schemas.openxmlformats.org/presentationml/2006/main">
-  <p:cSld>
-    <p:spTree>
-      <p:nvGrpSpPr>
-        <p:cNvPr id="1" name=""/>
-        <p:cNvGrpSpPr/>
-        <p:nvPr/>
-      </p:nvGrpSpPr>
-      <p:grpSpPr>
-        <a:xfrm>
-          <a:off x="0" y="0"/>
-          <a:ext cx="0" cy="0"/>
-          <a:chOff x="0" y="0"/>
-          <a:chExt cx="0" cy="0"/>
-        </a:xfrm>
-      </p:grpSpPr>
-    </p:spTree>
-    <p:extLst>
-      <p:ext uri="{BB962C8B-B14F-4D97-AF65-F5344CB8AC3E}">
-        <p14:creationId xmlns:p14="http://schemas.microsoft.com/office/powerpoint/2010/main" val="3004199578"/>
-      </p:ext>
-    </p:extLst>
-  </p:cSld>
-  <p:clrMapOvr>
-    <a:masterClrMapping/>
-  </p:clrMapOvr>
-</p:sld>
-</file>
-
-<file path=ppt/slides/slide94.xml><?xml version="1.0" encoding="utf-8"?>
-<p:sld xmlns:a="http://schemas.openxmlformats.org/drawingml/2006/main" xmlns:r="http://schemas.openxmlformats.org/officeDocument/2006/relationships" xmlns:p="http://schemas.openxmlformats.org/presentationml/2006/main">
-  <p:cSld>
-    <p:spTree>
-      <p:nvGrpSpPr>
-        <p:cNvPr id="1" name=""/>
-        <p:cNvGrpSpPr/>
-        <p:nvPr/>
-      </p:nvGrpSpPr>
-      <p:grpSpPr>
-        <a:xfrm>
-          <a:off x="0" y="0"/>
-          <a:ext cx="0" cy="0"/>
-          <a:chOff x="0" y="0"/>
-          <a:chExt cx="0" cy="0"/>
-        </a:xfrm>
-      </p:grpSpPr>
-    </p:spTree>
-    <p:extLst>
-      <p:ext uri="{BB962C8B-B14F-4D97-AF65-F5344CB8AC3E}">
-        <p14:creationId xmlns:p14="http://schemas.microsoft.com/office/powerpoint/2010/main" val="4022498903"/>
-      </p:ext>
-    </p:extLst>
-  </p:cSld>
-  <p:clrMapOvr>
-    <a:masterClrMapping/>
-  </p:clrMapOvr>
-</p:sld>
-</file>
-
-<file path=ppt/slides/slide95.xml><?xml version="1.0" encoding="utf-8"?>
-<p:sld xmlns:a="http://schemas.openxmlformats.org/drawingml/2006/main" xmlns:r="http://schemas.openxmlformats.org/officeDocument/2006/relationships" xmlns:p="http://schemas.openxmlformats.org/presentationml/2006/main">
-  <p:cSld>
-    <p:spTree>
-      <p:nvGrpSpPr>
-        <p:cNvPr id="1" name=""/>
-        <p:cNvGrpSpPr/>
-        <p:nvPr/>
-      </p:nvGrpSpPr>
-      <p:grpSpPr>
-        <a:xfrm>
-          <a:off x="0" y="0"/>
-          <a:ext cx="0" cy="0"/>
-          <a:chOff x="0" y="0"/>
-          <a:chExt cx="0" cy="0"/>
-        </a:xfrm>
-      </p:grpSpPr>
-    </p:spTree>
-    <p:extLst>
-      <p:ext uri="{BB962C8B-B14F-4D97-AF65-F5344CB8AC3E}">
-        <p14:creationId xmlns:p14="http://schemas.microsoft.com/office/powerpoint/2010/main" val="4022498903"/>
-      </p:ext>
-    </p:extLst>
-  </p:cSld>
-  <p:clrMapOvr>
-    <a:masterClrMapping/>
-  </p:clrMapOvr>
-</p:sld>
-</file>
-
-<file path=ppt/slides/slide96.xml><?xml version="1.0" encoding="utf-8"?>
-<p:sld xmlns:a="http://schemas.openxmlformats.org/drawingml/2006/main" xmlns:r="http://schemas.openxmlformats.org/officeDocument/2006/relationships" xmlns:p="http://schemas.openxmlformats.org/presentationml/2006/main">
-  <p:cSld>
-    <p:spTree>
-      <p:nvGrpSpPr>
-        <p:cNvPr id="1" name=""/>
-        <p:cNvGrpSpPr/>
-        <p:nvPr/>
-      </p:nvGrpSpPr>
-      <p:grpSpPr>
-        <a:xfrm>
-          <a:off x="0" y="0"/>
-          <a:ext cx="0" cy="0"/>
-          <a:chOff x="0" y="0"/>
-          <a:chExt cx="0" cy="0"/>
-        </a:xfrm>
-      </p:grpSpPr>
-    </p:spTree>
-    <p:extLst>
-      <p:ext uri="{BB962C8B-B14F-4D97-AF65-F5344CB8AC3E}">
-        <p14:creationId xmlns:p14="http://schemas.microsoft.com/office/powerpoint/2010/main" val="4022498903"/>
-      </p:ext>
-    </p:extLst>
-  </p:cSld>
-  <p:clrMapOvr>
-    <a:masterClrMapping/>
-  </p:clrMapOvr>
-</p:sld>
-</file>
-
-<file path=ppt/slides/slide97.xml><?xml version="1.0" encoding="utf-8"?>
-<p:sld xmlns:a="http://schemas.openxmlformats.org/drawingml/2006/main" xmlns:r="http://schemas.openxmlformats.org/officeDocument/2006/relationships" xmlns:p="http://schemas.openxmlformats.org/presentationml/2006/main">
-  <p:cSld>
-    <p:spTree>
-      <p:nvGrpSpPr>
-        <p:cNvPr id="1" name=""/>
-        <p:cNvGrpSpPr/>
-        <p:nvPr/>
-      </p:nvGrpSpPr>
-      <p:grpSpPr>
-        <a:xfrm>
-          <a:off x="0" y="0"/>
-          <a:ext cx="0" cy="0"/>
-          <a:chOff x="0" y="0"/>
-          <a:chExt cx="0" cy="0"/>
-        </a:xfrm>
-      </p:grpSpPr>
-    </p:spTree>
-    <p:extLst>
-      <p:ext uri="{BB962C8B-B14F-4D97-AF65-F5344CB8AC3E}">
-        <p14:creationId xmlns:p14="http://schemas.microsoft.com/office/powerpoint/2010/main" val="4022498903"/>
-      </p:ext>
-    </p:extLst>
-  </p:cSld>
-  <p:clrMapOvr>
-    <a:masterClrMapping/>
-  </p:clrMapOvr>
-</p:sld>
-</file>
-
-<file path=ppt/slides/slide98.xml><?xml version="1.0" encoding="utf-8"?>
-<p:sld xmlns:a="http://schemas.openxmlformats.org/drawingml/2006/main" xmlns:r="http://schemas.openxmlformats.org/officeDocument/2006/relationships" xmlns:p="http://schemas.openxmlformats.org/presentationml/2006/main">
-  <p:cSld>
-    <p:spTree>
-      <p:nvGrpSpPr>
-        <p:cNvPr id="1" name=""/>
-        <p:cNvGrpSpPr/>
-        <p:nvPr/>
-      </p:nvGrpSpPr>
-      <p:grpSpPr>
-        <a:xfrm>
-          <a:off x="0" y="0"/>
-          <a:ext cx="0" cy="0"/>
-          <a:chOff x="0" y="0"/>
-          <a:chExt cx="0" cy="0"/>
-        </a:xfrm>
-      </p:grpSpPr>
-    </p:spTree>
-    <p:extLst>
-      <p:ext uri="{BB962C8B-B14F-4D97-AF65-F5344CB8AC3E}">
-        <p14:creationId xmlns:p14="http://schemas.microsoft.com/office/powerpoint/2010/main" val="4022498903"/>
-      </p:ext>
-    </p:extLst>
-  </p:cSld>
-  <p:clrMapOvr>
-    <a:masterClrMapping/>
-  </p:clrMapOvr>
-</p:sld>
-</file>
-
-<file path=ppt/slides/slide99.xml><?xml version="1.0" encoding="utf-8"?>
-<p:sld xmlns:a="http://schemas.openxmlformats.org/drawingml/2006/main" xmlns:r="http://schemas.openxmlformats.org/officeDocument/2006/relationships" xmlns:p="http://schemas.openxmlformats.org/presentationml/2006/main">
-  <p:cSld>
-    <p:spTree>
-      <p:nvGrpSpPr>
-        <p:cNvPr id="1" name=""/>
-        <p:cNvGrpSpPr/>
-        <p:nvPr/>
-      </p:nvGrpSpPr>
-      <p:grpSpPr>
-        <a:xfrm>
-          <a:off x="0" y="0"/>
-          <a:ext cx="0" cy="0"/>
-          <a:chOff x="0" y="0"/>
-          <a:chExt cx="0" cy="0"/>
-        </a:xfrm>
-      </p:grpSpPr>
-    </p:spTree>
-    <p:extLst>
-      <p:ext uri="{BB962C8B-B14F-4D97-AF65-F5344CB8AC3E}">
-        <p14:creationId xmlns:p14="http://schemas.microsoft.com/office/powerpoint/2010/main" val="4022498903"/>
-      </p:ext>
-    </p:extLst>
-  </p:cSld>
-  <p:clrMapOvr>
-    <a:masterClrMapping/>
-  </p:clrMapOvr>
 </p:sld>
 </file>
 
